--- a/prezentacja-v1.pptx
+++ b/prezentacja-v1.pptx
@@ -6,10 +6,24 @@
   </p:sldMasterIdLst>
   <p:sldIdLst>
     <p:sldId id="256" r:id="rId2"/>
-    <p:sldId id="257" r:id="rId3"/>
-    <p:sldId id="260" r:id="rId4"/>
-    <p:sldId id="258" r:id="rId5"/>
-    <p:sldId id="259" r:id="rId6"/>
+    <p:sldId id="261" r:id="rId3"/>
+    <p:sldId id="257" r:id="rId4"/>
+    <p:sldId id="262" r:id="rId5"/>
+    <p:sldId id="263" r:id="rId6"/>
+    <p:sldId id="264" r:id="rId7"/>
+    <p:sldId id="265" r:id="rId8"/>
+    <p:sldId id="266" r:id="rId9"/>
+    <p:sldId id="267" r:id="rId10"/>
+    <p:sldId id="268" r:id="rId11"/>
+    <p:sldId id="271" r:id="rId12"/>
+    <p:sldId id="269" r:id="rId13"/>
+    <p:sldId id="270" r:id="rId14"/>
+    <p:sldId id="272" r:id="rId15"/>
+    <p:sldId id="273" r:id="rId16"/>
+    <p:sldId id="274" r:id="rId17"/>
+    <p:sldId id="260" r:id="rId18"/>
+    <p:sldId id="258" r:id="rId19"/>
+    <p:sldId id="259" r:id="rId20"/>
   </p:sldIdLst>
   <p:sldSz cx="12192000" cy="6858000"/>
   <p:notesSz cx="6858000" cy="9144000"/>
@@ -108,6 +122,11 @@
       </a:defRPr>
     </a:lvl9pPr>
   </p:defaultTextStyle>
+  <p:extLst>
+    <p:ext uri="{EFAFB233-063F-42B5-8137-9DF3F51BA10A}">
+      <p15:sldGuideLst xmlns:p15="http://schemas.microsoft.com/office/powerpoint/2012/main"/>
+    </p:ext>
+  </p:extLst>
 </p:presentation>
 </file>
 
@@ -858,521 +877,982 @@
 </dgm:colorsDef>
 </file>
 
+<file path=ppt/diagrams/colors2.xml><?xml version="1.0" encoding="utf-8"?>
+<dgm:colorsDef xmlns:dgm="http://schemas.openxmlformats.org/drawingml/2006/diagram" xmlns:a="http://schemas.openxmlformats.org/drawingml/2006/main" uniqueId="urn:microsoft.com/office/officeart/2005/8/colors/accent1_2">
+  <dgm:title val=""/>
+  <dgm:desc val=""/>
+  <dgm:catLst>
+    <dgm:cat type="accent1" pri="11200"/>
+  </dgm:catLst>
+  <dgm:styleLbl name="node0">
+    <dgm:fillClrLst meth="repeat">
+      <a:schemeClr val="accent1"/>
+    </dgm:fillClrLst>
+    <dgm:linClrLst meth="repeat">
+      <a:schemeClr val="lt1"/>
+    </dgm:linClrLst>
+    <dgm:effectClrLst/>
+    <dgm:txLinClrLst/>
+    <dgm:txFillClrLst/>
+    <dgm:txEffectClrLst/>
+  </dgm:styleLbl>
+  <dgm:styleLbl name="alignNode1">
+    <dgm:fillClrLst meth="repeat">
+      <a:schemeClr val="accent1"/>
+    </dgm:fillClrLst>
+    <dgm:linClrLst meth="repeat">
+      <a:schemeClr val="accent1"/>
+    </dgm:linClrLst>
+    <dgm:effectClrLst/>
+    <dgm:txLinClrLst/>
+    <dgm:txFillClrLst/>
+    <dgm:txEffectClrLst/>
+  </dgm:styleLbl>
+  <dgm:styleLbl name="node1">
+    <dgm:fillClrLst meth="repeat">
+      <a:schemeClr val="accent1"/>
+    </dgm:fillClrLst>
+    <dgm:linClrLst meth="repeat">
+      <a:schemeClr val="lt1"/>
+    </dgm:linClrLst>
+    <dgm:effectClrLst/>
+    <dgm:txLinClrLst/>
+    <dgm:txFillClrLst/>
+    <dgm:txEffectClrLst/>
+  </dgm:styleLbl>
+  <dgm:styleLbl name="lnNode1">
+    <dgm:fillClrLst meth="repeat">
+      <a:schemeClr val="accent1"/>
+    </dgm:fillClrLst>
+    <dgm:linClrLst meth="repeat">
+      <a:schemeClr val="lt1"/>
+    </dgm:linClrLst>
+    <dgm:effectClrLst/>
+    <dgm:txLinClrLst/>
+    <dgm:txFillClrLst/>
+    <dgm:txEffectClrLst/>
+  </dgm:styleLbl>
+  <dgm:styleLbl name="vennNode1">
+    <dgm:fillClrLst meth="repeat">
+      <a:schemeClr val="accent1">
+        <a:alpha val="50000"/>
+      </a:schemeClr>
+    </dgm:fillClrLst>
+    <dgm:linClrLst meth="repeat">
+      <a:schemeClr val="lt1"/>
+    </dgm:linClrLst>
+    <dgm:effectClrLst/>
+    <dgm:txLinClrLst/>
+    <dgm:txFillClrLst/>
+    <dgm:txEffectClrLst/>
+  </dgm:styleLbl>
+  <dgm:styleLbl name="node2">
+    <dgm:fillClrLst meth="repeat">
+      <a:schemeClr val="accent1"/>
+    </dgm:fillClrLst>
+    <dgm:linClrLst meth="repeat">
+      <a:schemeClr val="lt1"/>
+    </dgm:linClrLst>
+    <dgm:effectClrLst/>
+    <dgm:txLinClrLst/>
+    <dgm:txFillClrLst/>
+    <dgm:txEffectClrLst/>
+  </dgm:styleLbl>
+  <dgm:styleLbl name="node3">
+    <dgm:fillClrLst meth="repeat">
+      <a:schemeClr val="accent1"/>
+    </dgm:fillClrLst>
+    <dgm:linClrLst meth="repeat">
+      <a:schemeClr val="lt1"/>
+    </dgm:linClrLst>
+    <dgm:effectClrLst/>
+    <dgm:txLinClrLst/>
+    <dgm:txFillClrLst/>
+    <dgm:txEffectClrLst/>
+  </dgm:styleLbl>
+  <dgm:styleLbl name="node4">
+    <dgm:fillClrLst meth="repeat">
+      <a:schemeClr val="accent1"/>
+    </dgm:fillClrLst>
+    <dgm:linClrLst meth="repeat">
+      <a:schemeClr val="lt1"/>
+    </dgm:linClrLst>
+    <dgm:effectClrLst/>
+    <dgm:txLinClrLst/>
+    <dgm:txFillClrLst/>
+    <dgm:txEffectClrLst/>
+  </dgm:styleLbl>
+  <dgm:styleLbl name="fgImgPlace1">
+    <dgm:fillClrLst meth="repeat">
+      <a:schemeClr val="accent1">
+        <a:tint val="50000"/>
+      </a:schemeClr>
+    </dgm:fillClrLst>
+    <dgm:linClrLst meth="repeat">
+      <a:schemeClr val="lt1"/>
+    </dgm:linClrLst>
+    <dgm:effectClrLst/>
+    <dgm:txLinClrLst/>
+    <dgm:txFillClrLst meth="repeat">
+      <a:schemeClr val="lt1"/>
+    </dgm:txFillClrLst>
+    <dgm:txEffectClrLst/>
+  </dgm:styleLbl>
+  <dgm:styleLbl name="alignImgPlace1">
+    <dgm:fillClrLst meth="repeat">
+      <a:schemeClr val="accent1">
+        <a:tint val="50000"/>
+      </a:schemeClr>
+    </dgm:fillClrLst>
+    <dgm:linClrLst meth="repeat">
+      <a:schemeClr val="lt1"/>
+    </dgm:linClrLst>
+    <dgm:effectClrLst/>
+    <dgm:txLinClrLst/>
+    <dgm:txFillClrLst meth="repeat">
+      <a:schemeClr val="lt1"/>
+    </dgm:txFillClrLst>
+    <dgm:txEffectClrLst/>
+  </dgm:styleLbl>
+  <dgm:styleLbl name="bgImgPlace1">
+    <dgm:fillClrLst meth="repeat">
+      <a:schemeClr val="accent1">
+        <a:tint val="50000"/>
+      </a:schemeClr>
+    </dgm:fillClrLst>
+    <dgm:linClrLst meth="repeat">
+      <a:schemeClr val="lt1"/>
+    </dgm:linClrLst>
+    <dgm:effectClrLst/>
+    <dgm:txLinClrLst/>
+    <dgm:txFillClrLst meth="repeat">
+      <a:schemeClr val="lt1"/>
+    </dgm:txFillClrLst>
+    <dgm:txEffectClrLst/>
+  </dgm:styleLbl>
+  <dgm:styleLbl name="sibTrans2D1">
+    <dgm:fillClrLst meth="repeat">
+      <a:schemeClr val="accent1">
+        <a:tint val="60000"/>
+      </a:schemeClr>
+    </dgm:fillClrLst>
+    <dgm:linClrLst meth="repeat">
+      <a:schemeClr val="accent1">
+        <a:tint val="60000"/>
+      </a:schemeClr>
+    </dgm:linClrLst>
+    <dgm:effectClrLst/>
+    <dgm:txLinClrLst/>
+    <dgm:txFillClrLst/>
+    <dgm:txEffectClrLst/>
+  </dgm:styleLbl>
+  <dgm:styleLbl name="fgSibTrans2D1">
+    <dgm:fillClrLst meth="repeat">
+      <a:schemeClr val="accent1">
+        <a:tint val="60000"/>
+      </a:schemeClr>
+    </dgm:fillClrLst>
+    <dgm:linClrLst meth="repeat">
+      <a:schemeClr val="accent1">
+        <a:tint val="60000"/>
+      </a:schemeClr>
+    </dgm:linClrLst>
+    <dgm:effectClrLst/>
+    <dgm:txLinClrLst/>
+    <dgm:txFillClrLst/>
+    <dgm:txEffectClrLst/>
+  </dgm:styleLbl>
+  <dgm:styleLbl name="bgSibTrans2D1">
+    <dgm:fillClrLst meth="repeat">
+      <a:schemeClr val="accent1">
+        <a:tint val="60000"/>
+      </a:schemeClr>
+    </dgm:fillClrLst>
+    <dgm:linClrLst meth="repeat">
+      <a:schemeClr val="accent1">
+        <a:tint val="60000"/>
+      </a:schemeClr>
+    </dgm:linClrLst>
+    <dgm:effectClrLst/>
+    <dgm:txLinClrLst/>
+    <dgm:txFillClrLst/>
+    <dgm:txEffectClrLst/>
+  </dgm:styleLbl>
+  <dgm:styleLbl name="sibTrans1D1">
+    <dgm:fillClrLst meth="repeat">
+      <a:schemeClr val="accent1"/>
+    </dgm:fillClrLst>
+    <dgm:linClrLst meth="repeat">
+      <a:schemeClr val="accent1"/>
+    </dgm:linClrLst>
+    <dgm:effectClrLst/>
+    <dgm:txLinClrLst/>
+    <dgm:txFillClrLst meth="repeat">
+      <a:schemeClr val="tx1"/>
+    </dgm:txFillClrLst>
+    <dgm:txEffectClrLst/>
+  </dgm:styleLbl>
+  <dgm:styleLbl name="callout">
+    <dgm:fillClrLst meth="repeat">
+      <a:schemeClr val="accent1"/>
+    </dgm:fillClrLst>
+    <dgm:linClrLst meth="repeat">
+      <a:schemeClr val="accent1">
+        <a:tint val="50000"/>
+      </a:schemeClr>
+    </dgm:linClrLst>
+    <dgm:effectClrLst/>
+    <dgm:txLinClrLst/>
+    <dgm:txFillClrLst meth="repeat">
+      <a:schemeClr val="tx1"/>
+    </dgm:txFillClrLst>
+    <dgm:txEffectClrLst/>
+  </dgm:styleLbl>
+  <dgm:styleLbl name="asst0">
+    <dgm:fillClrLst meth="repeat">
+      <a:schemeClr val="accent1"/>
+    </dgm:fillClrLst>
+    <dgm:linClrLst meth="repeat">
+      <a:schemeClr val="lt1"/>
+    </dgm:linClrLst>
+    <dgm:effectClrLst/>
+    <dgm:txLinClrLst/>
+    <dgm:txFillClrLst/>
+    <dgm:txEffectClrLst/>
+  </dgm:styleLbl>
+  <dgm:styleLbl name="asst1">
+    <dgm:fillClrLst meth="repeat">
+      <a:schemeClr val="accent1"/>
+    </dgm:fillClrLst>
+    <dgm:linClrLst meth="repeat">
+      <a:schemeClr val="lt1"/>
+    </dgm:linClrLst>
+    <dgm:effectClrLst/>
+    <dgm:txLinClrLst/>
+    <dgm:txFillClrLst/>
+    <dgm:txEffectClrLst/>
+  </dgm:styleLbl>
+  <dgm:styleLbl name="asst2">
+    <dgm:fillClrLst meth="repeat">
+      <a:schemeClr val="accent1"/>
+    </dgm:fillClrLst>
+    <dgm:linClrLst meth="repeat">
+      <a:schemeClr val="lt1"/>
+    </dgm:linClrLst>
+    <dgm:effectClrLst/>
+    <dgm:txLinClrLst/>
+    <dgm:txFillClrLst/>
+    <dgm:txEffectClrLst/>
+  </dgm:styleLbl>
+  <dgm:styleLbl name="asst3">
+    <dgm:fillClrLst meth="repeat">
+      <a:schemeClr val="accent1"/>
+    </dgm:fillClrLst>
+    <dgm:linClrLst meth="repeat">
+      <a:schemeClr val="lt1"/>
+    </dgm:linClrLst>
+    <dgm:effectClrLst/>
+    <dgm:txLinClrLst/>
+    <dgm:txFillClrLst/>
+    <dgm:txEffectClrLst/>
+  </dgm:styleLbl>
+  <dgm:styleLbl name="asst4">
+    <dgm:fillClrLst meth="repeat">
+      <a:schemeClr val="accent1"/>
+    </dgm:fillClrLst>
+    <dgm:linClrLst meth="repeat">
+      <a:schemeClr val="lt1"/>
+    </dgm:linClrLst>
+    <dgm:effectClrLst/>
+    <dgm:txLinClrLst/>
+    <dgm:txFillClrLst/>
+    <dgm:txEffectClrLst/>
+  </dgm:styleLbl>
+  <dgm:styleLbl name="parChTrans2D1">
+    <dgm:fillClrLst meth="repeat">
+      <a:schemeClr val="accent1">
+        <a:tint val="60000"/>
+      </a:schemeClr>
+    </dgm:fillClrLst>
+    <dgm:linClrLst meth="repeat">
+      <a:schemeClr val="accent1">
+        <a:tint val="60000"/>
+      </a:schemeClr>
+    </dgm:linClrLst>
+    <dgm:effectClrLst/>
+    <dgm:txLinClrLst/>
+    <dgm:txFillClrLst meth="repeat">
+      <a:schemeClr val="lt1"/>
+    </dgm:txFillClrLst>
+    <dgm:txEffectClrLst/>
+  </dgm:styleLbl>
+  <dgm:styleLbl name="parChTrans2D2">
+    <dgm:fillClrLst meth="repeat">
+      <a:schemeClr val="accent1"/>
+    </dgm:fillClrLst>
+    <dgm:linClrLst meth="repeat">
+      <a:schemeClr val="accent1"/>
+    </dgm:linClrLst>
+    <dgm:effectClrLst/>
+    <dgm:txLinClrLst/>
+    <dgm:txFillClrLst meth="repeat">
+      <a:schemeClr val="lt1"/>
+    </dgm:txFillClrLst>
+    <dgm:txEffectClrLst/>
+  </dgm:styleLbl>
+  <dgm:styleLbl name="parChTrans2D3">
+    <dgm:fillClrLst meth="repeat">
+      <a:schemeClr val="accent1"/>
+    </dgm:fillClrLst>
+    <dgm:linClrLst meth="repeat">
+      <a:schemeClr val="accent1"/>
+    </dgm:linClrLst>
+    <dgm:effectClrLst/>
+    <dgm:txLinClrLst/>
+    <dgm:txFillClrLst meth="repeat">
+      <a:schemeClr val="lt1"/>
+    </dgm:txFillClrLst>
+    <dgm:txEffectClrLst/>
+  </dgm:styleLbl>
+  <dgm:styleLbl name="parChTrans2D4">
+    <dgm:fillClrLst meth="repeat">
+      <a:schemeClr val="accent1"/>
+    </dgm:fillClrLst>
+    <dgm:linClrLst meth="repeat">
+      <a:schemeClr val="accent1"/>
+    </dgm:linClrLst>
+    <dgm:effectClrLst/>
+    <dgm:txLinClrLst/>
+    <dgm:txFillClrLst meth="repeat">
+      <a:schemeClr val="lt1"/>
+    </dgm:txFillClrLst>
+    <dgm:txEffectClrLst/>
+  </dgm:styleLbl>
+  <dgm:styleLbl name="parChTrans1D1">
+    <dgm:fillClrLst meth="repeat">
+      <a:schemeClr val="accent1"/>
+    </dgm:fillClrLst>
+    <dgm:linClrLst meth="repeat">
+      <a:schemeClr val="accent1">
+        <a:shade val="60000"/>
+      </a:schemeClr>
+    </dgm:linClrLst>
+    <dgm:effectClrLst/>
+    <dgm:txLinClrLst/>
+    <dgm:txFillClrLst meth="repeat">
+      <a:schemeClr val="tx1"/>
+    </dgm:txFillClrLst>
+    <dgm:txEffectClrLst/>
+  </dgm:styleLbl>
+  <dgm:styleLbl name="parChTrans1D2">
+    <dgm:fillClrLst meth="repeat">
+      <a:schemeClr val="accent1"/>
+    </dgm:fillClrLst>
+    <dgm:linClrLst meth="repeat">
+      <a:schemeClr val="accent1">
+        <a:shade val="60000"/>
+      </a:schemeClr>
+    </dgm:linClrLst>
+    <dgm:effectClrLst/>
+    <dgm:txLinClrLst/>
+    <dgm:txFillClrLst meth="repeat">
+      <a:schemeClr val="tx1"/>
+    </dgm:txFillClrLst>
+    <dgm:txEffectClrLst/>
+  </dgm:styleLbl>
+  <dgm:styleLbl name="parChTrans1D3">
+    <dgm:fillClrLst meth="repeat">
+      <a:schemeClr val="accent1"/>
+    </dgm:fillClrLst>
+    <dgm:linClrLst meth="repeat">
+      <a:schemeClr val="accent1">
+        <a:shade val="80000"/>
+      </a:schemeClr>
+    </dgm:linClrLst>
+    <dgm:effectClrLst/>
+    <dgm:txLinClrLst/>
+    <dgm:txFillClrLst meth="repeat">
+      <a:schemeClr val="tx1"/>
+    </dgm:txFillClrLst>
+    <dgm:txEffectClrLst/>
+  </dgm:styleLbl>
+  <dgm:styleLbl name="parChTrans1D4">
+    <dgm:fillClrLst meth="repeat">
+      <a:schemeClr val="accent1"/>
+    </dgm:fillClrLst>
+    <dgm:linClrLst meth="repeat">
+      <a:schemeClr val="accent1">
+        <a:shade val="80000"/>
+      </a:schemeClr>
+    </dgm:linClrLst>
+    <dgm:effectClrLst/>
+    <dgm:txLinClrLst/>
+    <dgm:txFillClrLst meth="repeat">
+      <a:schemeClr val="tx1"/>
+    </dgm:txFillClrLst>
+    <dgm:txEffectClrLst/>
+  </dgm:styleLbl>
+  <dgm:styleLbl name="fgAcc1">
+    <dgm:fillClrLst meth="repeat">
+      <a:schemeClr val="lt1">
+        <a:alpha val="90000"/>
+      </a:schemeClr>
+    </dgm:fillClrLst>
+    <dgm:linClrLst meth="repeat">
+      <a:schemeClr val="accent1"/>
+    </dgm:linClrLst>
+    <dgm:effectClrLst/>
+    <dgm:txLinClrLst/>
+    <dgm:txFillClrLst meth="repeat">
+      <a:schemeClr val="dk1"/>
+    </dgm:txFillClrLst>
+    <dgm:txEffectClrLst/>
+  </dgm:styleLbl>
+  <dgm:styleLbl name="conFgAcc1">
+    <dgm:fillClrLst meth="repeat">
+      <a:schemeClr val="lt1">
+        <a:alpha val="90000"/>
+      </a:schemeClr>
+    </dgm:fillClrLst>
+    <dgm:linClrLst meth="repeat">
+      <a:schemeClr val="accent1"/>
+    </dgm:linClrLst>
+    <dgm:effectClrLst/>
+    <dgm:txLinClrLst/>
+    <dgm:txFillClrLst meth="repeat">
+      <a:schemeClr val="dk1"/>
+    </dgm:txFillClrLst>
+    <dgm:txEffectClrLst/>
+  </dgm:styleLbl>
+  <dgm:styleLbl name="alignAcc1">
+    <dgm:fillClrLst meth="repeat">
+      <a:schemeClr val="lt1">
+        <a:alpha val="90000"/>
+      </a:schemeClr>
+    </dgm:fillClrLst>
+    <dgm:linClrLst meth="repeat">
+      <a:schemeClr val="accent1"/>
+    </dgm:linClrLst>
+    <dgm:effectClrLst/>
+    <dgm:txLinClrLst/>
+    <dgm:txFillClrLst meth="repeat">
+      <a:schemeClr val="dk1"/>
+    </dgm:txFillClrLst>
+    <dgm:txEffectClrLst/>
+  </dgm:styleLbl>
+  <dgm:styleLbl name="trAlignAcc1">
+    <dgm:fillClrLst meth="repeat">
+      <a:schemeClr val="lt1">
+        <a:alpha val="40000"/>
+      </a:schemeClr>
+    </dgm:fillClrLst>
+    <dgm:linClrLst meth="repeat">
+      <a:schemeClr val="accent1"/>
+    </dgm:linClrLst>
+    <dgm:effectClrLst/>
+    <dgm:txLinClrLst/>
+    <dgm:txFillClrLst meth="repeat">
+      <a:schemeClr val="dk1"/>
+    </dgm:txFillClrLst>
+    <dgm:txEffectClrLst/>
+  </dgm:styleLbl>
+  <dgm:styleLbl name="bgAcc1">
+    <dgm:fillClrLst meth="repeat">
+      <a:schemeClr val="lt1">
+        <a:alpha val="90000"/>
+      </a:schemeClr>
+    </dgm:fillClrLst>
+    <dgm:linClrLst meth="repeat">
+      <a:schemeClr val="accent1"/>
+    </dgm:linClrLst>
+    <dgm:effectClrLst/>
+    <dgm:txLinClrLst/>
+    <dgm:txFillClrLst meth="repeat">
+      <a:schemeClr val="dk1"/>
+    </dgm:txFillClrLst>
+    <dgm:txEffectClrLst/>
+  </dgm:styleLbl>
+  <dgm:styleLbl name="solidFgAcc1">
+    <dgm:fillClrLst meth="repeat">
+      <a:schemeClr val="lt1"/>
+    </dgm:fillClrLst>
+    <dgm:linClrLst meth="repeat">
+      <a:schemeClr val="accent1"/>
+    </dgm:linClrLst>
+    <dgm:effectClrLst/>
+    <dgm:txLinClrLst/>
+    <dgm:txFillClrLst meth="repeat">
+      <a:schemeClr val="dk1"/>
+    </dgm:txFillClrLst>
+    <dgm:txEffectClrLst/>
+  </dgm:styleLbl>
+  <dgm:styleLbl name="solidAlignAcc1">
+    <dgm:fillClrLst meth="repeat">
+      <a:schemeClr val="lt1"/>
+    </dgm:fillClrLst>
+    <dgm:linClrLst meth="repeat">
+      <a:schemeClr val="accent1"/>
+    </dgm:linClrLst>
+    <dgm:effectClrLst/>
+    <dgm:txLinClrLst/>
+    <dgm:txFillClrLst meth="repeat">
+      <a:schemeClr val="dk1"/>
+    </dgm:txFillClrLst>
+    <dgm:txEffectClrLst/>
+  </dgm:styleLbl>
+  <dgm:styleLbl name="solidBgAcc1">
+    <dgm:fillClrLst meth="repeat">
+      <a:schemeClr val="lt1"/>
+    </dgm:fillClrLst>
+    <dgm:linClrLst meth="repeat">
+      <a:schemeClr val="accent1"/>
+    </dgm:linClrLst>
+    <dgm:effectClrLst/>
+    <dgm:txLinClrLst/>
+    <dgm:txFillClrLst meth="repeat">
+      <a:schemeClr val="dk1"/>
+    </dgm:txFillClrLst>
+    <dgm:txEffectClrLst/>
+  </dgm:styleLbl>
+  <dgm:styleLbl name="fgAccFollowNode1">
+    <dgm:fillClrLst meth="repeat">
+      <a:schemeClr val="accent1">
+        <a:alpha val="90000"/>
+        <a:tint val="40000"/>
+      </a:schemeClr>
+    </dgm:fillClrLst>
+    <dgm:linClrLst meth="repeat">
+      <a:schemeClr val="accent1">
+        <a:alpha val="90000"/>
+        <a:tint val="40000"/>
+      </a:schemeClr>
+    </dgm:linClrLst>
+    <dgm:effectClrLst/>
+    <dgm:txLinClrLst/>
+    <dgm:txFillClrLst meth="repeat">
+      <a:schemeClr val="dk1"/>
+    </dgm:txFillClrLst>
+    <dgm:txEffectClrLst/>
+  </dgm:styleLbl>
+  <dgm:styleLbl name="alignAccFollowNode1">
+    <dgm:fillClrLst meth="repeat">
+      <a:schemeClr val="accent1">
+        <a:alpha val="90000"/>
+        <a:tint val="40000"/>
+      </a:schemeClr>
+    </dgm:fillClrLst>
+    <dgm:linClrLst meth="repeat">
+      <a:schemeClr val="accent1">
+        <a:alpha val="90000"/>
+        <a:tint val="40000"/>
+      </a:schemeClr>
+    </dgm:linClrLst>
+    <dgm:effectClrLst/>
+    <dgm:txLinClrLst/>
+    <dgm:txFillClrLst meth="repeat">
+      <a:schemeClr val="dk1"/>
+    </dgm:txFillClrLst>
+    <dgm:txEffectClrLst/>
+  </dgm:styleLbl>
+  <dgm:styleLbl name="bgAccFollowNode1">
+    <dgm:fillClrLst meth="repeat">
+      <a:schemeClr val="accent1">
+        <a:alpha val="90000"/>
+        <a:tint val="40000"/>
+      </a:schemeClr>
+    </dgm:fillClrLst>
+    <dgm:linClrLst meth="repeat">
+      <a:schemeClr val="accent1">
+        <a:alpha val="90000"/>
+        <a:tint val="40000"/>
+      </a:schemeClr>
+    </dgm:linClrLst>
+    <dgm:effectClrLst/>
+    <dgm:txLinClrLst/>
+    <dgm:txFillClrLst meth="repeat">
+      <a:schemeClr val="dk1"/>
+    </dgm:txFillClrLst>
+    <dgm:txEffectClrLst/>
+  </dgm:styleLbl>
+  <dgm:styleLbl name="fgAcc0">
+    <dgm:fillClrLst meth="repeat">
+      <a:schemeClr val="lt1">
+        <a:alpha val="90000"/>
+      </a:schemeClr>
+    </dgm:fillClrLst>
+    <dgm:linClrLst meth="repeat">
+      <a:schemeClr val="accent1"/>
+    </dgm:linClrLst>
+    <dgm:effectClrLst/>
+    <dgm:txLinClrLst/>
+    <dgm:txFillClrLst meth="repeat">
+      <a:schemeClr val="dk1"/>
+    </dgm:txFillClrLst>
+    <dgm:txEffectClrLst/>
+  </dgm:styleLbl>
+  <dgm:styleLbl name="fgAcc2">
+    <dgm:fillClrLst meth="repeat">
+      <a:schemeClr val="lt1">
+        <a:alpha val="90000"/>
+      </a:schemeClr>
+    </dgm:fillClrLst>
+    <dgm:linClrLst meth="repeat">
+      <a:schemeClr val="accent1"/>
+    </dgm:linClrLst>
+    <dgm:effectClrLst/>
+    <dgm:txLinClrLst/>
+    <dgm:txFillClrLst meth="repeat">
+      <a:schemeClr val="dk1"/>
+    </dgm:txFillClrLst>
+    <dgm:txEffectClrLst/>
+  </dgm:styleLbl>
+  <dgm:styleLbl name="fgAcc3">
+    <dgm:fillClrLst meth="repeat">
+      <a:schemeClr val="lt1">
+        <a:alpha val="90000"/>
+      </a:schemeClr>
+    </dgm:fillClrLst>
+    <dgm:linClrLst meth="repeat">
+      <a:schemeClr val="accent1"/>
+    </dgm:linClrLst>
+    <dgm:effectClrLst/>
+    <dgm:txLinClrLst/>
+    <dgm:txFillClrLst meth="repeat">
+      <a:schemeClr val="dk1"/>
+    </dgm:txFillClrLst>
+    <dgm:txEffectClrLst/>
+  </dgm:styleLbl>
+  <dgm:styleLbl name="fgAcc4">
+    <dgm:fillClrLst meth="repeat">
+      <a:schemeClr val="lt1">
+        <a:alpha val="90000"/>
+      </a:schemeClr>
+    </dgm:fillClrLst>
+    <dgm:linClrLst meth="repeat">
+      <a:schemeClr val="accent1"/>
+    </dgm:linClrLst>
+    <dgm:effectClrLst/>
+    <dgm:txLinClrLst/>
+    <dgm:txFillClrLst meth="repeat">
+      <a:schemeClr val="dk1"/>
+    </dgm:txFillClrLst>
+    <dgm:txEffectClrLst/>
+  </dgm:styleLbl>
+  <dgm:styleLbl name="bgShp">
+    <dgm:fillClrLst meth="repeat">
+      <a:schemeClr val="accent1">
+        <a:tint val="40000"/>
+      </a:schemeClr>
+    </dgm:fillClrLst>
+    <dgm:linClrLst meth="repeat">
+      <a:schemeClr val="accent1"/>
+    </dgm:linClrLst>
+    <dgm:effectClrLst/>
+    <dgm:txLinClrLst/>
+    <dgm:txFillClrLst meth="repeat">
+      <a:schemeClr val="dk1"/>
+    </dgm:txFillClrLst>
+    <dgm:txEffectClrLst/>
+  </dgm:styleLbl>
+  <dgm:styleLbl name="dkBgShp">
+    <dgm:fillClrLst meth="repeat">
+      <a:schemeClr val="accent1">
+        <a:shade val="80000"/>
+      </a:schemeClr>
+    </dgm:fillClrLst>
+    <dgm:linClrLst meth="repeat">
+      <a:schemeClr val="accent1"/>
+    </dgm:linClrLst>
+    <dgm:effectClrLst/>
+    <dgm:txLinClrLst/>
+    <dgm:txFillClrLst meth="repeat">
+      <a:schemeClr val="lt1"/>
+    </dgm:txFillClrLst>
+    <dgm:txEffectClrLst/>
+  </dgm:styleLbl>
+  <dgm:styleLbl name="trBgShp">
+    <dgm:fillClrLst meth="repeat">
+      <a:schemeClr val="accent1">
+        <a:tint val="50000"/>
+        <a:alpha val="40000"/>
+      </a:schemeClr>
+    </dgm:fillClrLst>
+    <dgm:linClrLst meth="repeat">
+      <a:schemeClr val="accent1"/>
+    </dgm:linClrLst>
+    <dgm:effectClrLst/>
+    <dgm:txLinClrLst/>
+    <dgm:txFillClrLst meth="repeat">
+      <a:schemeClr val="lt1"/>
+    </dgm:txFillClrLst>
+    <dgm:txEffectClrLst/>
+  </dgm:styleLbl>
+  <dgm:styleLbl name="fgShp">
+    <dgm:fillClrLst meth="repeat">
+      <a:schemeClr val="accent1">
+        <a:tint val="60000"/>
+      </a:schemeClr>
+    </dgm:fillClrLst>
+    <dgm:linClrLst meth="repeat">
+      <a:schemeClr val="lt1"/>
+    </dgm:linClrLst>
+    <dgm:effectClrLst/>
+    <dgm:txLinClrLst/>
+    <dgm:txFillClrLst meth="repeat">
+      <a:schemeClr val="dk1"/>
+    </dgm:txFillClrLst>
+    <dgm:txEffectClrLst/>
+  </dgm:styleLbl>
+  <dgm:styleLbl name="revTx">
+    <dgm:fillClrLst meth="repeat">
+      <a:schemeClr val="lt1">
+        <a:alpha val="0"/>
+      </a:schemeClr>
+    </dgm:fillClrLst>
+    <dgm:linClrLst meth="repeat">
+      <a:schemeClr val="dk1">
+        <a:alpha val="0"/>
+      </a:schemeClr>
+    </dgm:linClrLst>
+    <dgm:effectClrLst/>
+    <dgm:txLinClrLst/>
+    <dgm:txFillClrLst meth="repeat">
+      <a:schemeClr val="tx1"/>
+    </dgm:txFillClrLst>
+    <dgm:txEffectClrLst/>
+  </dgm:styleLbl>
+</dgm:colorsDef>
+</file>
+
 <file path=ppt/diagrams/data1.xml><?xml version="1.0" encoding="utf-8"?>
 <dgm:dataModel xmlns:dgm="http://schemas.openxmlformats.org/drawingml/2006/diagram" xmlns:a="http://schemas.openxmlformats.org/drawingml/2006/main">
   <dgm:ptLst>
-    <dgm:pt modelId="{30CE309B-3787-594D-9A88-61ABC0F8075D}" type="doc">
-      <dgm:prSet loTypeId="urn:microsoft.com/office/officeart/2005/8/layout/StepDownProcess" loCatId="" qsTypeId="urn:microsoft.com/office/officeart/2005/8/quickstyle/simple1" qsCatId="simple" csTypeId="urn:microsoft.com/office/officeart/2005/8/colors/accent1_2" csCatId="accent1" phldr="1"/>
+    <dgm:pt modelId="{4ECEE021-A37A-9446-A27B-647B73BCBF66}" type="doc">
+      <dgm:prSet loTypeId="urn:microsoft.com/office/officeart/2005/8/layout/vList3" loCatId="" qsTypeId="urn:microsoft.com/office/officeart/2005/8/quickstyle/simple1" qsCatId="simple" csTypeId="urn:microsoft.com/office/officeart/2005/8/colors/accent1_2" csCatId="accent1" phldr="1"/>
+      <dgm:spPr/>
+    </dgm:pt>
+    <dgm:pt modelId="{C431AAA0-AC62-3147-80B7-0527F6CB85CB}">
+      <dgm:prSet phldrT="[Text]"/>
       <dgm:spPr/>
       <dgm:t>
         <a:bodyPr/>
         <a:lstStyle/>
         <a:p>
-          <a:endParaRPr lang="pl-PL"/>
+          <a:pPr>
+            <a:buFont typeface="Arial" panose="020B0604020202020204" pitchFamily="34" charset="0"/>
+            <a:buChar char="•"/>
+          </a:pPr>
+          <a:endParaRPr lang="en-PL" b="0" i="0" u="none" dirty="0"/>
+        </a:p>
+        <a:p>
+          <a:pPr>
+            <a:buFont typeface="Arial" panose="020B0604020202020204" pitchFamily="34" charset="0"/>
+            <a:buChar char="•"/>
+          </a:pPr>
+          <a:r>
+            <a:rPr lang="en-GB" b="0" i="0" u="none" dirty="0" err="1"/>
+            <a:t>Czy</a:t>
+          </a:r>
+          <a:r>
+            <a:rPr lang="en-GB" b="0" i="0" u="none" dirty="0"/>
+            <a:t> </a:t>
+          </a:r>
+          <a:r>
+            <a:rPr lang="en-GB" b="0" i="0" u="none" dirty="0" err="1"/>
+            <a:t>cel</a:t>
+          </a:r>
+          <a:r>
+            <a:rPr lang="en-GB" b="0" i="0" u="none" dirty="0"/>
+            <a:t> </a:t>
+          </a:r>
+          <a:r>
+            <a:rPr lang="en-GB" b="0" i="0" u="none" dirty="0" err="1"/>
+            <a:t>rozwiązania</a:t>
+          </a:r>
+          <a:r>
+            <a:rPr lang="en-GB" b="0" i="0" u="none" dirty="0"/>
+            <a:t> HFD jest w </a:t>
+          </a:r>
+          <a:r>
+            <a:rPr lang="en-GB" b="0" i="0" u="none" dirty="0" err="1"/>
+            <a:t>pełni</a:t>
+          </a:r>
+          <a:r>
+            <a:rPr lang="en-GB" b="0" i="0" u="none" dirty="0"/>
+            <a:t> </a:t>
+          </a:r>
+          <a:r>
+            <a:rPr lang="en-GB" b="0" i="0" u="none" dirty="0" err="1"/>
+            <a:t>jasny</a:t>
+          </a:r>
+          <a:r>
+            <a:rPr lang="en-GB" b="0" i="0" u="none" dirty="0"/>
+            <a:t> </a:t>
+          </a:r>
+          <a:r>
+            <a:rPr lang="en-GB" b="0" i="0" u="none" dirty="0" err="1"/>
+            <a:t>dla</a:t>
+          </a:r>
+          <a:r>
+            <a:rPr lang="en-GB" b="0" i="0" u="none" dirty="0"/>
+            <a:t> </a:t>
+          </a:r>
+          <a:r>
+            <a:rPr lang="en-GB" b="0" i="0" u="none" dirty="0" err="1"/>
+            <a:t>użytkownika</a:t>
+          </a:r>
+          <a:r>
+            <a:rPr lang="en-GB" b="0" i="0" u="none" dirty="0"/>
+            <a:t>?</a:t>
+          </a:r>
+        </a:p>
+        <a:p>
+          <a:pPr>
+            <a:buFont typeface="Arial" panose="020B0604020202020204" pitchFamily="34" charset="0"/>
+            <a:buChar char="•"/>
+          </a:pPr>
+          <a:endParaRPr lang="en-GB" dirty="0"/>
         </a:p>
       </dgm:t>
     </dgm:pt>
-    <dgm:pt modelId="{8CEF8DA4-835D-5A42-92B2-0A38BF917820}">
-      <dgm:prSet phldrT="[Tekst]"/>
-      <dgm:spPr/>
-      <dgm:t>
-        <a:bodyPr/>
-        <a:lstStyle/>
-        <a:p>
-          <a:pPr rtl="0"/>
-          <a:r>
-            <a:rPr lang="pl-PL" dirty="0"/>
-            <a:t>Ludyczność</a:t>
-          </a:r>
-        </a:p>
-      </dgm:t>
-    </dgm:pt>
-    <dgm:pt modelId="{69B80181-100D-4E44-97A9-17E7E44E0511}" type="parTrans" cxnId="{A89E18B8-AD70-2D4F-9849-9106A017044C}">
+    <dgm:pt modelId="{86996F11-3F97-B543-BD14-7CC195C271E5}" type="parTrans" cxnId="{6CC91911-12FC-F949-9669-A68A2BEA2B7E}">
       <dgm:prSet/>
       <dgm:spPr/>
       <dgm:t>
         <a:bodyPr/>
         <a:lstStyle/>
         <a:p>
-          <a:endParaRPr lang="pl-PL"/>
+          <a:endParaRPr lang="en-GB"/>
         </a:p>
       </dgm:t>
     </dgm:pt>
-    <dgm:pt modelId="{25E241D9-1849-784A-9165-BCC91604D0E3}" type="sibTrans" cxnId="{A89E18B8-AD70-2D4F-9849-9106A017044C}">
+    <dgm:pt modelId="{1063F0E6-DCA2-9344-BE0E-9FF3C02616DF}" type="sibTrans" cxnId="{6CC91911-12FC-F949-9669-A68A2BEA2B7E}">
       <dgm:prSet/>
       <dgm:spPr/>
       <dgm:t>
         <a:bodyPr/>
         <a:lstStyle/>
         <a:p>
-          <a:endParaRPr lang="pl-PL"/>
+          <a:endParaRPr lang="en-GB"/>
         </a:p>
       </dgm:t>
     </dgm:pt>
-    <dgm:pt modelId="{439F8E37-9FC3-8C4A-9614-29225A2E571E}">
-      <dgm:prSet phldrT="[Tekst]"/>
+    <dgm:pt modelId="{E1EC0F4C-41AE-E943-982A-8E8387643534}">
+      <dgm:prSet phldrT="[Text]"/>
       <dgm:spPr/>
       <dgm:t>
         <a:bodyPr/>
         <a:lstStyle/>
         <a:p>
-          <a:pPr rtl="0"/>
+          <a:pPr>
+            <a:buFont typeface="Arial" panose="020B0604020202020204" pitchFamily="34" charset="0"/>
+            <a:buChar char="•"/>
+          </a:pPr>
           <a:r>
-            <a:rPr lang="pl-PL" dirty="0"/>
-            <a:t>Zdolność literatury pięknej do zaspokajania potrzeb rozrywkowych (bajka, komedia, farsa, </a:t>
+            <a:rPr lang="en-GB" b="0" i="0" u="none" dirty="0" err="1"/>
+            <a:t>Czy</a:t>
           </a:r>
           <a:r>
-            <a:rPr lang="pl-PL" dirty="0" err="1"/>
-            <a:t>etc</a:t>
+            <a:rPr lang="en-GB" b="0" i="0" u="none" dirty="0"/>
+            <a:t> </a:t>
           </a:r>
           <a:r>
-            <a:rPr lang="pl-PL" dirty="0"/>
-            <a:t>) </a:t>
+            <a:rPr lang="en-GB" b="0" i="0" u="none" dirty="0" err="1"/>
+            <a:t>użytkownik</a:t>
+          </a:r>
+          <a:r>
+            <a:rPr lang="en-GB" b="0" i="0" u="none" dirty="0"/>
+            <a:t> jest </a:t>
+          </a:r>
+          <a:r>
+            <a:rPr lang="en-GB" b="0" i="0" u="none" dirty="0" err="1"/>
+            <a:t>świadomy</a:t>
+          </a:r>
+          <a:r>
+            <a:rPr lang="en-GB" b="0" i="0" u="none" dirty="0"/>
+            <a:t> </a:t>
+          </a:r>
+          <a:r>
+            <a:rPr lang="en-GB" b="0" i="0" u="none" dirty="0" err="1"/>
+            <a:t>korzystania</a:t>
+          </a:r>
+          <a:r>
+            <a:rPr lang="en-GB" b="0" i="0" u="none" dirty="0"/>
+            <a:t> z </a:t>
+          </a:r>
+          <a:r>
+            <a:rPr lang="en-GB" b="0" i="0" u="none" dirty="0" err="1"/>
+            <a:t>rozwiązania</a:t>
+          </a:r>
+          <a:r>
+            <a:rPr lang="en-GB" b="0" i="0" u="none" dirty="0"/>
+            <a:t> HFD?</a:t>
           </a:r>
         </a:p>
       </dgm:t>
     </dgm:pt>
-    <dgm:pt modelId="{2FA1F91B-17E4-F840-995A-80849DD8D2AA}" type="parTrans" cxnId="{ADBFE287-0CF1-5F4E-B01F-4732BEB83128}">
+    <dgm:pt modelId="{59C289EC-B370-7745-BF34-4A0303FE04EB}" type="parTrans" cxnId="{D85BDC16-0127-FC4B-9A64-C221FD98DE50}">
       <dgm:prSet/>
       <dgm:spPr/>
       <dgm:t>
         <a:bodyPr/>
         <a:lstStyle/>
         <a:p>
-          <a:endParaRPr lang="pl-PL"/>
+          <a:endParaRPr lang="en-GB"/>
         </a:p>
       </dgm:t>
     </dgm:pt>
-    <dgm:pt modelId="{C660C447-88B8-AE47-BF40-3A45CA286C8B}" type="sibTrans" cxnId="{ADBFE287-0CF1-5F4E-B01F-4732BEB83128}">
+    <dgm:pt modelId="{30B4B86F-F6C3-E541-8D0B-47C70F31FC77}" type="sibTrans" cxnId="{D85BDC16-0127-FC4B-9A64-C221FD98DE50}">
       <dgm:prSet/>
       <dgm:spPr/>
       <dgm:t>
         <a:bodyPr/>
         <a:lstStyle/>
         <a:p>
-          <a:endParaRPr lang="pl-PL"/>
+          <a:endParaRPr lang="en-GB"/>
         </a:p>
       </dgm:t>
     </dgm:pt>
-    <dgm:pt modelId="{4382F741-3E8E-1C4A-92BE-FFE34100F43D}">
-      <dgm:prSet phldrT="[Tekst]"/>
-      <dgm:spPr/>
-      <dgm:t>
-        <a:bodyPr/>
-        <a:lstStyle/>
-        <a:p>
-          <a:pPr rtl="0"/>
-          <a:r>
-            <a:rPr lang="pl-PL" dirty="0"/>
-            <a:t>Gry (komputerowe)</a:t>
-          </a:r>
-        </a:p>
-      </dgm:t>
-    </dgm:pt>
-    <dgm:pt modelId="{17CE8485-D639-1542-905B-E9E485E449F2}" type="parTrans" cxnId="{51694EEB-C497-D246-A18D-CCFAFAA2228C}">
-      <dgm:prSet/>
-      <dgm:spPr/>
-      <dgm:t>
-        <a:bodyPr/>
-        <a:lstStyle/>
-        <a:p>
-          <a:endParaRPr lang="pl-PL"/>
-        </a:p>
-      </dgm:t>
-    </dgm:pt>
-    <dgm:pt modelId="{B55C4551-2CF8-8A4B-B68E-62E762E6B9F1}" type="sibTrans" cxnId="{51694EEB-C497-D246-A18D-CCFAFAA2228C}">
-      <dgm:prSet/>
-      <dgm:spPr/>
-      <dgm:t>
-        <a:bodyPr/>
-        <a:lstStyle/>
-        <a:p>
-          <a:endParaRPr lang="pl-PL"/>
-        </a:p>
-      </dgm:t>
-    </dgm:pt>
-    <dgm:pt modelId="{A1EEAEC1-1018-D44F-B837-26952337C86C}">
-      <dgm:prSet phldrT="[Tekst]"/>
-      <dgm:spPr/>
-      <dgm:t>
-        <a:bodyPr/>
-        <a:lstStyle/>
-        <a:p>
-          <a:pPr rtl="0"/>
-          <a:r>
-            <a:rPr lang="pl-PL" dirty="0"/>
-            <a:t>Badanie</a:t>
-          </a:r>
-        </a:p>
-      </dgm:t>
-    </dgm:pt>
-    <dgm:pt modelId="{1B0B4B3C-BCA9-C644-A005-A608930C7025}" type="parTrans" cxnId="{2C15DBD5-1052-434F-A7EF-C5531C266C41}">
-      <dgm:prSet/>
-      <dgm:spPr/>
-      <dgm:t>
-        <a:bodyPr/>
-        <a:lstStyle/>
-        <a:p>
-          <a:endParaRPr lang="pl-PL"/>
-        </a:p>
-      </dgm:t>
-    </dgm:pt>
-    <dgm:pt modelId="{287CD023-389D-6643-8E5F-BBD2E6905E44}" type="sibTrans" cxnId="{2C15DBD5-1052-434F-A7EF-C5531C266C41}">
-      <dgm:prSet/>
-      <dgm:spPr/>
-      <dgm:t>
-        <a:bodyPr/>
-        <a:lstStyle/>
-        <a:p>
-          <a:endParaRPr lang="pl-PL"/>
-        </a:p>
-      </dgm:t>
-    </dgm:pt>
-    <dgm:pt modelId="{BDF4EA25-0533-014B-A825-98DF2F584068}">
-      <dgm:prSet phldrT="[Tekst]"/>
-      <dgm:spPr/>
-      <dgm:t>
-        <a:bodyPr/>
-        <a:lstStyle/>
-        <a:p>
-          <a:pPr rtl="0"/>
-          <a:r>
-            <a:rPr lang="pl-PL" dirty="0"/>
-            <a:t>Gamifikacja</a:t>
-          </a:r>
-        </a:p>
-      </dgm:t>
-    </dgm:pt>
-    <dgm:pt modelId="{878A3050-A127-B140-8D71-F9332C3CF8C0}" type="parTrans" cxnId="{5A4829D6-7B6D-E74B-990F-9EFF5DCB3173}">
-      <dgm:prSet/>
-      <dgm:spPr/>
-      <dgm:t>
-        <a:bodyPr/>
-        <a:lstStyle/>
-        <a:p>
-          <a:endParaRPr lang="pl-PL"/>
-        </a:p>
-      </dgm:t>
-    </dgm:pt>
-    <dgm:pt modelId="{0F2834DB-BAB2-BB45-A99F-96A9DE496F61}" type="sibTrans" cxnId="{5A4829D6-7B6D-E74B-990F-9EFF5DCB3173}">
-      <dgm:prSet/>
-      <dgm:spPr/>
-      <dgm:t>
-        <a:bodyPr/>
-        <a:lstStyle/>
-        <a:p>
-          <a:endParaRPr lang="pl-PL"/>
-        </a:p>
-      </dgm:t>
-    </dgm:pt>
-    <dgm:pt modelId="{01BE8A6D-8AF4-364A-90C8-7E67E14DB4A2}">
-      <dgm:prSet phldrT="[Tekst]" phldr="1"/>
-      <dgm:spPr/>
-      <dgm:t>
-        <a:bodyPr/>
-        <a:lstStyle/>
-        <a:p>
-          <a:endParaRPr lang="pl-PL" dirty="0"/>
-        </a:p>
-      </dgm:t>
-    </dgm:pt>
-    <dgm:pt modelId="{49FE5B6F-62D7-3B49-86B5-E93810419A32}" type="parTrans" cxnId="{96F5949A-42F4-1A43-A205-92A8BF5753C7}">
-      <dgm:prSet/>
-      <dgm:spPr/>
-      <dgm:t>
-        <a:bodyPr/>
-        <a:lstStyle/>
-        <a:p>
-          <a:endParaRPr lang="pl-PL"/>
-        </a:p>
-      </dgm:t>
-    </dgm:pt>
-    <dgm:pt modelId="{11033058-3445-6B42-A950-9EB0F645D5A7}" type="sibTrans" cxnId="{96F5949A-42F4-1A43-A205-92A8BF5753C7}">
-      <dgm:prSet/>
-      <dgm:spPr/>
-      <dgm:t>
-        <a:bodyPr/>
-        <a:lstStyle/>
-        <a:p>
-          <a:endParaRPr lang="pl-PL"/>
-        </a:p>
-      </dgm:t>
-    </dgm:pt>
-    <dgm:pt modelId="{3784F4FB-87E2-4749-A934-541BDAA7BFE6}">
-      <dgm:prSet/>
-      <dgm:spPr/>
-      <dgm:t>
-        <a:bodyPr/>
-        <a:lstStyle/>
-        <a:p>
-          <a:pPr rtl="0"/>
-          <a:r>
-            <a:rPr lang="pl-PL" dirty="0"/>
-            <a:t>Human </a:t>
-          </a:r>
-          <a:r>
-            <a:rPr lang="pl-PL" dirty="0" err="1"/>
-            <a:t>focused</a:t>
-          </a:r>
-          <a:r>
-            <a:rPr lang="pl-PL" dirty="0"/>
-            <a:t> design</a:t>
-          </a:r>
-        </a:p>
-      </dgm:t>
-    </dgm:pt>
-    <dgm:pt modelId="{E6C49BDD-3D21-9E4C-A5DB-E11C5E380D99}" type="parTrans" cxnId="{30CAC831-C6A2-EE4B-B6FD-2DA4EB928AD5}">
-      <dgm:prSet/>
-      <dgm:spPr/>
-      <dgm:t>
-        <a:bodyPr/>
-        <a:lstStyle/>
-        <a:p>
-          <a:endParaRPr lang="pl-PL"/>
-        </a:p>
-      </dgm:t>
-    </dgm:pt>
-    <dgm:pt modelId="{0EEA5446-B3DD-234D-B805-F84EF8D1491F}" type="sibTrans" cxnId="{30CAC831-C6A2-EE4B-B6FD-2DA4EB928AD5}">
-      <dgm:prSet/>
-      <dgm:spPr/>
-      <dgm:t>
-        <a:bodyPr/>
-        <a:lstStyle/>
-        <a:p>
-          <a:endParaRPr lang="pl-PL"/>
-        </a:p>
-      </dgm:t>
-    </dgm:pt>
-    <dgm:pt modelId="{2EFC864C-DAD8-DC4C-9870-BD501868296F}">
-      <dgm:prSet/>
-      <dgm:spPr/>
-      <dgm:t>
-        <a:bodyPr/>
-        <a:lstStyle/>
-        <a:p>
-          <a:endParaRPr lang="pl-PL"/>
-        </a:p>
-      </dgm:t>
-    </dgm:pt>
-    <dgm:pt modelId="{BC9818ED-6F00-8E49-8364-D3E8403E138F}" type="parTrans" cxnId="{C9374224-671D-A14F-BF15-D20898F54AF4}">
-      <dgm:prSet/>
-      <dgm:spPr/>
-      <dgm:t>
-        <a:bodyPr/>
-        <a:lstStyle/>
-        <a:p>
-          <a:endParaRPr lang="pl-PL"/>
-        </a:p>
-      </dgm:t>
-    </dgm:pt>
-    <dgm:pt modelId="{68301D91-7534-CE4B-B84C-5DEFCAE448C6}" type="sibTrans" cxnId="{C9374224-671D-A14F-BF15-D20898F54AF4}">
-      <dgm:prSet/>
-      <dgm:spPr/>
-      <dgm:t>
-        <a:bodyPr/>
-        <a:lstStyle/>
-        <a:p>
-          <a:endParaRPr lang="pl-PL"/>
-        </a:p>
-      </dgm:t>
-    </dgm:pt>
-    <dgm:pt modelId="{50443F99-08F7-C847-89BB-032EDA32FE29}">
-      <dgm:prSet phldrT="[Tekst]"/>
-      <dgm:spPr/>
-      <dgm:t>
-        <a:bodyPr/>
-        <a:lstStyle/>
-        <a:p>
-          <a:pPr rtl="0"/>
-          <a:r>
-            <a:rPr lang="pl-PL" dirty="0"/>
-            <a:t>Badana przez nauki humanistyczne</a:t>
-          </a:r>
-        </a:p>
-      </dgm:t>
-    </dgm:pt>
-    <dgm:pt modelId="{6EF6C883-A594-0B4C-8938-0648684FCEB0}" type="parTrans" cxnId="{661765FB-AC60-2D4F-800A-F8A72022E6DA}">
-      <dgm:prSet/>
-      <dgm:spPr/>
-      <dgm:t>
-        <a:bodyPr/>
-        <a:lstStyle/>
-        <a:p>
-          <a:endParaRPr lang="pl-PL"/>
-        </a:p>
-      </dgm:t>
-    </dgm:pt>
-    <dgm:pt modelId="{85BAB4DF-4DEB-434C-828E-BA72D87D0D73}" type="sibTrans" cxnId="{661765FB-AC60-2D4F-800A-F8A72022E6DA}">
-      <dgm:prSet/>
-      <dgm:spPr/>
-      <dgm:t>
-        <a:bodyPr/>
-        <a:lstStyle/>
-        <a:p>
-          <a:endParaRPr lang="pl-PL"/>
-        </a:p>
-      </dgm:t>
-    </dgm:pt>
-    <dgm:pt modelId="{A5A84C63-6520-6D44-94E9-773761EAADD5}">
-      <dgm:prSet phldrT="[Tekst]"/>
-      <dgm:spPr/>
-      <dgm:t>
-        <a:bodyPr/>
-        <a:lstStyle/>
-        <a:p>
-          <a:pPr rtl="0"/>
-          <a:endParaRPr lang="pl-PL" dirty="0"/>
-        </a:p>
-      </dgm:t>
-    </dgm:pt>
-    <dgm:pt modelId="{82BF6DDA-0BB4-FC45-BB13-EF3BE97E129F}" type="parTrans" cxnId="{89DDE816-B88E-7944-A267-B3C298112D1F}">
-      <dgm:prSet/>
-      <dgm:spPr/>
-      <dgm:t>
-        <a:bodyPr/>
-        <a:lstStyle/>
-        <a:p>
-          <a:endParaRPr lang="pl-PL"/>
-        </a:p>
-      </dgm:t>
-    </dgm:pt>
-    <dgm:pt modelId="{2F2719F5-3045-B542-BDCE-A3F3E0E20023}" type="sibTrans" cxnId="{89DDE816-B88E-7944-A267-B3C298112D1F}">
-      <dgm:prSet/>
-      <dgm:spPr/>
-      <dgm:t>
-        <a:bodyPr/>
-        <a:lstStyle/>
-        <a:p>
-          <a:endParaRPr lang="pl-PL"/>
-        </a:p>
-      </dgm:t>
-    </dgm:pt>
-    <dgm:pt modelId="{5FEC807B-CFBF-714F-9696-F769B397E4DC}" type="pres">
-      <dgm:prSet presAssocID="{30CE309B-3787-594D-9A88-61ABC0F8075D}" presName="rootnode" presStyleCnt="0">
+    <dgm:pt modelId="{FFAC0183-A367-BF49-8FF3-71DA6E0EDFAC}" type="pres">
+      <dgm:prSet presAssocID="{4ECEE021-A37A-9446-A27B-647B73BCBF66}" presName="linearFlow" presStyleCnt="0">
         <dgm:presLayoutVars>
-          <dgm:chMax/>
-          <dgm:chPref/>
           <dgm:dir/>
-          <dgm:animLvl val="lvl"/>
+          <dgm:resizeHandles val="exact"/>
         </dgm:presLayoutVars>
       </dgm:prSet>
       <dgm:spPr/>
     </dgm:pt>
-    <dgm:pt modelId="{D45888FA-377D-C649-92D2-22BBC34EC9F8}" type="pres">
-      <dgm:prSet presAssocID="{8CEF8DA4-835D-5A42-92B2-0A38BF917820}" presName="composite" presStyleCnt="0"/>
+    <dgm:pt modelId="{FFCE8B48-2FEC-5647-BC0E-D769443DC06E}" type="pres">
+      <dgm:prSet presAssocID="{C431AAA0-AC62-3147-80B7-0527F6CB85CB}" presName="composite" presStyleCnt="0"/>
       <dgm:spPr/>
     </dgm:pt>
-    <dgm:pt modelId="{46436487-832F-7644-9C65-0BFA7A85FD06}" type="pres">
-      <dgm:prSet presAssocID="{8CEF8DA4-835D-5A42-92B2-0A38BF917820}" presName="bentUpArrow1" presStyleLbl="alignImgPlace1" presStyleIdx="0" presStyleCnt="3"/>
+    <dgm:pt modelId="{54763CFD-7326-A845-9093-6CF5668ECA08}" type="pres">
+      <dgm:prSet presAssocID="{C431AAA0-AC62-3147-80B7-0527F6CB85CB}" presName="imgShp" presStyleLbl="fgImgPlace1" presStyleIdx="0" presStyleCnt="2"/>
       <dgm:spPr/>
     </dgm:pt>
-    <dgm:pt modelId="{CE29CBBC-B613-E946-8617-C2A845B7032F}" type="pres">
-      <dgm:prSet presAssocID="{8CEF8DA4-835D-5A42-92B2-0A38BF917820}" presName="ParentText" presStyleLbl="node1" presStyleIdx="0" presStyleCnt="4">
+    <dgm:pt modelId="{FD71D634-6E85-2240-9652-CCFC1C0220E4}" type="pres">
+      <dgm:prSet presAssocID="{C431AAA0-AC62-3147-80B7-0527F6CB85CB}" presName="txShp" presStyleLbl="node1" presStyleIdx="0" presStyleCnt="2">
         <dgm:presLayoutVars>
-          <dgm:chMax val="1"/>
-          <dgm:chPref val="1"/>
           <dgm:bulletEnabled val="1"/>
         </dgm:presLayoutVars>
       </dgm:prSet>
       <dgm:spPr/>
     </dgm:pt>
-    <dgm:pt modelId="{9193DFD3-9CA7-984C-A1E2-DA9673B8F9C3}" type="pres">
-      <dgm:prSet presAssocID="{8CEF8DA4-835D-5A42-92B2-0A38BF917820}" presName="ChildText" presStyleLbl="revTx" presStyleIdx="0" presStyleCnt="4">
-        <dgm:presLayoutVars>
-          <dgm:chMax val="0"/>
-          <dgm:chPref val="0"/>
-          <dgm:bulletEnabled val="1"/>
-        </dgm:presLayoutVars>
-      </dgm:prSet>
+    <dgm:pt modelId="{5876032B-C33B-1846-811A-04C1AE928B19}" type="pres">
+      <dgm:prSet presAssocID="{1063F0E6-DCA2-9344-BE0E-9FF3C02616DF}" presName="spacing" presStyleCnt="0"/>
       <dgm:spPr/>
     </dgm:pt>
-    <dgm:pt modelId="{C163A8AD-5E24-0341-9F21-B9CDE11DC988}" type="pres">
-      <dgm:prSet presAssocID="{25E241D9-1849-784A-9165-BCC91604D0E3}" presName="sibTrans" presStyleCnt="0"/>
+    <dgm:pt modelId="{ED13882C-50BB-7949-A0AF-572D7A8D9912}" type="pres">
+      <dgm:prSet presAssocID="{E1EC0F4C-41AE-E943-982A-8E8387643534}" presName="composite" presStyleCnt="0"/>
       <dgm:spPr/>
     </dgm:pt>
-    <dgm:pt modelId="{308283C2-FB16-0547-92DD-FC407B9039EE}" type="pres">
-      <dgm:prSet presAssocID="{4382F741-3E8E-1C4A-92BE-FFE34100F43D}" presName="composite" presStyleCnt="0"/>
+    <dgm:pt modelId="{C7303EDD-F580-E54B-BB09-13EA14A2E239}" type="pres">
+      <dgm:prSet presAssocID="{E1EC0F4C-41AE-E943-982A-8E8387643534}" presName="imgShp" presStyleLbl="fgImgPlace1" presStyleIdx="1" presStyleCnt="2"/>
       <dgm:spPr/>
     </dgm:pt>
-    <dgm:pt modelId="{E98C50D4-5FA3-E54C-80AF-C87500E3877B}" type="pres">
-      <dgm:prSet presAssocID="{4382F741-3E8E-1C4A-92BE-FFE34100F43D}" presName="bentUpArrow1" presStyleLbl="alignImgPlace1" presStyleIdx="1" presStyleCnt="3"/>
-      <dgm:spPr/>
-    </dgm:pt>
-    <dgm:pt modelId="{9F5BFC1A-C170-BD4E-AF70-AEA0C21B2993}" type="pres">
-      <dgm:prSet presAssocID="{4382F741-3E8E-1C4A-92BE-FFE34100F43D}" presName="ParentText" presStyleLbl="node1" presStyleIdx="1" presStyleCnt="4">
+    <dgm:pt modelId="{AF4C5D42-E22F-C149-88C7-771A4DCBCD0E}" type="pres">
+      <dgm:prSet presAssocID="{E1EC0F4C-41AE-E943-982A-8E8387643534}" presName="txShp" presStyleLbl="node1" presStyleIdx="1" presStyleCnt="2">
         <dgm:presLayoutVars>
-          <dgm:chMax val="1"/>
-          <dgm:chPref val="1"/>
-          <dgm:bulletEnabled val="1"/>
-        </dgm:presLayoutVars>
-      </dgm:prSet>
-      <dgm:spPr/>
-    </dgm:pt>
-    <dgm:pt modelId="{D2660507-C7A9-964F-8748-CF278121D188}" type="pres">
-      <dgm:prSet presAssocID="{4382F741-3E8E-1C4A-92BE-FFE34100F43D}" presName="ChildText" presStyleLbl="revTx" presStyleIdx="1" presStyleCnt="4">
-        <dgm:presLayoutVars>
-          <dgm:chMax val="0"/>
-          <dgm:chPref val="0"/>
-          <dgm:bulletEnabled val="1"/>
-        </dgm:presLayoutVars>
-      </dgm:prSet>
-      <dgm:spPr/>
-    </dgm:pt>
-    <dgm:pt modelId="{558C4119-A757-1943-BCB0-FE7836FBEA14}" type="pres">
-      <dgm:prSet presAssocID="{B55C4551-2CF8-8A4B-B68E-62E762E6B9F1}" presName="sibTrans" presStyleCnt="0"/>
-      <dgm:spPr/>
-    </dgm:pt>
-    <dgm:pt modelId="{609F6A6A-607C-8142-8D24-EEC946CDA04C}" type="pres">
-      <dgm:prSet presAssocID="{BDF4EA25-0533-014B-A825-98DF2F584068}" presName="composite" presStyleCnt="0"/>
-      <dgm:spPr/>
-    </dgm:pt>
-    <dgm:pt modelId="{C867ADCE-1C19-6C41-91BD-7259F5634333}" type="pres">
-      <dgm:prSet presAssocID="{BDF4EA25-0533-014B-A825-98DF2F584068}" presName="bentUpArrow1" presStyleLbl="alignImgPlace1" presStyleIdx="2" presStyleCnt="3"/>
-      <dgm:spPr/>
-    </dgm:pt>
-    <dgm:pt modelId="{60D79E23-315E-C842-8455-F8BBFBEDC358}" type="pres">
-      <dgm:prSet presAssocID="{BDF4EA25-0533-014B-A825-98DF2F584068}" presName="ParentText" presStyleLbl="node1" presStyleIdx="2" presStyleCnt="4">
-        <dgm:presLayoutVars>
-          <dgm:chMax val="1"/>
-          <dgm:chPref val="1"/>
-          <dgm:bulletEnabled val="1"/>
-        </dgm:presLayoutVars>
-      </dgm:prSet>
-      <dgm:spPr/>
-    </dgm:pt>
-    <dgm:pt modelId="{FE999C79-4446-AB44-A4A3-5591D1DEFA3A}" type="pres">
-      <dgm:prSet presAssocID="{BDF4EA25-0533-014B-A825-98DF2F584068}" presName="ChildText" presStyleLbl="revTx" presStyleIdx="2" presStyleCnt="4">
-        <dgm:presLayoutVars>
-          <dgm:chMax val="0"/>
-          <dgm:chPref val="0"/>
-          <dgm:bulletEnabled val="1"/>
-        </dgm:presLayoutVars>
-      </dgm:prSet>
-      <dgm:spPr/>
-    </dgm:pt>
-    <dgm:pt modelId="{8DFF6403-F7C5-9647-9A99-6A6267AB68F7}" type="pres">
-      <dgm:prSet presAssocID="{0F2834DB-BAB2-BB45-A99F-96A9DE496F61}" presName="sibTrans" presStyleCnt="0"/>
-      <dgm:spPr/>
-    </dgm:pt>
-    <dgm:pt modelId="{16AE7E63-900E-B247-9B8D-D255C5038BAF}" type="pres">
-      <dgm:prSet presAssocID="{3784F4FB-87E2-4749-A934-541BDAA7BFE6}" presName="composite" presStyleCnt="0"/>
-      <dgm:spPr/>
-    </dgm:pt>
-    <dgm:pt modelId="{B5F89B3D-0030-6E40-8566-B43A183C0A52}" type="pres">
-      <dgm:prSet presAssocID="{3784F4FB-87E2-4749-A934-541BDAA7BFE6}" presName="ParentText" presStyleLbl="node1" presStyleIdx="3" presStyleCnt="4">
-        <dgm:presLayoutVars>
-          <dgm:chMax val="1"/>
-          <dgm:chPref val="1"/>
-          <dgm:bulletEnabled val="1"/>
-        </dgm:presLayoutVars>
-      </dgm:prSet>
-      <dgm:spPr/>
-    </dgm:pt>
-    <dgm:pt modelId="{D7295BC3-2932-5847-AC06-7A4D536DFFF4}" type="pres">
-      <dgm:prSet presAssocID="{3784F4FB-87E2-4749-A934-541BDAA7BFE6}" presName="FinalChildText" presStyleLbl="revTx" presStyleIdx="3" presStyleCnt="4">
-        <dgm:presLayoutVars>
-          <dgm:chMax val="0"/>
-          <dgm:chPref val="0"/>
           <dgm:bulletEnabled val="1"/>
         </dgm:presLayoutVars>
       </dgm:prSet>
@@ -1380,45 +1860,212 @@
     </dgm:pt>
   </dgm:ptLst>
   <dgm:cxnLst>
-    <dgm:cxn modelId="{A89A5A04-12BD-9947-9B52-1F546BCB8509}" type="presOf" srcId="{01BE8A6D-8AF4-364A-90C8-7E67E14DB4A2}" destId="{FE999C79-4446-AB44-A4A3-5591D1DEFA3A}" srcOrd="0" destOrd="0" presId="urn:microsoft.com/office/officeart/2005/8/layout/StepDownProcess"/>
-    <dgm:cxn modelId="{90C87A0D-0D21-2E44-AF62-2023B1DC26DE}" type="presOf" srcId="{2EFC864C-DAD8-DC4C-9870-BD501868296F}" destId="{D7295BC3-2932-5847-AC06-7A4D536DFFF4}" srcOrd="0" destOrd="0" presId="urn:microsoft.com/office/officeart/2005/8/layout/StepDownProcess"/>
-    <dgm:cxn modelId="{89DDE816-B88E-7944-A267-B3C298112D1F}" srcId="{8CEF8DA4-835D-5A42-92B2-0A38BF917820}" destId="{A5A84C63-6520-6D44-94E9-773761EAADD5}" srcOrd="2" destOrd="0" parTransId="{82BF6DDA-0BB4-FC45-BB13-EF3BE97E129F}" sibTransId="{2F2719F5-3045-B542-BDCE-A3F3E0E20023}"/>
-    <dgm:cxn modelId="{C1B8A920-ABEF-5E45-8922-C97E5425B5E4}" type="presOf" srcId="{BDF4EA25-0533-014B-A825-98DF2F584068}" destId="{60D79E23-315E-C842-8455-F8BBFBEDC358}" srcOrd="0" destOrd="0" presId="urn:microsoft.com/office/officeart/2005/8/layout/StepDownProcess"/>
-    <dgm:cxn modelId="{C9374224-671D-A14F-BF15-D20898F54AF4}" srcId="{3784F4FB-87E2-4749-A934-541BDAA7BFE6}" destId="{2EFC864C-DAD8-DC4C-9870-BD501868296F}" srcOrd="0" destOrd="0" parTransId="{BC9818ED-6F00-8E49-8364-D3E8403E138F}" sibTransId="{68301D91-7534-CE4B-B84C-5DEFCAE448C6}"/>
-    <dgm:cxn modelId="{30CAC831-C6A2-EE4B-B6FD-2DA4EB928AD5}" srcId="{30CE309B-3787-594D-9A88-61ABC0F8075D}" destId="{3784F4FB-87E2-4749-A934-541BDAA7BFE6}" srcOrd="3" destOrd="0" parTransId="{E6C49BDD-3D21-9E4C-A5DB-E11C5E380D99}" sibTransId="{0EEA5446-B3DD-234D-B805-F84EF8D1491F}"/>
-    <dgm:cxn modelId="{01D0FE36-16C4-1446-A16B-5861B0021F61}" type="presOf" srcId="{8CEF8DA4-835D-5A42-92B2-0A38BF917820}" destId="{CE29CBBC-B613-E946-8617-C2A845B7032F}" srcOrd="0" destOrd="0" presId="urn:microsoft.com/office/officeart/2005/8/layout/StepDownProcess"/>
-    <dgm:cxn modelId="{DD79CB85-DA50-FA4C-82AF-74392E589D09}" type="presOf" srcId="{3784F4FB-87E2-4749-A934-541BDAA7BFE6}" destId="{B5F89B3D-0030-6E40-8566-B43A183C0A52}" srcOrd="0" destOrd="0" presId="urn:microsoft.com/office/officeart/2005/8/layout/StepDownProcess"/>
-    <dgm:cxn modelId="{ADBFE287-0CF1-5F4E-B01F-4732BEB83128}" srcId="{8CEF8DA4-835D-5A42-92B2-0A38BF917820}" destId="{439F8E37-9FC3-8C4A-9614-29225A2E571E}" srcOrd="0" destOrd="0" parTransId="{2FA1F91B-17E4-F840-995A-80849DD8D2AA}" sibTransId="{C660C447-88B8-AE47-BF40-3A45CA286C8B}"/>
-    <dgm:cxn modelId="{92F32096-FECF-D448-ADC1-9B2C1FB0C233}" type="presOf" srcId="{A5A84C63-6520-6D44-94E9-773761EAADD5}" destId="{9193DFD3-9CA7-984C-A1E2-DA9673B8F9C3}" srcOrd="0" destOrd="2" presId="urn:microsoft.com/office/officeart/2005/8/layout/StepDownProcess"/>
-    <dgm:cxn modelId="{96F5949A-42F4-1A43-A205-92A8BF5753C7}" srcId="{BDF4EA25-0533-014B-A825-98DF2F584068}" destId="{01BE8A6D-8AF4-364A-90C8-7E67E14DB4A2}" srcOrd="0" destOrd="0" parTransId="{49FE5B6F-62D7-3B49-86B5-E93810419A32}" sibTransId="{11033058-3445-6B42-A950-9EB0F645D5A7}"/>
-    <dgm:cxn modelId="{2532EEA0-AE41-8F48-9534-1B06B4FECD84}" type="presOf" srcId="{4382F741-3E8E-1C4A-92BE-FFE34100F43D}" destId="{9F5BFC1A-C170-BD4E-AF70-AEA0C21B2993}" srcOrd="0" destOrd="0" presId="urn:microsoft.com/office/officeart/2005/8/layout/StepDownProcess"/>
-    <dgm:cxn modelId="{8BE154A9-2CB9-B949-8CE1-B3AFA985EA11}" type="presOf" srcId="{30CE309B-3787-594D-9A88-61ABC0F8075D}" destId="{5FEC807B-CFBF-714F-9696-F769B397E4DC}" srcOrd="0" destOrd="0" presId="urn:microsoft.com/office/officeart/2005/8/layout/StepDownProcess"/>
-    <dgm:cxn modelId="{35CDF9AF-2110-A445-8178-8FEFE3C3AD48}" type="presOf" srcId="{439F8E37-9FC3-8C4A-9614-29225A2E571E}" destId="{9193DFD3-9CA7-984C-A1E2-DA9673B8F9C3}" srcOrd="0" destOrd="0" presId="urn:microsoft.com/office/officeart/2005/8/layout/StepDownProcess"/>
-    <dgm:cxn modelId="{B375AAB3-8A03-1840-88EA-17B4C55F2442}" type="presOf" srcId="{A1EEAEC1-1018-D44F-B837-26952337C86C}" destId="{D2660507-C7A9-964F-8748-CF278121D188}" srcOrd="0" destOrd="0" presId="urn:microsoft.com/office/officeart/2005/8/layout/StepDownProcess"/>
-    <dgm:cxn modelId="{A89E18B8-AD70-2D4F-9849-9106A017044C}" srcId="{30CE309B-3787-594D-9A88-61ABC0F8075D}" destId="{8CEF8DA4-835D-5A42-92B2-0A38BF917820}" srcOrd="0" destOrd="0" parTransId="{69B80181-100D-4E44-97A9-17E7E44E0511}" sibTransId="{25E241D9-1849-784A-9165-BCC91604D0E3}"/>
-    <dgm:cxn modelId="{2C15DBD5-1052-434F-A7EF-C5531C266C41}" srcId="{4382F741-3E8E-1C4A-92BE-FFE34100F43D}" destId="{A1EEAEC1-1018-D44F-B837-26952337C86C}" srcOrd="0" destOrd="0" parTransId="{1B0B4B3C-BCA9-C644-A005-A608930C7025}" sibTransId="{287CD023-389D-6643-8E5F-BBD2E6905E44}"/>
-    <dgm:cxn modelId="{5A4829D6-7B6D-E74B-990F-9EFF5DCB3173}" srcId="{30CE309B-3787-594D-9A88-61ABC0F8075D}" destId="{BDF4EA25-0533-014B-A825-98DF2F584068}" srcOrd="2" destOrd="0" parTransId="{878A3050-A127-B140-8D71-F9332C3CF8C0}" sibTransId="{0F2834DB-BAB2-BB45-A99F-96A9DE496F61}"/>
-    <dgm:cxn modelId="{A6E01ADD-BB0C-D648-BEF7-036C778FEDA1}" type="presOf" srcId="{50443F99-08F7-C847-89BB-032EDA32FE29}" destId="{9193DFD3-9CA7-984C-A1E2-DA9673B8F9C3}" srcOrd="0" destOrd="1" presId="urn:microsoft.com/office/officeart/2005/8/layout/StepDownProcess"/>
-    <dgm:cxn modelId="{51694EEB-C497-D246-A18D-CCFAFAA2228C}" srcId="{30CE309B-3787-594D-9A88-61ABC0F8075D}" destId="{4382F741-3E8E-1C4A-92BE-FFE34100F43D}" srcOrd="1" destOrd="0" parTransId="{17CE8485-D639-1542-905B-E9E485E449F2}" sibTransId="{B55C4551-2CF8-8A4B-B68E-62E762E6B9F1}"/>
-    <dgm:cxn modelId="{661765FB-AC60-2D4F-800A-F8A72022E6DA}" srcId="{8CEF8DA4-835D-5A42-92B2-0A38BF917820}" destId="{50443F99-08F7-C847-89BB-032EDA32FE29}" srcOrd="1" destOrd="0" parTransId="{6EF6C883-A594-0B4C-8938-0648684FCEB0}" sibTransId="{85BAB4DF-4DEB-434C-828E-BA72D87D0D73}"/>
-    <dgm:cxn modelId="{C4A60C42-6A47-B346-840A-5D8C4ED358F6}" type="presParOf" srcId="{5FEC807B-CFBF-714F-9696-F769B397E4DC}" destId="{D45888FA-377D-C649-92D2-22BBC34EC9F8}" srcOrd="0" destOrd="0" presId="urn:microsoft.com/office/officeart/2005/8/layout/StepDownProcess"/>
-    <dgm:cxn modelId="{C89061EE-F19B-8F4C-9517-7BDA4F5871E1}" type="presParOf" srcId="{D45888FA-377D-C649-92D2-22BBC34EC9F8}" destId="{46436487-832F-7644-9C65-0BFA7A85FD06}" srcOrd="0" destOrd="0" presId="urn:microsoft.com/office/officeart/2005/8/layout/StepDownProcess"/>
-    <dgm:cxn modelId="{BBD80FBC-44BE-8141-AFB7-2D71C604A6BE}" type="presParOf" srcId="{D45888FA-377D-C649-92D2-22BBC34EC9F8}" destId="{CE29CBBC-B613-E946-8617-C2A845B7032F}" srcOrd="1" destOrd="0" presId="urn:microsoft.com/office/officeart/2005/8/layout/StepDownProcess"/>
-    <dgm:cxn modelId="{95D9C394-DB2E-FC4E-855E-F0FFC1C3CB43}" type="presParOf" srcId="{D45888FA-377D-C649-92D2-22BBC34EC9F8}" destId="{9193DFD3-9CA7-984C-A1E2-DA9673B8F9C3}" srcOrd="2" destOrd="0" presId="urn:microsoft.com/office/officeart/2005/8/layout/StepDownProcess"/>
-    <dgm:cxn modelId="{9B9FEB92-1479-3448-9646-77E52E332C6F}" type="presParOf" srcId="{5FEC807B-CFBF-714F-9696-F769B397E4DC}" destId="{C163A8AD-5E24-0341-9F21-B9CDE11DC988}" srcOrd="1" destOrd="0" presId="urn:microsoft.com/office/officeart/2005/8/layout/StepDownProcess"/>
-    <dgm:cxn modelId="{F932AB7C-2D58-F04C-93EA-76ED05E04F9B}" type="presParOf" srcId="{5FEC807B-CFBF-714F-9696-F769B397E4DC}" destId="{308283C2-FB16-0547-92DD-FC407B9039EE}" srcOrd="2" destOrd="0" presId="urn:microsoft.com/office/officeart/2005/8/layout/StepDownProcess"/>
-    <dgm:cxn modelId="{00209AA0-F0D7-6B4D-9CE1-3DB51745FBFA}" type="presParOf" srcId="{308283C2-FB16-0547-92DD-FC407B9039EE}" destId="{E98C50D4-5FA3-E54C-80AF-C87500E3877B}" srcOrd="0" destOrd="0" presId="urn:microsoft.com/office/officeart/2005/8/layout/StepDownProcess"/>
-    <dgm:cxn modelId="{5EAC8D5C-022F-9943-8EBE-46DB069E565D}" type="presParOf" srcId="{308283C2-FB16-0547-92DD-FC407B9039EE}" destId="{9F5BFC1A-C170-BD4E-AF70-AEA0C21B2993}" srcOrd="1" destOrd="0" presId="urn:microsoft.com/office/officeart/2005/8/layout/StepDownProcess"/>
-    <dgm:cxn modelId="{9424C6E6-62B2-8C49-843A-8E7E10C9F922}" type="presParOf" srcId="{308283C2-FB16-0547-92DD-FC407B9039EE}" destId="{D2660507-C7A9-964F-8748-CF278121D188}" srcOrd="2" destOrd="0" presId="urn:microsoft.com/office/officeart/2005/8/layout/StepDownProcess"/>
-    <dgm:cxn modelId="{C093A5CA-9E16-E745-89A0-4CEDE571AE4A}" type="presParOf" srcId="{5FEC807B-CFBF-714F-9696-F769B397E4DC}" destId="{558C4119-A757-1943-BCB0-FE7836FBEA14}" srcOrd="3" destOrd="0" presId="urn:microsoft.com/office/officeart/2005/8/layout/StepDownProcess"/>
-    <dgm:cxn modelId="{63F562E8-44E5-8A48-B678-FCB9B92D330D}" type="presParOf" srcId="{5FEC807B-CFBF-714F-9696-F769B397E4DC}" destId="{609F6A6A-607C-8142-8D24-EEC946CDA04C}" srcOrd="4" destOrd="0" presId="urn:microsoft.com/office/officeart/2005/8/layout/StepDownProcess"/>
-    <dgm:cxn modelId="{1BA15689-F992-DD44-9D99-7EB7C274F634}" type="presParOf" srcId="{609F6A6A-607C-8142-8D24-EEC946CDA04C}" destId="{C867ADCE-1C19-6C41-91BD-7259F5634333}" srcOrd="0" destOrd="0" presId="urn:microsoft.com/office/officeart/2005/8/layout/StepDownProcess"/>
-    <dgm:cxn modelId="{7CE148E3-FA14-7D4D-8CB7-71292BEC0295}" type="presParOf" srcId="{609F6A6A-607C-8142-8D24-EEC946CDA04C}" destId="{60D79E23-315E-C842-8455-F8BBFBEDC358}" srcOrd="1" destOrd="0" presId="urn:microsoft.com/office/officeart/2005/8/layout/StepDownProcess"/>
-    <dgm:cxn modelId="{F791CF4E-199F-1149-9590-FC312C452FBA}" type="presParOf" srcId="{609F6A6A-607C-8142-8D24-EEC946CDA04C}" destId="{FE999C79-4446-AB44-A4A3-5591D1DEFA3A}" srcOrd="2" destOrd="0" presId="urn:microsoft.com/office/officeart/2005/8/layout/StepDownProcess"/>
-    <dgm:cxn modelId="{8C5A74CA-95BA-D64B-92B5-D073A9A28F1E}" type="presParOf" srcId="{5FEC807B-CFBF-714F-9696-F769B397E4DC}" destId="{8DFF6403-F7C5-9647-9A99-6A6267AB68F7}" srcOrd="5" destOrd="0" presId="urn:microsoft.com/office/officeart/2005/8/layout/StepDownProcess"/>
-    <dgm:cxn modelId="{F8AFE5A7-43EA-EE47-8CEA-499403C9A17F}" type="presParOf" srcId="{5FEC807B-CFBF-714F-9696-F769B397E4DC}" destId="{16AE7E63-900E-B247-9B8D-D255C5038BAF}" srcOrd="6" destOrd="0" presId="urn:microsoft.com/office/officeart/2005/8/layout/StepDownProcess"/>
-    <dgm:cxn modelId="{1AC9317B-B483-7C4C-8A4E-074A69DEB663}" type="presParOf" srcId="{16AE7E63-900E-B247-9B8D-D255C5038BAF}" destId="{B5F89B3D-0030-6E40-8566-B43A183C0A52}" srcOrd="0" destOrd="0" presId="urn:microsoft.com/office/officeart/2005/8/layout/StepDownProcess"/>
-    <dgm:cxn modelId="{DB4BBEEA-50AC-0648-BB1B-875744EDE7DD}" type="presParOf" srcId="{16AE7E63-900E-B247-9B8D-D255C5038BAF}" destId="{D7295BC3-2932-5847-AC06-7A4D536DFFF4}" srcOrd="1" destOrd="0" presId="urn:microsoft.com/office/officeart/2005/8/layout/StepDownProcess"/>
+    <dgm:cxn modelId="{0E984F0A-8D88-A24E-A69C-9E419EA666B0}" type="presOf" srcId="{E1EC0F4C-41AE-E943-982A-8E8387643534}" destId="{AF4C5D42-E22F-C149-88C7-771A4DCBCD0E}" srcOrd="0" destOrd="0" presId="urn:microsoft.com/office/officeart/2005/8/layout/vList3"/>
+    <dgm:cxn modelId="{E387D810-3F05-DF49-90F3-69EC3E8B62CA}" type="presOf" srcId="{4ECEE021-A37A-9446-A27B-647B73BCBF66}" destId="{FFAC0183-A367-BF49-8FF3-71DA6E0EDFAC}" srcOrd="0" destOrd="0" presId="urn:microsoft.com/office/officeart/2005/8/layout/vList3"/>
+    <dgm:cxn modelId="{6CC91911-12FC-F949-9669-A68A2BEA2B7E}" srcId="{4ECEE021-A37A-9446-A27B-647B73BCBF66}" destId="{C431AAA0-AC62-3147-80B7-0527F6CB85CB}" srcOrd="0" destOrd="0" parTransId="{86996F11-3F97-B543-BD14-7CC195C271E5}" sibTransId="{1063F0E6-DCA2-9344-BE0E-9FF3C02616DF}"/>
+    <dgm:cxn modelId="{D85BDC16-0127-FC4B-9A64-C221FD98DE50}" srcId="{4ECEE021-A37A-9446-A27B-647B73BCBF66}" destId="{E1EC0F4C-41AE-E943-982A-8E8387643534}" srcOrd="1" destOrd="0" parTransId="{59C289EC-B370-7745-BF34-4A0303FE04EB}" sibTransId="{30B4B86F-F6C3-E541-8D0B-47C70F31FC77}"/>
+    <dgm:cxn modelId="{F0FCBFC3-C789-6C49-AFBF-837C357AFFB5}" type="presOf" srcId="{C431AAA0-AC62-3147-80B7-0527F6CB85CB}" destId="{FD71D634-6E85-2240-9652-CCFC1C0220E4}" srcOrd="0" destOrd="0" presId="urn:microsoft.com/office/officeart/2005/8/layout/vList3"/>
+    <dgm:cxn modelId="{6C8C5F03-CC1B-C84D-BBAB-94BDAE3DD6BD}" type="presParOf" srcId="{FFAC0183-A367-BF49-8FF3-71DA6E0EDFAC}" destId="{FFCE8B48-2FEC-5647-BC0E-D769443DC06E}" srcOrd="0" destOrd="0" presId="urn:microsoft.com/office/officeart/2005/8/layout/vList3"/>
+    <dgm:cxn modelId="{F2DA87A4-AE9D-E547-ADD2-CED6314CAF35}" type="presParOf" srcId="{FFCE8B48-2FEC-5647-BC0E-D769443DC06E}" destId="{54763CFD-7326-A845-9093-6CF5668ECA08}" srcOrd="0" destOrd="0" presId="urn:microsoft.com/office/officeart/2005/8/layout/vList3"/>
+    <dgm:cxn modelId="{91A6B9EF-E593-EC45-BBF5-E7EF53E6B196}" type="presParOf" srcId="{FFCE8B48-2FEC-5647-BC0E-D769443DC06E}" destId="{FD71D634-6E85-2240-9652-CCFC1C0220E4}" srcOrd="1" destOrd="0" presId="urn:microsoft.com/office/officeart/2005/8/layout/vList3"/>
+    <dgm:cxn modelId="{1A9230DB-225E-2140-BF6A-8BED9EABEBF3}" type="presParOf" srcId="{FFAC0183-A367-BF49-8FF3-71DA6E0EDFAC}" destId="{5876032B-C33B-1846-811A-04C1AE928B19}" srcOrd="1" destOrd="0" presId="urn:microsoft.com/office/officeart/2005/8/layout/vList3"/>
+    <dgm:cxn modelId="{17970319-B7C1-8F44-A2CE-AD31CD16AFA9}" type="presParOf" srcId="{FFAC0183-A367-BF49-8FF3-71DA6E0EDFAC}" destId="{ED13882C-50BB-7949-A0AF-572D7A8D9912}" srcOrd="2" destOrd="0" presId="urn:microsoft.com/office/officeart/2005/8/layout/vList3"/>
+    <dgm:cxn modelId="{D181C673-291A-584F-AF9B-E64375C59D04}" type="presParOf" srcId="{ED13882C-50BB-7949-A0AF-572D7A8D9912}" destId="{C7303EDD-F580-E54B-BB09-13EA14A2E239}" srcOrd="0" destOrd="0" presId="urn:microsoft.com/office/officeart/2005/8/layout/vList3"/>
+    <dgm:cxn modelId="{5DDD1791-D9A1-A649-A439-EDB87617FE3D}" type="presParOf" srcId="{ED13882C-50BB-7949-A0AF-572D7A8D9912}" destId="{AF4C5D42-E22F-C149-88C7-771A4DCBCD0E}" srcOrd="1" destOrd="0" presId="urn:microsoft.com/office/officeart/2005/8/layout/vList3"/>
+  </dgm:cxnLst>
+  <dgm:bg/>
+  <dgm:whole/>
+  <dgm:extLst>
+    <a:ext uri="http://schemas.microsoft.com/office/drawing/2008/diagram">
+      <dsp:dataModelExt xmlns:dsp="http://schemas.microsoft.com/office/drawing/2008/diagram" relId="rId6" minVer="http://schemas.openxmlformats.org/drawingml/2006/diagram"/>
+    </a:ext>
+  </dgm:extLst>
+</dgm:dataModel>
+</file>
+
+<file path=ppt/diagrams/data2.xml><?xml version="1.0" encoding="utf-8"?>
+<dgm:dataModel xmlns:dgm="http://schemas.openxmlformats.org/drawingml/2006/diagram" xmlns:a="http://schemas.openxmlformats.org/drawingml/2006/main">
+  <dgm:ptLst>
+    <dgm:pt modelId="{99AEF7B0-2476-0847-811B-782EF2D82B0C}" type="doc">
+      <dgm:prSet loTypeId="urn:microsoft.com/office/officeart/2005/8/layout/hChevron3" loCatId="" qsTypeId="urn:microsoft.com/office/officeart/2005/8/quickstyle/simple1" qsCatId="simple" csTypeId="urn:microsoft.com/office/officeart/2005/8/colors/accent1_2" csCatId="accent1" phldr="1"/>
+      <dgm:spPr/>
+    </dgm:pt>
+    <dgm:pt modelId="{11ED9DD9-EED0-D84B-9147-DC4A8569D9D0}">
+      <dgm:prSet phldrT="[Text]"/>
+      <dgm:spPr/>
+      <dgm:t>
+        <a:bodyPr/>
+        <a:lstStyle/>
+        <a:p>
+          <a:r>
+            <a:rPr lang="en-GB" dirty="0" err="1"/>
+            <a:t>Niekompletny</a:t>
+          </a:r>
+          <a:r>
+            <a:rPr lang="en-GB" dirty="0"/>
+            <a:t> model</a:t>
+          </a:r>
+        </a:p>
+      </dgm:t>
+    </dgm:pt>
+    <dgm:pt modelId="{4F235FB3-748B-ED4F-A3FA-08F0086279F5}" type="parTrans" cxnId="{3A7C0D3B-F9EA-5D4C-997B-195BF20F7BD6}">
+      <dgm:prSet/>
+      <dgm:spPr/>
+      <dgm:t>
+        <a:bodyPr/>
+        <a:lstStyle/>
+        <a:p>
+          <a:endParaRPr lang="en-GB"/>
+        </a:p>
+      </dgm:t>
+    </dgm:pt>
+    <dgm:pt modelId="{A5039C5C-7C75-CD49-9FB9-9A9E099ABBD1}" type="sibTrans" cxnId="{3A7C0D3B-F9EA-5D4C-997B-195BF20F7BD6}">
+      <dgm:prSet/>
+      <dgm:spPr/>
+      <dgm:t>
+        <a:bodyPr/>
+        <a:lstStyle/>
+        <a:p>
+          <a:endParaRPr lang="en-GB"/>
+        </a:p>
+      </dgm:t>
+    </dgm:pt>
+    <dgm:pt modelId="{E1574765-0236-D643-81AD-2DC05D8FF018}">
+      <dgm:prSet phldrT="[Text]"/>
+      <dgm:spPr/>
+      <dgm:t>
+        <a:bodyPr/>
+        <a:lstStyle/>
+        <a:p>
+          <a:r>
+            <a:rPr lang="en-GB" dirty="0" err="1"/>
+            <a:t>Bezużyteczne</a:t>
+          </a:r>
+          <a:r>
+            <a:rPr lang="en-GB" dirty="0"/>
+            <a:t> </a:t>
+          </a:r>
+          <a:r>
+            <a:rPr lang="en-GB" dirty="0" err="1"/>
+            <a:t>rezultaty</a:t>
+          </a:r>
+          <a:endParaRPr lang="en-GB" dirty="0"/>
+        </a:p>
+      </dgm:t>
+    </dgm:pt>
+    <dgm:pt modelId="{56F8B252-0887-3B45-B88A-7EF8BE1B1212}" type="parTrans" cxnId="{30623F87-8E0E-EA4B-B15B-A3165D2AC704}">
+      <dgm:prSet/>
+      <dgm:spPr/>
+      <dgm:t>
+        <a:bodyPr/>
+        <a:lstStyle/>
+        <a:p>
+          <a:endParaRPr lang="en-GB"/>
+        </a:p>
+      </dgm:t>
+    </dgm:pt>
+    <dgm:pt modelId="{9262F99E-035A-324C-B73D-811DD0EEAEAC}" type="sibTrans" cxnId="{30623F87-8E0E-EA4B-B15B-A3165D2AC704}">
+      <dgm:prSet/>
+      <dgm:spPr/>
+      <dgm:t>
+        <a:bodyPr/>
+        <a:lstStyle/>
+        <a:p>
+          <a:endParaRPr lang="en-GB"/>
+        </a:p>
+      </dgm:t>
+    </dgm:pt>
+    <dgm:pt modelId="{DCD909CE-B06A-104C-B3A2-68D4BD1F5BBF}">
+      <dgm:prSet/>
+      <dgm:spPr/>
+      <dgm:t>
+        <a:bodyPr/>
+        <a:lstStyle/>
+        <a:p>
+          <a:r>
+            <a:rPr lang="pl-PL" dirty="0"/>
+            <a:t>Prawidłowo przeprowadzone badanie</a:t>
+          </a:r>
+        </a:p>
+      </dgm:t>
+    </dgm:pt>
+    <dgm:pt modelId="{136EC100-438B-0A42-BD4D-0F7CCF7218D5}" type="parTrans" cxnId="{2550DAA6-F4AC-974A-AA60-C07001E41202}">
+      <dgm:prSet/>
+      <dgm:spPr/>
+      <dgm:t>
+        <a:bodyPr/>
+        <a:lstStyle/>
+        <a:p>
+          <a:endParaRPr lang="en-GB"/>
+        </a:p>
+      </dgm:t>
+    </dgm:pt>
+    <dgm:pt modelId="{C922B9B2-ACAD-3E4C-BC13-CEB11369416F}" type="sibTrans" cxnId="{2550DAA6-F4AC-974A-AA60-C07001E41202}">
+      <dgm:prSet/>
+      <dgm:spPr/>
+      <dgm:t>
+        <a:bodyPr/>
+        <a:lstStyle/>
+        <a:p>
+          <a:endParaRPr lang="en-GB"/>
+        </a:p>
+      </dgm:t>
+    </dgm:pt>
+    <dgm:pt modelId="{47493BE0-FB01-9844-A5DE-658AB6398DD3}" type="pres">
+      <dgm:prSet presAssocID="{99AEF7B0-2476-0847-811B-782EF2D82B0C}" presName="Name0" presStyleCnt="0">
+        <dgm:presLayoutVars>
+          <dgm:dir/>
+          <dgm:resizeHandles val="exact"/>
+        </dgm:presLayoutVars>
+      </dgm:prSet>
+      <dgm:spPr/>
+    </dgm:pt>
+    <dgm:pt modelId="{3286369A-8BDA-D444-9C80-348F2B62D672}" type="pres">
+      <dgm:prSet presAssocID="{11ED9DD9-EED0-D84B-9147-DC4A8569D9D0}" presName="parTxOnly" presStyleLbl="node1" presStyleIdx="0" presStyleCnt="3">
+        <dgm:presLayoutVars>
+          <dgm:bulletEnabled val="1"/>
+        </dgm:presLayoutVars>
+      </dgm:prSet>
+      <dgm:spPr/>
+    </dgm:pt>
+    <dgm:pt modelId="{144F73FE-ED00-534D-B9AA-B249AB6160B1}" type="pres">
+      <dgm:prSet presAssocID="{A5039C5C-7C75-CD49-9FB9-9A9E099ABBD1}" presName="parSpace" presStyleCnt="0"/>
+      <dgm:spPr/>
+    </dgm:pt>
+    <dgm:pt modelId="{67DBC270-204C-2648-A55C-73570E0F0169}" type="pres">
+      <dgm:prSet presAssocID="{DCD909CE-B06A-104C-B3A2-68D4BD1F5BBF}" presName="parTxOnly" presStyleLbl="node1" presStyleIdx="1" presStyleCnt="3">
+        <dgm:presLayoutVars>
+          <dgm:bulletEnabled val="1"/>
+        </dgm:presLayoutVars>
+      </dgm:prSet>
+      <dgm:spPr/>
+    </dgm:pt>
+    <dgm:pt modelId="{518949B1-944E-AC47-8ED2-31E0DC7409DD}" type="pres">
+      <dgm:prSet presAssocID="{C922B9B2-ACAD-3E4C-BC13-CEB11369416F}" presName="parSpace" presStyleCnt="0"/>
+      <dgm:spPr/>
+    </dgm:pt>
+    <dgm:pt modelId="{C8E6C818-B22E-E34D-943C-8EFB40B19673}" type="pres">
+      <dgm:prSet presAssocID="{E1574765-0236-D643-81AD-2DC05D8FF018}" presName="parTxOnly" presStyleLbl="node1" presStyleIdx="2" presStyleCnt="3">
+        <dgm:presLayoutVars>
+          <dgm:bulletEnabled val="1"/>
+        </dgm:presLayoutVars>
+      </dgm:prSet>
+      <dgm:spPr/>
+    </dgm:pt>
+  </dgm:ptLst>
+  <dgm:cxnLst>
+    <dgm:cxn modelId="{80E2B423-24DD-8C47-A59C-D5D4503ED77E}" type="presOf" srcId="{99AEF7B0-2476-0847-811B-782EF2D82B0C}" destId="{47493BE0-FB01-9844-A5DE-658AB6398DD3}" srcOrd="0" destOrd="0" presId="urn:microsoft.com/office/officeart/2005/8/layout/hChevron3"/>
+    <dgm:cxn modelId="{3A7C0D3B-F9EA-5D4C-997B-195BF20F7BD6}" srcId="{99AEF7B0-2476-0847-811B-782EF2D82B0C}" destId="{11ED9DD9-EED0-D84B-9147-DC4A8569D9D0}" srcOrd="0" destOrd="0" parTransId="{4F235FB3-748B-ED4F-A3FA-08F0086279F5}" sibTransId="{A5039C5C-7C75-CD49-9FB9-9A9E099ABBD1}"/>
+    <dgm:cxn modelId="{45E78E5D-F202-8940-A277-D69928A42967}" type="presOf" srcId="{11ED9DD9-EED0-D84B-9147-DC4A8569D9D0}" destId="{3286369A-8BDA-D444-9C80-348F2B62D672}" srcOrd="0" destOrd="0" presId="urn:microsoft.com/office/officeart/2005/8/layout/hChevron3"/>
+    <dgm:cxn modelId="{30623F87-8E0E-EA4B-B15B-A3165D2AC704}" srcId="{99AEF7B0-2476-0847-811B-782EF2D82B0C}" destId="{E1574765-0236-D643-81AD-2DC05D8FF018}" srcOrd="2" destOrd="0" parTransId="{56F8B252-0887-3B45-B88A-7EF8BE1B1212}" sibTransId="{9262F99E-035A-324C-B73D-811DD0EEAEAC}"/>
+    <dgm:cxn modelId="{2550DAA6-F4AC-974A-AA60-C07001E41202}" srcId="{99AEF7B0-2476-0847-811B-782EF2D82B0C}" destId="{DCD909CE-B06A-104C-B3A2-68D4BD1F5BBF}" srcOrd="1" destOrd="0" parTransId="{136EC100-438B-0A42-BD4D-0F7CCF7218D5}" sibTransId="{C922B9B2-ACAD-3E4C-BC13-CEB11369416F}"/>
+    <dgm:cxn modelId="{2F4320C6-5AB6-F641-A763-B14BA957EBA3}" type="presOf" srcId="{E1574765-0236-D643-81AD-2DC05D8FF018}" destId="{C8E6C818-B22E-E34D-943C-8EFB40B19673}" srcOrd="0" destOrd="0" presId="urn:microsoft.com/office/officeart/2005/8/layout/hChevron3"/>
+    <dgm:cxn modelId="{357F5DF0-5B7B-BE43-9685-8FDFD60E37E5}" type="presOf" srcId="{DCD909CE-B06A-104C-B3A2-68D4BD1F5BBF}" destId="{67DBC270-204C-2648-A55C-73570E0F0169}" srcOrd="0" destOrd="0" presId="urn:microsoft.com/office/officeart/2005/8/layout/hChevron3"/>
+    <dgm:cxn modelId="{514A69B9-29D4-D146-8731-865E05B79EEE}" type="presParOf" srcId="{47493BE0-FB01-9844-A5DE-658AB6398DD3}" destId="{3286369A-8BDA-D444-9C80-348F2B62D672}" srcOrd="0" destOrd="0" presId="urn:microsoft.com/office/officeart/2005/8/layout/hChevron3"/>
+    <dgm:cxn modelId="{19B5CD79-4B1F-B648-A594-1FEED7E7050D}" type="presParOf" srcId="{47493BE0-FB01-9844-A5DE-658AB6398DD3}" destId="{144F73FE-ED00-534D-B9AA-B249AB6160B1}" srcOrd="1" destOrd="0" presId="urn:microsoft.com/office/officeart/2005/8/layout/hChevron3"/>
+    <dgm:cxn modelId="{D028521E-9D83-E74E-A7F5-870CA8CF7BFF}" type="presParOf" srcId="{47493BE0-FB01-9844-A5DE-658AB6398DD3}" destId="{67DBC270-204C-2648-A55C-73570E0F0169}" srcOrd="2" destOrd="0" presId="urn:microsoft.com/office/officeart/2005/8/layout/hChevron3"/>
+    <dgm:cxn modelId="{C994B673-CB59-1948-B503-20BE7C362E46}" type="presParOf" srcId="{47493BE0-FB01-9844-A5DE-658AB6398DD3}" destId="{518949B1-944E-AC47-8ED2-31E0DC7409DD}" srcOrd="3" destOrd="0" presId="urn:microsoft.com/office/officeart/2005/8/layout/hChevron3"/>
+    <dgm:cxn modelId="{3F2FA566-D72F-084B-AA39-58D7332A3EAA}" type="presParOf" srcId="{47493BE0-FB01-9844-A5DE-658AB6398DD3}" destId="{C8E6C818-B22E-E34D-943C-8EFB40B19673}" srcOrd="4" destOrd="0" presId="urn:microsoft.com/office/officeart/2005/8/layout/hChevron3"/>
   </dgm:cxnLst>
   <dgm:bg/>
   <dgm:whole/>
@@ -1438,73 +2085,18 @@
       <dsp:cNvGrpSpPr/>
     </dsp:nvGrpSpPr>
     <dsp:grpSpPr/>
-    <dsp:sp modelId="{46436487-832F-7644-9C65-0BFA7A85FD06}">
+    <dsp:sp modelId="{FD71D634-6E85-2240-9652-CCFC1C0220E4}">
       <dsp:nvSpPr>
         <dsp:cNvPr id="0" name=""/>
         <dsp:cNvSpPr/>
       </dsp:nvSpPr>
       <dsp:spPr>
-        <a:xfrm rot="5400000">
-          <a:off x="1774825" y="1498962"/>
-          <a:ext cx="1316414" cy="1498691"/>
+        <a:xfrm rot="10800000">
+          <a:off x="2070586" y="375"/>
+          <a:ext cx="6862766" cy="1367981"/>
         </a:xfrm>
-        <a:prstGeom prst="bentUpArrow">
-          <a:avLst>
-            <a:gd name="adj1" fmla="val 32840"/>
-            <a:gd name="adj2" fmla="val 25000"/>
-            <a:gd name="adj3" fmla="val 35780"/>
-          </a:avLst>
-        </a:prstGeom>
-        <a:solidFill>
-          <a:schemeClr val="accent1">
-            <a:tint val="50000"/>
-            <a:hueOff val="0"/>
-            <a:satOff val="0"/>
-            <a:lumOff val="0"/>
-            <a:alphaOff val="0"/>
-          </a:schemeClr>
-        </a:solidFill>
-        <a:ln w="12700" cap="flat" cmpd="sng" algn="ctr">
-          <a:solidFill>
-            <a:schemeClr val="lt1">
-              <a:hueOff val="0"/>
-              <a:satOff val="0"/>
-              <a:lumOff val="0"/>
-              <a:alphaOff val="0"/>
-            </a:schemeClr>
-          </a:solidFill>
-          <a:prstDash val="solid"/>
-          <a:miter lim="800000"/>
-        </a:ln>
-        <a:effectLst/>
-      </dsp:spPr>
-      <dsp:style>
-        <a:lnRef idx="2">
-          <a:scrgbClr r="0" g="0" b="0"/>
-        </a:lnRef>
-        <a:fillRef idx="1">
-          <a:scrgbClr r="0" g="0" b="0"/>
-        </a:fillRef>
-        <a:effectRef idx="0">
-          <a:scrgbClr r="0" g="0" b="0"/>
-        </a:effectRef>
-        <a:fontRef idx="minor"/>
-      </dsp:style>
-    </dsp:sp>
-    <dsp:sp modelId="{CE29CBBC-B613-E946-8617-C2A845B7032F}">
-      <dsp:nvSpPr>
-        <dsp:cNvPr id="0" name=""/>
-        <dsp:cNvSpPr/>
-      </dsp:nvSpPr>
-      <dsp:spPr>
-        <a:xfrm>
-          <a:off x="1426055" y="39690"/>
-          <a:ext cx="2216067" cy="1551175"/>
-        </a:xfrm>
-        <a:prstGeom prst="roundRect">
-          <a:avLst>
-            <a:gd name="adj" fmla="val 16670"/>
-          </a:avLst>
+        <a:prstGeom prst="homePlate">
+          <a:avLst/>
         </a:prstGeom>
         <a:solidFill>
           <a:schemeClr val="accent1">
@@ -1543,12 +2135,12 @@
         </a:fontRef>
       </dsp:style>
       <dsp:txBody>
-        <a:bodyPr spcFirstLastPara="0" vert="horz" wrap="square" lIns="87630" tIns="87630" rIns="87630" bIns="87630" numCol="1" spcCol="1270" anchor="ctr" anchorCtr="0">
+        <a:bodyPr spcFirstLastPara="0" vert="horz" wrap="square" lIns="603242" tIns="68580" rIns="128016" bIns="68580" numCol="1" spcCol="1270" anchor="ctr" anchorCtr="0">
           <a:noAutofit/>
         </a:bodyPr>
         <a:lstStyle/>
         <a:p>
-          <a:pPr marL="0" lvl="0" indent="0" algn="ctr" defTabSz="1022350" rtl="0">
+          <a:pPr marL="0" lvl="0" indent="0" algn="ctr" defTabSz="800100">
             <a:lnSpc>
               <a:spcPct val="90000"/>
             </a:lnSpc>
@@ -1558,57 +2150,13 @@
             <a:spcAft>
               <a:spcPct val="35000"/>
             </a:spcAft>
+            <a:buFont typeface="Arial" panose="020B0604020202020204" pitchFamily="34" charset="0"/>
             <a:buNone/>
           </a:pPr>
-          <a:r>
-            <a:rPr lang="pl-PL" sz="2300" kern="1200" dirty="0"/>
-            <a:t>Ludyczność</a:t>
-          </a:r>
+          <a:endParaRPr lang="en-PL" sz="1800" b="0" i="0" u="none" kern="1200" dirty="0"/>
         </a:p>
-      </dsp:txBody>
-      <dsp:txXfrm>
-        <a:off x="1501791" y="115426"/>
-        <a:ext cx="2064595" cy="1399703"/>
-      </dsp:txXfrm>
-    </dsp:sp>
-    <dsp:sp modelId="{9193DFD3-9CA7-984C-A1E2-DA9673B8F9C3}">
-      <dsp:nvSpPr>
-        <dsp:cNvPr id="0" name=""/>
-        <dsp:cNvSpPr/>
-      </dsp:nvSpPr>
-      <dsp:spPr>
-        <a:xfrm>
-          <a:off x="3642122" y="187630"/>
-          <a:ext cx="1611756" cy="1253728"/>
-        </a:xfrm>
-        <a:prstGeom prst="rect">
-          <a:avLst/>
-        </a:prstGeom>
-        <a:noFill/>
-        <a:ln>
-          <a:noFill/>
-        </a:ln>
-        <a:effectLst/>
-      </dsp:spPr>
-      <dsp:style>
-        <a:lnRef idx="0">
-          <a:scrgbClr r="0" g="0" b="0"/>
-        </a:lnRef>
-        <a:fillRef idx="0">
-          <a:scrgbClr r="0" g="0" b="0"/>
-        </a:fillRef>
-        <a:effectRef idx="0">
-          <a:scrgbClr r="0" g="0" b="0"/>
-        </a:effectRef>
-        <a:fontRef idx="minor"/>
-      </dsp:style>
-      <dsp:txBody>
-        <a:bodyPr spcFirstLastPara="0" vert="horz" wrap="square" lIns="49530" tIns="49530" rIns="49530" bIns="49530" numCol="1" spcCol="1270" anchor="ctr" anchorCtr="0">
-          <a:noAutofit/>
-        </a:bodyPr>
-        <a:lstStyle/>
         <a:p>
-          <a:pPr marL="57150" lvl="1" indent="-57150" algn="l" defTabSz="444500" rtl="0">
+          <a:pPr marL="0" lvl="0" indent="0" algn="ctr" defTabSz="800100">
             <a:lnSpc>
               <a:spcPct val="90000"/>
             </a:lnSpc>
@@ -1616,25 +2164,70 @@
               <a:spcPct val="0"/>
             </a:spcBef>
             <a:spcAft>
-              <a:spcPct val="15000"/>
+              <a:spcPct val="35000"/>
             </a:spcAft>
-            <a:buChar char="•"/>
+            <a:buFont typeface="Arial" panose="020B0604020202020204" pitchFamily="34" charset="0"/>
+            <a:buNone/>
           </a:pPr>
           <a:r>
-            <a:rPr lang="pl-PL" sz="1000" kern="1200" dirty="0"/>
-            <a:t>Zdolność literatury pięknej do zaspokajania potrzeb rozrywkowych (bajka, komedia, farsa, </a:t>
+            <a:rPr lang="en-GB" sz="1800" b="0" i="0" u="none" kern="1200" dirty="0" err="1"/>
+            <a:t>Czy</a:t>
           </a:r>
           <a:r>
-            <a:rPr lang="pl-PL" sz="1000" kern="1200" dirty="0" err="1"/>
-            <a:t>etc</a:t>
+            <a:rPr lang="en-GB" sz="1800" b="0" i="0" u="none" kern="1200" dirty="0"/>
+            <a:t> </a:t>
           </a:r>
           <a:r>
-            <a:rPr lang="pl-PL" sz="1000" kern="1200" dirty="0"/>
-            <a:t>) </a:t>
+            <a:rPr lang="en-GB" sz="1800" b="0" i="0" u="none" kern="1200" dirty="0" err="1"/>
+            <a:t>cel</a:t>
+          </a:r>
+          <a:r>
+            <a:rPr lang="en-GB" sz="1800" b="0" i="0" u="none" kern="1200" dirty="0"/>
+            <a:t> </a:t>
+          </a:r>
+          <a:r>
+            <a:rPr lang="en-GB" sz="1800" b="0" i="0" u="none" kern="1200" dirty="0" err="1"/>
+            <a:t>rozwiązania</a:t>
+          </a:r>
+          <a:r>
+            <a:rPr lang="en-GB" sz="1800" b="0" i="0" u="none" kern="1200" dirty="0"/>
+            <a:t> HFD jest w </a:t>
+          </a:r>
+          <a:r>
+            <a:rPr lang="en-GB" sz="1800" b="0" i="0" u="none" kern="1200" dirty="0" err="1"/>
+            <a:t>pełni</a:t>
+          </a:r>
+          <a:r>
+            <a:rPr lang="en-GB" sz="1800" b="0" i="0" u="none" kern="1200" dirty="0"/>
+            <a:t> </a:t>
+          </a:r>
+          <a:r>
+            <a:rPr lang="en-GB" sz="1800" b="0" i="0" u="none" kern="1200" dirty="0" err="1"/>
+            <a:t>jasny</a:t>
+          </a:r>
+          <a:r>
+            <a:rPr lang="en-GB" sz="1800" b="0" i="0" u="none" kern="1200" dirty="0"/>
+            <a:t> </a:t>
+          </a:r>
+          <a:r>
+            <a:rPr lang="en-GB" sz="1800" b="0" i="0" u="none" kern="1200" dirty="0" err="1"/>
+            <a:t>dla</a:t>
+          </a:r>
+          <a:r>
+            <a:rPr lang="en-GB" sz="1800" b="0" i="0" u="none" kern="1200" dirty="0"/>
+            <a:t> </a:t>
+          </a:r>
+          <a:r>
+            <a:rPr lang="en-GB" sz="1800" b="0" i="0" u="none" kern="1200" dirty="0" err="1"/>
+            <a:t>użytkownika</a:t>
+          </a:r>
+          <a:r>
+            <a:rPr lang="en-GB" sz="1800" b="0" i="0" u="none" kern="1200" dirty="0"/>
+            <a:t>?</a:t>
           </a:r>
         </a:p>
         <a:p>
-          <a:pPr marL="57150" lvl="1" indent="-57150" algn="l" defTabSz="444500" rtl="0">
+          <a:pPr marL="0" lvl="0" indent="0" algn="ctr" defTabSz="800100">
             <a:lnSpc>
               <a:spcPct val="90000"/>
             </a:lnSpc>
@@ -1642,52 +2235,31 @@
               <a:spcPct val="0"/>
             </a:spcBef>
             <a:spcAft>
-              <a:spcPct val="15000"/>
+              <a:spcPct val="35000"/>
             </a:spcAft>
-            <a:buChar char="•"/>
+            <a:buFont typeface="Arial" panose="020B0604020202020204" pitchFamily="34" charset="0"/>
+            <a:buNone/>
           </a:pPr>
-          <a:r>
-            <a:rPr lang="pl-PL" sz="1000" kern="1200" dirty="0"/>
-            <a:t>Badana przez nauki humanistyczne</a:t>
-          </a:r>
-        </a:p>
-        <a:p>
-          <a:pPr marL="57150" lvl="1" indent="-57150" algn="l" defTabSz="444500" rtl="0">
-            <a:lnSpc>
-              <a:spcPct val="90000"/>
-            </a:lnSpc>
-            <a:spcBef>
-              <a:spcPct val="0"/>
-            </a:spcBef>
-            <a:spcAft>
-              <a:spcPct val="15000"/>
-            </a:spcAft>
-            <a:buChar char="•"/>
-          </a:pPr>
-          <a:endParaRPr lang="pl-PL" sz="1000" kern="1200" dirty="0"/>
+          <a:endParaRPr lang="en-GB" sz="1800" kern="1200" dirty="0"/>
         </a:p>
       </dsp:txBody>
-      <dsp:txXfrm>
-        <a:off x="3642122" y="187630"/>
-        <a:ext cx="1611756" cy="1253728"/>
+      <dsp:txXfrm rot="10800000">
+        <a:off x="2412581" y="375"/>
+        <a:ext cx="6520771" cy="1367981"/>
       </dsp:txXfrm>
     </dsp:sp>
-    <dsp:sp modelId="{E98C50D4-5FA3-E54C-80AF-C87500E3877B}">
+    <dsp:sp modelId="{54763CFD-7326-A845-9093-6CF5668ECA08}">
       <dsp:nvSpPr>
         <dsp:cNvPr id="0" name=""/>
         <dsp:cNvSpPr/>
       </dsp:nvSpPr>
       <dsp:spPr>
-        <a:xfrm rot="5400000">
-          <a:off x="3612180" y="3241443"/>
-          <a:ext cx="1316414" cy="1498691"/>
+        <a:xfrm>
+          <a:off x="1386596" y="375"/>
+          <a:ext cx="1367981" cy="1367981"/>
         </a:xfrm>
-        <a:prstGeom prst="bentUpArrow">
-          <a:avLst>
-            <a:gd name="adj1" fmla="val 32840"/>
-            <a:gd name="adj2" fmla="val 25000"/>
-            <a:gd name="adj3" fmla="val 35780"/>
-          </a:avLst>
+        <a:prstGeom prst="ellipse">
+          <a:avLst/>
         </a:prstGeom>
         <a:solidFill>
           <a:schemeClr val="accent1">
@@ -1725,20 +2297,18 @@
         <a:fontRef idx="minor"/>
       </dsp:style>
     </dsp:sp>
-    <dsp:sp modelId="{9F5BFC1A-C170-BD4E-AF70-AEA0C21B2993}">
+    <dsp:sp modelId="{AF4C5D42-E22F-C149-88C7-771A4DCBCD0E}">
       <dsp:nvSpPr>
         <dsp:cNvPr id="0" name=""/>
         <dsp:cNvSpPr/>
       </dsp:nvSpPr>
       <dsp:spPr>
-        <a:xfrm>
-          <a:off x="3263410" y="1782171"/>
-          <a:ext cx="2216067" cy="1551175"/>
+        <a:xfrm rot="10800000">
+          <a:off x="2070586" y="1710352"/>
+          <a:ext cx="6862766" cy="1367981"/>
         </a:xfrm>
-        <a:prstGeom prst="roundRect">
-          <a:avLst>
-            <a:gd name="adj" fmla="val 16670"/>
-          </a:avLst>
+        <a:prstGeom prst="homePlate">
+          <a:avLst/>
         </a:prstGeom>
         <a:solidFill>
           <a:schemeClr val="accent1">
@@ -1777,12 +2347,12 @@
         </a:fontRef>
       </dsp:style>
       <dsp:txBody>
-        <a:bodyPr spcFirstLastPara="0" vert="horz" wrap="square" lIns="87630" tIns="87630" rIns="87630" bIns="87630" numCol="1" spcCol="1270" anchor="ctr" anchorCtr="0">
+        <a:bodyPr spcFirstLastPara="0" vert="horz" wrap="square" lIns="603242" tIns="68580" rIns="128016" bIns="68580" numCol="1" spcCol="1270" anchor="ctr" anchorCtr="0">
           <a:noAutofit/>
         </a:bodyPr>
         <a:lstStyle/>
         <a:p>
-          <a:pPr marL="0" lvl="0" indent="0" algn="ctr" defTabSz="1022350" rtl="0">
+          <a:pPr marL="0" lvl="0" indent="0" algn="ctr" defTabSz="800100">
             <a:lnSpc>
               <a:spcPct val="90000"/>
             </a:lnSpc>
@@ -1792,95 +2362,68 @@
             <a:spcAft>
               <a:spcPct val="35000"/>
             </a:spcAft>
+            <a:buFont typeface="Arial" panose="020B0604020202020204" pitchFamily="34" charset="0"/>
             <a:buNone/>
           </a:pPr>
           <a:r>
-            <a:rPr lang="pl-PL" sz="2300" kern="1200" dirty="0"/>
-            <a:t>Gry (komputerowe)</a:t>
+            <a:rPr lang="en-GB" sz="1800" b="0" i="0" u="none" kern="1200" dirty="0" err="1"/>
+            <a:t>Czy</a:t>
+          </a:r>
+          <a:r>
+            <a:rPr lang="en-GB" sz="1800" b="0" i="0" u="none" kern="1200" dirty="0"/>
+            <a:t> </a:t>
+          </a:r>
+          <a:r>
+            <a:rPr lang="en-GB" sz="1800" b="0" i="0" u="none" kern="1200" dirty="0" err="1"/>
+            <a:t>użytkownik</a:t>
+          </a:r>
+          <a:r>
+            <a:rPr lang="en-GB" sz="1800" b="0" i="0" u="none" kern="1200" dirty="0"/>
+            <a:t> jest </a:t>
+          </a:r>
+          <a:r>
+            <a:rPr lang="en-GB" sz="1800" b="0" i="0" u="none" kern="1200" dirty="0" err="1"/>
+            <a:t>świadomy</a:t>
+          </a:r>
+          <a:r>
+            <a:rPr lang="en-GB" sz="1800" b="0" i="0" u="none" kern="1200" dirty="0"/>
+            <a:t> </a:t>
+          </a:r>
+          <a:r>
+            <a:rPr lang="en-GB" sz="1800" b="0" i="0" u="none" kern="1200" dirty="0" err="1"/>
+            <a:t>korzystania</a:t>
+          </a:r>
+          <a:r>
+            <a:rPr lang="en-GB" sz="1800" b="0" i="0" u="none" kern="1200" dirty="0"/>
+            <a:t> z </a:t>
+          </a:r>
+          <a:r>
+            <a:rPr lang="en-GB" sz="1800" b="0" i="0" u="none" kern="1200" dirty="0" err="1"/>
+            <a:t>rozwiązania</a:t>
+          </a:r>
+          <a:r>
+            <a:rPr lang="en-GB" sz="1800" b="0" i="0" u="none" kern="1200" dirty="0"/>
+            <a:t> HFD?</a:t>
           </a:r>
         </a:p>
       </dsp:txBody>
-      <dsp:txXfrm>
-        <a:off x="3339146" y="1857907"/>
-        <a:ext cx="2064595" cy="1399703"/>
+      <dsp:txXfrm rot="10800000">
+        <a:off x="2412581" y="1710352"/>
+        <a:ext cx="6520771" cy="1367981"/>
       </dsp:txXfrm>
     </dsp:sp>
-    <dsp:sp modelId="{D2660507-C7A9-964F-8748-CF278121D188}">
+    <dsp:sp modelId="{C7303EDD-F580-E54B-BB09-13EA14A2E239}">
       <dsp:nvSpPr>
         <dsp:cNvPr id="0" name=""/>
         <dsp:cNvSpPr/>
       </dsp:nvSpPr>
       <dsp:spPr>
         <a:xfrm>
-          <a:off x="5479477" y="1930111"/>
-          <a:ext cx="1611756" cy="1253728"/>
+          <a:off x="1386596" y="1710352"/>
+          <a:ext cx="1367981" cy="1367981"/>
         </a:xfrm>
-        <a:prstGeom prst="rect">
+        <a:prstGeom prst="ellipse">
           <a:avLst/>
-        </a:prstGeom>
-        <a:noFill/>
-        <a:ln>
-          <a:noFill/>
-        </a:ln>
-        <a:effectLst/>
-      </dsp:spPr>
-      <dsp:style>
-        <a:lnRef idx="0">
-          <a:scrgbClr r="0" g="0" b="0"/>
-        </a:lnRef>
-        <a:fillRef idx="0">
-          <a:scrgbClr r="0" g="0" b="0"/>
-        </a:fillRef>
-        <a:effectRef idx="0">
-          <a:scrgbClr r="0" g="0" b="0"/>
-        </a:effectRef>
-        <a:fontRef idx="minor"/>
-      </dsp:style>
-      <dsp:txBody>
-        <a:bodyPr spcFirstLastPara="0" vert="horz" wrap="square" lIns="49530" tIns="49530" rIns="49530" bIns="49530" numCol="1" spcCol="1270" anchor="ctr" anchorCtr="0">
-          <a:noAutofit/>
-        </a:bodyPr>
-        <a:lstStyle/>
-        <a:p>
-          <a:pPr marL="57150" lvl="1" indent="-57150" algn="l" defTabSz="444500" rtl="0">
-            <a:lnSpc>
-              <a:spcPct val="90000"/>
-            </a:lnSpc>
-            <a:spcBef>
-              <a:spcPct val="0"/>
-            </a:spcBef>
-            <a:spcAft>
-              <a:spcPct val="15000"/>
-            </a:spcAft>
-            <a:buChar char="•"/>
-          </a:pPr>
-          <a:r>
-            <a:rPr lang="pl-PL" sz="1000" kern="1200" dirty="0"/>
-            <a:t>Badanie</a:t>
-          </a:r>
-        </a:p>
-      </dsp:txBody>
-      <dsp:txXfrm>
-        <a:off x="5479477" y="1930111"/>
-        <a:ext cx="1611756" cy="1253728"/>
-      </dsp:txXfrm>
-    </dsp:sp>
-    <dsp:sp modelId="{C867ADCE-1C19-6C41-91BD-7259F5634333}">
-      <dsp:nvSpPr>
-        <dsp:cNvPr id="0" name=""/>
-        <dsp:cNvSpPr/>
-      </dsp:nvSpPr>
-      <dsp:spPr>
-        <a:xfrm rot="5400000">
-          <a:off x="5449535" y="4983925"/>
-          <a:ext cx="1316414" cy="1498691"/>
-        </a:xfrm>
-        <a:prstGeom prst="bentUpArrow">
-          <a:avLst>
-            <a:gd name="adj1" fmla="val 32840"/>
-            <a:gd name="adj2" fmla="val 25000"/>
-            <a:gd name="adj3" fmla="val 35780"/>
-          </a:avLst>
         </a:prstGeom>
         <a:solidFill>
           <a:schemeClr val="accent1">
@@ -1918,20 +2461,30 @@
         <a:fontRef idx="minor"/>
       </dsp:style>
     </dsp:sp>
-    <dsp:sp modelId="{60D79E23-315E-C842-8455-F8BBFBEDC358}">
+  </dsp:spTree>
+</dsp:drawing>
+</file>
+
+<file path=ppt/diagrams/drawing2.xml><?xml version="1.0" encoding="utf-8"?>
+<dsp:drawing xmlns:dgm="http://schemas.openxmlformats.org/drawingml/2006/diagram" xmlns:dsp="http://schemas.microsoft.com/office/drawing/2008/diagram" xmlns:a="http://schemas.openxmlformats.org/drawingml/2006/main">
+  <dsp:spTree>
+    <dsp:nvGrpSpPr>
+      <dsp:cNvPr id="0" name=""/>
+      <dsp:cNvGrpSpPr/>
+    </dsp:nvGrpSpPr>
+    <dsp:grpSpPr/>
+    <dsp:sp modelId="{3286369A-8BDA-D444-9C80-348F2B62D672}">
       <dsp:nvSpPr>
         <dsp:cNvPr id="0" name=""/>
         <dsp:cNvSpPr/>
       </dsp:nvSpPr>
       <dsp:spPr>
         <a:xfrm>
-          <a:off x="5100765" y="3524653"/>
-          <a:ext cx="2216067" cy="1551175"/>
+          <a:off x="4621" y="0"/>
+          <a:ext cx="4040906" cy="1603375"/>
         </a:xfrm>
-        <a:prstGeom prst="roundRect">
-          <a:avLst>
-            <a:gd name="adj" fmla="val 16670"/>
-          </a:avLst>
+        <a:prstGeom prst="homePlate">
+          <a:avLst/>
         </a:prstGeom>
         <a:solidFill>
           <a:schemeClr val="accent1">
@@ -1970,12 +2523,12 @@
         </a:fontRef>
       </dsp:style>
       <dsp:txBody>
-        <a:bodyPr spcFirstLastPara="0" vert="horz" wrap="square" lIns="87630" tIns="87630" rIns="87630" bIns="87630" numCol="1" spcCol="1270" anchor="ctr" anchorCtr="0">
+        <a:bodyPr spcFirstLastPara="0" vert="horz" wrap="square" lIns="138684" tIns="69342" rIns="34671" bIns="69342" numCol="1" spcCol="1270" anchor="ctr" anchorCtr="0">
           <a:noAutofit/>
         </a:bodyPr>
         <a:lstStyle/>
         <a:p>
-          <a:pPr marL="0" lvl="0" indent="0" algn="ctr" defTabSz="1022350" rtl="0">
+          <a:pPr marL="0" lvl="0" indent="0" algn="ctr" defTabSz="1155700">
             <a:lnSpc>
               <a:spcPct val="90000"/>
             </a:lnSpc>
@@ -1988,87 +2541,32 @@
             <a:buNone/>
           </a:pPr>
           <a:r>
-            <a:rPr lang="pl-PL" sz="2300" kern="1200" dirty="0"/>
-            <a:t>Gamifikacja</a:t>
+            <a:rPr lang="en-GB" sz="2600" kern="1200" dirty="0" err="1"/>
+            <a:t>Niekompletny</a:t>
+          </a:r>
+          <a:r>
+            <a:rPr lang="en-GB" sz="2600" kern="1200" dirty="0"/>
+            <a:t> model</a:t>
           </a:r>
         </a:p>
       </dsp:txBody>
       <dsp:txXfrm>
-        <a:off x="5176501" y="3600389"/>
-        <a:ext cx="2064595" cy="1399703"/>
+        <a:off x="4621" y="0"/>
+        <a:ext cx="3640062" cy="1603375"/>
       </dsp:txXfrm>
     </dsp:sp>
-    <dsp:sp modelId="{FE999C79-4446-AB44-A4A3-5591D1DEFA3A}">
+    <dsp:sp modelId="{67DBC270-204C-2648-A55C-73570E0F0169}">
       <dsp:nvSpPr>
         <dsp:cNvPr id="0" name=""/>
         <dsp:cNvSpPr/>
       </dsp:nvSpPr>
       <dsp:spPr>
         <a:xfrm>
-          <a:off x="7316832" y="3672593"/>
-          <a:ext cx="1611756" cy="1253728"/>
+          <a:off x="3237346" y="0"/>
+          <a:ext cx="4040906" cy="1603375"/>
         </a:xfrm>
-        <a:prstGeom prst="rect">
+        <a:prstGeom prst="chevron">
           <a:avLst/>
-        </a:prstGeom>
-        <a:noFill/>
-        <a:ln>
-          <a:noFill/>
-        </a:ln>
-        <a:effectLst/>
-      </dsp:spPr>
-      <dsp:style>
-        <a:lnRef idx="0">
-          <a:scrgbClr r="0" g="0" b="0"/>
-        </a:lnRef>
-        <a:fillRef idx="0">
-          <a:scrgbClr r="0" g="0" b="0"/>
-        </a:fillRef>
-        <a:effectRef idx="0">
-          <a:scrgbClr r="0" g="0" b="0"/>
-        </a:effectRef>
-        <a:fontRef idx="minor"/>
-      </dsp:style>
-      <dsp:txBody>
-        <a:bodyPr spcFirstLastPara="0" vert="horz" wrap="square" lIns="49530" tIns="49530" rIns="49530" bIns="49530" numCol="1" spcCol="1270" anchor="ctr" anchorCtr="0">
-          <a:noAutofit/>
-        </a:bodyPr>
-        <a:lstStyle/>
-        <a:p>
-          <a:pPr marL="57150" lvl="1" indent="-57150" algn="l" defTabSz="444500">
-            <a:lnSpc>
-              <a:spcPct val="90000"/>
-            </a:lnSpc>
-            <a:spcBef>
-              <a:spcPct val="0"/>
-            </a:spcBef>
-            <a:spcAft>
-              <a:spcPct val="15000"/>
-            </a:spcAft>
-            <a:buChar char="•"/>
-          </a:pPr>
-          <a:endParaRPr lang="pl-PL" sz="1000" kern="1200" dirty="0"/>
-        </a:p>
-      </dsp:txBody>
-      <dsp:txXfrm>
-        <a:off x="7316832" y="3672593"/>
-        <a:ext cx="1611756" cy="1253728"/>
-      </dsp:txXfrm>
-    </dsp:sp>
-    <dsp:sp modelId="{B5F89B3D-0030-6E40-8566-B43A183C0A52}">
-      <dsp:nvSpPr>
-        <dsp:cNvPr id="0" name=""/>
-        <dsp:cNvSpPr/>
-      </dsp:nvSpPr>
-      <dsp:spPr>
-        <a:xfrm>
-          <a:off x="6938120" y="5267134"/>
-          <a:ext cx="2216067" cy="1551175"/>
-        </a:xfrm>
-        <a:prstGeom prst="roundRect">
-          <a:avLst>
-            <a:gd name="adj" fmla="val 16670"/>
-          </a:avLst>
         </a:prstGeom>
         <a:solidFill>
           <a:schemeClr val="accent1">
@@ -2107,12 +2605,12 @@
         </a:fontRef>
       </dsp:style>
       <dsp:txBody>
-        <a:bodyPr spcFirstLastPara="0" vert="horz" wrap="square" lIns="87630" tIns="87630" rIns="87630" bIns="87630" numCol="1" spcCol="1270" anchor="ctr" anchorCtr="0">
+        <a:bodyPr spcFirstLastPara="0" vert="horz" wrap="square" lIns="104013" tIns="69342" rIns="34671" bIns="69342" numCol="1" spcCol="1270" anchor="ctr" anchorCtr="0">
           <a:noAutofit/>
         </a:bodyPr>
         <a:lstStyle/>
         <a:p>
-          <a:pPr marL="0" lvl="0" indent="0" algn="ctr" defTabSz="1022350" rtl="0">
+          <a:pPr marL="0" lvl="0" indent="0" algn="ctr" defTabSz="1155700">
             <a:lnSpc>
               <a:spcPct val="90000"/>
             </a:lnSpc>
@@ -2125,62 +2623,72 @@
             <a:buNone/>
           </a:pPr>
           <a:r>
-            <a:rPr lang="pl-PL" sz="2300" kern="1200" dirty="0"/>
-            <a:t>Human </a:t>
-          </a:r>
-          <a:r>
-            <a:rPr lang="pl-PL" sz="2300" kern="1200" dirty="0" err="1"/>
-            <a:t>focused</a:t>
-          </a:r>
-          <a:r>
-            <a:rPr lang="pl-PL" sz="2300" kern="1200" dirty="0"/>
-            <a:t> design</a:t>
+            <a:rPr lang="pl-PL" sz="2600" kern="1200" dirty="0"/>
+            <a:t>Prawidłowo przeprowadzone badanie</a:t>
           </a:r>
         </a:p>
       </dsp:txBody>
       <dsp:txXfrm>
-        <a:off x="7013856" y="5342870"/>
-        <a:ext cx="2064595" cy="1399703"/>
+        <a:off x="4039034" y="0"/>
+        <a:ext cx="2437531" cy="1603375"/>
       </dsp:txXfrm>
     </dsp:sp>
-    <dsp:sp modelId="{D7295BC3-2932-5847-AC06-7A4D536DFFF4}">
+    <dsp:sp modelId="{C8E6C818-B22E-E34D-943C-8EFB40B19673}">
       <dsp:nvSpPr>
         <dsp:cNvPr id="0" name=""/>
         <dsp:cNvSpPr/>
       </dsp:nvSpPr>
       <dsp:spPr>
         <a:xfrm>
-          <a:off x="9154187" y="5415074"/>
-          <a:ext cx="1611756" cy="1253728"/>
+          <a:off x="6470072" y="0"/>
+          <a:ext cx="4040906" cy="1603375"/>
         </a:xfrm>
-        <a:prstGeom prst="rect">
+        <a:prstGeom prst="chevron">
           <a:avLst/>
         </a:prstGeom>
-        <a:noFill/>
-        <a:ln>
-          <a:noFill/>
+        <a:solidFill>
+          <a:schemeClr val="accent1">
+            <a:hueOff val="0"/>
+            <a:satOff val="0"/>
+            <a:lumOff val="0"/>
+            <a:alphaOff val="0"/>
+          </a:schemeClr>
+        </a:solidFill>
+        <a:ln w="12700" cap="flat" cmpd="sng" algn="ctr">
+          <a:solidFill>
+            <a:schemeClr val="lt1">
+              <a:hueOff val="0"/>
+              <a:satOff val="0"/>
+              <a:lumOff val="0"/>
+              <a:alphaOff val="0"/>
+            </a:schemeClr>
+          </a:solidFill>
+          <a:prstDash val="solid"/>
+          <a:miter lim="800000"/>
         </a:ln>
         <a:effectLst/>
       </dsp:spPr>
       <dsp:style>
-        <a:lnRef idx="0">
+        <a:lnRef idx="2">
           <a:scrgbClr r="0" g="0" b="0"/>
         </a:lnRef>
-        <a:fillRef idx="0">
+        <a:fillRef idx="1">
           <a:scrgbClr r="0" g="0" b="0"/>
         </a:fillRef>
         <a:effectRef idx="0">
           <a:scrgbClr r="0" g="0" b="0"/>
         </a:effectRef>
-        <a:fontRef idx="minor"/>
+        <a:fontRef idx="minor">
+          <a:schemeClr val="lt1"/>
+        </a:fontRef>
       </dsp:style>
       <dsp:txBody>
-        <a:bodyPr spcFirstLastPara="0" vert="horz" wrap="square" lIns="137160" tIns="137160" rIns="137160" bIns="137160" numCol="1" spcCol="1270" anchor="ctr" anchorCtr="0">
+        <a:bodyPr spcFirstLastPara="0" vert="horz" wrap="square" lIns="104013" tIns="69342" rIns="34671" bIns="69342" numCol="1" spcCol="1270" anchor="ctr" anchorCtr="0">
           <a:noAutofit/>
         </a:bodyPr>
         <a:lstStyle/>
         <a:p>
-          <a:pPr marL="285750" lvl="1" indent="-285750" algn="l" defTabSz="1244600">
+          <a:pPr marL="0" lvl="0" indent="0" algn="ctr" defTabSz="1155700">
             <a:lnSpc>
               <a:spcPct val="90000"/>
             </a:lnSpc>
@@ -2188,16 +2696,28 @@
               <a:spcPct val="0"/>
             </a:spcBef>
             <a:spcAft>
-              <a:spcPct val="15000"/>
+              <a:spcPct val="35000"/>
             </a:spcAft>
-            <a:buChar char="•"/>
+            <a:buNone/>
           </a:pPr>
-          <a:endParaRPr lang="pl-PL" sz="2800" kern="1200"/>
+          <a:r>
+            <a:rPr lang="en-GB" sz="2600" kern="1200" dirty="0" err="1"/>
+            <a:t>Bezużyteczne</a:t>
+          </a:r>
+          <a:r>
+            <a:rPr lang="en-GB" sz="2600" kern="1200" dirty="0"/>
+            <a:t> </a:t>
+          </a:r>
+          <a:r>
+            <a:rPr lang="en-GB" sz="2600" kern="1200" dirty="0" err="1"/>
+            <a:t>rezultaty</a:t>
+          </a:r>
+          <a:endParaRPr lang="en-GB" sz="2600" kern="1200" dirty="0"/>
         </a:p>
       </dsp:txBody>
       <dsp:txXfrm>
-        <a:off x="9154187" y="5415074"/>
-        <a:ext cx="1611756" cy="1253728"/>
+        <a:off x="7271760" y="0"/>
+        <a:ext cx="2437531" cy="1603375"/>
       </dsp:txXfrm>
     </dsp:sp>
   </dsp:spTree>
@@ -2205,43 +2725,18 @@
 </file>
 
 <file path=ppt/diagrams/layout1.xml><?xml version="1.0" encoding="utf-8"?>
-<dgm:layoutDef xmlns:dgm="http://schemas.openxmlformats.org/drawingml/2006/diagram" xmlns:a="http://schemas.openxmlformats.org/drawingml/2006/main" uniqueId="urn:microsoft.com/office/officeart/2005/8/layout/StepDownProcess">
+<dgm:layoutDef xmlns:dgm="http://schemas.openxmlformats.org/drawingml/2006/diagram" xmlns:a="http://schemas.openxmlformats.org/drawingml/2006/main" uniqueId="urn:microsoft.com/office/officeart/2005/8/layout/vList3">
   <dgm:title val=""/>
   <dgm:desc val=""/>
   <dgm:catLst>
-    <dgm:cat type="process" pri="1600"/>
+    <dgm:cat type="list" pri="14000"/>
+    <dgm:cat type="convert" pri="3000"/>
+    <dgm:cat type="picture" pri="27000"/>
+    <dgm:cat type="pictureconvert" pri="27000"/>
   </dgm:catLst>
-  <dgm:sampData>
+  <dgm:sampData useDef="1">
     <dgm:dataModel>
-      <dgm:ptLst>
-        <dgm:pt modelId="0" type="doc"/>
-        <dgm:pt modelId="10">
-          <dgm:prSet phldr="1"/>
-        </dgm:pt>
-        <dgm:pt modelId="11">
-          <dgm:prSet phldr="1"/>
-        </dgm:pt>
-        <dgm:pt modelId="20">
-          <dgm:prSet phldr="1"/>
-        </dgm:pt>
-        <dgm:pt modelId="21">
-          <dgm:prSet phldr="1"/>
-        </dgm:pt>
-        <dgm:pt modelId="30">
-          <dgm:prSet phldr="1"/>
-        </dgm:pt>
-        <dgm:pt modelId="31">
-          <dgm:prSet phldr="1"/>
-        </dgm:pt>
-      </dgm:ptLst>
-      <dgm:cxnLst>
-        <dgm:cxn modelId="60" srcId="0" destId="10" srcOrd="0" destOrd="0"/>
-        <dgm:cxn modelId="12" srcId="10" destId="11" srcOrd="0" destOrd="0"/>
-        <dgm:cxn modelId="70" srcId="0" destId="20" srcOrd="1" destOrd="0"/>
-        <dgm:cxn modelId="22" srcId="20" destId="21" srcOrd="0" destOrd="0"/>
-        <dgm:cxn modelId="80" srcId="0" destId="30" srcOrd="2" destOrd="0"/>
-        <dgm:cxn modelId="32" srcId="30" destId="31" srcOrd="0" destOrd="0"/>
-      </dgm:cxnLst>
+      <dgm:ptLst/>
       <dgm:bg/>
       <dgm:whole/>
     </dgm:dataModel>
@@ -2250,16 +2745,12 @@
     <dgm:dataModel>
       <dgm:ptLst>
         <dgm:pt modelId="0" type="doc"/>
-        <dgm:pt modelId="10">
-          <dgm:prSet phldr="1"/>
-        </dgm:pt>
-        <dgm:pt modelId="20">
-          <dgm:prSet phldr="1"/>
-        </dgm:pt>
+        <dgm:pt modelId="1"/>
+        <dgm:pt modelId="2"/>
       </dgm:ptLst>
       <dgm:cxnLst>
-        <dgm:cxn modelId="60" srcId="0" destId="10" srcOrd="0" destOrd="0"/>
-        <dgm:cxn modelId="70" srcId="0" destId="20" srcOrd="1" destOrd="0"/>
+        <dgm:cxn modelId="3" srcId="0" destId="1" srcOrd="0" destOrd="0"/>
+        <dgm:cxn modelId="4" srcId="0" destId="2" srcOrd="1" destOrd="0"/>
       </dgm:cxnLst>
       <dgm:bg/>
       <dgm:whole/>
@@ -2269,177 +2760,109 @@
     <dgm:dataModel>
       <dgm:ptLst>
         <dgm:pt modelId="0" type="doc"/>
-        <dgm:pt modelId="10">
-          <dgm:prSet phldr="1"/>
-        </dgm:pt>
-        <dgm:pt modelId="20">
-          <dgm:prSet phldr="1"/>
-        </dgm:pt>
-        <dgm:pt modelId="30">
-          <dgm:prSet phldr="1"/>
-        </dgm:pt>
-        <dgm:pt modelId="40">
-          <dgm:prSet phldr="1"/>
-        </dgm:pt>
+        <dgm:pt modelId="1"/>
+        <dgm:pt modelId="2"/>
+        <dgm:pt modelId="3"/>
+        <dgm:pt modelId="4"/>
       </dgm:ptLst>
       <dgm:cxnLst>
-        <dgm:cxn modelId="60" srcId="0" destId="10" srcOrd="0" destOrd="0"/>
-        <dgm:cxn modelId="70" srcId="0" destId="20" srcOrd="1" destOrd="0"/>
-        <dgm:cxn modelId="80" srcId="0" destId="30" srcOrd="2" destOrd="0"/>
-        <dgm:cxn modelId="90" srcId="0" destId="40" srcOrd="3" destOrd="0"/>
+        <dgm:cxn modelId="5" srcId="0" destId="1" srcOrd="0" destOrd="0"/>
+        <dgm:cxn modelId="6" srcId="0" destId="2" srcOrd="1" destOrd="0"/>
+        <dgm:cxn modelId="7" srcId="0" destId="3" srcOrd="2" destOrd="0"/>
+        <dgm:cxn modelId="8" srcId="0" destId="4" srcOrd="3" destOrd="0"/>
       </dgm:cxnLst>
       <dgm:bg/>
       <dgm:whole/>
     </dgm:dataModel>
   </dgm:clrData>
-  <dgm:layoutNode name="rootnode">
+  <dgm:layoutNode name="linearFlow">
     <dgm:varLst>
-      <dgm:chMax/>
-      <dgm:chPref/>
       <dgm:dir/>
-      <dgm:animLvl val="lvl"/>
+      <dgm:resizeHandles val="exact"/>
     </dgm:varLst>
-    <dgm:choose name="Name0">
-      <dgm:if name="Name1" func="var" arg="dir" op="equ" val="norm">
-        <dgm:alg type="snake">
-          <dgm:param type="grDir" val="tL"/>
-          <dgm:param type="flowDir" val="row"/>
-          <dgm:param type="off" val="off"/>
-          <dgm:param type="bkpt" val="fixed"/>
-          <dgm:param type="bkPtFixedVal" val="1"/>
-        </dgm:alg>
-      </dgm:if>
-      <dgm:else name="Name2">
-        <dgm:alg type="snake">
-          <dgm:param type="grDir" val="tR"/>
-          <dgm:param type="flowDir" val="row"/>
-          <dgm:param type="off" val="off"/>
-          <dgm:param type="bkpt" val="fixed"/>
-          <dgm:param type="bkPtFixedVal" val="1"/>
-        </dgm:alg>
-      </dgm:else>
-    </dgm:choose>
+    <dgm:alg type="lin">
+      <dgm:param type="linDir" val="fromT"/>
+      <dgm:param type="vertAlign" val="mid"/>
+      <dgm:param type="horzAlign" val="ctr"/>
+    </dgm:alg>
     <dgm:shape xmlns:r="http://schemas.openxmlformats.org/officeDocument/2006/relationships" r:blip="">
       <dgm:adjLst/>
     </dgm:shape>
-    <dgm:choose name="Name3">
-      <dgm:if name="Name4" func="var" arg="dir" op="equ" val="norm">
-        <dgm:constrLst>
-          <dgm:constr type="alignOff" forName="rootnode" val="0.48"/>
-          <dgm:constr type="primFontSz" for="des" forName="ParentText" val="65"/>
-          <dgm:constr type="primFontSz" for="des" forName="ChildText" refType="primFontSz" refFor="des" refForName="ParentText" op="lte"/>
-          <dgm:constr type="w" for="ch" forName="composite" refType="w"/>
-          <dgm:constr type="h" for="ch" forName="composite" refType="h"/>
-          <dgm:constr type="sp" refType="h" refFor="ch" refForName="composite" op="equ" fact="-0.38"/>
-        </dgm:constrLst>
-      </dgm:if>
-      <dgm:else name="Name5">
-        <dgm:constrLst>
-          <dgm:constr type="alignOff" forName="rootnode" val="0.48"/>
-          <dgm:constr type="primFontSz" for="des" forName="ParentText" val="65"/>
-          <dgm:constr type="primFontSz" for="des" forName="ChildText" refType="primFontSz" refFor="des" refForName="ParentText" op="lte"/>
-          <dgm:constr type="w" for="ch" forName="composite" refType="w"/>
-          <dgm:constr type="h" for="ch" forName="composite" refType="h"/>
-          <dgm:constr type="sp" refType="h" refFor="ch" refForName="composite" op="equ" fact="-0.38"/>
-        </dgm:constrLst>
-      </dgm:else>
-    </dgm:choose>
-    <dgm:forEach name="nodesForEach" axis="ch" ptType="node">
+    <dgm:presOf/>
+    <dgm:constrLst>
+      <dgm:constr type="w" for="ch" forName="composite" refType="w"/>
+      <dgm:constr type="h" for="ch" forName="composite" refType="h"/>
+      <dgm:constr type="h" for="ch" forName="spacing" refType="h" refFor="ch" refForName="composite" fact="0.25"/>
+      <dgm:constr type="h" for="ch" forName="spacing" refType="w" op="lte" fact="0.1"/>
+      <dgm:constr type="primFontSz" for="des" ptType="node" op="equ" val="65"/>
+    </dgm:constrLst>
+    <dgm:ruleLst/>
+    <dgm:forEach name="Name0" axis="ch" ptType="node">
       <dgm:layoutNode name="composite">
-        <dgm:alg type="composite">
-          <dgm:param type="ar" val="1.2439"/>
-        </dgm:alg>
+        <dgm:alg type="composite"/>
         <dgm:shape xmlns:r="http://schemas.openxmlformats.org/officeDocument/2006/relationships" r:blip="">
           <dgm:adjLst/>
         </dgm:shape>
-        <dgm:choose name="Name6">
-          <dgm:if name="Name7" func="var" arg="dir" op="equ" val="norm">
+        <dgm:presOf/>
+        <dgm:choose name="Name1">
+          <dgm:if name="Name2" func="var" arg="dir" op="equ" val="norm">
             <dgm:constrLst>
-              <dgm:constr type="l" for="ch" forName="bentUpArrow1" refType="w" fact="0.07"/>
-              <dgm:constr type="t" for="ch" forName="bentUpArrow1" refType="h" fact="0.524"/>
-              <dgm:constr type="w" for="ch" forName="bentUpArrow1" refType="w" fact="0.3844"/>
-              <dgm:constr type="h" for="ch" forName="bentUpArrow1" refType="h" fact="0.42"/>
-              <dgm:constr type="l" for="ch" forName="ParentText" refType="w" fact="0"/>
-              <dgm:constr type="t" for="ch" forName="ParentText" refType="h" fact="0"/>
-              <dgm:constr type="w" for="ch" forName="ParentText" refType="w" fact="0.5684"/>
-              <dgm:constr type="h" for="ch" forName="ParentText" refType="h" fact="0.4949"/>
-              <dgm:constr type="l" for="ch" forName="ChildText" refType="w" refFor="ch" refForName="ParentText"/>
-              <dgm:constr type="t" for="ch" forName="ChildText" refType="h" fact="0.05"/>
-              <dgm:constr type="w" for="ch" forName="ChildText" refType="w" fact="0.4134"/>
-              <dgm:constr type="h" for="ch" forName="ChildText" refType="h" fact="0.4"/>
-              <dgm:constr type="l" for="ch" forName="FinalChildText" refType="w" refFor="ch" refForName="ParentText"/>
-              <dgm:constr type="t" for="ch" forName="FinalChildText" refType="h" fact="0.05"/>
-              <dgm:constr type="w" for="ch" forName="FinalChildText" refType="w" fact="0.4134"/>
-              <dgm:constr type="h" for="ch" forName="FinalChildText" refType="h" fact="0.4"/>
+              <dgm:constr type="w" for="ch" forName="imgShp" refType="w" fact="0.335"/>
+              <dgm:constr type="h" for="ch" forName="imgShp" refType="w" refFor="ch" refForName="imgShp" op="equ"/>
+              <dgm:constr type="h" for="ch" forName="imgShp" refType="h" op="lte"/>
+              <dgm:constr type="ctrY" for="ch" forName="imgShp" refType="h" fact="0.5"/>
+              <dgm:constr type="l" for="ch" forName="imgShp"/>
+              <dgm:constr type="w" for="ch" forName="txShp" refType="w" op="equ" fact="0.665"/>
+              <dgm:constr type="h" for="ch" forName="txShp" refType="h" refFor="ch" refForName="imgShp" op="equ"/>
+              <dgm:constr type="ctrY" for="ch" forName="txShp" refType="h" fact="0.5"/>
+              <dgm:constr type="l" for="ch" forName="txShp" refType="w" refFor="ch" refForName="imgShp" fact="0.5"/>
+              <dgm:constr type="lMarg" for="ch" forName="txShp" refType="w" refFor="ch" refForName="imgShp" fact="1.25"/>
             </dgm:constrLst>
           </dgm:if>
-          <dgm:else name="Name8">
+          <dgm:else name="Name3">
             <dgm:constrLst>
-              <dgm:constr type="r" for="ch" forName="bentUpArrow1" refType="w" fact="0.97"/>
-              <dgm:constr type="t" for="ch" forName="bentUpArrow1" refType="h" fact="0.524"/>
-              <dgm:constr type="w" for="ch" forName="bentUpArrow1" refType="w" fact="0.3844"/>
-              <dgm:constr type="h" for="ch" forName="bentUpArrow1" refType="h" fact="0.42"/>
-              <dgm:constr type="l" for="ch" forName="ParentText" refType="w" fact="0.4316"/>
-              <dgm:constr type="t" for="ch" forName="ParentText" refType="h" fact="0"/>
-              <dgm:constr type="w" for="ch" forName="ParentText" refType="w" fact="0.5684"/>
-              <dgm:constr type="h" for="ch" forName="ParentText" refType="h" fact="0.4949"/>
-              <dgm:constr type="l" for="ch" forName="ChildText" refType="w" fact="0"/>
-              <dgm:constr type="t" for="ch" forName="ChildText" refType="h" fact="0.05"/>
-              <dgm:constr type="w" for="ch" forName="ChildText" refType="w" fact="0.4134"/>
-              <dgm:constr type="h" for="ch" forName="ChildText" refType="h" fact="0.4"/>
-              <dgm:constr type="l" for="ch" forName="FinalChildText" refType="w" fact="0"/>
-              <dgm:constr type="t" for="ch" forName="FinalChildText" refType="h" fact="0.05"/>
-              <dgm:constr type="w" for="ch" forName="FinalChildText" refType="w" fact="0.4134"/>
-              <dgm:constr type="h" for="ch" forName="FinalChildText" refType="h" fact="0.4"/>
+              <dgm:constr type="w" for="ch" forName="imgShp" refType="w" fact="0.335"/>
+              <dgm:constr type="h" for="ch" forName="imgShp" refType="w" refFor="ch" refForName="imgShp" op="equ"/>
+              <dgm:constr type="h" for="ch" forName="imgShp" refType="h" op="lte"/>
+              <dgm:constr type="ctrY" for="ch" forName="imgShp" refType="h" fact="0.5"/>
+              <dgm:constr type="r" for="ch" forName="imgShp" refType="w"/>
+              <dgm:constr type="w" for="ch" forName="txShp" refType="w" op="equ" fact="0.665"/>
+              <dgm:constr type="h" for="ch" forName="txShp" refType="h" refFor="ch" refForName="imgShp" op="equ"/>
+              <dgm:constr type="ctrY" for="ch" forName="txShp" refType="h" fact="0.5"/>
+              <dgm:constr type="r" for="ch" forName="txShp" refType="ctrX" refFor="ch" refForName="imgShp"/>
+              <dgm:constr type="rMarg" for="ch" forName="txShp" refType="w" refFor="ch" refForName="imgShp" fact="1.25"/>
             </dgm:constrLst>
           </dgm:else>
         </dgm:choose>
-        <dgm:choose name="Name9">
-          <dgm:if name="Name10" axis="followSib" ptType="node" func="cnt" op="gte" val="1">
-            <dgm:layoutNode name="bentUpArrow1" styleLbl="alignImgPlace1">
-              <dgm:alg type="sp"/>
-              <dgm:choose name="Name11">
-                <dgm:if name="Name12" func="var" arg="dir" op="equ" val="norm">
-                  <dgm:shape xmlns:r="http://schemas.openxmlformats.org/officeDocument/2006/relationships" rot="90" type="bentUpArrow" r:blip="">
-                    <dgm:adjLst>
-                      <dgm:adj idx="1" val="0.3284"/>
-                      <dgm:adj idx="2" val="0.25"/>
-                      <dgm:adj idx="3" val="0.3578"/>
-                    </dgm:adjLst>
-                  </dgm:shape>
-                </dgm:if>
-                <dgm:else name="Name13">
-                  <dgm:shape xmlns:r="http://schemas.openxmlformats.org/officeDocument/2006/relationships" rot="180" type="bentArrow" r:blip="">
-                    <dgm:adjLst>
-                      <dgm:adj idx="1" val="0.3284"/>
-                      <dgm:adj idx="2" val="0.25"/>
-                      <dgm:adj idx="3" val="0.3578"/>
-                      <dgm:adj idx="4" val="0"/>
-                    </dgm:adjLst>
-                  </dgm:shape>
-                </dgm:else>
-              </dgm:choose>
-              <dgm:presOf/>
-            </dgm:layoutNode>
-          </dgm:if>
-          <dgm:else name="Name14"/>
-        </dgm:choose>
-        <dgm:layoutNode name="ParentText" styleLbl="node1">
+        <dgm:ruleLst/>
+        <dgm:layoutNode name="imgShp" styleLbl="fgImgPlace1">
+          <dgm:alg type="sp"/>
+          <dgm:shape xmlns:r="http://schemas.openxmlformats.org/officeDocument/2006/relationships" type="ellipse" r:blip="" blipPhldr="1">
+            <dgm:adjLst/>
+          </dgm:shape>
+          <dgm:presOf/>
+          <dgm:constrLst/>
+          <dgm:ruleLst/>
+        </dgm:layoutNode>
+        <dgm:layoutNode name="txShp">
           <dgm:varLst>
-            <dgm:chMax val="1"/>
-            <dgm:chPref val="1"/>
             <dgm:bulletEnabled val="1"/>
           </dgm:varLst>
           <dgm:alg type="tx"/>
-          <dgm:shape xmlns:r="http://schemas.openxmlformats.org/officeDocument/2006/relationships" type="roundRect" r:blip="">
-            <dgm:adjLst>
-              <dgm:adj idx="1" val="0.1667"/>
-            </dgm:adjLst>
-          </dgm:shape>
-          <dgm:presOf axis="self" ptType="node"/>
+          <dgm:choose name="Name4">
+            <dgm:if name="Name5" func="var" arg="dir" op="equ" val="norm">
+              <dgm:shape xmlns:r="http://schemas.openxmlformats.org/officeDocument/2006/relationships" rot="180" type="homePlate" r:blip="" zOrderOff="-1">
+                <dgm:adjLst/>
+              </dgm:shape>
+            </dgm:if>
+            <dgm:else name="Name6">
+              <dgm:shape xmlns:r="http://schemas.openxmlformats.org/officeDocument/2006/relationships" type="homePlate" r:blip="" zOrderOff="-1">
+                <dgm:adjLst/>
+              </dgm:shape>
+            </dgm:else>
+          </dgm:choose>
+          <dgm:presOf axis="desOrSelf" ptType="node"/>
           <dgm:constrLst>
-            <dgm:constr type="lMarg" refType="primFontSz" fact="0.3"/>
-            <dgm:constr type="rMarg" refType="primFontSz" fact="0.3"/>
             <dgm:constr type="tMarg" refType="primFontSz" fact="0.3"/>
             <dgm:constr type="bMarg" refType="primFontSz" fact="0.3"/>
           </dgm:constrLst>
@@ -2447,74 +2870,16 @@
             <dgm:rule type="primFontSz" val="5" fact="NaN" max="NaN"/>
           </dgm:ruleLst>
         </dgm:layoutNode>
-        <dgm:choose name="Name15">
-          <dgm:if name="Name16" axis="followSib" ptType="node" func="cnt" op="equ" val="0">
-            <dgm:choose name="Name17">
-              <dgm:if name="Name18" axis="ch" ptType="node" func="cnt" op="gte" val="1">
-                <dgm:layoutNode name="FinalChildText" styleLbl="revTx">
-                  <dgm:varLst>
-                    <dgm:chMax val="0"/>
-                    <dgm:chPref val="0"/>
-                    <dgm:bulletEnabled val="1"/>
-                  </dgm:varLst>
-                  <dgm:alg type="tx">
-                    <dgm:param type="stBulletLvl" val="1"/>
-                    <dgm:param type="txAnchorVertCh" val="mid"/>
-                    <dgm:param type="parTxLTRAlign" val="l"/>
-                  </dgm:alg>
-                  <dgm:shape xmlns:r="http://schemas.openxmlformats.org/officeDocument/2006/relationships" type="rect" r:blip="">
-                    <dgm:adjLst/>
-                  </dgm:shape>
-                  <dgm:presOf axis="des" ptType="node"/>
-                  <dgm:constrLst>
-                    <dgm:constr type="lMarg" refType="primFontSz" fact="0.3"/>
-                    <dgm:constr type="rMarg" refType="primFontSz" fact="0.3"/>
-                    <dgm:constr type="tMarg" refType="primFontSz" fact="0.3"/>
-                    <dgm:constr type="bMarg" refType="primFontSz" fact="0.3"/>
-                  </dgm:constrLst>
-                  <dgm:ruleLst>
-                    <dgm:rule type="primFontSz" val="5" fact="NaN" max="NaN"/>
-                  </dgm:ruleLst>
-                </dgm:layoutNode>
-              </dgm:if>
-              <dgm:else name="Name19"/>
-            </dgm:choose>
-          </dgm:if>
-          <dgm:else name="Name20">
-            <dgm:layoutNode name="ChildText" styleLbl="revTx">
-              <dgm:varLst>
-                <dgm:chMax val="0"/>
-                <dgm:chPref val="0"/>
-                <dgm:bulletEnabled val="1"/>
-              </dgm:varLst>
-              <dgm:alg type="tx">
-                <dgm:param type="stBulletLvl" val="1"/>
-                <dgm:param type="txAnchorVertCh" val="mid"/>
-                <dgm:param type="parTxLTRAlign" val="l"/>
-              </dgm:alg>
-              <dgm:shape xmlns:r="http://schemas.openxmlformats.org/officeDocument/2006/relationships" type="rect" r:blip="">
-                <dgm:adjLst/>
-              </dgm:shape>
-              <dgm:presOf axis="des" ptType="node"/>
-              <dgm:constrLst>
-                <dgm:constr type="lMarg" refType="primFontSz" fact="0.3"/>
-                <dgm:constr type="rMarg" refType="primFontSz" fact="0.3"/>
-                <dgm:constr type="tMarg" refType="primFontSz" fact="0.3"/>
-                <dgm:constr type="bMarg" refType="primFontSz" fact="0.3"/>
-              </dgm:constrLst>
-              <dgm:ruleLst>
-                <dgm:rule type="primFontSz" val="5" fact="NaN" max="NaN"/>
-              </dgm:ruleLst>
-            </dgm:layoutNode>
-          </dgm:else>
-        </dgm:choose>
       </dgm:layoutNode>
-      <dgm:forEach name="sibTransForEach" axis="followSib" ptType="sibTrans" cnt="1">
-        <dgm:layoutNode name="sibTrans">
+      <dgm:forEach name="Name7" axis="followSib" ptType="sibTrans" cnt="1">
+        <dgm:layoutNode name="spacing">
           <dgm:alg type="sp"/>
           <dgm:shape xmlns:r="http://schemas.openxmlformats.org/officeDocument/2006/relationships" r:blip="">
             <dgm:adjLst/>
           </dgm:shape>
+          <dgm:presOf axis="self"/>
+          <dgm:constrLst/>
+          <dgm:ruleLst/>
         </dgm:layoutNode>
       </dgm:forEach>
     </dgm:forEach>
@@ -2522,7 +2887,1313 @@
 </dgm:layoutDef>
 </file>
 
+<file path=ppt/diagrams/layout2.xml><?xml version="1.0" encoding="utf-8"?>
+<dgm:layoutDef xmlns:dgm="http://schemas.openxmlformats.org/drawingml/2006/diagram" xmlns:a="http://schemas.openxmlformats.org/drawingml/2006/main" uniqueId="urn:microsoft.com/office/officeart/2005/8/layout/hChevron3">
+  <dgm:title val=""/>
+  <dgm:desc val=""/>
+  <dgm:catLst>
+    <dgm:cat type="process" pri="10000"/>
+  </dgm:catLst>
+  <dgm:sampData useDef="1">
+    <dgm:dataModel>
+      <dgm:ptLst/>
+      <dgm:bg/>
+      <dgm:whole/>
+    </dgm:dataModel>
+  </dgm:sampData>
+  <dgm:styleData>
+    <dgm:dataModel>
+      <dgm:ptLst>
+        <dgm:pt modelId="0" type="doc"/>
+        <dgm:pt modelId="1"/>
+        <dgm:pt modelId="2"/>
+      </dgm:ptLst>
+      <dgm:cxnLst>
+        <dgm:cxn modelId="3" srcId="0" destId="1" srcOrd="0" destOrd="0"/>
+        <dgm:cxn modelId="4" srcId="0" destId="2" srcOrd="1" destOrd="0"/>
+      </dgm:cxnLst>
+      <dgm:bg/>
+      <dgm:whole/>
+    </dgm:dataModel>
+  </dgm:styleData>
+  <dgm:clrData>
+    <dgm:dataModel>
+      <dgm:ptLst>
+        <dgm:pt modelId="0" type="doc"/>
+        <dgm:pt modelId="1"/>
+        <dgm:pt modelId="2"/>
+        <dgm:pt modelId="3"/>
+        <dgm:pt modelId="4"/>
+      </dgm:ptLst>
+      <dgm:cxnLst>
+        <dgm:cxn modelId="5" srcId="0" destId="1" srcOrd="0" destOrd="0"/>
+        <dgm:cxn modelId="6" srcId="0" destId="2" srcOrd="1" destOrd="0"/>
+        <dgm:cxn modelId="7" srcId="0" destId="3" srcOrd="2" destOrd="0"/>
+        <dgm:cxn modelId="8" srcId="0" destId="4" srcOrd="3" destOrd="0"/>
+      </dgm:cxnLst>
+      <dgm:bg/>
+      <dgm:whole/>
+    </dgm:dataModel>
+  </dgm:clrData>
+  <dgm:layoutNode name="Name0">
+    <dgm:varLst>
+      <dgm:dir/>
+      <dgm:resizeHandles val="exact"/>
+    </dgm:varLst>
+    <dgm:choose name="Name1">
+      <dgm:if name="Name2" func="var" arg="dir" op="equ" val="norm">
+        <dgm:alg type="lin"/>
+      </dgm:if>
+      <dgm:else name="Name3">
+        <dgm:alg type="lin">
+          <dgm:param type="linDir" val="fromR"/>
+        </dgm:alg>
+      </dgm:else>
+    </dgm:choose>
+    <dgm:shape xmlns:r="http://schemas.openxmlformats.org/officeDocument/2006/relationships" r:blip="">
+      <dgm:adjLst/>
+    </dgm:shape>
+    <dgm:presOf/>
+    <dgm:choose name="Name4">
+      <dgm:if name="Name5" axis="root des" func="maxDepth" op="gte" val="2">
+        <dgm:constrLst>
+          <dgm:constr type="w" for="ch" forName="parAndChTx" refType="w"/>
+          <dgm:constr type="primFontSz" for="ch" ptType="node" op="equ"/>
+          <dgm:constr type="w" for="ch" forName="parAndChSpace" refType="w" refFor="ch" refForName="parAndChTx" fact="-0.2"/>
+          <dgm:constr type="w" for="ch" ptType="sibTrans" op="equ"/>
+        </dgm:constrLst>
+        <dgm:ruleLst/>
+        <dgm:forEach name="Name6" axis="ch" ptType="node">
+          <dgm:layoutNode name="parAndChTx">
+            <dgm:varLst>
+              <dgm:bulletEnabled val="1"/>
+            </dgm:varLst>
+            <dgm:alg type="tx"/>
+            <dgm:choose name="Name7">
+              <dgm:if name="Name8" func="var" arg="dir" op="equ" val="norm">
+                <dgm:choose name="Name9">
+                  <dgm:if name="Name10" axis="self" ptType="node" func="pos" op="equ" val="1">
+                    <dgm:shape xmlns:r="http://schemas.openxmlformats.org/officeDocument/2006/relationships" type="homePlate" r:blip="">
+                      <dgm:adjLst>
+                        <dgm:adj idx="1" val="0.25"/>
+                      </dgm:adjLst>
+                    </dgm:shape>
+                    <dgm:presOf axis="desOrSelf" ptType="node"/>
+                    <dgm:constrLst>
+                      <dgm:constr type="h" refType="w" op="equ" fact="0.8"/>
+                      <dgm:constr type="primFontSz" val="65"/>
+                      <dgm:constr type="tMarg" refType="primFontSz" fact="0.2"/>
+                      <dgm:constr type="bMarg" refType="primFontSz" fact="0.2"/>
+                      <dgm:constr type="lMarg" refType="w" fact="0.1"/>
+                      <dgm:constr type="rMarg" refType="w" fact="0.4"/>
+                    </dgm:constrLst>
+                  </dgm:if>
+                  <dgm:else name="Name11">
+                    <dgm:shape xmlns:r="http://schemas.openxmlformats.org/officeDocument/2006/relationships" type="chevron" r:blip="">
+                      <dgm:adjLst>
+                        <dgm:adj idx="1" val="0.25"/>
+                      </dgm:adjLst>
+                    </dgm:shape>
+                    <dgm:presOf axis="desOrSelf" ptType="node"/>
+                    <dgm:constrLst>
+                      <dgm:constr type="h" refType="w" op="equ" fact="0.8"/>
+                      <dgm:constr type="primFontSz" val="65"/>
+                      <dgm:constr type="tMarg" refType="primFontSz" fact="0.2"/>
+                      <dgm:constr type="bMarg" refType="primFontSz" fact="0.2"/>
+                      <dgm:constr type="lMarg" refType="w" fact="0.1"/>
+                      <dgm:constr type="rMarg" refType="w" fact="0.1"/>
+                    </dgm:constrLst>
+                  </dgm:else>
+                </dgm:choose>
+              </dgm:if>
+              <dgm:else name="Name12">
+                <dgm:choose name="Name13">
+                  <dgm:if name="Name14" axis="self" ptType="node" func="pos" op="equ" val="1">
+                    <dgm:shape xmlns:r="http://schemas.openxmlformats.org/officeDocument/2006/relationships" rot="180" type="homePlate" r:blip="">
+                      <dgm:adjLst>
+                        <dgm:adj idx="1" val="0.25"/>
+                      </dgm:adjLst>
+                    </dgm:shape>
+                    <dgm:presOf axis="desOrSelf" ptType="node"/>
+                    <dgm:constrLst>
+                      <dgm:constr type="h" refType="w" op="equ" fact="0.8"/>
+                      <dgm:constr type="primFontSz" val="65"/>
+                      <dgm:constr type="tMarg" refType="primFontSz" fact="0.2"/>
+                      <dgm:constr type="bMarg" refType="primFontSz" fact="0.2"/>
+                      <dgm:constr type="lMarg" refType="w" fact="0.4"/>
+                      <dgm:constr type="rMarg" refType="w" fact="0.1"/>
+                    </dgm:constrLst>
+                  </dgm:if>
+                  <dgm:else name="Name15">
+                    <dgm:shape xmlns:r="http://schemas.openxmlformats.org/officeDocument/2006/relationships" rot="180" type="chevron" r:blip="">
+                      <dgm:adjLst>
+                        <dgm:adj idx="1" val="0.25"/>
+                      </dgm:adjLst>
+                    </dgm:shape>
+                    <dgm:presOf axis="desOrSelf" ptType="node"/>
+                    <dgm:constrLst>
+                      <dgm:constr type="h" refType="w" op="equ" fact="0.8"/>
+                      <dgm:constr type="primFontSz" val="65"/>
+                      <dgm:constr type="tMarg" refType="primFontSz" fact="0.2"/>
+                      <dgm:constr type="bMarg" refType="primFontSz" fact="0.2"/>
+                      <dgm:constr type="lMarg" refType="w" fact="0.1"/>
+                      <dgm:constr type="rMarg" refType="w" fact="0.1"/>
+                    </dgm:constrLst>
+                  </dgm:else>
+                </dgm:choose>
+              </dgm:else>
+            </dgm:choose>
+            <dgm:ruleLst>
+              <dgm:rule type="primFontSz" val="5" fact="NaN" max="NaN"/>
+            </dgm:ruleLst>
+          </dgm:layoutNode>
+          <dgm:forEach name="Name16" axis="followSib" ptType="sibTrans" cnt="1">
+            <dgm:layoutNode name="parAndChSpace">
+              <dgm:alg type="sp"/>
+              <dgm:shape xmlns:r="http://schemas.openxmlformats.org/officeDocument/2006/relationships" r:blip="">
+                <dgm:adjLst/>
+              </dgm:shape>
+              <dgm:presOf/>
+              <dgm:constrLst/>
+              <dgm:ruleLst/>
+            </dgm:layoutNode>
+          </dgm:forEach>
+        </dgm:forEach>
+      </dgm:if>
+      <dgm:else name="Name17">
+        <dgm:constrLst>
+          <dgm:constr type="w" for="ch" forName="parTxOnly" refType="w"/>
+          <dgm:constr type="primFontSz" for="ch" ptType="node" op="equ"/>
+          <dgm:constr type="w" for="ch" forName="parSpace" refType="w" refFor="ch" refForName="parTxOnly" fact="-0.2"/>
+          <dgm:constr type="w" for="ch" ptType="sibTrans" op="equ"/>
+        </dgm:constrLst>
+        <dgm:ruleLst/>
+        <dgm:forEach name="Name18" axis="ch" ptType="node">
+          <dgm:layoutNode name="parTxOnly">
+            <dgm:varLst>
+              <dgm:bulletEnabled val="1"/>
+            </dgm:varLst>
+            <dgm:alg type="tx"/>
+            <dgm:presOf axis="desOrSelf" ptType="node"/>
+            <dgm:choose name="Name19">
+              <dgm:if name="Name20" func="var" arg="dir" op="equ" val="norm">
+                <dgm:choose name="Name21">
+                  <dgm:if name="Name22" axis="self" ptType="node" func="pos" op="equ" val="1">
+                    <dgm:shape xmlns:r="http://schemas.openxmlformats.org/officeDocument/2006/relationships" type="homePlate" r:blip="">
+                      <dgm:adjLst/>
+                    </dgm:shape>
+                    <dgm:constrLst>
+                      <dgm:constr type="h" refType="w" op="equ" fact="0.4"/>
+                      <dgm:constr type="primFontSz" val="65"/>
+                      <dgm:constr type="tMarg" refType="primFontSz" fact="0.21"/>
+                      <dgm:constr type="bMarg" refType="primFontSz" fact="0.21"/>
+                      <dgm:constr type="lMarg" refType="primFontSz" fact="0.42"/>
+                      <dgm:constr type="rMarg" refType="primFontSz" fact="0.105"/>
+                    </dgm:constrLst>
+                  </dgm:if>
+                  <dgm:else name="Name23">
+                    <dgm:shape xmlns:r="http://schemas.openxmlformats.org/officeDocument/2006/relationships" type="chevron" r:blip="">
+                      <dgm:adjLst/>
+                    </dgm:shape>
+                    <dgm:constrLst>
+                      <dgm:constr type="h" refType="w" op="equ" fact="0.4"/>
+                      <dgm:constr type="primFontSz" val="65"/>
+                      <dgm:constr type="tMarg" refType="primFontSz" fact="0.21"/>
+                      <dgm:constr type="bMarg" refType="primFontSz" fact="0.21"/>
+                      <dgm:constr type="lMarg" refType="primFontSz" fact="0.315"/>
+                      <dgm:constr type="rMarg" refType="primFontSz" fact="0.105"/>
+                    </dgm:constrLst>
+                  </dgm:else>
+                </dgm:choose>
+              </dgm:if>
+              <dgm:else name="Name24">
+                <dgm:choose name="Name25">
+                  <dgm:if name="Name26" axis="self" ptType="node" func="pos" op="equ" val="1">
+                    <dgm:shape xmlns:r="http://schemas.openxmlformats.org/officeDocument/2006/relationships" rot="180" type="homePlate" r:blip="">
+                      <dgm:adjLst/>
+                    </dgm:shape>
+                    <dgm:constrLst>
+                      <dgm:constr type="h" refType="w" op="equ" fact="0.4"/>
+                      <dgm:constr type="primFontSz" val="65"/>
+                      <dgm:constr type="tMarg" refType="primFontSz" fact="0.21"/>
+                      <dgm:constr type="bMarg" refType="primFontSz" fact="0.21"/>
+                      <dgm:constr type="lMarg" refType="primFontSz" fact="0.105"/>
+                      <dgm:constr type="rMarg" refType="primFontSz" fact="0.42"/>
+                    </dgm:constrLst>
+                  </dgm:if>
+                  <dgm:else name="Name27">
+                    <dgm:shape xmlns:r="http://schemas.openxmlformats.org/officeDocument/2006/relationships" rot="180" type="chevron" r:blip="">
+                      <dgm:adjLst/>
+                    </dgm:shape>
+                    <dgm:constrLst>
+                      <dgm:constr type="h" refType="w" op="equ" fact="0.4"/>
+                      <dgm:constr type="primFontSz" val="65"/>
+                      <dgm:constr type="tMarg" refType="primFontSz" fact="0.21"/>
+                      <dgm:constr type="bMarg" refType="primFontSz" fact="0.21"/>
+                      <dgm:constr type="lMarg" refType="primFontSz" fact="0.105"/>
+                      <dgm:constr type="rMarg" refType="primFontSz" fact="0.315"/>
+                    </dgm:constrLst>
+                  </dgm:else>
+                </dgm:choose>
+              </dgm:else>
+            </dgm:choose>
+            <dgm:ruleLst>
+              <dgm:rule type="primFontSz" val="5" fact="NaN" max="NaN"/>
+            </dgm:ruleLst>
+          </dgm:layoutNode>
+          <dgm:forEach name="Name28" axis="followSib" ptType="sibTrans" cnt="1">
+            <dgm:layoutNode name="parSpace">
+              <dgm:alg type="sp"/>
+              <dgm:shape xmlns:r="http://schemas.openxmlformats.org/officeDocument/2006/relationships" r:blip="">
+                <dgm:adjLst/>
+              </dgm:shape>
+              <dgm:presOf/>
+              <dgm:constrLst/>
+              <dgm:ruleLst/>
+            </dgm:layoutNode>
+          </dgm:forEach>
+        </dgm:forEach>
+      </dgm:else>
+    </dgm:choose>
+  </dgm:layoutNode>
+</dgm:layoutDef>
+</file>
+
 <file path=ppt/diagrams/quickStyle1.xml><?xml version="1.0" encoding="utf-8"?>
+<dgm:styleDef xmlns:dgm="http://schemas.openxmlformats.org/drawingml/2006/diagram" xmlns:a="http://schemas.openxmlformats.org/drawingml/2006/main" uniqueId="urn:microsoft.com/office/officeart/2005/8/quickstyle/simple1">
+  <dgm:title val=""/>
+  <dgm:desc val=""/>
+  <dgm:catLst>
+    <dgm:cat type="simple" pri="10100"/>
+  </dgm:catLst>
+  <dgm:scene3d>
+    <a:camera prst="orthographicFront"/>
+    <a:lightRig rig="threePt" dir="t"/>
+  </dgm:scene3d>
+  <dgm:styleLbl name="node0">
+    <dgm:scene3d>
+      <a:camera prst="orthographicFront"/>
+      <a:lightRig rig="threePt" dir="t"/>
+    </dgm:scene3d>
+    <dgm:sp3d/>
+    <dgm:txPr/>
+    <dgm:style>
+      <a:lnRef idx="2">
+        <a:scrgbClr r="0" g="0" b="0"/>
+      </a:lnRef>
+      <a:fillRef idx="1">
+        <a:scrgbClr r="0" g="0" b="0"/>
+      </a:fillRef>
+      <a:effectRef idx="0">
+        <a:scrgbClr r="0" g="0" b="0"/>
+      </a:effectRef>
+      <a:fontRef idx="minor">
+        <a:schemeClr val="lt1"/>
+      </a:fontRef>
+    </dgm:style>
+  </dgm:styleLbl>
+  <dgm:styleLbl name="lnNode1">
+    <dgm:scene3d>
+      <a:camera prst="orthographicFront"/>
+      <a:lightRig rig="threePt" dir="t"/>
+    </dgm:scene3d>
+    <dgm:sp3d/>
+    <dgm:txPr/>
+    <dgm:style>
+      <a:lnRef idx="2">
+        <a:scrgbClr r="0" g="0" b="0"/>
+      </a:lnRef>
+      <a:fillRef idx="1">
+        <a:scrgbClr r="0" g="0" b="0"/>
+      </a:fillRef>
+      <a:effectRef idx="0">
+        <a:scrgbClr r="0" g="0" b="0"/>
+      </a:effectRef>
+      <a:fontRef idx="minor">
+        <a:schemeClr val="lt1"/>
+      </a:fontRef>
+    </dgm:style>
+  </dgm:styleLbl>
+  <dgm:styleLbl name="vennNode1">
+    <dgm:scene3d>
+      <a:camera prst="orthographicFront"/>
+      <a:lightRig rig="threePt" dir="t"/>
+    </dgm:scene3d>
+    <dgm:sp3d/>
+    <dgm:txPr/>
+    <dgm:style>
+      <a:lnRef idx="2">
+        <a:scrgbClr r="0" g="0" b="0"/>
+      </a:lnRef>
+      <a:fillRef idx="1">
+        <a:scrgbClr r="0" g="0" b="0"/>
+      </a:fillRef>
+      <a:effectRef idx="0">
+        <a:scrgbClr r="0" g="0" b="0"/>
+      </a:effectRef>
+      <a:fontRef idx="minor">
+        <a:schemeClr val="tx1"/>
+      </a:fontRef>
+    </dgm:style>
+  </dgm:styleLbl>
+  <dgm:styleLbl name="alignNode1">
+    <dgm:scene3d>
+      <a:camera prst="orthographicFront"/>
+      <a:lightRig rig="threePt" dir="t"/>
+    </dgm:scene3d>
+    <dgm:sp3d/>
+    <dgm:txPr/>
+    <dgm:style>
+      <a:lnRef idx="2">
+        <a:scrgbClr r="0" g="0" b="0"/>
+      </a:lnRef>
+      <a:fillRef idx="1">
+        <a:scrgbClr r="0" g="0" b="0"/>
+      </a:fillRef>
+      <a:effectRef idx="0">
+        <a:scrgbClr r="0" g="0" b="0"/>
+      </a:effectRef>
+      <a:fontRef idx="minor">
+        <a:schemeClr val="lt1"/>
+      </a:fontRef>
+    </dgm:style>
+  </dgm:styleLbl>
+  <dgm:styleLbl name="node1">
+    <dgm:scene3d>
+      <a:camera prst="orthographicFront"/>
+      <a:lightRig rig="threePt" dir="t"/>
+    </dgm:scene3d>
+    <dgm:sp3d/>
+    <dgm:txPr/>
+    <dgm:style>
+      <a:lnRef idx="2">
+        <a:scrgbClr r="0" g="0" b="0"/>
+      </a:lnRef>
+      <a:fillRef idx="1">
+        <a:scrgbClr r="0" g="0" b="0"/>
+      </a:fillRef>
+      <a:effectRef idx="0">
+        <a:scrgbClr r="0" g="0" b="0"/>
+      </a:effectRef>
+      <a:fontRef idx="minor">
+        <a:schemeClr val="lt1"/>
+      </a:fontRef>
+    </dgm:style>
+  </dgm:styleLbl>
+  <dgm:styleLbl name="node2">
+    <dgm:scene3d>
+      <a:camera prst="orthographicFront"/>
+      <a:lightRig rig="threePt" dir="t"/>
+    </dgm:scene3d>
+    <dgm:sp3d/>
+    <dgm:txPr/>
+    <dgm:style>
+      <a:lnRef idx="2">
+        <a:scrgbClr r="0" g="0" b="0"/>
+      </a:lnRef>
+      <a:fillRef idx="1">
+        <a:scrgbClr r="0" g="0" b="0"/>
+      </a:fillRef>
+      <a:effectRef idx="0">
+        <a:scrgbClr r="0" g="0" b="0"/>
+      </a:effectRef>
+      <a:fontRef idx="minor">
+        <a:schemeClr val="lt1"/>
+      </a:fontRef>
+    </dgm:style>
+  </dgm:styleLbl>
+  <dgm:styleLbl name="node3">
+    <dgm:scene3d>
+      <a:camera prst="orthographicFront"/>
+      <a:lightRig rig="threePt" dir="t"/>
+    </dgm:scene3d>
+    <dgm:sp3d/>
+    <dgm:txPr/>
+    <dgm:style>
+      <a:lnRef idx="2">
+        <a:scrgbClr r="0" g="0" b="0"/>
+      </a:lnRef>
+      <a:fillRef idx="1">
+        <a:scrgbClr r="0" g="0" b="0"/>
+      </a:fillRef>
+      <a:effectRef idx="0">
+        <a:scrgbClr r="0" g="0" b="0"/>
+      </a:effectRef>
+      <a:fontRef idx="minor">
+        <a:schemeClr val="lt1"/>
+      </a:fontRef>
+    </dgm:style>
+  </dgm:styleLbl>
+  <dgm:styleLbl name="node4">
+    <dgm:scene3d>
+      <a:camera prst="orthographicFront"/>
+      <a:lightRig rig="threePt" dir="t"/>
+    </dgm:scene3d>
+    <dgm:sp3d/>
+    <dgm:txPr/>
+    <dgm:style>
+      <a:lnRef idx="2">
+        <a:scrgbClr r="0" g="0" b="0"/>
+      </a:lnRef>
+      <a:fillRef idx="1">
+        <a:scrgbClr r="0" g="0" b="0"/>
+      </a:fillRef>
+      <a:effectRef idx="0">
+        <a:scrgbClr r="0" g="0" b="0"/>
+      </a:effectRef>
+      <a:fontRef idx="minor">
+        <a:schemeClr val="lt1"/>
+      </a:fontRef>
+    </dgm:style>
+  </dgm:styleLbl>
+  <dgm:styleLbl name="fgImgPlace1">
+    <dgm:scene3d>
+      <a:camera prst="orthographicFront"/>
+      <a:lightRig rig="threePt" dir="t"/>
+    </dgm:scene3d>
+    <dgm:sp3d/>
+    <dgm:txPr/>
+    <dgm:style>
+      <a:lnRef idx="2">
+        <a:scrgbClr r="0" g="0" b="0"/>
+      </a:lnRef>
+      <a:fillRef idx="1">
+        <a:scrgbClr r="0" g="0" b="0"/>
+      </a:fillRef>
+      <a:effectRef idx="0">
+        <a:scrgbClr r="0" g="0" b="0"/>
+      </a:effectRef>
+      <a:fontRef idx="minor"/>
+    </dgm:style>
+  </dgm:styleLbl>
+  <dgm:styleLbl name="alignImgPlace1">
+    <dgm:scene3d>
+      <a:camera prst="orthographicFront"/>
+      <a:lightRig rig="threePt" dir="t"/>
+    </dgm:scene3d>
+    <dgm:sp3d/>
+    <dgm:txPr/>
+    <dgm:style>
+      <a:lnRef idx="2">
+        <a:scrgbClr r="0" g="0" b="0"/>
+      </a:lnRef>
+      <a:fillRef idx="1">
+        <a:scrgbClr r="0" g="0" b="0"/>
+      </a:fillRef>
+      <a:effectRef idx="0">
+        <a:scrgbClr r="0" g="0" b="0"/>
+      </a:effectRef>
+      <a:fontRef idx="minor"/>
+    </dgm:style>
+  </dgm:styleLbl>
+  <dgm:styleLbl name="bgImgPlace1">
+    <dgm:scene3d>
+      <a:camera prst="orthographicFront"/>
+      <a:lightRig rig="threePt" dir="t"/>
+    </dgm:scene3d>
+    <dgm:sp3d/>
+    <dgm:txPr/>
+    <dgm:style>
+      <a:lnRef idx="2">
+        <a:scrgbClr r="0" g="0" b="0"/>
+      </a:lnRef>
+      <a:fillRef idx="1">
+        <a:scrgbClr r="0" g="0" b="0"/>
+      </a:fillRef>
+      <a:effectRef idx="0">
+        <a:scrgbClr r="0" g="0" b="0"/>
+      </a:effectRef>
+      <a:fontRef idx="minor"/>
+    </dgm:style>
+  </dgm:styleLbl>
+  <dgm:styleLbl name="sibTrans2D1">
+    <dgm:scene3d>
+      <a:camera prst="orthographicFront"/>
+      <a:lightRig rig="threePt" dir="t"/>
+    </dgm:scene3d>
+    <dgm:sp3d/>
+    <dgm:txPr/>
+    <dgm:style>
+      <a:lnRef idx="0">
+        <a:scrgbClr r="0" g="0" b="0"/>
+      </a:lnRef>
+      <a:fillRef idx="1">
+        <a:scrgbClr r="0" g="0" b="0"/>
+      </a:fillRef>
+      <a:effectRef idx="0">
+        <a:scrgbClr r="0" g="0" b="0"/>
+      </a:effectRef>
+      <a:fontRef idx="minor">
+        <a:schemeClr val="lt1"/>
+      </a:fontRef>
+    </dgm:style>
+  </dgm:styleLbl>
+  <dgm:styleLbl name="fgSibTrans2D1">
+    <dgm:scene3d>
+      <a:camera prst="orthographicFront"/>
+      <a:lightRig rig="threePt" dir="t"/>
+    </dgm:scene3d>
+    <dgm:sp3d/>
+    <dgm:txPr/>
+    <dgm:style>
+      <a:lnRef idx="0">
+        <a:scrgbClr r="0" g="0" b="0"/>
+      </a:lnRef>
+      <a:fillRef idx="1">
+        <a:scrgbClr r="0" g="0" b="0"/>
+      </a:fillRef>
+      <a:effectRef idx="0">
+        <a:scrgbClr r="0" g="0" b="0"/>
+      </a:effectRef>
+      <a:fontRef idx="minor">
+        <a:schemeClr val="lt1"/>
+      </a:fontRef>
+    </dgm:style>
+  </dgm:styleLbl>
+  <dgm:styleLbl name="bgSibTrans2D1">
+    <dgm:scene3d>
+      <a:camera prst="orthographicFront"/>
+      <a:lightRig rig="threePt" dir="t"/>
+    </dgm:scene3d>
+    <dgm:sp3d/>
+    <dgm:txPr/>
+    <dgm:style>
+      <a:lnRef idx="0">
+        <a:scrgbClr r="0" g="0" b="0"/>
+      </a:lnRef>
+      <a:fillRef idx="1">
+        <a:scrgbClr r="0" g="0" b="0"/>
+      </a:fillRef>
+      <a:effectRef idx="0">
+        <a:scrgbClr r="0" g="0" b="0"/>
+      </a:effectRef>
+      <a:fontRef idx="minor">
+        <a:schemeClr val="lt1"/>
+      </a:fontRef>
+    </dgm:style>
+  </dgm:styleLbl>
+  <dgm:styleLbl name="sibTrans1D1">
+    <dgm:scene3d>
+      <a:camera prst="orthographicFront"/>
+      <a:lightRig rig="threePt" dir="t"/>
+    </dgm:scene3d>
+    <dgm:sp3d/>
+    <dgm:txPr/>
+    <dgm:style>
+      <a:lnRef idx="1">
+        <a:scrgbClr r="0" g="0" b="0"/>
+      </a:lnRef>
+      <a:fillRef idx="0">
+        <a:scrgbClr r="0" g="0" b="0"/>
+      </a:fillRef>
+      <a:effectRef idx="0">
+        <a:scrgbClr r="0" g="0" b="0"/>
+      </a:effectRef>
+      <a:fontRef idx="minor"/>
+    </dgm:style>
+  </dgm:styleLbl>
+  <dgm:styleLbl name="callout">
+    <dgm:scene3d>
+      <a:camera prst="orthographicFront"/>
+      <a:lightRig rig="threePt" dir="t"/>
+    </dgm:scene3d>
+    <dgm:sp3d/>
+    <dgm:txPr/>
+    <dgm:style>
+      <a:lnRef idx="2">
+        <a:scrgbClr r="0" g="0" b="0"/>
+      </a:lnRef>
+      <a:fillRef idx="1">
+        <a:scrgbClr r="0" g="0" b="0"/>
+      </a:fillRef>
+      <a:effectRef idx="0">
+        <a:scrgbClr r="0" g="0" b="0"/>
+      </a:effectRef>
+      <a:fontRef idx="minor"/>
+    </dgm:style>
+  </dgm:styleLbl>
+  <dgm:styleLbl name="asst0">
+    <dgm:scene3d>
+      <a:camera prst="orthographicFront"/>
+      <a:lightRig rig="threePt" dir="t"/>
+    </dgm:scene3d>
+    <dgm:sp3d/>
+    <dgm:txPr/>
+    <dgm:style>
+      <a:lnRef idx="2">
+        <a:scrgbClr r="0" g="0" b="0"/>
+      </a:lnRef>
+      <a:fillRef idx="1">
+        <a:scrgbClr r="0" g="0" b="0"/>
+      </a:fillRef>
+      <a:effectRef idx="0">
+        <a:scrgbClr r="0" g="0" b="0"/>
+      </a:effectRef>
+      <a:fontRef idx="minor">
+        <a:schemeClr val="lt1"/>
+      </a:fontRef>
+    </dgm:style>
+  </dgm:styleLbl>
+  <dgm:styleLbl name="asst1">
+    <dgm:scene3d>
+      <a:camera prst="orthographicFront"/>
+      <a:lightRig rig="threePt" dir="t"/>
+    </dgm:scene3d>
+    <dgm:sp3d/>
+    <dgm:txPr/>
+    <dgm:style>
+      <a:lnRef idx="2">
+        <a:scrgbClr r="0" g="0" b="0"/>
+      </a:lnRef>
+      <a:fillRef idx="1">
+        <a:scrgbClr r="0" g="0" b="0"/>
+      </a:fillRef>
+      <a:effectRef idx="0">
+        <a:scrgbClr r="0" g="0" b="0"/>
+      </a:effectRef>
+      <a:fontRef idx="minor">
+        <a:schemeClr val="lt1"/>
+      </a:fontRef>
+    </dgm:style>
+  </dgm:styleLbl>
+  <dgm:styleLbl name="asst2">
+    <dgm:scene3d>
+      <a:camera prst="orthographicFront"/>
+      <a:lightRig rig="threePt" dir="t"/>
+    </dgm:scene3d>
+    <dgm:sp3d/>
+    <dgm:txPr/>
+    <dgm:style>
+      <a:lnRef idx="2">
+        <a:scrgbClr r="0" g="0" b="0"/>
+      </a:lnRef>
+      <a:fillRef idx="1">
+        <a:scrgbClr r="0" g="0" b="0"/>
+      </a:fillRef>
+      <a:effectRef idx="0">
+        <a:scrgbClr r="0" g="0" b="0"/>
+      </a:effectRef>
+      <a:fontRef idx="minor">
+        <a:schemeClr val="lt1"/>
+      </a:fontRef>
+    </dgm:style>
+  </dgm:styleLbl>
+  <dgm:styleLbl name="asst3">
+    <dgm:scene3d>
+      <a:camera prst="orthographicFront"/>
+      <a:lightRig rig="threePt" dir="t"/>
+    </dgm:scene3d>
+    <dgm:sp3d/>
+    <dgm:txPr/>
+    <dgm:style>
+      <a:lnRef idx="2">
+        <a:scrgbClr r="0" g="0" b="0"/>
+      </a:lnRef>
+      <a:fillRef idx="1">
+        <a:scrgbClr r="0" g="0" b="0"/>
+      </a:fillRef>
+      <a:effectRef idx="0">
+        <a:scrgbClr r="0" g="0" b="0"/>
+      </a:effectRef>
+      <a:fontRef idx="minor">
+        <a:schemeClr val="lt1"/>
+      </a:fontRef>
+    </dgm:style>
+  </dgm:styleLbl>
+  <dgm:styleLbl name="asst4">
+    <dgm:scene3d>
+      <a:camera prst="orthographicFront"/>
+      <a:lightRig rig="threePt" dir="t"/>
+    </dgm:scene3d>
+    <dgm:sp3d/>
+    <dgm:txPr/>
+    <dgm:style>
+      <a:lnRef idx="2">
+        <a:scrgbClr r="0" g="0" b="0"/>
+      </a:lnRef>
+      <a:fillRef idx="1">
+        <a:scrgbClr r="0" g="0" b="0"/>
+      </a:fillRef>
+      <a:effectRef idx="0">
+        <a:scrgbClr r="0" g="0" b="0"/>
+      </a:effectRef>
+      <a:fontRef idx="minor">
+        <a:schemeClr val="lt1"/>
+      </a:fontRef>
+    </dgm:style>
+  </dgm:styleLbl>
+  <dgm:styleLbl name="parChTrans2D1">
+    <dgm:scene3d>
+      <a:camera prst="orthographicFront"/>
+      <a:lightRig rig="threePt" dir="t"/>
+    </dgm:scene3d>
+    <dgm:sp3d/>
+    <dgm:txPr/>
+    <dgm:style>
+      <a:lnRef idx="2">
+        <a:scrgbClr r="0" g="0" b="0"/>
+      </a:lnRef>
+      <a:fillRef idx="1">
+        <a:scrgbClr r="0" g="0" b="0"/>
+      </a:fillRef>
+      <a:effectRef idx="0">
+        <a:scrgbClr r="0" g="0" b="0"/>
+      </a:effectRef>
+      <a:fontRef idx="minor">
+        <a:schemeClr val="lt1"/>
+      </a:fontRef>
+    </dgm:style>
+  </dgm:styleLbl>
+  <dgm:styleLbl name="parChTrans2D2">
+    <dgm:scene3d>
+      <a:camera prst="orthographicFront"/>
+      <a:lightRig rig="threePt" dir="t"/>
+    </dgm:scene3d>
+    <dgm:sp3d/>
+    <dgm:txPr/>
+    <dgm:style>
+      <a:lnRef idx="2">
+        <a:scrgbClr r="0" g="0" b="0"/>
+      </a:lnRef>
+      <a:fillRef idx="1">
+        <a:scrgbClr r="0" g="0" b="0"/>
+      </a:fillRef>
+      <a:effectRef idx="0">
+        <a:scrgbClr r="0" g="0" b="0"/>
+      </a:effectRef>
+      <a:fontRef idx="minor">
+        <a:schemeClr val="lt1"/>
+      </a:fontRef>
+    </dgm:style>
+  </dgm:styleLbl>
+  <dgm:styleLbl name="parChTrans2D3">
+    <dgm:scene3d>
+      <a:camera prst="orthographicFront"/>
+      <a:lightRig rig="threePt" dir="t"/>
+    </dgm:scene3d>
+    <dgm:sp3d/>
+    <dgm:txPr/>
+    <dgm:style>
+      <a:lnRef idx="2">
+        <a:scrgbClr r="0" g="0" b="0"/>
+      </a:lnRef>
+      <a:fillRef idx="1">
+        <a:scrgbClr r="0" g="0" b="0"/>
+      </a:fillRef>
+      <a:effectRef idx="0">
+        <a:scrgbClr r="0" g="0" b="0"/>
+      </a:effectRef>
+      <a:fontRef idx="minor">
+        <a:schemeClr val="lt1"/>
+      </a:fontRef>
+    </dgm:style>
+  </dgm:styleLbl>
+  <dgm:styleLbl name="parChTrans2D4">
+    <dgm:scene3d>
+      <a:camera prst="orthographicFront"/>
+      <a:lightRig rig="threePt" dir="t"/>
+    </dgm:scene3d>
+    <dgm:sp3d/>
+    <dgm:txPr/>
+    <dgm:style>
+      <a:lnRef idx="2">
+        <a:scrgbClr r="0" g="0" b="0"/>
+      </a:lnRef>
+      <a:fillRef idx="1">
+        <a:scrgbClr r="0" g="0" b="0"/>
+      </a:fillRef>
+      <a:effectRef idx="0">
+        <a:scrgbClr r="0" g="0" b="0"/>
+      </a:effectRef>
+      <a:fontRef idx="minor">
+        <a:schemeClr val="lt1"/>
+      </a:fontRef>
+    </dgm:style>
+  </dgm:styleLbl>
+  <dgm:styleLbl name="parChTrans1D1">
+    <dgm:scene3d>
+      <a:camera prst="orthographicFront"/>
+      <a:lightRig rig="threePt" dir="t"/>
+    </dgm:scene3d>
+    <dgm:sp3d/>
+    <dgm:txPr/>
+    <dgm:style>
+      <a:lnRef idx="2">
+        <a:scrgbClr r="0" g="0" b="0"/>
+      </a:lnRef>
+      <a:fillRef idx="0">
+        <a:scrgbClr r="0" g="0" b="0"/>
+      </a:fillRef>
+      <a:effectRef idx="0">
+        <a:scrgbClr r="0" g="0" b="0"/>
+      </a:effectRef>
+      <a:fontRef idx="minor"/>
+    </dgm:style>
+  </dgm:styleLbl>
+  <dgm:styleLbl name="parChTrans1D2">
+    <dgm:scene3d>
+      <a:camera prst="orthographicFront"/>
+      <a:lightRig rig="threePt" dir="t"/>
+    </dgm:scene3d>
+    <dgm:sp3d/>
+    <dgm:txPr/>
+    <dgm:style>
+      <a:lnRef idx="2">
+        <a:scrgbClr r="0" g="0" b="0"/>
+      </a:lnRef>
+      <a:fillRef idx="0">
+        <a:scrgbClr r="0" g="0" b="0"/>
+      </a:fillRef>
+      <a:effectRef idx="0">
+        <a:scrgbClr r="0" g="0" b="0"/>
+      </a:effectRef>
+      <a:fontRef idx="minor"/>
+    </dgm:style>
+  </dgm:styleLbl>
+  <dgm:styleLbl name="parChTrans1D3">
+    <dgm:scene3d>
+      <a:camera prst="orthographicFront"/>
+      <a:lightRig rig="threePt" dir="t"/>
+    </dgm:scene3d>
+    <dgm:sp3d/>
+    <dgm:txPr/>
+    <dgm:style>
+      <a:lnRef idx="2">
+        <a:scrgbClr r="0" g="0" b="0"/>
+      </a:lnRef>
+      <a:fillRef idx="0">
+        <a:scrgbClr r="0" g="0" b="0"/>
+      </a:fillRef>
+      <a:effectRef idx="0">
+        <a:scrgbClr r="0" g="0" b="0"/>
+      </a:effectRef>
+      <a:fontRef idx="minor"/>
+    </dgm:style>
+  </dgm:styleLbl>
+  <dgm:styleLbl name="parChTrans1D4">
+    <dgm:scene3d>
+      <a:camera prst="orthographicFront"/>
+      <a:lightRig rig="threePt" dir="t"/>
+    </dgm:scene3d>
+    <dgm:sp3d/>
+    <dgm:txPr/>
+    <dgm:style>
+      <a:lnRef idx="2">
+        <a:scrgbClr r="0" g="0" b="0"/>
+      </a:lnRef>
+      <a:fillRef idx="0">
+        <a:scrgbClr r="0" g="0" b="0"/>
+      </a:fillRef>
+      <a:effectRef idx="0">
+        <a:scrgbClr r="0" g="0" b="0"/>
+      </a:effectRef>
+      <a:fontRef idx="minor"/>
+    </dgm:style>
+  </dgm:styleLbl>
+  <dgm:styleLbl name="fgAcc1">
+    <dgm:scene3d>
+      <a:camera prst="orthographicFront"/>
+      <a:lightRig rig="threePt" dir="t"/>
+    </dgm:scene3d>
+    <dgm:sp3d/>
+    <dgm:txPr/>
+    <dgm:style>
+      <a:lnRef idx="2">
+        <a:scrgbClr r="0" g="0" b="0"/>
+      </a:lnRef>
+      <a:fillRef idx="1">
+        <a:scrgbClr r="0" g="0" b="0"/>
+      </a:fillRef>
+      <a:effectRef idx="0">
+        <a:scrgbClr r="0" g="0" b="0"/>
+      </a:effectRef>
+      <a:fontRef idx="minor"/>
+    </dgm:style>
+  </dgm:styleLbl>
+  <dgm:styleLbl name="conFgAcc1">
+    <dgm:scene3d>
+      <a:camera prst="orthographicFront"/>
+      <a:lightRig rig="threePt" dir="t"/>
+    </dgm:scene3d>
+    <dgm:sp3d/>
+    <dgm:txPr/>
+    <dgm:style>
+      <a:lnRef idx="2">
+        <a:scrgbClr r="0" g="0" b="0"/>
+      </a:lnRef>
+      <a:fillRef idx="1">
+        <a:scrgbClr r="0" g="0" b="0"/>
+      </a:fillRef>
+      <a:effectRef idx="0">
+        <a:scrgbClr r="0" g="0" b="0"/>
+      </a:effectRef>
+      <a:fontRef idx="minor"/>
+    </dgm:style>
+  </dgm:styleLbl>
+  <dgm:styleLbl name="alignAcc1">
+    <dgm:scene3d>
+      <a:camera prst="orthographicFront"/>
+      <a:lightRig rig="threePt" dir="t"/>
+    </dgm:scene3d>
+    <dgm:sp3d/>
+    <dgm:txPr/>
+    <dgm:style>
+      <a:lnRef idx="2">
+        <a:scrgbClr r="0" g="0" b="0"/>
+      </a:lnRef>
+      <a:fillRef idx="1">
+        <a:scrgbClr r="0" g="0" b="0"/>
+      </a:fillRef>
+      <a:effectRef idx="0">
+        <a:scrgbClr r="0" g="0" b="0"/>
+      </a:effectRef>
+      <a:fontRef idx="minor"/>
+    </dgm:style>
+  </dgm:styleLbl>
+  <dgm:styleLbl name="trAlignAcc1">
+    <dgm:scene3d>
+      <a:camera prst="orthographicFront"/>
+      <a:lightRig rig="threePt" dir="t"/>
+    </dgm:scene3d>
+    <dgm:sp3d/>
+    <dgm:txPr/>
+    <dgm:style>
+      <a:lnRef idx="1">
+        <a:scrgbClr r="0" g="0" b="0"/>
+      </a:lnRef>
+      <a:fillRef idx="1">
+        <a:scrgbClr r="0" g="0" b="0"/>
+      </a:fillRef>
+      <a:effectRef idx="0">
+        <a:scrgbClr r="0" g="0" b="0"/>
+      </a:effectRef>
+      <a:fontRef idx="minor"/>
+    </dgm:style>
+  </dgm:styleLbl>
+  <dgm:styleLbl name="bgAcc1">
+    <dgm:scene3d>
+      <a:camera prst="orthographicFront"/>
+      <a:lightRig rig="threePt" dir="t"/>
+    </dgm:scene3d>
+    <dgm:sp3d/>
+    <dgm:txPr/>
+    <dgm:style>
+      <a:lnRef idx="2">
+        <a:scrgbClr r="0" g="0" b="0"/>
+      </a:lnRef>
+      <a:fillRef idx="1">
+        <a:scrgbClr r="0" g="0" b="0"/>
+      </a:fillRef>
+      <a:effectRef idx="0">
+        <a:scrgbClr r="0" g="0" b="0"/>
+      </a:effectRef>
+      <a:fontRef idx="minor"/>
+    </dgm:style>
+  </dgm:styleLbl>
+  <dgm:styleLbl name="solidFgAcc1">
+    <dgm:scene3d>
+      <a:camera prst="orthographicFront"/>
+      <a:lightRig rig="threePt" dir="t"/>
+    </dgm:scene3d>
+    <dgm:sp3d/>
+    <dgm:txPr/>
+    <dgm:style>
+      <a:lnRef idx="2">
+        <a:scrgbClr r="0" g="0" b="0"/>
+      </a:lnRef>
+      <a:fillRef idx="1">
+        <a:scrgbClr r="0" g="0" b="0"/>
+      </a:fillRef>
+      <a:effectRef idx="0">
+        <a:scrgbClr r="0" g="0" b="0"/>
+      </a:effectRef>
+      <a:fontRef idx="minor"/>
+    </dgm:style>
+  </dgm:styleLbl>
+  <dgm:styleLbl name="solidAlignAcc1">
+    <dgm:scene3d>
+      <a:camera prst="orthographicFront"/>
+      <a:lightRig rig="threePt" dir="t"/>
+    </dgm:scene3d>
+    <dgm:sp3d/>
+    <dgm:txPr/>
+    <dgm:style>
+      <a:lnRef idx="2">
+        <a:scrgbClr r="0" g="0" b="0"/>
+      </a:lnRef>
+      <a:fillRef idx="1">
+        <a:scrgbClr r="0" g="0" b="0"/>
+      </a:fillRef>
+      <a:effectRef idx="0">
+        <a:scrgbClr r="0" g="0" b="0"/>
+      </a:effectRef>
+      <a:fontRef idx="minor"/>
+    </dgm:style>
+  </dgm:styleLbl>
+  <dgm:styleLbl name="solidBgAcc1">
+    <dgm:scene3d>
+      <a:camera prst="orthographicFront"/>
+      <a:lightRig rig="threePt" dir="t"/>
+    </dgm:scene3d>
+    <dgm:sp3d/>
+    <dgm:txPr/>
+    <dgm:style>
+      <a:lnRef idx="2">
+        <a:scrgbClr r="0" g="0" b="0"/>
+      </a:lnRef>
+      <a:fillRef idx="1">
+        <a:scrgbClr r="0" g="0" b="0"/>
+      </a:fillRef>
+      <a:effectRef idx="0">
+        <a:scrgbClr r="0" g="0" b="0"/>
+      </a:effectRef>
+      <a:fontRef idx="minor"/>
+    </dgm:style>
+  </dgm:styleLbl>
+  <dgm:styleLbl name="fgAccFollowNode1">
+    <dgm:scene3d>
+      <a:camera prst="orthographicFront"/>
+      <a:lightRig rig="threePt" dir="t"/>
+    </dgm:scene3d>
+    <dgm:sp3d/>
+    <dgm:txPr/>
+    <dgm:style>
+      <a:lnRef idx="2">
+        <a:scrgbClr r="0" g="0" b="0"/>
+      </a:lnRef>
+      <a:fillRef idx="1">
+        <a:scrgbClr r="0" g="0" b="0"/>
+      </a:fillRef>
+      <a:effectRef idx="0">
+        <a:scrgbClr r="0" g="0" b="0"/>
+      </a:effectRef>
+      <a:fontRef idx="minor"/>
+    </dgm:style>
+  </dgm:styleLbl>
+  <dgm:styleLbl name="alignAccFollowNode1">
+    <dgm:scene3d>
+      <a:camera prst="orthographicFront"/>
+      <a:lightRig rig="threePt" dir="t"/>
+    </dgm:scene3d>
+    <dgm:sp3d/>
+    <dgm:txPr/>
+    <dgm:style>
+      <a:lnRef idx="2">
+        <a:scrgbClr r="0" g="0" b="0"/>
+      </a:lnRef>
+      <a:fillRef idx="1">
+        <a:scrgbClr r="0" g="0" b="0"/>
+      </a:fillRef>
+      <a:effectRef idx="0">
+        <a:scrgbClr r="0" g="0" b="0"/>
+      </a:effectRef>
+      <a:fontRef idx="minor"/>
+    </dgm:style>
+  </dgm:styleLbl>
+  <dgm:styleLbl name="bgAccFollowNode1">
+    <dgm:scene3d>
+      <a:camera prst="orthographicFront"/>
+      <a:lightRig rig="threePt" dir="t"/>
+    </dgm:scene3d>
+    <dgm:sp3d/>
+    <dgm:txPr/>
+    <dgm:style>
+      <a:lnRef idx="2">
+        <a:scrgbClr r="0" g="0" b="0"/>
+      </a:lnRef>
+      <a:fillRef idx="1">
+        <a:scrgbClr r="0" g="0" b="0"/>
+      </a:fillRef>
+      <a:effectRef idx="0">
+        <a:scrgbClr r="0" g="0" b="0"/>
+      </a:effectRef>
+      <a:fontRef idx="minor"/>
+    </dgm:style>
+  </dgm:styleLbl>
+  <dgm:styleLbl name="fgAcc0">
+    <dgm:scene3d>
+      <a:camera prst="orthographicFront"/>
+      <a:lightRig rig="threePt" dir="t"/>
+    </dgm:scene3d>
+    <dgm:sp3d/>
+    <dgm:txPr/>
+    <dgm:style>
+      <a:lnRef idx="2">
+        <a:scrgbClr r="0" g="0" b="0"/>
+      </a:lnRef>
+      <a:fillRef idx="1">
+        <a:scrgbClr r="0" g="0" b="0"/>
+      </a:fillRef>
+      <a:effectRef idx="0">
+        <a:scrgbClr r="0" g="0" b="0"/>
+      </a:effectRef>
+      <a:fontRef idx="minor"/>
+    </dgm:style>
+  </dgm:styleLbl>
+  <dgm:styleLbl name="fgAcc2">
+    <dgm:scene3d>
+      <a:camera prst="orthographicFront"/>
+      <a:lightRig rig="threePt" dir="t"/>
+    </dgm:scene3d>
+    <dgm:sp3d/>
+    <dgm:txPr/>
+    <dgm:style>
+      <a:lnRef idx="2">
+        <a:scrgbClr r="0" g="0" b="0"/>
+      </a:lnRef>
+      <a:fillRef idx="1">
+        <a:scrgbClr r="0" g="0" b="0"/>
+      </a:fillRef>
+      <a:effectRef idx="0">
+        <a:scrgbClr r="0" g="0" b="0"/>
+      </a:effectRef>
+      <a:fontRef idx="minor"/>
+    </dgm:style>
+  </dgm:styleLbl>
+  <dgm:styleLbl name="fgAcc3">
+    <dgm:scene3d>
+      <a:camera prst="orthographicFront"/>
+      <a:lightRig rig="threePt" dir="t"/>
+    </dgm:scene3d>
+    <dgm:sp3d/>
+    <dgm:txPr/>
+    <dgm:style>
+      <a:lnRef idx="2">
+        <a:scrgbClr r="0" g="0" b="0"/>
+      </a:lnRef>
+      <a:fillRef idx="1">
+        <a:scrgbClr r="0" g="0" b="0"/>
+      </a:fillRef>
+      <a:effectRef idx="0">
+        <a:scrgbClr r="0" g="0" b="0"/>
+      </a:effectRef>
+      <a:fontRef idx="minor"/>
+    </dgm:style>
+  </dgm:styleLbl>
+  <dgm:styleLbl name="fgAcc4">
+    <dgm:scene3d>
+      <a:camera prst="orthographicFront"/>
+      <a:lightRig rig="threePt" dir="t"/>
+    </dgm:scene3d>
+    <dgm:sp3d/>
+    <dgm:txPr/>
+    <dgm:style>
+      <a:lnRef idx="2">
+        <a:scrgbClr r="0" g="0" b="0"/>
+      </a:lnRef>
+      <a:fillRef idx="1">
+        <a:scrgbClr r="0" g="0" b="0"/>
+      </a:fillRef>
+      <a:effectRef idx="0">
+        <a:scrgbClr r="0" g="0" b="0"/>
+      </a:effectRef>
+      <a:fontRef idx="minor"/>
+    </dgm:style>
+  </dgm:styleLbl>
+  <dgm:styleLbl name="bgShp">
+    <dgm:scene3d>
+      <a:camera prst="orthographicFront"/>
+      <a:lightRig rig="threePt" dir="t"/>
+    </dgm:scene3d>
+    <dgm:sp3d/>
+    <dgm:txPr/>
+    <dgm:style>
+      <a:lnRef idx="0">
+        <a:scrgbClr r="0" g="0" b="0"/>
+      </a:lnRef>
+      <a:fillRef idx="1">
+        <a:scrgbClr r="0" g="0" b="0"/>
+      </a:fillRef>
+      <a:effectRef idx="0">
+        <a:scrgbClr r="0" g="0" b="0"/>
+      </a:effectRef>
+      <a:fontRef idx="minor"/>
+    </dgm:style>
+  </dgm:styleLbl>
+  <dgm:styleLbl name="dkBgShp">
+    <dgm:scene3d>
+      <a:camera prst="orthographicFront"/>
+      <a:lightRig rig="threePt" dir="t"/>
+    </dgm:scene3d>
+    <dgm:sp3d/>
+    <dgm:txPr/>
+    <dgm:style>
+      <a:lnRef idx="0">
+        <a:scrgbClr r="0" g="0" b="0"/>
+      </a:lnRef>
+      <a:fillRef idx="1">
+        <a:scrgbClr r="0" g="0" b="0"/>
+      </a:fillRef>
+      <a:effectRef idx="0">
+        <a:scrgbClr r="0" g="0" b="0"/>
+      </a:effectRef>
+      <a:fontRef idx="minor"/>
+    </dgm:style>
+  </dgm:styleLbl>
+  <dgm:styleLbl name="trBgShp">
+    <dgm:scene3d>
+      <a:camera prst="orthographicFront"/>
+      <a:lightRig rig="threePt" dir="t"/>
+    </dgm:scene3d>
+    <dgm:sp3d/>
+    <dgm:txPr/>
+    <dgm:style>
+      <a:lnRef idx="0">
+        <a:scrgbClr r="0" g="0" b="0"/>
+      </a:lnRef>
+      <a:fillRef idx="1">
+        <a:scrgbClr r="0" g="0" b="0"/>
+      </a:fillRef>
+      <a:effectRef idx="0">
+        <a:scrgbClr r="0" g="0" b="0"/>
+      </a:effectRef>
+      <a:fontRef idx="minor"/>
+    </dgm:style>
+  </dgm:styleLbl>
+  <dgm:styleLbl name="fgShp">
+    <dgm:scene3d>
+      <a:camera prst="orthographicFront"/>
+      <a:lightRig rig="threePt" dir="t"/>
+    </dgm:scene3d>
+    <dgm:sp3d/>
+    <dgm:txPr/>
+    <dgm:style>
+      <a:lnRef idx="2">
+        <a:scrgbClr r="0" g="0" b="0"/>
+      </a:lnRef>
+      <a:fillRef idx="1">
+        <a:scrgbClr r="0" g="0" b="0"/>
+      </a:fillRef>
+      <a:effectRef idx="0">
+        <a:scrgbClr r="0" g="0" b="0"/>
+      </a:effectRef>
+      <a:fontRef idx="minor"/>
+    </dgm:style>
+  </dgm:styleLbl>
+  <dgm:styleLbl name="revTx">
+    <dgm:scene3d>
+      <a:camera prst="orthographicFront"/>
+      <a:lightRig rig="threePt" dir="t"/>
+    </dgm:scene3d>
+    <dgm:sp3d/>
+    <dgm:txPr/>
+    <dgm:style>
+      <a:lnRef idx="0">
+        <a:scrgbClr r="0" g="0" b="0"/>
+      </a:lnRef>
+      <a:fillRef idx="0">
+        <a:scrgbClr r="0" g="0" b="0"/>
+      </a:fillRef>
+      <a:effectRef idx="0">
+        <a:scrgbClr r="0" g="0" b="0"/>
+      </a:effectRef>
+      <a:fontRef idx="minor"/>
+    </dgm:style>
+  </dgm:styleLbl>
+</dgm:styleDef>
+</file>
+
+<file path=ppt/diagrams/quickStyle2.xml><?xml version="1.0" encoding="utf-8"?>
 <dgm:styleDef xmlns:dgm="http://schemas.openxmlformats.org/drawingml/2006/diagram" xmlns:a="http://schemas.openxmlformats.org/drawingml/2006/main" uniqueId="urn:microsoft.com/office/officeart/2005/8/quickstyle/simple1">
   <dgm:title val=""/>
   <dgm:desc val=""/>
@@ -3705,7 +5376,7 @@
           <a:p>
             <a:fld id="{22EF595B-9E04-3D47-BD11-E1637DF1BB7B}" type="datetimeFigureOut">
               <a:rPr lang="en-GB" smtClean="0"/>
-              <a:t>31/03/2020</a:t>
+              <a:t>01/04/2020</a:t>
             </a:fld>
             <a:endParaRPr lang="en-GB"/>
           </a:p>
@@ -3905,7 +5576,7 @@
           <a:p>
             <a:fld id="{22EF595B-9E04-3D47-BD11-E1637DF1BB7B}" type="datetimeFigureOut">
               <a:rPr lang="en-GB" smtClean="0"/>
-              <a:t>31/03/2020</a:t>
+              <a:t>01/04/2020</a:t>
             </a:fld>
             <a:endParaRPr lang="en-GB"/>
           </a:p>
@@ -4115,7 +5786,7 @@
           <a:p>
             <a:fld id="{22EF595B-9E04-3D47-BD11-E1637DF1BB7B}" type="datetimeFigureOut">
               <a:rPr lang="en-GB" smtClean="0"/>
-              <a:t>31/03/2020</a:t>
+              <a:t>01/04/2020</a:t>
             </a:fld>
             <a:endParaRPr lang="en-GB"/>
           </a:p>
@@ -4315,7 +5986,7 @@
           <a:p>
             <a:fld id="{22EF595B-9E04-3D47-BD11-E1637DF1BB7B}" type="datetimeFigureOut">
               <a:rPr lang="en-GB" smtClean="0"/>
-              <a:t>31/03/2020</a:t>
+              <a:t>01/04/2020</a:t>
             </a:fld>
             <a:endParaRPr lang="en-GB"/>
           </a:p>
@@ -4591,7 +6262,7 @@
           <a:p>
             <a:fld id="{22EF595B-9E04-3D47-BD11-E1637DF1BB7B}" type="datetimeFigureOut">
               <a:rPr lang="en-GB" smtClean="0"/>
-              <a:t>31/03/2020</a:t>
+              <a:t>01/04/2020</a:t>
             </a:fld>
             <a:endParaRPr lang="en-GB"/>
           </a:p>
@@ -4859,7 +6530,7 @@
           <a:p>
             <a:fld id="{22EF595B-9E04-3D47-BD11-E1637DF1BB7B}" type="datetimeFigureOut">
               <a:rPr lang="en-GB" smtClean="0"/>
-              <a:t>31/03/2020</a:t>
+              <a:t>01/04/2020</a:t>
             </a:fld>
             <a:endParaRPr lang="en-GB"/>
           </a:p>
@@ -5274,7 +6945,7 @@
           <a:p>
             <a:fld id="{22EF595B-9E04-3D47-BD11-E1637DF1BB7B}" type="datetimeFigureOut">
               <a:rPr lang="en-GB" smtClean="0"/>
-              <a:t>31/03/2020</a:t>
+              <a:t>01/04/2020</a:t>
             </a:fld>
             <a:endParaRPr lang="en-GB"/>
           </a:p>
@@ -5416,7 +7087,7 @@
           <a:p>
             <a:fld id="{22EF595B-9E04-3D47-BD11-E1637DF1BB7B}" type="datetimeFigureOut">
               <a:rPr lang="en-GB" smtClean="0"/>
-              <a:t>31/03/2020</a:t>
+              <a:t>01/04/2020</a:t>
             </a:fld>
             <a:endParaRPr lang="en-GB"/>
           </a:p>
@@ -5529,7 +7200,7 @@
           <a:p>
             <a:fld id="{22EF595B-9E04-3D47-BD11-E1637DF1BB7B}" type="datetimeFigureOut">
               <a:rPr lang="en-GB" smtClean="0"/>
-              <a:t>31/03/2020</a:t>
+              <a:t>01/04/2020</a:t>
             </a:fld>
             <a:endParaRPr lang="en-GB"/>
           </a:p>
@@ -5842,7 +7513,7 @@
           <a:p>
             <a:fld id="{22EF595B-9E04-3D47-BD11-E1637DF1BB7B}" type="datetimeFigureOut">
               <a:rPr lang="en-GB" smtClean="0"/>
-              <a:t>31/03/2020</a:t>
+              <a:t>01/04/2020</a:t>
             </a:fld>
             <a:endParaRPr lang="en-GB"/>
           </a:p>
@@ -6131,7 +7802,7 @@
           <a:p>
             <a:fld id="{22EF595B-9E04-3D47-BD11-E1637DF1BB7B}" type="datetimeFigureOut">
               <a:rPr lang="en-GB" smtClean="0"/>
-              <a:t>31/03/2020</a:t>
+              <a:t>01/04/2020</a:t>
             </a:fld>
             <a:endParaRPr lang="en-GB"/>
           </a:p>
@@ -6374,7 +8045,7 @@
           <a:p>
             <a:fld id="{22EF595B-9E04-3D47-BD11-E1637DF1BB7B}" type="datetimeFigureOut">
               <a:rPr lang="en-GB" smtClean="0"/>
-              <a:t>31/03/2020</a:t>
+              <a:t>01/04/2020</a:t>
             </a:fld>
             <a:endParaRPr lang="en-GB"/>
           </a:p>
@@ -6897,7 +8568,7 @@
 </p:sld>
 </file>
 
-<file path=ppt/slides/slide2.xml><?xml version="1.0" encoding="utf-8"?>
+<file path=ppt/slides/slide10.xml><?xml version="1.0" encoding="utf-8"?>
 <p:sld xmlns:a="http://schemas.openxmlformats.org/drawingml/2006/main" xmlns:r="http://schemas.openxmlformats.org/officeDocument/2006/relationships" xmlns:p="http://schemas.openxmlformats.org/presentationml/2006/main">
   <p:cSld>
     <p:spTree>
@@ -6914,12 +8585,446 @@
           <a:chExt cx="0" cy="0"/>
         </a:xfrm>
       </p:grpSpPr>
+      <p:sp>
+        <p:nvSpPr>
+          <p:cNvPr id="2" name="Title 1">
+            <a:extLst>
+              <a:ext uri="{FF2B5EF4-FFF2-40B4-BE49-F238E27FC236}">
+                <a16:creationId xmlns:a16="http://schemas.microsoft.com/office/drawing/2014/main" id="{392E6644-87BD-CF4E-B885-4F343465413C}"/>
+              </a:ext>
+            </a:extLst>
+          </p:cNvPr>
+          <p:cNvSpPr>
+            <a:spLocks noGrp="1"/>
+          </p:cNvSpPr>
+          <p:nvPr>
+            <p:ph type="title"/>
+          </p:nvPr>
+        </p:nvSpPr>
+        <p:spPr/>
+        <p:txBody>
+          <a:bodyPr/>
+          <a:lstStyle/>
+          <a:p>
+            <a:endParaRPr lang="en-PL"/>
+          </a:p>
+        </p:txBody>
+      </p:sp>
+      <p:sp>
+        <p:nvSpPr>
+          <p:cNvPr id="3" name="Content Placeholder 2">
+            <a:extLst>
+              <a:ext uri="{FF2B5EF4-FFF2-40B4-BE49-F238E27FC236}">
+                <a16:creationId xmlns:a16="http://schemas.microsoft.com/office/drawing/2014/main" id="{B1DC9EEE-8535-BF46-8575-30B4D125441D}"/>
+              </a:ext>
+            </a:extLst>
+          </p:cNvPr>
+          <p:cNvSpPr>
+            <a:spLocks noGrp="1"/>
+          </p:cNvSpPr>
+          <p:nvPr>
+            <p:ph idx="1"/>
+          </p:nvPr>
+        </p:nvSpPr>
+        <p:spPr/>
+        <p:txBody>
+          <a:bodyPr/>
+          <a:lstStyle/>
+          <a:p>
+            <a:r>
+              <a:rPr lang="en-PL" dirty="0"/>
+              <a:t>2013 rok — masowe zwolnienia w Zynga. Pomimo udanego IPO </a:t>
+            </a:r>
+            <a:r>
+              <a:rPr lang="en-GB" dirty="0"/>
+              <a:t>I</a:t>
+            </a:r>
+            <a:r>
+              <a:rPr lang="en-PL" dirty="0"/>
+              <a:t> fuzji mniejszych firm.</a:t>
+            </a:r>
+          </a:p>
+          <a:p>
+            <a:r>
+              <a:rPr lang="en-PL" dirty="0"/>
+              <a:t>Dlaczego? Spadek liczby użytkowników</a:t>
+            </a:r>
+          </a:p>
+          <a:p>
+            <a:r>
+              <a:rPr lang="en-PL" dirty="0"/>
+              <a:t>Dlaczego? Uzależnieni gracze uwolnili się od swojego uzależnienia</a:t>
+            </a:r>
+          </a:p>
+          <a:p>
+            <a:r>
+              <a:rPr lang="en-PL" dirty="0"/>
+              <a:t>Dlaczego? Gry Zynga były uzależniające</a:t>
+            </a:r>
+          </a:p>
+          <a:p>
+            <a:r>
+              <a:rPr lang="en-PL" dirty="0"/>
+              <a:t>Dlaczego? Prawidłowo przeprowadzone badania naukowe doprowadziły do zaprojektowania błędnego systemu motywacyjnego</a:t>
+            </a:r>
+          </a:p>
+        </p:txBody>
+      </p:sp>
+    </p:spTree>
+    <p:extLst>
+      <p:ext uri="{BB962C8B-B14F-4D97-AF65-F5344CB8AC3E}">
+        <p14:creationId xmlns:p14="http://schemas.microsoft.com/office/powerpoint/2010/main" val="1390042349"/>
+      </p:ext>
+    </p:extLst>
+  </p:cSld>
+  <p:clrMapOvr>
+    <a:masterClrMapping/>
+  </p:clrMapOvr>
+</p:sld>
+</file>
+
+<file path=ppt/slides/slide11.xml><?xml version="1.0" encoding="utf-8"?>
+<p:sld xmlns:a="http://schemas.openxmlformats.org/drawingml/2006/main" xmlns:r="http://schemas.openxmlformats.org/officeDocument/2006/relationships" xmlns:p="http://schemas.openxmlformats.org/presentationml/2006/main">
+  <p:cSld>
+    <p:spTree>
+      <p:nvGrpSpPr>
+        <p:cNvPr id="1" name=""/>
+        <p:cNvGrpSpPr/>
+        <p:nvPr/>
+      </p:nvGrpSpPr>
+      <p:grpSpPr>
+        <a:xfrm>
+          <a:off x="0" y="0"/>
+          <a:ext cx="0" cy="0"/>
+          <a:chOff x="0" y="0"/>
+          <a:chExt cx="0" cy="0"/>
+        </a:xfrm>
+      </p:grpSpPr>
+      <p:sp>
+        <p:nvSpPr>
+          <p:cNvPr id="2" name="Title 1">
+            <a:extLst>
+              <a:ext uri="{FF2B5EF4-FFF2-40B4-BE49-F238E27FC236}">
+                <a16:creationId xmlns:a16="http://schemas.microsoft.com/office/drawing/2014/main" id="{392E6644-87BD-CF4E-B885-4F343465413C}"/>
+              </a:ext>
+            </a:extLst>
+          </p:cNvPr>
+          <p:cNvSpPr>
+            <a:spLocks noGrp="1"/>
+          </p:cNvSpPr>
+          <p:nvPr>
+            <p:ph type="title"/>
+          </p:nvPr>
+        </p:nvSpPr>
+        <p:spPr/>
+        <p:txBody>
+          <a:bodyPr/>
+          <a:lstStyle/>
+          <a:p>
+            <a:r>
+              <a:rPr lang="en-GB" dirty="0" err="1"/>
+              <a:t>Błąd</a:t>
+            </a:r>
+            <a:r>
+              <a:rPr lang="en-GB" dirty="0"/>
+              <a:t> Zynga games?</a:t>
+            </a:r>
+            <a:endParaRPr lang="en-PL" dirty="0"/>
+          </a:p>
+        </p:txBody>
+      </p:sp>
+      <p:sp>
+        <p:nvSpPr>
+          <p:cNvPr id="3" name="Content Placeholder 2">
+            <a:extLst>
+              <a:ext uri="{FF2B5EF4-FFF2-40B4-BE49-F238E27FC236}">
+                <a16:creationId xmlns:a16="http://schemas.microsoft.com/office/drawing/2014/main" id="{B1DC9EEE-8535-BF46-8575-30B4D125441D}"/>
+              </a:ext>
+            </a:extLst>
+          </p:cNvPr>
+          <p:cNvSpPr>
+            <a:spLocks noGrp="1"/>
+          </p:cNvSpPr>
+          <p:nvPr>
+            <p:ph idx="1"/>
+          </p:nvPr>
+        </p:nvSpPr>
+        <p:spPr/>
+        <p:txBody>
+          <a:bodyPr/>
+          <a:lstStyle/>
+          <a:p>
+            <a:pPr marL="0" indent="0">
+              <a:buNone/>
+            </a:pPr>
+            <a:r>
+              <a:rPr lang="en-GB" dirty="0" err="1"/>
+              <a:t>Skupienie</a:t>
+            </a:r>
+            <a:r>
+              <a:rPr lang="en-GB" dirty="0"/>
+              <a:t> </a:t>
+            </a:r>
+            <a:r>
+              <a:rPr lang="en-GB" dirty="0" err="1"/>
+              <a:t>się</a:t>
+            </a:r>
+            <a:r>
+              <a:rPr lang="en-GB" dirty="0"/>
+              <a:t> </a:t>
+            </a:r>
+            <a:r>
+              <a:rPr lang="en-GB" dirty="0" err="1"/>
+              <a:t>na</a:t>
+            </a:r>
+            <a:r>
+              <a:rPr lang="en-GB" dirty="0"/>
+              <a:t> </a:t>
+            </a:r>
+            <a:r>
+              <a:rPr lang="en-GB" dirty="0" err="1"/>
+              <a:t>krótkoterminowych</a:t>
+            </a:r>
+            <a:r>
+              <a:rPr lang="en-GB" dirty="0"/>
+              <a:t> </a:t>
+            </a:r>
+            <a:r>
+              <a:rPr lang="en-GB" dirty="0" err="1"/>
+              <a:t>miernikach</a:t>
+            </a:r>
+            <a:r>
+              <a:rPr lang="en-GB" dirty="0"/>
+              <a:t> =&gt; </a:t>
+            </a:r>
+            <a:r>
+              <a:rPr lang="en-GB" dirty="0" err="1"/>
+              <a:t>preferowanie</a:t>
+            </a:r>
+            <a:r>
+              <a:rPr lang="en-GB" dirty="0"/>
+              <a:t> </a:t>
+            </a:r>
+            <a:r>
+              <a:rPr lang="en-GB" dirty="0" err="1"/>
+              <a:t>technik</a:t>
+            </a:r>
+            <a:r>
+              <a:rPr lang="en-GB" dirty="0"/>
+              <a:t> </a:t>
+            </a:r>
+            <a:r>
+              <a:rPr lang="en-GB" dirty="0" err="1"/>
+              <a:t>powodujących</a:t>
+            </a:r>
+            <a:r>
+              <a:rPr lang="en-GB" dirty="0"/>
+              <a:t> </a:t>
+            </a:r>
+            <a:r>
+              <a:rPr lang="en-GB" dirty="0" err="1"/>
+              <a:t>zmianę</a:t>
+            </a:r>
+            <a:r>
+              <a:rPr lang="en-GB" dirty="0"/>
+              <a:t> </a:t>
+            </a:r>
+            <a:r>
+              <a:rPr lang="en-GB" dirty="0" err="1"/>
+              <a:t>nawyków</a:t>
+            </a:r>
+            <a:r>
+              <a:rPr lang="en-GB" dirty="0"/>
+              <a:t> </a:t>
+            </a:r>
+            <a:r>
+              <a:rPr lang="en-GB" dirty="0" err="1"/>
+              <a:t>użytkownika</a:t>
+            </a:r>
+            <a:r>
+              <a:rPr lang="en-GB" dirty="0"/>
+              <a:t>. </a:t>
+            </a:r>
+            <a:r>
+              <a:rPr lang="en-GB" dirty="0" err="1"/>
+              <a:t>Pomijanie</a:t>
+            </a:r>
+            <a:r>
+              <a:rPr lang="en-GB" dirty="0"/>
+              <a:t> </a:t>
+            </a:r>
+            <a:r>
+              <a:rPr lang="en-GB" dirty="0" err="1"/>
+              <a:t>tych</a:t>
+            </a:r>
+            <a:r>
+              <a:rPr lang="en-GB" dirty="0"/>
+              <a:t>, </a:t>
+            </a:r>
+            <a:r>
+              <a:rPr lang="en-GB" dirty="0" err="1"/>
+              <a:t>które</a:t>
+            </a:r>
+            <a:r>
+              <a:rPr lang="en-GB" dirty="0"/>
+              <a:t> </a:t>
+            </a:r>
+            <a:r>
+              <a:rPr lang="en-GB" dirty="0" err="1"/>
+              <a:t>utrzymują</a:t>
+            </a:r>
+            <a:r>
+              <a:rPr lang="en-GB" dirty="0"/>
+              <a:t> </a:t>
+            </a:r>
+            <a:r>
+              <a:rPr lang="en-GB" dirty="0" err="1"/>
+              <a:t>jego</a:t>
+            </a:r>
+            <a:r>
+              <a:rPr lang="en-GB" dirty="0"/>
+              <a:t> </a:t>
+            </a:r>
+            <a:r>
+              <a:rPr lang="en-GB" dirty="0" err="1"/>
+              <a:t>nawyki</a:t>
+            </a:r>
+            <a:r>
+              <a:rPr lang="en-GB" dirty="0"/>
+              <a:t>.</a:t>
+            </a:r>
+            <a:endParaRPr lang="en-PL" dirty="0"/>
+          </a:p>
+        </p:txBody>
+      </p:sp>
+      <p:sp>
+        <p:nvSpPr>
+          <p:cNvPr id="4" name="Title 1">
+            <a:extLst>
+              <a:ext uri="{FF2B5EF4-FFF2-40B4-BE49-F238E27FC236}">
+                <a16:creationId xmlns:a16="http://schemas.microsoft.com/office/drawing/2014/main" id="{5B5BAB92-C8E4-2F4E-A298-C2990DADEB55}"/>
+              </a:ext>
+            </a:extLst>
+          </p:cNvPr>
+          <p:cNvSpPr txBox="1">
+            <a:spLocks/>
+          </p:cNvSpPr>
+          <p:nvPr/>
+        </p:nvSpPr>
+        <p:spPr>
+          <a:xfrm>
+            <a:off x="838200" y="4986337"/>
+            <a:ext cx="10515600" cy="1325563"/>
+          </a:xfrm>
+          <a:prstGeom prst="rect">
+            <a:avLst/>
+          </a:prstGeom>
+        </p:spPr>
+        <p:txBody>
+          <a:bodyPr vert="horz" lIns="91440" tIns="45720" rIns="91440" bIns="45720" rtlCol="0" anchor="ctr">
+            <a:normAutofit/>
+          </a:bodyPr>
+          <a:lstStyle>
+            <a:lvl1pPr algn="l" defTabSz="914400" rtl="0" eaLnBrk="1" latinLnBrk="0" hangingPunct="1">
+              <a:lnSpc>
+                <a:spcPct val="90000"/>
+              </a:lnSpc>
+              <a:spcBef>
+                <a:spcPct val="0"/>
+              </a:spcBef>
+              <a:buNone/>
+              <a:defRPr sz="4400" kern="1200">
+                <a:solidFill>
+                  <a:schemeClr val="tx1"/>
+                </a:solidFill>
+                <a:latin typeface="+mj-lt"/>
+                <a:ea typeface="+mj-ea"/>
+                <a:cs typeface="+mj-cs"/>
+              </a:defRPr>
+            </a:lvl1pPr>
+          </a:lstStyle>
+          <a:p>
+            <a:pPr algn="ctr"/>
+            <a:r>
+              <a:rPr lang="en-GB" dirty="0"/>
+              <a:t>Data driven design / Evidence based!</a:t>
+            </a:r>
+            <a:endParaRPr lang="en-PL" dirty="0"/>
+          </a:p>
+        </p:txBody>
+      </p:sp>
+    </p:spTree>
+    <p:extLst>
+      <p:ext uri="{BB962C8B-B14F-4D97-AF65-F5344CB8AC3E}">
+        <p14:creationId xmlns:p14="http://schemas.microsoft.com/office/powerpoint/2010/main" val="1451036562"/>
+      </p:ext>
+    </p:extLst>
+  </p:cSld>
+  <p:clrMapOvr>
+    <a:masterClrMapping/>
+  </p:clrMapOvr>
+</p:sld>
+</file>
+
+<file path=ppt/slides/slide12.xml><?xml version="1.0" encoding="utf-8"?>
+<p:sld xmlns:a="http://schemas.openxmlformats.org/drawingml/2006/main" xmlns:r="http://schemas.openxmlformats.org/officeDocument/2006/relationships" xmlns:p="http://schemas.openxmlformats.org/presentationml/2006/main">
+  <p:cSld>
+    <p:spTree>
+      <p:nvGrpSpPr>
+        <p:cNvPr id="1" name=""/>
+        <p:cNvGrpSpPr/>
+        <p:nvPr/>
+      </p:nvGrpSpPr>
+      <p:grpSpPr>
+        <a:xfrm>
+          <a:off x="0" y="0"/>
+          <a:ext cx="0" cy="0"/>
+          <a:chOff x="0" y="0"/>
+          <a:chExt cx="0" cy="0"/>
+        </a:xfrm>
+      </p:grpSpPr>
+      <p:sp>
+        <p:nvSpPr>
+          <p:cNvPr id="2" name="Title 1">
+            <a:extLst>
+              <a:ext uri="{FF2B5EF4-FFF2-40B4-BE49-F238E27FC236}">
+                <a16:creationId xmlns:a16="http://schemas.microsoft.com/office/drawing/2014/main" id="{E1A6D10B-1CD4-054C-AA24-8E75657FD579}"/>
+              </a:ext>
+            </a:extLst>
+          </p:cNvPr>
+          <p:cNvSpPr>
+            <a:spLocks noGrp="1"/>
+          </p:cNvSpPr>
+          <p:nvPr>
+            <p:ph type="title"/>
+          </p:nvPr>
+        </p:nvSpPr>
+        <p:spPr/>
+        <p:txBody>
+          <a:bodyPr/>
+          <a:lstStyle/>
+          <a:p>
+            <a:r>
+              <a:rPr lang="en-PL" dirty="0"/>
+              <a:t>Gamifikacja </a:t>
+            </a:r>
+            <a:r>
+              <a:rPr lang="en-GB" dirty="0" err="1"/>
+              <a:t>i</a:t>
+            </a:r>
+            <a:r>
+              <a:rPr lang="en-PL" dirty="0"/>
+              <a:t> nauka a MECE</a:t>
+            </a:r>
+          </a:p>
+        </p:txBody>
+      </p:sp>
       <p:graphicFrame>
         <p:nvGraphicFramePr>
-          <p:cNvPr id="7" name="Symbol zastępczy zawartości 6">
+          <p:cNvPr id="4" name="Content Placeholder 3">
             <a:extLst>
               <a:ext uri="{FF2B5EF4-FFF2-40B4-BE49-F238E27FC236}">
-                <a16:creationId xmlns:a16="http://schemas.microsoft.com/office/drawing/2014/main" id="{F7840A38-C0AA-424F-82DF-420DF5531772}"/>
+                <a16:creationId xmlns:a16="http://schemas.microsoft.com/office/drawing/2014/main" id="{AE950551-7CED-DC40-9515-9060FEA723E1}"/>
               </a:ext>
             </a:extLst>
           </p:cNvPr>
@@ -6930,14 +9035,14 @@
             <p:ph idx="1"/>
             <p:extLst>
               <p:ext uri="{D42A27DB-BD31-4B8C-83A1-F6EECF244321}">
-                <p14:modId xmlns:p14="http://schemas.microsoft.com/office/powerpoint/2010/main" val="3761334158"/>
+                <p14:modId xmlns:p14="http://schemas.microsoft.com/office/powerpoint/2010/main" val="2124610536"/>
               </p:ext>
             </p:extLst>
           </p:nvPr>
         </p:nvGraphicFramePr>
         <p:xfrm>
-          <a:off x="0" y="0"/>
-          <a:ext cx="12191999" cy="6858000"/>
+          <a:off x="838200" y="1825625"/>
+          <a:ext cx="10515600" cy="1603375"/>
         </p:xfrm>
         <a:graphic>
           <a:graphicData uri="http://schemas.openxmlformats.org/drawingml/2006/diagram">
@@ -6945,10 +9050,85 @@
           </a:graphicData>
         </a:graphic>
       </p:graphicFrame>
+      <p:sp>
+        <p:nvSpPr>
+          <p:cNvPr id="5" name="TextBox 4">
+            <a:extLst>
+              <a:ext uri="{FF2B5EF4-FFF2-40B4-BE49-F238E27FC236}">
+                <a16:creationId xmlns:a16="http://schemas.microsoft.com/office/drawing/2014/main" id="{902DC8D8-102C-284E-BA99-4D4E51FFBED1}"/>
+              </a:ext>
+            </a:extLst>
+          </p:cNvPr>
+          <p:cNvSpPr txBox="1"/>
+          <p:nvPr/>
+        </p:nvSpPr>
+        <p:spPr>
+          <a:xfrm>
+            <a:off x="838201" y="4337338"/>
+            <a:ext cx="10515599" cy="2123658"/>
+          </a:xfrm>
+          <a:prstGeom prst="rect">
+            <a:avLst/>
+          </a:prstGeom>
+          <a:noFill/>
+        </p:spPr>
+        <p:txBody>
+          <a:bodyPr wrap="square" rtlCol="0">
+            <a:spAutoFit/>
+          </a:bodyPr>
+          <a:lstStyle/>
+          <a:p>
+            <a:pPr algn="ctr"/>
+            <a:r>
+              <a:rPr lang="pl-PL" sz="4400" b="1" dirty="0"/>
+              <a:t>MECE</a:t>
+            </a:r>
+          </a:p>
+          <a:p>
+            <a:pPr algn="ctr"/>
+            <a:r>
+              <a:rPr lang="pl-PL" sz="4400" dirty="0"/>
+              <a:t>=</a:t>
+            </a:r>
+          </a:p>
+          <a:p>
+            <a:pPr algn="ctr"/>
+            <a:r>
+              <a:rPr lang="pl-PL" sz="4400" dirty="0" err="1"/>
+              <a:t>Mutually</a:t>
+            </a:r>
+            <a:r>
+              <a:rPr lang="pl-PL" sz="4400" dirty="0"/>
+              <a:t> </a:t>
+            </a:r>
+            <a:r>
+              <a:rPr lang="pl-PL" sz="4400" dirty="0" err="1"/>
+              <a:t>Exclusive</a:t>
+            </a:r>
+            <a:r>
+              <a:rPr lang="pl-PL" sz="4400" dirty="0"/>
+              <a:t>, </a:t>
+            </a:r>
+            <a:r>
+              <a:rPr lang="pl-PL" sz="4400" dirty="0" err="1"/>
+              <a:t>Collectively</a:t>
+            </a:r>
+            <a:r>
+              <a:rPr lang="pl-PL" sz="4400" dirty="0"/>
+              <a:t> </a:t>
+            </a:r>
+            <a:r>
+              <a:rPr lang="pl-PL" sz="4400" dirty="0" err="1"/>
+              <a:t>Exhaustive</a:t>
+            </a:r>
+            <a:endParaRPr lang="pl-PL" sz="4400" b="1" dirty="0"/>
+          </a:p>
+        </p:txBody>
+      </p:sp>
     </p:spTree>
     <p:extLst>
       <p:ext uri="{BB962C8B-B14F-4D97-AF65-F5344CB8AC3E}">
-        <p14:creationId xmlns:p14="http://schemas.microsoft.com/office/powerpoint/2010/main" val="346009597"/>
+        <p14:creationId xmlns:p14="http://schemas.microsoft.com/office/powerpoint/2010/main" val="1404379422"/>
       </p:ext>
     </p:extLst>
   </p:cSld>
@@ -6958,7 +9138,403 @@
 </p:sld>
 </file>
 
-<file path=ppt/slides/slide3.xml><?xml version="1.0" encoding="utf-8"?>
+<file path=ppt/slides/slide13.xml><?xml version="1.0" encoding="utf-8"?>
+<p:sld xmlns:a="http://schemas.openxmlformats.org/drawingml/2006/main" xmlns:r="http://schemas.openxmlformats.org/officeDocument/2006/relationships" xmlns:p="http://schemas.openxmlformats.org/presentationml/2006/main">
+  <p:cSld>
+    <p:spTree>
+      <p:nvGrpSpPr>
+        <p:cNvPr id="1" name=""/>
+        <p:cNvGrpSpPr/>
+        <p:nvPr/>
+      </p:nvGrpSpPr>
+      <p:grpSpPr>
+        <a:xfrm>
+          <a:off x="0" y="0"/>
+          <a:ext cx="0" cy="0"/>
+          <a:chOff x="0" y="0"/>
+          <a:chExt cx="0" cy="0"/>
+        </a:xfrm>
+      </p:grpSpPr>
+      <p:sp>
+        <p:nvSpPr>
+          <p:cNvPr id="3" name="Content Placeholder 2">
+            <a:extLst>
+              <a:ext uri="{FF2B5EF4-FFF2-40B4-BE49-F238E27FC236}">
+                <a16:creationId xmlns:a16="http://schemas.microsoft.com/office/drawing/2014/main" id="{D8D045B2-D6D3-EF43-80C3-3417B87E6889}"/>
+              </a:ext>
+            </a:extLst>
+          </p:cNvPr>
+          <p:cNvSpPr>
+            <a:spLocks noGrp="1"/>
+          </p:cNvSpPr>
+          <p:nvPr>
+            <p:ph idx="1"/>
+          </p:nvPr>
+        </p:nvSpPr>
+        <p:spPr>
+          <a:xfrm>
+            <a:off x="838199" y="4053304"/>
+            <a:ext cx="10515600" cy="1135405"/>
+          </a:xfrm>
+        </p:spPr>
+        <p:txBody>
+          <a:bodyPr/>
+          <a:lstStyle/>
+          <a:p>
+            <a:pPr algn="ctr"/>
+            <a:r>
+              <a:rPr lang="en-GB" dirty="0"/>
+              <a:t>"No gaps, no overlaps"</a:t>
+            </a:r>
+          </a:p>
+          <a:p>
+            <a:endParaRPr lang="en-PL" dirty="0"/>
+          </a:p>
+        </p:txBody>
+      </p:sp>
+      <p:sp>
+        <p:nvSpPr>
+          <p:cNvPr id="5" name="TextBox 4">
+            <a:extLst>
+              <a:ext uri="{FF2B5EF4-FFF2-40B4-BE49-F238E27FC236}">
+                <a16:creationId xmlns:a16="http://schemas.microsoft.com/office/drawing/2014/main" id="{F969EAFC-9914-1647-B2CE-9D55E91FC65E}"/>
+              </a:ext>
+            </a:extLst>
+          </p:cNvPr>
+          <p:cNvSpPr txBox="1"/>
+          <p:nvPr/>
+        </p:nvSpPr>
+        <p:spPr>
+          <a:xfrm>
+            <a:off x="838201" y="681037"/>
+            <a:ext cx="10515599" cy="2123658"/>
+          </a:xfrm>
+          <a:prstGeom prst="rect">
+            <a:avLst/>
+          </a:prstGeom>
+          <a:noFill/>
+        </p:spPr>
+        <p:txBody>
+          <a:bodyPr wrap="square" rtlCol="0">
+            <a:spAutoFit/>
+          </a:bodyPr>
+          <a:lstStyle/>
+          <a:p>
+            <a:pPr algn="ctr"/>
+            <a:r>
+              <a:rPr lang="pl-PL" sz="4400" b="1" dirty="0"/>
+              <a:t>MECE</a:t>
+            </a:r>
+          </a:p>
+          <a:p>
+            <a:pPr algn="ctr"/>
+            <a:r>
+              <a:rPr lang="pl-PL" sz="4400" dirty="0"/>
+              <a:t>=</a:t>
+            </a:r>
+          </a:p>
+          <a:p>
+            <a:pPr algn="ctr"/>
+            <a:r>
+              <a:rPr lang="pl-PL" sz="4400" dirty="0" err="1"/>
+              <a:t>Mutually</a:t>
+            </a:r>
+            <a:r>
+              <a:rPr lang="pl-PL" sz="4400" dirty="0"/>
+              <a:t> </a:t>
+            </a:r>
+            <a:r>
+              <a:rPr lang="pl-PL" sz="4400" dirty="0" err="1"/>
+              <a:t>Exclusive</a:t>
+            </a:r>
+            <a:r>
+              <a:rPr lang="pl-PL" sz="4400" dirty="0"/>
+              <a:t>, </a:t>
+            </a:r>
+            <a:r>
+              <a:rPr lang="pl-PL" sz="4400" dirty="0" err="1"/>
+              <a:t>Collectively</a:t>
+            </a:r>
+            <a:r>
+              <a:rPr lang="pl-PL" sz="4400" dirty="0"/>
+              <a:t> </a:t>
+            </a:r>
+            <a:r>
+              <a:rPr lang="pl-PL" sz="4400" dirty="0" err="1"/>
+              <a:t>Exhaustive</a:t>
+            </a:r>
+            <a:endParaRPr lang="pl-PL" sz="4400" b="1" dirty="0"/>
+          </a:p>
+        </p:txBody>
+      </p:sp>
+    </p:spTree>
+    <p:extLst>
+      <p:ext uri="{BB962C8B-B14F-4D97-AF65-F5344CB8AC3E}">
+        <p14:creationId xmlns:p14="http://schemas.microsoft.com/office/powerpoint/2010/main" val="1970099233"/>
+      </p:ext>
+    </p:extLst>
+  </p:cSld>
+  <p:clrMapOvr>
+    <a:masterClrMapping/>
+  </p:clrMapOvr>
+</p:sld>
+</file>
+
+<file path=ppt/slides/slide14.xml><?xml version="1.0" encoding="utf-8"?>
+<p:sld xmlns:a="http://schemas.openxmlformats.org/drawingml/2006/main" xmlns:r="http://schemas.openxmlformats.org/officeDocument/2006/relationships" xmlns:p="http://schemas.openxmlformats.org/presentationml/2006/main">
+  <p:cSld>
+    <p:spTree>
+      <p:nvGrpSpPr>
+        <p:cNvPr id="1" name=""/>
+        <p:cNvGrpSpPr/>
+        <p:nvPr/>
+      </p:nvGrpSpPr>
+      <p:grpSpPr>
+        <a:xfrm>
+          <a:off x="0" y="0"/>
+          <a:ext cx="0" cy="0"/>
+          <a:chOff x="0" y="0"/>
+          <a:chExt cx="0" cy="0"/>
+        </a:xfrm>
+      </p:grpSpPr>
+      <p:sp>
+        <p:nvSpPr>
+          <p:cNvPr id="2" name="Title 1">
+            <a:extLst>
+              <a:ext uri="{FF2B5EF4-FFF2-40B4-BE49-F238E27FC236}">
+                <a16:creationId xmlns:a16="http://schemas.microsoft.com/office/drawing/2014/main" id="{65F587F3-0082-8541-8EB9-1FC954D93799}"/>
+              </a:ext>
+            </a:extLst>
+          </p:cNvPr>
+          <p:cNvSpPr>
+            <a:spLocks noGrp="1"/>
+          </p:cNvSpPr>
+          <p:nvPr>
+            <p:ph type="title"/>
+          </p:nvPr>
+        </p:nvSpPr>
+        <p:spPr/>
+        <p:txBody>
+          <a:bodyPr>
+            <a:normAutofit/>
+          </a:bodyPr>
+          <a:lstStyle/>
+          <a:p>
+            <a:r>
+              <a:rPr lang="en-GB" b="1" dirty="0"/>
+              <a:t>XXII </a:t>
+            </a:r>
+            <a:r>
+              <a:rPr lang="en-GB" b="1" dirty="0" err="1"/>
+              <a:t>wiek</a:t>
+            </a:r>
+            <a:r>
+              <a:rPr lang="en-GB" b="1"/>
+              <a:t> a MECE</a:t>
+            </a:r>
+            <a:endParaRPr lang="pl-PL"/>
+          </a:p>
+        </p:txBody>
+      </p:sp>
+      <p:sp>
+        <p:nvSpPr>
+          <p:cNvPr id="3" name="Content Placeholder 2">
+            <a:extLst>
+              <a:ext uri="{FF2B5EF4-FFF2-40B4-BE49-F238E27FC236}">
+                <a16:creationId xmlns:a16="http://schemas.microsoft.com/office/drawing/2014/main" id="{DE28B7F4-961C-1541-8AFB-E3B17317585D}"/>
+              </a:ext>
+            </a:extLst>
+          </p:cNvPr>
+          <p:cNvSpPr>
+            <a:spLocks noGrp="1"/>
+          </p:cNvSpPr>
+          <p:nvPr>
+            <p:ph idx="1"/>
+          </p:nvPr>
+        </p:nvSpPr>
+        <p:spPr/>
+        <p:txBody>
+          <a:bodyPr/>
+          <a:lstStyle/>
+          <a:p>
+            <a:endParaRPr lang="pl-PL"/>
+          </a:p>
+        </p:txBody>
+      </p:sp>
+    </p:spTree>
+    <p:extLst>
+      <p:ext uri="{BB962C8B-B14F-4D97-AF65-F5344CB8AC3E}">
+        <p14:creationId xmlns:p14="http://schemas.microsoft.com/office/powerpoint/2010/main" val="3889181990"/>
+      </p:ext>
+    </p:extLst>
+  </p:cSld>
+  <p:clrMapOvr>
+    <a:masterClrMapping/>
+  </p:clrMapOvr>
+</p:sld>
+</file>
+
+<file path=ppt/slides/slide15.xml><?xml version="1.0" encoding="utf-8"?>
+<p:sld xmlns:a="http://schemas.openxmlformats.org/drawingml/2006/main" xmlns:r="http://schemas.openxmlformats.org/officeDocument/2006/relationships" xmlns:p="http://schemas.openxmlformats.org/presentationml/2006/main">
+  <p:cSld>
+    <p:spTree>
+      <p:nvGrpSpPr>
+        <p:cNvPr id="1" name=""/>
+        <p:cNvGrpSpPr/>
+        <p:nvPr/>
+      </p:nvGrpSpPr>
+      <p:grpSpPr>
+        <a:xfrm>
+          <a:off x="0" y="0"/>
+          <a:ext cx="0" cy="0"/>
+          <a:chOff x="0" y="0"/>
+          <a:chExt cx="0" cy="0"/>
+        </a:xfrm>
+      </p:grpSpPr>
+      <p:sp>
+        <p:nvSpPr>
+          <p:cNvPr id="2" name="Title 1">
+            <a:extLst>
+              <a:ext uri="{FF2B5EF4-FFF2-40B4-BE49-F238E27FC236}">
+                <a16:creationId xmlns:a16="http://schemas.microsoft.com/office/drawing/2014/main" id="{106D2331-05FF-E64F-A81C-A335D33FC47B}"/>
+              </a:ext>
+            </a:extLst>
+          </p:cNvPr>
+          <p:cNvSpPr>
+            <a:spLocks noGrp="1"/>
+          </p:cNvSpPr>
+          <p:nvPr>
+            <p:ph type="title"/>
+          </p:nvPr>
+        </p:nvSpPr>
+        <p:spPr/>
+        <p:txBody>
+          <a:bodyPr/>
+          <a:lstStyle/>
+          <a:p>
+            <a:endParaRPr lang="pl-PL"/>
+          </a:p>
+        </p:txBody>
+      </p:sp>
+      <p:sp>
+        <p:nvSpPr>
+          <p:cNvPr id="3" name="Content Placeholder 2">
+            <a:extLst>
+              <a:ext uri="{FF2B5EF4-FFF2-40B4-BE49-F238E27FC236}">
+                <a16:creationId xmlns:a16="http://schemas.microsoft.com/office/drawing/2014/main" id="{229D5B09-EDAA-FF45-9ED1-1CD52ACB7336}"/>
+              </a:ext>
+            </a:extLst>
+          </p:cNvPr>
+          <p:cNvSpPr>
+            <a:spLocks noGrp="1"/>
+          </p:cNvSpPr>
+          <p:nvPr>
+            <p:ph idx="1"/>
+          </p:nvPr>
+        </p:nvSpPr>
+        <p:spPr/>
+        <p:txBody>
+          <a:bodyPr/>
+          <a:lstStyle/>
+          <a:p>
+            <a:endParaRPr lang="pl-PL"/>
+          </a:p>
+        </p:txBody>
+      </p:sp>
+    </p:spTree>
+    <p:extLst>
+      <p:ext uri="{BB962C8B-B14F-4D97-AF65-F5344CB8AC3E}">
+        <p14:creationId xmlns:p14="http://schemas.microsoft.com/office/powerpoint/2010/main" val="1178700834"/>
+      </p:ext>
+    </p:extLst>
+  </p:cSld>
+  <p:clrMapOvr>
+    <a:masterClrMapping/>
+  </p:clrMapOvr>
+</p:sld>
+</file>
+
+<file path=ppt/slides/slide16.xml><?xml version="1.0" encoding="utf-8"?>
+<p:sld xmlns:a="http://schemas.openxmlformats.org/drawingml/2006/main" xmlns:r="http://schemas.openxmlformats.org/officeDocument/2006/relationships" xmlns:p="http://schemas.openxmlformats.org/presentationml/2006/main">
+  <p:cSld>
+    <p:spTree>
+      <p:nvGrpSpPr>
+        <p:cNvPr id="1" name=""/>
+        <p:cNvGrpSpPr/>
+        <p:nvPr/>
+      </p:nvGrpSpPr>
+      <p:grpSpPr>
+        <a:xfrm>
+          <a:off x="0" y="0"/>
+          <a:ext cx="0" cy="0"/>
+          <a:chOff x="0" y="0"/>
+          <a:chExt cx="0" cy="0"/>
+        </a:xfrm>
+      </p:grpSpPr>
+      <p:sp>
+        <p:nvSpPr>
+          <p:cNvPr id="2" name="Title 1">
+            <a:extLst>
+              <a:ext uri="{FF2B5EF4-FFF2-40B4-BE49-F238E27FC236}">
+                <a16:creationId xmlns:a16="http://schemas.microsoft.com/office/drawing/2014/main" id="{760CB2BD-A9D6-F448-91DE-CDEFF8FB54C3}"/>
+              </a:ext>
+            </a:extLst>
+          </p:cNvPr>
+          <p:cNvSpPr>
+            <a:spLocks noGrp="1"/>
+          </p:cNvSpPr>
+          <p:nvPr>
+            <p:ph type="title"/>
+          </p:nvPr>
+        </p:nvSpPr>
+        <p:spPr/>
+        <p:txBody>
+          <a:bodyPr/>
+          <a:lstStyle/>
+          <a:p>
+            <a:endParaRPr lang="pl-PL"/>
+          </a:p>
+        </p:txBody>
+      </p:sp>
+      <p:sp>
+        <p:nvSpPr>
+          <p:cNvPr id="3" name="Content Placeholder 2">
+            <a:extLst>
+              <a:ext uri="{FF2B5EF4-FFF2-40B4-BE49-F238E27FC236}">
+                <a16:creationId xmlns:a16="http://schemas.microsoft.com/office/drawing/2014/main" id="{228620BC-8751-144B-8C6D-7CA581B5879E}"/>
+              </a:ext>
+            </a:extLst>
+          </p:cNvPr>
+          <p:cNvSpPr>
+            <a:spLocks noGrp="1"/>
+          </p:cNvSpPr>
+          <p:nvPr>
+            <p:ph idx="1"/>
+          </p:nvPr>
+        </p:nvSpPr>
+        <p:spPr/>
+        <p:txBody>
+          <a:bodyPr/>
+          <a:lstStyle/>
+          <a:p>
+            <a:endParaRPr lang="pl-PL"/>
+          </a:p>
+        </p:txBody>
+      </p:sp>
+    </p:spTree>
+    <p:extLst>
+      <p:ext uri="{BB962C8B-B14F-4D97-AF65-F5344CB8AC3E}">
+        <p14:creationId xmlns:p14="http://schemas.microsoft.com/office/powerpoint/2010/main" val="2242799216"/>
+      </p:ext>
+    </p:extLst>
+  </p:cSld>
+  <p:clrMapOvr>
+    <a:masterClrMapping/>
+  </p:clrMapOvr>
+</p:sld>
+</file>
+
+<file path=ppt/slides/slide17.xml><?xml version="1.0" encoding="utf-8"?>
 <p:sld xmlns:a="http://schemas.openxmlformats.org/drawingml/2006/main" xmlns:r="http://schemas.openxmlformats.org/officeDocument/2006/relationships" xmlns:p="http://schemas.openxmlformats.org/presentationml/2006/main">
   <p:cSld>
     <p:spTree>
@@ -7056,7 +9632,7 @@
 </p:sld>
 </file>
 
-<file path=ppt/slides/slide4.xml><?xml version="1.0" encoding="utf-8"?>
+<file path=ppt/slides/slide18.xml><?xml version="1.0" encoding="utf-8"?>
 <p:sld xmlns:a="http://schemas.openxmlformats.org/drawingml/2006/main" xmlns:r="http://schemas.openxmlformats.org/officeDocument/2006/relationships" xmlns:p="http://schemas.openxmlformats.org/presentationml/2006/main">
   <p:cSld>
     <p:spTree>
@@ -7136,7 +9712,7 @@
 </p:sld>
 </file>
 
-<file path=ppt/slides/slide5.xml><?xml version="1.0" encoding="utf-8"?>
+<file path=ppt/slides/slide19.xml><?xml version="1.0" encoding="utf-8"?>
 <p:sld xmlns:a="http://schemas.openxmlformats.org/drawingml/2006/main" xmlns:r="http://schemas.openxmlformats.org/officeDocument/2006/relationships" xmlns:p="http://schemas.openxmlformats.org/presentationml/2006/main">
   <p:cSld>
     <p:spTree>
@@ -7193,6 +9769,4265 @@
     <p:extLst>
       <p:ext uri="{BB962C8B-B14F-4D97-AF65-F5344CB8AC3E}">
         <p14:creationId xmlns:p14="http://schemas.microsoft.com/office/powerpoint/2010/main" val="756686016"/>
+      </p:ext>
+    </p:extLst>
+  </p:cSld>
+  <p:clrMapOvr>
+    <a:masterClrMapping/>
+  </p:clrMapOvr>
+</p:sld>
+</file>
+
+<file path=ppt/slides/slide2.xml><?xml version="1.0" encoding="utf-8"?>
+<p:sld xmlns:a="http://schemas.openxmlformats.org/drawingml/2006/main" xmlns:r="http://schemas.openxmlformats.org/officeDocument/2006/relationships" xmlns:p="http://schemas.openxmlformats.org/presentationml/2006/main">
+  <p:cSld>
+    <p:spTree>
+      <p:nvGrpSpPr>
+        <p:cNvPr id="1" name=""/>
+        <p:cNvGrpSpPr/>
+        <p:nvPr/>
+      </p:nvGrpSpPr>
+      <p:grpSpPr>
+        <a:xfrm>
+          <a:off x="0" y="0"/>
+          <a:ext cx="0" cy="0"/>
+          <a:chOff x="0" y="0"/>
+          <a:chExt cx="0" cy="0"/>
+        </a:xfrm>
+      </p:grpSpPr>
+      <p:sp>
+        <p:nvSpPr>
+          <p:cNvPr id="2" name="Title 1">
+            <a:extLst>
+              <a:ext uri="{FF2B5EF4-FFF2-40B4-BE49-F238E27FC236}">
+                <a16:creationId xmlns:a16="http://schemas.microsoft.com/office/drawing/2014/main" id="{9D77B6EE-BDEC-4543-8C84-4A33CC76D329}"/>
+              </a:ext>
+            </a:extLst>
+          </p:cNvPr>
+          <p:cNvSpPr>
+            <a:spLocks noGrp="1"/>
+          </p:cNvSpPr>
+          <p:nvPr>
+            <p:ph type="title"/>
+          </p:nvPr>
+        </p:nvSpPr>
+        <p:spPr/>
+        <p:txBody>
+          <a:bodyPr/>
+          <a:lstStyle/>
+          <a:p>
+            <a:r>
+              <a:rPr lang="en-PL" dirty="0"/>
+              <a:t>Co to jest gra?</a:t>
+            </a:r>
+          </a:p>
+        </p:txBody>
+      </p:sp>
+      <p:sp>
+        <p:nvSpPr>
+          <p:cNvPr id="3" name="Content Placeholder 2">
+            <a:extLst>
+              <a:ext uri="{FF2B5EF4-FFF2-40B4-BE49-F238E27FC236}">
+                <a16:creationId xmlns:a16="http://schemas.microsoft.com/office/drawing/2014/main" id="{0A5923FA-EB89-F547-A3B2-FAE3434B2EBC}"/>
+              </a:ext>
+            </a:extLst>
+          </p:cNvPr>
+          <p:cNvSpPr>
+            <a:spLocks noGrp="1"/>
+          </p:cNvSpPr>
+          <p:nvPr>
+            <p:ph idx="1"/>
+          </p:nvPr>
+        </p:nvSpPr>
+        <p:spPr>
+          <a:xfrm>
+            <a:off x="838200" y="1825625"/>
+            <a:ext cx="10515600" cy="2368003"/>
+          </a:xfrm>
+        </p:spPr>
+        <p:txBody>
+          <a:bodyPr>
+            <a:normAutofit lnSpcReduction="10000"/>
+          </a:bodyPr>
+          <a:lstStyle/>
+          <a:p>
+            <a:pPr marL="0" indent="0" algn="ctr">
+              <a:buNone/>
+            </a:pPr>
+            <a:r>
+              <a:rPr lang="en-GB" dirty="0" err="1"/>
+              <a:t>Ograniczenia</a:t>
+            </a:r>
+            <a:r>
+              <a:rPr lang="en-GB" dirty="0"/>
+              <a:t> </a:t>
+            </a:r>
+            <a:r>
+              <a:rPr lang="en-GB" dirty="0" err="1"/>
+              <a:t>i</a:t>
+            </a:r>
+            <a:r>
+              <a:rPr lang="en-GB" dirty="0"/>
+              <a:t> </a:t>
+            </a:r>
+            <a:r>
+              <a:rPr lang="en-GB" dirty="0" err="1"/>
+              <a:t>przeszkody</a:t>
+            </a:r>
+            <a:endParaRPr lang="en-GB" dirty="0"/>
+          </a:p>
+          <a:p>
+            <a:pPr marL="0" indent="0" algn="ctr">
+              <a:buNone/>
+            </a:pPr>
+            <a:endParaRPr lang="en-GB" dirty="0"/>
+          </a:p>
+          <a:p>
+            <a:pPr marL="0" indent="0">
+              <a:buNone/>
+            </a:pPr>
+            <a:endParaRPr lang="en-GB" dirty="0">
+              <a:solidFill>
+                <a:schemeClr val="tx1">
+                  <a:lumMod val="65000"/>
+                  <a:lumOff val="35000"/>
+                </a:schemeClr>
+              </a:solidFill>
+            </a:endParaRPr>
+          </a:p>
+          <a:p>
+            <a:pPr marL="0" indent="0">
+              <a:buNone/>
+            </a:pPr>
+            <a:r>
+              <a:rPr lang="en-GB" dirty="0">
+                <a:solidFill>
+                  <a:schemeClr val="tx1">
+                    <a:lumMod val="65000"/>
+                    <a:lumOff val="35000"/>
+                  </a:schemeClr>
+                </a:solidFill>
+              </a:rPr>
+              <a:t>“Unnecessary obstacles that we volunteer to tackle.” — ﻿Jane McGonigal, PhD, Bernard Suits philosopher</a:t>
+            </a:r>
+          </a:p>
+          <a:p>
+            <a:pPr marL="0" indent="0" algn="ctr">
+              <a:buNone/>
+            </a:pPr>
+            <a:endParaRPr lang="en-PL" dirty="0"/>
+          </a:p>
+        </p:txBody>
+      </p:sp>
+    </p:spTree>
+    <p:extLst>
+      <p:ext uri="{BB962C8B-B14F-4D97-AF65-F5344CB8AC3E}">
+        <p14:creationId xmlns:p14="http://schemas.microsoft.com/office/powerpoint/2010/main" val="3407858526"/>
+      </p:ext>
+    </p:extLst>
+  </p:cSld>
+  <p:clrMapOvr>
+    <a:masterClrMapping/>
+  </p:clrMapOvr>
+</p:sld>
+</file>
+
+<file path=ppt/slides/slide3.xml><?xml version="1.0" encoding="utf-8"?>
+<p:sld xmlns:a="http://schemas.openxmlformats.org/drawingml/2006/main" xmlns:r="http://schemas.openxmlformats.org/officeDocument/2006/relationships" xmlns:p="http://schemas.openxmlformats.org/presentationml/2006/main">
+  <p:cSld>
+    <p:spTree>
+      <p:nvGrpSpPr>
+        <p:cNvPr id="1" name=""/>
+        <p:cNvGrpSpPr/>
+        <p:nvPr/>
+      </p:nvGrpSpPr>
+      <p:grpSpPr>
+        <a:xfrm>
+          <a:off x="0" y="0"/>
+          <a:ext cx="0" cy="0"/>
+          <a:chOff x="0" y="0"/>
+          <a:chExt cx="0" cy="0"/>
+        </a:xfrm>
+      </p:grpSpPr>
+      <p:grpSp>
+        <p:nvGrpSpPr>
+          <p:cNvPr id="3" name="Group 2">
+            <a:extLst>
+              <a:ext uri="{FF2B5EF4-FFF2-40B4-BE49-F238E27FC236}">
+                <a16:creationId xmlns:a16="http://schemas.microsoft.com/office/drawing/2014/main" id="{E914192C-8F0A-4F41-968E-8D3C840BEA33}"/>
+              </a:ext>
+            </a:extLst>
+          </p:cNvPr>
+          <p:cNvGrpSpPr/>
+          <p:nvPr/>
+        </p:nvGrpSpPr>
+        <p:grpSpPr>
+          <a:xfrm>
+            <a:off x="1426055" y="39690"/>
+            <a:ext cx="10019709" cy="6778619"/>
+            <a:chOff x="1426055" y="39690"/>
+            <a:chExt cx="10019709" cy="6778619"/>
+          </a:xfrm>
+        </p:grpSpPr>
+        <p:sp>
+          <p:nvSpPr>
+            <p:cNvPr id="4" name="Bent Up Arrow 3">
+              <a:extLst>
+                <a:ext uri="{FF2B5EF4-FFF2-40B4-BE49-F238E27FC236}">
+                  <a16:creationId xmlns:a16="http://schemas.microsoft.com/office/drawing/2014/main" id="{AC30C0F3-7CE2-6441-B047-68D88254D82A}"/>
+                </a:ext>
+              </a:extLst>
+            </p:cNvPr>
+            <p:cNvSpPr/>
+            <p:nvPr/>
+          </p:nvSpPr>
+          <p:spPr>
+            <a:xfrm rot="5400000">
+              <a:off x="1774825" y="1498962"/>
+              <a:ext cx="1316414" cy="1498691"/>
+            </a:xfrm>
+            <a:prstGeom prst="bentUpArrow">
+              <a:avLst>
+                <a:gd name="adj1" fmla="val 32840"/>
+                <a:gd name="adj2" fmla="val 25000"/>
+                <a:gd name="adj3" fmla="val 35780"/>
+              </a:avLst>
+            </a:prstGeom>
+          </p:spPr>
+          <p:style>
+            <a:lnRef idx="2">
+              <a:schemeClr val="lt1">
+                <a:hueOff val="0"/>
+                <a:satOff val="0"/>
+                <a:lumOff val="0"/>
+                <a:alphaOff val="0"/>
+              </a:schemeClr>
+            </a:lnRef>
+            <a:fillRef idx="1">
+              <a:schemeClr val="accent1">
+                <a:tint val="50000"/>
+                <a:hueOff val="0"/>
+                <a:satOff val="0"/>
+                <a:lumOff val="0"/>
+                <a:alphaOff val="0"/>
+              </a:schemeClr>
+            </a:fillRef>
+            <a:effectRef idx="0">
+              <a:schemeClr val="accent1">
+                <a:tint val="50000"/>
+                <a:hueOff val="0"/>
+                <a:satOff val="0"/>
+                <a:lumOff val="0"/>
+                <a:alphaOff val="0"/>
+              </a:schemeClr>
+            </a:effectRef>
+            <a:fontRef idx="minor">
+              <a:schemeClr val="lt1">
+                <a:hueOff val="0"/>
+                <a:satOff val="0"/>
+                <a:lumOff val="0"/>
+                <a:alphaOff val="0"/>
+              </a:schemeClr>
+            </a:fontRef>
+          </p:style>
+        </p:sp>
+        <p:sp>
+          <p:nvSpPr>
+            <p:cNvPr id="5" name="Freeform 4">
+              <a:extLst>
+                <a:ext uri="{FF2B5EF4-FFF2-40B4-BE49-F238E27FC236}">
+                  <a16:creationId xmlns:a16="http://schemas.microsoft.com/office/drawing/2014/main" id="{4F7A64BA-35EC-3046-8DA7-17CAF52E1A28}"/>
+                </a:ext>
+              </a:extLst>
+            </p:cNvPr>
+            <p:cNvSpPr/>
+            <p:nvPr/>
+          </p:nvSpPr>
+          <p:spPr>
+            <a:xfrm>
+              <a:off x="1426055" y="39690"/>
+              <a:ext cx="2216067" cy="1551175"/>
+            </a:xfrm>
+            <a:custGeom>
+              <a:avLst/>
+              <a:gdLst>
+                <a:gd name="connsiteX0" fmla="*/ 0 w 2216067"/>
+                <a:gd name="connsiteY0" fmla="*/ 258581 h 1551175"/>
+                <a:gd name="connsiteX1" fmla="*/ 258581 w 2216067"/>
+                <a:gd name="connsiteY1" fmla="*/ 0 h 1551175"/>
+                <a:gd name="connsiteX2" fmla="*/ 1957486 w 2216067"/>
+                <a:gd name="connsiteY2" fmla="*/ 0 h 1551175"/>
+                <a:gd name="connsiteX3" fmla="*/ 2216067 w 2216067"/>
+                <a:gd name="connsiteY3" fmla="*/ 258581 h 1551175"/>
+                <a:gd name="connsiteX4" fmla="*/ 2216067 w 2216067"/>
+                <a:gd name="connsiteY4" fmla="*/ 1292594 h 1551175"/>
+                <a:gd name="connsiteX5" fmla="*/ 1957486 w 2216067"/>
+                <a:gd name="connsiteY5" fmla="*/ 1551175 h 1551175"/>
+                <a:gd name="connsiteX6" fmla="*/ 258581 w 2216067"/>
+                <a:gd name="connsiteY6" fmla="*/ 1551175 h 1551175"/>
+                <a:gd name="connsiteX7" fmla="*/ 0 w 2216067"/>
+                <a:gd name="connsiteY7" fmla="*/ 1292594 h 1551175"/>
+                <a:gd name="connsiteX8" fmla="*/ 0 w 2216067"/>
+                <a:gd name="connsiteY8" fmla="*/ 258581 h 1551175"/>
+              </a:gdLst>
+              <a:ahLst/>
+              <a:cxnLst>
+                <a:cxn ang="0">
+                  <a:pos x="connsiteX0" y="connsiteY0"/>
+                </a:cxn>
+                <a:cxn ang="0">
+                  <a:pos x="connsiteX1" y="connsiteY1"/>
+                </a:cxn>
+                <a:cxn ang="0">
+                  <a:pos x="connsiteX2" y="connsiteY2"/>
+                </a:cxn>
+                <a:cxn ang="0">
+                  <a:pos x="connsiteX3" y="connsiteY3"/>
+                </a:cxn>
+                <a:cxn ang="0">
+                  <a:pos x="connsiteX4" y="connsiteY4"/>
+                </a:cxn>
+                <a:cxn ang="0">
+                  <a:pos x="connsiteX5" y="connsiteY5"/>
+                </a:cxn>
+                <a:cxn ang="0">
+                  <a:pos x="connsiteX6" y="connsiteY6"/>
+                </a:cxn>
+                <a:cxn ang="0">
+                  <a:pos x="connsiteX7" y="connsiteY7"/>
+                </a:cxn>
+                <a:cxn ang="0">
+                  <a:pos x="connsiteX8" y="connsiteY8"/>
+                </a:cxn>
+              </a:cxnLst>
+              <a:rect l="l" t="t" r="r" b="b"/>
+              <a:pathLst>
+                <a:path w="2216067" h="1551175">
+                  <a:moveTo>
+                    <a:pt x="0" y="258581"/>
+                  </a:moveTo>
+                  <a:cubicBezTo>
+                    <a:pt x="0" y="115771"/>
+                    <a:pt x="115771" y="0"/>
+                    <a:pt x="258581" y="0"/>
+                  </a:cubicBezTo>
+                  <a:lnTo>
+                    <a:pt x="1957486" y="0"/>
+                  </a:lnTo>
+                  <a:cubicBezTo>
+                    <a:pt x="2100296" y="0"/>
+                    <a:pt x="2216067" y="115771"/>
+                    <a:pt x="2216067" y="258581"/>
+                  </a:cubicBezTo>
+                  <a:lnTo>
+                    <a:pt x="2216067" y="1292594"/>
+                  </a:lnTo>
+                  <a:cubicBezTo>
+                    <a:pt x="2216067" y="1435404"/>
+                    <a:pt x="2100296" y="1551175"/>
+                    <a:pt x="1957486" y="1551175"/>
+                  </a:cubicBezTo>
+                  <a:lnTo>
+                    <a:pt x="258581" y="1551175"/>
+                  </a:lnTo>
+                  <a:cubicBezTo>
+                    <a:pt x="115771" y="1551175"/>
+                    <a:pt x="0" y="1435404"/>
+                    <a:pt x="0" y="1292594"/>
+                  </a:cubicBezTo>
+                  <a:lnTo>
+                    <a:pt x="0" y="258581"/>
+                  </a:lnTo>
+                  <a:close/>
+                </a:path>
+              </a:pathLst>
+            </a:custGeom>
+          </p:spPr>
+          <p:style>
+            <a:lnRef idx="2">
+              <a:schemeClr val="lt1">
+                <a:hueOff val="0"/>
+                <a:satOff val="0"/>
+                <a:lumOff val="0"/>
+                <a:alphaOff val="0"/>
+              </a:schemeClr>
+            </a:lnRef>
+            <a:fillRef idx="1">
+              <a:schemeClr val="accent1">
+                <a:hueOff val="0"/>
+                <a:satOff val="0"/>
+                <a:lumOff val="0"/>
+                <a:alphaOff val="0"/>
+              </a:schemeClr>
+            </a:fillRef>
+            <a:effectRef idx="0">
+              <a:schemeClr val="accent1">
+                <a:hueOff val="0"/>
+                <a:satOff val="0"/>
+                <a:lumOff val="0"/>
+                <a:alphaOff val="0"/>
+              </a:schemeClr>
+            </a:effectRef>
+            <a:fontRef idx="minor">
+              <a:schemeClr val="lt1"/>
+            </a:fontRef>
+          </p:style>
+          <p:txBody>
+            <a:bodyPr spcFirstLastPara="0" vert="horz" wrap="square" lIns="163366" tIns="163366" rIns="163366" bIns="163366" numCol="1" spcCol="1270" anchor="ctr" anchorCtr="0">
+              <a:noAutofit/>
+            </a:bodyPr>
+            <a:lstStyle/>
+            <a:p>
+              <a:pPr marL="0" lvl="0" indent="0" algn="ctr" defTabSz="1022350" rtl="0">
+                <a:lnSpc>
+                  <a:spcPct val="90000"/>
+                </a:lnSpc>
+                <a:spcBef>
+                  <a:spcPct val="0"/>
+                </a:spcBef>
+                <a:spcAft>
+                  <a:spcPct val="35000"/>
+                </a:spcAft>
+                <a:buNone/>
+              </a:pPr>
+              <a:r>
+                <a:rPr lang="pl-PL" sz="2300" kern="1200" dirty="0"/>
+                <a:t>Ludyczność</a:t>
+              </a:r>
+            </a:p>
+          </p:txBody>
+        </p:sp>
+        <p:sp>
+          <p:nvSpPr>
+            <p:cNvPr id="6" name="Freeform 5">
+              <a:extLst>
+                <a:ext uri="{FF2B5EF4-FFF2-40B4-BE49-F238E27FC236}">
+                  <a16:creationId xmlns:a16="http://schemas.microsoft.com/office/drawing/2014/main" id="{3877DC0C-8545-8344-9566-4824A2F1AFEF}"/>
+                </a:ext>
+              </a:extLst>
+            </p:cNvPr>
+            <p:cNvSpPr/>
+            <p:nvPr/>
+          </p:nvSpPr>
+          <p:spPr>
+            <a:xfrm>
+              <a:off x="3642121" y="187630"/>
+              <a:ext cx="4177575" cy="1253728"/>
+            </a:xfrm>
+            <a:custGeom>
+              <a:avLst/>
+              <a:gdLst>
+                <a:gd name="connsiteX0" fmla="*/ 0 w 1611756"/>
+                <a:gd name="connsiteY0" fmla="*/ 0 h 1253728"/>
+                <a:gd name="connsiteX1" fmla="*/ 1611756 w 1611756"/>
+                <a:gd name="connsiteY1" fmla="*/ 0 h 1253728"/>
+                <a:gd name="connsiteX2" fmla="*/ 1611756 w 1611756"/>
+                <a:gd name="connsiteY2" fmla="*/ 1253728 h 1253728"/>
+                <a:gd name="connsiteX3" fmla="*/ 0 w 1611756"/>
+                <a:gd name="connsiteY3" fmla="*/ 1253728 h 1253728"/>
+                <a:gd name="connsiteX4" fmla="*/ 0 w 1611756"/>
+                <a:gd name="connsiteY4" fmla="*/ 0 h 1253728"/>
+              </a:gdLst>
+              <a:ahLst/>
+              <a:cxnLst>
+                <a:cxn ang="0">
+                  <a:pos x="connsiteX0" y="connsiteY0"/>
+                </a:cxn>
+                <a:cxn ang="0">
+                  <a:pos x="connsiteX1" y="connsiteY1"/>
+                </a:cxn>
+                <a:cxn ang="0">
+                  <a:pos x="connsiteX2" y="connsiteY2"/>
+                </a:cxn>
+                <a:cxn ang="0">
+                  <a:pos x="connsiteX3" y="connsiteY3"/>
+                </a:cxn>
+                <a:cxn ang="0">
+                  <a:pos x="connsiteX4" y="connsiteY4"/>
+                </a:cxn>
+              </a:cxnLst>
+              <a:rect l="l" t="t" r="r" b="b"/>
+              <a:pathLst>
+                <a:path w="1611756" h="1253728">
+                  <a:moveTo>
+                    <a:pt x="0" y="0"/>
+                  </a:moveTo>
+                  <a:lnTo>
+                    <a:pt x="1611756" y="0"/>
+                  </a:lnTo>
+                  <a:lnTo>
+                    <a:pt x="1611756" y="1253728"/>
+                  </a:lnTo>
+                  <a:lnTo>
+                    <a:pt x="0" y="1253728"/>
+                  </a:lnTo>
+                  <a:lnTo>
+                    <a:pt x="0" y="0"/>
+                  </a:lnTo>
+                  <a:close/>
+                </a:path>
+              </a:pathLst>
+            </a:custGeom>
+          </p:spPr>
+          <p:style>
+            <a:lnRef idx="0">
+              <a:schemeClr val="dk1">
+                <a:alpha val="0"/>
+                <a:hueOff val="0"/>
+                <a:satOff val="0"/>
+                <a:lumOff val="0"/>
+                <a:alphaOff val="0"/>
+              </a:schemeClr>
+            </a:lnRef>
+            <a:fillRef idx="0">
+              <a:schemeClr val="lt1">
+                <a:alpha val="0"/>
+                <a:hueOff val="0"/>
+                <a:satOff val="0"/>
+                <a:lumOff val="0"/>
+                <a:alphaOff val="0"/>
+              </a:schemeClr>
+            </a:fillRef>
+            <a:effectRef idx="0">
+              <a:schemeClr val="lt1">
+                <a:alpha val="0"/>
+                <a:hueOff val="0"/>
+                <a:satOff val="0"/>
+                <a:lumOff val="0"/>
+                <a:alphaOff val="0"/>
+              </a:schemeClr>
+            </a:effectRef>
+            <a:fontRef idx="minor">
+              <a:schemeClr val="tx1">
+                <a:hueOff val="0"/>
+                <a:satOff val="0"/>
+                <a:lumOff val="0"/>
+                <a:alphaOff val="0"/>
+              </a:schemeClr>
+            </a:fontRef>
+          </p:style>
+          <p:txBody>
+            <a:bodyPr spcFirstLastPara="0" vert="horz" wrap="square" lIns="38100" tIns="38100" rIns="38100" bIns="38100" numCol="1" spcCol="1270" anchor="ctr" anchorCtr="0">
+              <a:noAutofit/>
+            </a:bodyPr>
+            <a:lstStyle/>
+            <a:p>
+              <a:pPr marL="228600" lvl="1" indent="-228600" algn="l" defTabSz="355600">
+                <a:lnSpc>
+                  <a:spcPct val="90000"/>
+                </a:lnSpc>
+                <a:spcBef>
+                  <a:spcPct val="0"/>
+                </a:spcBef>
+                <a:spcAft>
+                  <a:spcPct val="15000"/>
+                </a:spcAft>
+                <a:buAutoNum type="arabicPeriod"/>
+              </a:pPr>
+              <a:r>
+                <a:rPr lang="en-GB" sz="1600" kern="1200" dirty="0" err="1"/>
+                <a:t>Wg</a:t>
+              </a:r>
+              <a:r>
+                <a:rPr lang="en-GB" sz="1600" kern="1200" dirty="0"/>
+                <a:t> </a:t>
+              </a:r>
+              <a:r>
+                <a:rPr lang="en-GB" sz="1600" kern="1200" dirty="0" err="1"/>
+                <a:t>wikipedia</a:t>
+              </a:r>
+              <a:r>
+                <a:rPr lang="en-GB" sz="1600" kern="1200" dirty="0"/>
+                <a:t>: "</a:t>
+              </a:r>
+              <a:r>
+                <a:rPr lang="en-GB" sz="1600" kern="1200" dirty="0" err="1"/>
+                <a:t>Cecha</a:t>
+              </a:r>
+              <a:r>
+                <a:rPr lang="en-GB" sz="1600" kern="1200" dirty="0"/>
+                <a:t> </a:t>
+              </a:r>
+              <a:r>
+                <a:rPr lang="en-GB" sz="1600" kern="1200" dirty="0" err="1"/>
+                <a:t>literatury</a:t>
+              </a:r>
+              <a:r>
+                <a:rPr lang="en-GB" sz="1600" kern="1200" dirty="0"/>
+                <a:t> </a:t>
+              </a:r>
+              <a:r>
+                <a:rPr lang="en-GB" sz="1600" kern="1200" dirty="0" err="1"/>
+                <a:t>pięknej</a:t>
+              </a:r>
+              <a:r>
+                <a:rPr lang="en-GB" sz="1600" kern="1200" dirty="0"/>
+                <a:t> </a:t>
+              </a:r>
+              <a:r>
+                <a:rPr lang="en-GB" sz="1600" kern="1200" dirty="0" err="1"/>
+                <a:t>polegająca</a:t>
+              </a:r>
+              <a:r>
+                <a:rPr lang="en-GB" sz="1600" kern="1200" dirty="0"/>
+                <a:t> </a:t>
+              </a:r>
+              <a:r>
+                <a:rPr lang="en-GB" sz="1600" kern="1200" dirty="0" err="1"/>
+                <a:t>na</a:t>
+              </a:r>
+              <a:r>
+                <a:rPr lang="en-GB" sz="1600" kern="1200" dirty="0"/>
+                <a:t> </a:t>
+              </a:r>
+              <a:r>
+                <a:rPr lang="en-GB" sz="1600" kern="1200" dirty="0" err="1"/>
+                <a:t>jej</a:t>
+              </a:r>
+              <a:r>
+                <a:rPr lang="en-GB" sz="1600" kern="1200" dirty="0"/>
+                <a:t> </a:t>
+              </a:r>
+              <a:r>
+                <a:rPr lang="en-GB" sz="1600" kern="1200" dirty="0" err="1"/>
+                <a:t>zdolności</a:t>
+              </a:r>
+              <a:r>
+                <a:rPr lang="en-GB" sz="1600" kern="1200" dirty="0"/>
+                <a:t> do </a:t>
+              </a:r>
+              <a:r>
+                <a:rPr lang="en-GB" sz="1600" kern="1200" dirty="0" err="1"/>
+                <a:t>zaspokajania</a:t>
+              </a:r>
+              <a:r>
+                <a:rPr lang="en-GB" sz="1600" kern="1200" dirty="0"/>
+                <a:t> </a:t>
+              </a:r>
+              <a:r>
+                <a:rPr lang="en-GB" sz="1600" kern="1200" dirty="0" err="1"/>
+                <a:t>potrzeby</a:t>
+              </a:r>
+              <a:r>
+                <a:rPr lang="en-GB" sz="1600" kern="1200" dirty="0"/>
+                <a:t> </a:t>
+              </a:r>
+              <a:r>
+                <a:rPr lang="en-GB" sz="1600" kern="1200" dirty="0" err="1"/>
+                <a:t>rozrywki</a:t>
+              </a:r>
+              <a:r>
+                <a:rPr lang="en-GB" sz="1600" kern="1200" dirty="0"/>
+                <a:t>. Jest </a:t>
+              </a:r>
+              <a:r>
+                <a:rPr lang="en-GB" sz="1600" kern="1200" dirty="0" err="1"/>
+                <a:t>główną</a:t>
+              </a:r>
+              <a:r>
+                <a:rPr lang="en-GB" sz="1600" kern="1200" dirty="0"/>
+                <a:t> </a:t>
+              </a:r>
+              <a:r>
+                <a:rPr lang="en-GB" sz="1600" kern="1200" dirty="0" err="1"/>
+                <a:t>cechą</a:t>
+              </a:r>
+              <a:r>
+                <a:rPr lang="en-GB" sz="1600" kern="1200" dirty="0"/>
+                <a:t> </a:t>
+              </a:r>
+              <a:r>
+                <a:rPr lang="en-GB" sz="1600" kern="1200" dirty="0" err="1"/>
+                <a:t>kultury</a:t>
+              </a:r>
+              <a:r>
+                <a:rPr lang="en-GB" sz="1600" kern="1200" dirty="0"/>
+                <a:t> </a:t>
+              </a:r>
+              <a:r>
+                <a:rPr lang="en-GB" sz="1600" kern="1200" dirty="0" err="1"/>
+                <a:t>masowej</a:t>
+              </a:r>
+              <a:r>
+                <a:rPr lang="en-GB" sz="1600" kern="1200" dirty="0"/>
+                <a:t>”</a:t>
+              </a:r>
+              <a:endParaRPr lang="en-GB" sz="1600" dirty="0"/>
+            </a:p>
+            <a:p>
+              <a:pPr marL="228600" lvl="1" indent="-228600" algn="l" defTabSz="355600">
+                <a:lnSpc>
+                  <a:spcPct val="90000"/>
+                </a:lnSpc>
+                <a:spcBef>
+                  <a:spcPct val="0"/>
+                </a:spcBef>
+                <a:spcAft>
+                  <a:spcPct val="15000"/>
+                </a:spcAft>
+                <a:buAutoNum type="arabicPeriod"/>
+              </a:pPr>
+              <a:r>
+                <a:rPr lang="en-GB" sz="1600" kern="1200" dirty="0" err="1"/>
+                <a:t>Badana</a:t>
+              </a:r>
+              <a:r>
+                <a:rPr lang="en-GB" sz="1600" kern="1200" dirty="0"/>
+                <a:t> w </a:t>
+              </a:r>
+              <a:r>
+                <a:rPr lang="en-GB" sz="1600" kern="1200" dirty="0" err="1"/>
+                <a:t>obrębie</a:t>
+              </a:r>
+              <a:r>
+                <a:rPr lang="en-GB" sz="1600" kern="1200" dirty="0"/>
+                <a:t> </a:t>
+              </a:r>
+              <a:r>
+                <a:rPr lang="en-GB" sz="1600" kern="1200" dirty="0" err="1"/>
+                <a:t>nauk</a:t>
+              </a:r>
+              <a:r>
+                <a:rPr lang="en-GB" sz="1600" kern="1200" dirty="0"/>
+                <a:t> </a:t>
+              </a:r>
+              <a:r>
+                <a:rPr lang="en-GB" sz="1600" kern="1200" dirty="0" err="1"/>
+                <a:t>humanistycznych</a:t>
+              </a:r>
+              <a:endParaRPr lang="en-GB" sz="1600" kern="1200" dirty="0"/>
+            </a:p>
+          </p:txBody>
+        </p:sp>
+        <p:sp>
+          <p:nvSpPr>
+            <p:cNvPr id="8" name="Bent Up Arrow 7">
+              <a:extLst>
+                <a:ext uri="{FF2B5EF4-FFF2-40B4-BE49-F238E27FC236}">
+                  <a16:creationId xmlns:a16="http://schemas.microsoft.com/office/drawing/2014/main" id="{A13D4BBF-43DF-3948-A0F8-B3CE62A3DDA6}"/>
+                </a:ext>
+              </a:extLst>
+            </p:cNvPr>
+            <p:cNvSpPr/>
+            <p:nvPr/>
+          </p:nvSpPr>
+          <p:spPr>
+            <a:xfrm rot="5400000">
+              <a:off x="3612180" y="3241443"/>
+              <a:ext cx="1316414" cy="1498691"/>
+            </a:xfrm>
+            <a:prstGeom prst="bentUpArrow">
+              <a:avLst>
+                <a:gd name="adj1" fmla="val 32840"/>
+                <a:gd name="adj2" fmla="val 25000"/>
+                <a:gd name="adj3" fmla="val 35780"/>
+              </a:avLst>
+            </a:prstGeom>
+          </p:spPr>
+          <p:style>
+            <a:lnRef idx="2">
+              <a:schemeClr val="lt1">
+                <a:hueOff val="0"/>
+                <a:satOff val="0"/>
+                <a:lumOff val="0"/>
+                <a:alphaOff val="0"/>
+              </a:schemeClr>
+            </a:lnRef>
+            <a:fillRef idx="1">
+              <a:schemeClr val="accent1">
+                <a:tint val="50000"/>
+                <a:hueOff val="0"/>
+                <a:satOff val="0"/>
+                <a:lumOff val="0"/>
+                <a:alphaOff val="0"/>
+              </a:schemeClr>
+            </a:fillRef>
+            <a:effectRef idx="0">
+              <a:schemeClr val="accent1">
+                <a:tint val="50000"/>
+                <a:hueOff val="0"/>
+                <a:satOff val="0"/>
+                <a:lumOff val="0"/>
+                <a:alphaOff val="0"/>
+              </a:schemeClr>
+            </a:effectRef>
+            <a:fontRef idx="minor">
+              <a:schemeClr val="lt1">
+                <a:hueOff val="0"/>
+                <a:satOff val="0"/>
+                <a:lumOff val="0"/>
+                <a:alphaOff val="0"/>
+              </a:schemeClr>
+            </a:fontRef>
+          </p:style>
+        </p:sp>
+        <p:sp>
+          <p:nvSpPr>
+            <p:cNvPr id="9" name="Freeform 8">
+              <a:extLst>
+                <a:ext uri="{FF2B5EF4-FFF2-40B4-BE49-F238E27FC236}">
+                  <a16:creationId xmlns:a16="http://schemas.microsoft.com/office/drawing/2014/main" id="{AABFD95C-DA2B-2E48-9CDE-B28FEBDB79C2}"/>
+                </a:ext>
+              </a:extLst>
+            </p:cNvPr>
+            <p:cNvSpPr/>
+            <p:nvPr/>
+          </p:nvSpPr>
+          <p:spPr>
+            <a:xfrm>
+              <a:off x="3263410" y="1782171"/>
+              <a:ext cx="2216067" cy="1551175"/>
+            </a:xfrm>
+            <a:custGeom>
+              <a:avLst/>
+              <a:gdLst>
+                <a:gd name="connsiteX0" fmla="*/ 0 w 2216067"/>
+                <a:gd name="connsiteY0" fmla="*/ 258581 h 1551175"/>
+                <a:gd name="connsiteX1" fmla="*/ 258581 w 2216067"/>
+                <a:gd name="connsiteY1" fmla="*/ 0 h 1551175"/>
+                <a:gd name="connsiteX2" fmla="*/ 1957486 w 2216067"/>
+                <a:gd name="connsiteY2" fmla="*/ 0 h 1551175"/>
+                <a:gd name="connsiteX3" fmla="*/ 2216067 w 2216067"/>
+                <a:gd name="connsiteY3" fmla="*/ 258581 h 1551175"/>
+                <a:gd name="connsiteX4" fmla="*/ 2216067 w 2216067"/>
+                <a:gd name="connsiteY4" fmla="*/ 1292594 h 1551175"/>
+                <a:gd name="connsiteX5" fmla="*/ 1957486 w 2216067"/>
+                <a:gd name="connsiteY5" fmla="*/ 1551175 h 1551175"/>
+                <a:gd name="connsiteX6" fmla="*/ 258581 w 2216067"/>
+                <a:gd name="connsiteY6" fmla="*/ 1551175 h 1551175"/>
+                <a:gd name="connsiteX7" fmla="*/ 0 w 2216067"/>
+                <a:gd name="connsiteY7" fmla="*/ 1292594 h 1551175"/>
+                <a:gd name="connsiteX8" fmla="*/ 0 w 2216067"/>
+                <a:gd name="connsiteY8" fmla="*/ 258581 h 1551175"/>
+              </a:gdLst>
+              <a:ahLst/>
+              <a:cxnLst>
+                <a:cxn ang="0">
+                  <a:pos x="connsiteX0" y="connsiteY0"/>
+                </a:cxn>
+                <a:cxn ang="0">
+                  <a:pos x="connsiteX1" y="connsiteY1"/>
+                </a:cxn>
+                <a:cxn ang="0">
+                  <a:pos x="connsiteX2" y="connsiteY2"/>
+                </a:cxn>
+                <a:cxn ang="0">
+                  <a:pos x="connsiteX3" y="connsiteY3"/>
+                </a:cxn>
+                <a:cxn ang="0">
+                  <a:pos x="connsiteX4" y="connsiteY4"/>
+                </a:cxn>
+                <a:cxn ang="0">
+                  <a:pos x="connsiteX5" y="connsiteY5"/>
+                </a:cxn>
+                <a:cxn ang="0">
+                  <a:pos x="connsiteX6" y="connsiteY6"/>
+                </a:cxn>
+                <a:cxn ang="0">
+                  <a:pos x="connsiteX7" y="connsiteY7"/>
+                </a:cxn>
+                <a:cxn ang="0">
+                  <a:pos x="connsiteX8" y="connsiteY8"/>
+                </a:cxn>
+              </a:cxnLst>
+              <a:rect l="l" t="t" r="r" b="b"/>
+              <a:pathLst>
+                <a:path w="2216067" h="1551175">
+                  <a:moveTo>
+                    <a:pt x="0" y="258581"/>
+                  </a:moveTo>
+                  <a:cubicBezTo>
+                    <a:pt x="0" y="115771"/>
+                    <a:pt x="115771" y="0"/>
+                    <a:pt x="258581" y="0"/>
+                  </a:cubicBezTo>
+                  <a:lnTo>
+                    <a:pt x="1957486" y="0"/>
+                  </a:lnTo>
+                  <a:cubicBezTo>
+                    <a:pt x="2100296" y="0"/>
+                    <a:pt x="2216067" y="115771"/>
+                    <a:pt x="2216067" y="258581"/>
+                  </a:cubicBezTo>
+                  <a:lnTo>
+                    <a:pt x="2216067" y="1292594"/>
+                  </a:lnTo>
+                  <a:cubicBezTo>
+                    <a:pt x="2216067" y="1435404"/>
+                    <a:pt x="2100296" y="1551175"/>
+                    <a:pt x="1957486" y="1551175"/>
+                  </a:cubicBezTo>
+                  <a:lnTo>
+                    <a:pt x="258581" y="1551175"/>
+                  </a:lnTo>
+                  <a:cubicBezTo>
+                    <a:pt x="115771" y="1551175"/>
+                    <a:pt x="0" y="1435404"/>
+                    <a:pt x="0" y="1292594"/>
+                  </a:cubicBezTo>
+                  <a:lnTo>
+                    <a:pt x="0" y="258581"/>
+                  </a:lnTo>
+                  <a:close/>
+                </a:path>
+              </a:pathLst>
+            </a:custGeom>
+          </p:spPr>
+          <p:style>
+            <a:lnRef idx="2">
+              <a:schemeClr val="lt1">
+                <a:hueOff val="0"/>
+                <a:satOff val="0"/>
+                <a:lumOff val="0"/>
+                <a:alphaOff val="0"/>
+              </a:schemeClr>
+            </a:lnRef>
+            <a:fillRef idx="1">
+              <a:schemeClr val="accent1">
+                <a:hueOff val="0"/>
+                <a:satOff val="0"/>
+                <a:lumOff val="0"/>
+                <a:alphaOff val="0"/>
+              </a:schemeClr>
+            </a:fillRef>
+            <a:effectRef idx="0">
+              <a:schemeClr val="accent1">
+                <a:hueOff val="0"/>
+                <a:satOff val="0"/>
+                <a:lumOff val="0"/>
+                <a:alphaOff val="0"/>
+              </a:schemeClr>
+            </a:effectRef>
+            <a:fontRef idx="minor">
+              <a:schemeClr val="lt1"/>
+            </a:fontRef>
+          </p:style>
+          <p:txBody>
+            <a:bodyPr spcFirstLastPara="0" vert="horz" wrap="square" lIns="163366" tIns="163366" rIns="163366" bIns="163366" numCol="1" spcCol="1270" anchor="ctr" anchorCtr="0">
+              <a:noAutofit/>
+            </a:bodyPr>
+            <a:lstStyle/>
+            <a:p>
+              <a:pPr marL="0" lvl="0" indent="0" algn="ctr" defTabSz="1022350" rtl="0">
+                <a:lnSpc>
+                  <a:spcPct val="90000"/>
+                </a:lnSpc>
+                <a:spcBef>
+                  <a:spcPct val="0"/>
+                </a:spcBef>
+                <a:spcAft>
+                  <a:spcPct val="35000"/>
+                </a:spcAft>
+                <a:buNone/>
+              </a:pPr>
+              <a:r>
+                <a:rPr lang="pl-PL" sz="2300" kern="1200" dirty="0"/>
+                <a:t>Gry (komputerowe)</a:t>
+              </a:r>
+            </a:p>
+          </p:txBody>
+        </p:sp>
+        <p:sp>
+          <p:nvSpPr>
+            <p:cNvPr id="10" name="Freeform 9">
+              <a:extLst>
+                <a:ext uri="{FF2B5EF4-FFF2-40B4-BE49-F238E27FC236}">
+                  <a16:creationId xmlns:a16="http://schemas.microsoft.com/office/drawing/2014/main" id="{B96D0BE3-649F-524E-9D8A-CDA1DC9609D8}"/>
+                </a:ext>
+              </a:extLst>
+            </p:cNvPr>
+            <p:cNvSpPr/>
+            <p:nvPr/>
+          </p:nvSpPr>
+          <p:spPr>
+            <a:xfrm>
+              <a:off x="5479476" y="1930111"/>
+              <a:ext cx="3958813" cy="1253728"/>
+            </a:xfrm>
+            <a:custGeom>
+              <a:avLst/>
+              <a:gdLst>
+                <a:gd name="connsiteX0" fmla="*/ 0 w 1611756"/>
+                <a:gd name="connsiteY0" fmla="*/ 0 h 1253728"/>
+                <a:gd name="connsiteX1" fmla="*/ 1611756 w 1611756"/>
+                <a:gd name="connsiteY1" fmla="*/ 0 h 1253728"/>
+                <a:gd name="connsiteX2" fmla="*/ 1611756 w 1611756"/>
+                <a:gd name="connsiteY2" fmla="*/ 1253728 h 1253728"/>
+                <a:gd name="connsiteX3" fmla="*/ 0 w 1611756"/>
+                <a:gd name="connsiteY3" fmla="*/ 1253728 h 1253728"/>
+                <a:gd name="connsiteX4" fmla="*/ 0 w 1611756"/>
+                <a:gd name="connsiteY4" fmla="*/ 0 h 1253728"/>
+              </a:gdLst>
+              <a:ahLst/>
+              <a:cxnLst>
+                <a:cxn ang="0">
+                  <a:pos x="connsiteX0" y="connsiteY0"/>
+                </a:cxn>
+                <a:cxn ang="0">
+                  <a:pos x="connsiteX1" y="connsiteY1"/>
+                </a:cxn>
+                <a:cxn ang="0">
+                  <a:pos x="connsiteX2" y="connsiteY2"/>
+                </a:cxn>
+                <a:cxn ang="0">
+                  <a:pos x="connsiteX3" y="connsiteY3"/>
+                </a:cxn>
+                <a:cxn ang="0">
+                  <a:pos x="connsiteX4" y="connsiteY4"/>
+                </a:cxn>
+              </a:cxnLst>
+              <a:rect l="l" t="t" r="r" b="b"/>
+              <a:pathLst>
+                <a:path w="1611756" h="1253728">
+                  <a:moveTo>
+                    <a:pt x="0" y="0"/>
+                  </a:moveTo>
+                  <a:lnTo>
+                    <a:pt x="1611756" y="0"/>
+                  </a:lnTo>
+                  <a:lnTo>
+                    <a:pt x="1611756" y="1253728"/>
+                  </a:lnTo>
+                  <a:lnTo>
+                    <a:pt x="0" y="1253728"/>
+                  </a:lnTo>
+                  <a:lnTo>
+                    <a:pt x="0" y="0"/>
+                  </a:lnTo>
+                  <a:close/>
+                </a:path>
+              </a:pathLst>
+            </a:custGeom>
+          </p:spPr>
+          <p:style>
+            <a:lnRef idx="0">
+              <a:schemeClr val="dk1">
+                <a:alpha val="0"/>
+                <a:hueOff val="0"/>
+                <a:satOff val="0"/>
+                <a:lumOff val="0"/>
+                <a:alphaOff val="0"/>
+              </a:schemeClr>
+            </a:lnRef>
+            <a:fillRef idx="0">
+              <a:schemeClr val="lt1">
+                <a:alpha val="0"/>
+                <a:hueOff val="0"/>
+                <a:satOff val="0"/>
+                <a:lumOff val="0"/>
+                <a:alphaOff val="0"/>
+              </a:schemeClr>
+            </a:fillRef>
+            <a:effectRef idx="0">
+              <a:schemeClr val="lt1">
+                <a:alpha val="0"/>
+                <a:hueOff val="0"/>
+                <a:satOff val="0"/>
+                <a:lumOff val="0"/>
+                <a:alphaOff val="0"/>
+              </a:schemeClr>
+            </a:effectRef>
+            <a:fontRef idx="minor">
+              <a:schemeClr val="tx1">
+                <a:hueOff val="0"/>
+                <a:satOff val="0"/>
+                <a:lumOff val="0"/>
+                <a:alphaOff val="0"/>
+              </a:schemeClr>
+            </a:fontRef>
+          </p:style>
+          <p:txBody>
+            <a:bodyPr spcFirstLastPara="0" vert="horz" wrap="square" lIns="38100" tIns="38100" rIns="38100" bIns="38100" numCol="1" spcCol="1270" anchor="ctr" anchorCtr="0">
+              <a:noAutofit/>
+            </a:bodyPr>
+            <a:lstStyle/>
+            <a:p>
+              <a:pPr marL="228600" lvl="1" indent="-228600" algn="l" defTabSz="355600" rtl="0">
+                <a:lnSpc>
+                  <a:spcPct val="90000"/>
+                </a:lnSpc>
+                <a:spcBef>
+                  <a:spcPct val="0"/>
+                </a:spcBef>
+                <a:spcAft>
+                  <a:spcPct val="15000"/>
+                </a:spcAft>
+                <a:buAutoNum type="arabicPeriod"/>
+              </a:pPr>
+              <a:r>
+                <a:rPr lang="en-GB" sz="1600" b="0" i="0" u="none" kern="1200" dirty="0" err="1"/>
+                <a:t>Doświadczenie</a:t>
+              </a:r>
+              <a:r>
+                <a:rPr lang="en-GB" sz="1600" b="0" i="0" u="none" kern="1200" dirty="0"/>
+                <a:t> </a:t>
+              </a:r>
+              <a:r>
+                <a:rPr lang="en-GB" sz="1600" b="0" i="0" u="none" kern="1200" dirty="0" err="1"/>
+                <a:t>zdobyte</a:t>
+              </a:r>
+              <a:r>
+                <a:rPr lang="en-GB" sz="1600" b="0" i="0" u="none" kern="1200" dirty="0"/>
+                <a:t> </a:t>
+              </a:r>
+              <a:r>
+                <a:rPr lang="en-GB" sz="1600" b="0" i="0" u="none" kern="1200" dirty="0" err="1"/>
+                <a:t>podczas</a:t>
+              </a:r>
+              <a:r>
+                <a:rPr lang="en-GB" sz="1600" b="0" i="0" u="none" kern="1200" dirty="0"/>
+                <a:t> </a:t>
+              </a:r>
+              <a:r>
+                <a:rPr lang="en-GB" sz="1600" b="0" i="0" u="none" kern="1200" dirty="0" err="1"/>
+                <a:t>tysięcy</a:t>
+              </a:r>
+              <a:r>
+                <a:rPr lang="en-GB" sz="1600" b="0" i="0" u="none" kern="1200" dirty="0"/>
+                <a:t> </a:t>
+              </a:r>
+              <a:r>
+                <a:rPr lang="en-GB" sz="1600" b="0" i="0" u="none" kern="1200" dirty="0" err="1"/>
+                <a:t>lat</a:t>
+              </a:r>
+              <a:r>
+                <a:rPr lang="en-GB" sz="1600" b="0" i="0" u="none" kern="1200" dirty="0"/>
+                <a:t> </a:t>
+              </a:r>
+              <a:r>
+                <a:rPr lang="en-GB" sz="1600" b="0" i="0" u="none" kern="1200" dirty="0" err="1"/>
+                <a:t>projektowania</a:t>
+              </a:r>
+              <a:r>
+                <a:rPr lang="en-GB" sz="1600" b="0" i="0" u="none" kern="1200" dirty="0"/>
+                <a:t> </a:t>
+              </a:r>
+              <a:r>
+                <a:rPr lang="en-GB" sz="1600" b="0" i="0" u="none" kern="1200" dirty="0" err="1"/>
+                <a:t>gier</a:t>
+              </a:r>
+              <a:endParaRPr lang="pl-PL" sz="1600" dirty="0"/>
+            </a:p>
+            <a:p>
+              <a:pPr marL="228600" lvl="1" indent="-228600" algn="l" defTabSz="355600" rtl="0">
+                <a:lnSpc>
+                  <a:spcPct val="90000"/>
+                </a:lnSpc>
+                <a:spcBef>
+                  <a:spcPct val="0"/>
+                </a:spcBef>
+                <a:spcAft>
+                  <a:spcPct val="15000"/>
+                </a:spcAft>
+                <a:buAutoNum type="arabicPeriod"/>
+              </a:pPr>
+              <a:r>
+                <a:rPr lang="en-GB" sz="1600" b="0" i="0" u="none" kern="1200" dirty="0" err="1"/>
+                <a:t>Gry</a:t>
+              </a:r>
+              <a:r>
+                <a:rPr lang="en-GB" sz="1600" b="0" i="0" u="none" kern="1200" dirty="0"/>
+                <a:t> </a:t>
+              </a:r>
+              <a:r>
+                <a:rPr lang="en-GB" sz="1600" b="0" i="0" u="none" kern="1200" dirty="0" err="1"/>
+                <a:t>komputerowe</a:t>
+              </a:r>
+              <a:r>
+                <a:rPr lang="en-GB" sz="1600" b="0" i="0" u="none" kern="1200" dirty="0"/>
+                <a:t> z </a:t>
+              </a:r>
+              <a:r>
+                <a:rPr lang="en-GB" sz="1600" b="0" i="0" u="none" kern="1200" dirty="0" err="1"/>
+                <a:t>dostępem</a:t>
+              </a:r>
+              <a:r>
+                <a:rPr lang="en-GB" sz="1600" b="0" i="0" u="none" kern="1200" dirty="0"/>
+                <a:t> do </a:t>
+              </a:r>
+              <a:r>
+                <a:rPr lang="en-GB" sz="1600" b="0" i="0" u="none" kern="1200" dirty="0" err="1"/>
+                <a:t>sieci</a:t>
+              </a:r>
+              <a:r>
+                <a:rPr lang="en-GB" sz="1600" b="0" i="0" u="none" kern="1200" dirty="0"/>
+                <a:t>: </a:t>
+              </a:r>
+              <a:r>
+                <a:rPr lang="en-GB" sz="1600" b="0" i="0" u="none" kern="1200" dirty="0" err="1"/>
+                <a:t>stosuje</a:t>
+              </a:r>
+              <a:r>
+                <a:rPr lang="en-GB" sz="1600" b="0" i="0" u="none" kern="1200" dirty="0"/>
+                <a:t> </a:t>
+              </a:r>
+              <a:r>
+                <a:rPr lang="en-GB" sz="1600" b="0" i="0" u="none" kern="1200" dirty="0" err="1"/>
+                <a:t>się</a:t>
+              </a:r>
+              <a:r>
+                <a:rPr lang="en-GB" sz="1600" b="0" i="0" u="none" kern="1200" dirty="0"/>
+                <a:t> testy A/B</a:t>
+              </a:r>
+            </a:p>
+          </p:txBody>
+        </p:sp>
+        <p:sp>
+          <p:nvSpPr>
+            <p:cNvPr id="11" name="Bent Up Arrow 10">
+              <a:extLst>
+                <a:ext uri="{FF2B5EF4-FFF2-40B4-BE49-F238E27FC236}">
+                  <a16:creationId xmlns:a16="http://schemas.microsoft.com/office/drawing/2014/main" id="{CD05BB33-03CD-BF47-A454-7BF1EBFFC120}"/>
+                </a:ext>
+              </a:extLst>
+            </p:cNvPr>
+            <p:cNvSpPr/>
+            <p:nvPr/>
+          </p:nvSpPr>
+          <p:spPr>
+            <a:xfrm rot="5400000">
+              <a:off x="5449535" y="4983925"/>
+              <a:ext cx="1316414" cy="1498691"/>
+            </a:xfrm>
+            <a:prstGeom prst="bentUpArrow">
+              <a:avLst>
+                <a:gd name="adj1" fmla="val 32840"/>
+                <a:gd name="adj2" fmla="val 25000"/>
+                <a:gd name="adj3" fmla="val 35780"/>
+              </a:avLst>
+            </a:prstGeom>
+          </p:spPr>
+          <p:style>
+            <a:lnRef idx="2">
+              <a:schemeClr val="lt1">
+                <a:hueOff val="0"/>
+                <a:satOff val="0"/>
+                <a:lumOff val="0"/>
+                <a:alphaOff val="0"/>
+              </a:schemeClr>
+            </a:lnRef>
+            <a:fillRef idx="1">
+              <a:schemeClr val="accent1">
+                <a:tint val="50000"/>
+                <a:hueOff val="0"/>
+                <a:satOff val="0"/>
+                <a:lumOff val="0"/>
+                <a:alphaOff val="0"/>
+              </a:schemeClr>
+            </a:fillRef>
+            <a:effectRef idx="0">
+              <a:schemeClr val="accent1">
+                <a:tint val="50000"/>
+                <a:hueOff val="0"/>
+                <a:satOff val="0"/>
+                <a:lumOff val="0"/>
+                <a:alphaOff val="0"/>
+              </a:schemeClr>
+            </a:effectRef>
+            <a:fontRef idx="minor">
+              <a:schemeClr val="lt1">
+                <a:hueOff val="0"/>
+                <a:satOff val="0"/>
+                <a:lumOff val="0"/>
+                <a:alphaOff val="0"/>
+              </a:schemeClr>
+            </a:fontRef>
+          </p:style>
+        </p:sp>
+        <p:sp>
+          <p:nvSpPr>
+            <p:cNvPr id="12" name="Freeform 11">
+              <a:extLst>
+                <a:ext uri="{FF2B5EF4-FFF2-40B4-BE49-F238E27FC236}">
+                  <a16:creationId xmlns:a16="http://schemas.microsoft.com/office/drawing/2014/main" id="{12CB22B9-C98C-3E4B-B990-56CF6F24ECFB}"/>
+                </a:ext>
+              </a:extLst>
+            </p:cNvPr>
+            <p:cNvSpPr/>
+            <p:nvPr/>
+          </p:nvSpPr>
+          <p:spPr>
+            <a:xfrm>
+              <a:off x="5100765" y="3524653"/>
+              <a:ext cx="2216067" cy="1551175"/>
+            </a:xfrm>
+            <a:custGeom>
+              <a:avLst/>
+              <a:gdLst>
+                <a:gd name="connsiteX0" fmla="*/ 0 w 2216067"/>
+                <a:gd name="connsiteY0" fmla="*/ 258581 h 1551175"/>
+                <a:gd name="connsiteX1" fmla="*/ 258581 w 2216067"/>
+                <a:gd name="connsiteY1" fmla="*/ 0 h 1551175"/>
+                <a:gd name="connsiteX2" fmla="*/ 1957486 w 2216067"/>
+                <a:gd name="connsiteY2" fmla="*/ 0 h 1551175"/>
+                <a:gd name="connsiteX3" fmla="*/ 2216067 w 2216067"/>
+                <a:gd name="connsiteY3" fmla="*/ 258581 h 1551175"/>
+                <a:gd name="connsiteX4" fmla="*/ 2216067 w 2216067"/>
+                <a:gd name="connsiteY4" fmla="*/ 1292594 h 1551175"/>
+                <a:gd name="connsiteX5" fmla="*/ 1957486 w 2216067"/>
+                <a:gd name="connsiteY5" fmla="*/ 1551175 h 1551175"/>
+                <a:gd name="connsiteX6" fmla="*/ 258581 w 2216067"/>
+                <a:gd name="connsiteY6" fmla="*/ 1551175 h 1551175"/>
+                <a:gd name="connsiteX7" fmla="*/ 0 w 2216067"/>
+                <a:gd name="connsiteY7" fmla="*/ 1292594 h 1551175"/>
+                <a:gd name="connsiteX8" fmla="*/ 0 w 2216067"/>
+                <a:gd name="connsiteY8" fmla="*/ 258581 h 1551175"/>
+              </a:gdLst>
+              <a:ahLst/>
+              <a:cxnLst>
+                <a:cxn ang="0">
+                  <a:pos x="connsiteX0" y="connsiteY0"/>
+                </a:cxn>
+                <a:cxn ang="0">
+                  <a:pos x="connsiteX1" y="connsiteY1"/>
+                </a:cxn>
+                <a:cxn ang="0">
+                  <a:pos x="connsiteX2" y="connsiteY2"/>
+                </a:cxn>
+                <a:cxn ang="0">
+                  <a:pos x="connsiteX3" y="connsiteY3"/>
+                </a:cxn>
+                <a:cxn ang="0">
+                  <a:pos x="connsiteX4" y="connsiteY4"/>
+                </a:cxn>
+                <a:cxn ang="0">
+                  <a:pos x="connsiteX5" y="connsiteY5"/>
+                </a:cxn>
+                <a:cxn ang="0">
+                  <a:pos x="connsiteX6" y="connsiteY6"/>
+                </a:cxn>
+                <a:cxn ang="0">
+                  <a:pos x="connsiteX7" y="connsiteY7"/>
+                </a:cxn>
+                <a:cxn ang="0">
+                  <a:pos x="connsiteX8" y="connsiteY8"/>
+                </a:cxn>
+              </a:cxnLst>
+              <a:rect l="l" t="t" r="r" b="b"/>
+              <a:pathLst>
+                <a:path w="2216067" h="1551175">
+                  <a:moveTo>
+                    <a:pt x="0" y="258581"/>
+                  </a:moveTo>
+                  <a:cubicBezTo>
+                    <a:pt x="0" y="115771"/>
+                    <a:pt x="115771" y="0"/>
+                    <a:pt x="258581" y="0"/>
+                  </a:cubicBezTo>
+                  <a:lnTo>
+                    <a:pt x="1957486" y="0"/>
+                  </a:lnTo>
+                  <a:cubicBezTo>
+                    <a:pt x="2100296" y="0"/>
+                    <a:pt x="2216067" y="115771"/>
+                    <a:pt x="2216067" y="258581"/>
+                  </a:cubicBezTo>
+                  <a:lnTo>
+                    <a:pt x="2216067" y="1292594"/>
+                  </a:lnTo>
+                  <a:cubicBezTo>
+                    <a:pt x="2216067" y="1435404"/>
+                    <a:pt x="2100296" y="1551175"/>
+                    <a:pt x="1957486" y="1551175"/>
+                  </a:cubicBezTo>
+                  <a:lnTo>
+                    <a:pt x="258581" y="1551175"/>
+                  </a:lnTo>
+                  <a:cubicBezTo>
+                    <a:pt x="115771" y="1551175"/>
+                    <a:pt x="0" y="1435404"/>
+                    <a:pt x="0" y="1292594"/>
+                  </a:cubicBezTo>
+                  <a:lnTo>
+                    <a:pt x="0" y="258581"/>
+                  </a:lnTo>
+                  <a:close/>
+                </a:path>
+              </a:pathLst>
+            </a:custGeom>
+          </p:spPr>
+          <p:style>
+            <a:lnRef idx="2">
+              <a:schemeClr val="lt1">
+                <a:hueOff val="0"/>
+                <a:satOff val="0"/>
+                <a:lumOff val="0"/>
+                <a:alphaOff val="0"/>
+              </a:schemeClr>
+            </a:lnRef>
+            <a:fillRef idx="1">
+              <a:schemeClr val="accent1">
+                <a:hueOff val="0"/>
+                <a:satOff val="0"/>
+                <a:lumOff val="0"/>
+                <a:alphaOff val="0"/>
+              </a:schemeClr>
+            </a:fillRef>
+            <a:effectRef idx="0">
+              <a:schemeClr val="accent1">
+                <a:hueOff val="0"/>
+                <a:satOff val="0"/>
+                <a:lumOff val="0"/>
+                <a:alphaOff val="0"/>
+              </a:schemeClr>
+            </a:effectRef>
+            <a:fontRef idx="minor">
+              <a:schemeClr val="lt1"/>
+            </a:fontRef>
+          </p:style>
+          <p:txBody>
+            <a:bodyPr spcFirstLastPara="0" vert="horz" wrap="square" lIns="163366" tIns="163366" rIns="163366" bIns="163366" numCol="1" spcCol="1270" anchor="ctr" anchorCtr="0">
+              <a:noAutofit/>
+            </a:bodyPr>
+            <a:lstStyle/>
+            <a:p>
+              <a:pPr marL="0" lvl="0" indent="0" algn="ctr" defTabSz="1022350" rtl="0">
+                <a:lnSpc>
+                  <a:spcPct val="90000"/>
+                </a:lnSpc>
+                <a:spcBef>
+                  <a:spcPct val="0"/>
+                </a:spcBef>
+                <a:spcAft>
+                  <a:spcPct val="35000"/>
+                </a:spcAft>
+                <a:buNone/>
+              </a:pPr>
+              <a:r>
+                <a:rPr lang="pl-PL" sz="2300" kern="1200" dirty="0"/>
+                <a:t>Gamifikacja</a:t>
+              </a:r>
+            </a:p>
+          </p:txBody>
+        </p:sp>
+        <p:sp>
+          <p:nvSpPr>
+            <p:cNvPr id="13" name="Freeform 12">
+              <a:extLst>
+                <a:ext uri="{FF2B5EF4-FFF2-40B4-BE49-F238E27FC236}">
+                  <a16:creationId xmlns:a16="http://schemas.microsoft.com/office/drawing/2014/main" id="{0F227B78-52F3-B547-927C-D66C7D9B309D}"/>
+                </a:ext>
+              </a:extLst>
+            </p:cNvPr>
+            <p:cNvSpPr/>
+            <p:nvPr/>
+          </p:nvSpPr>
+          <p:spPr>
+            <a:xfrm>
+              <a:off x="7316831" y="3429000"/>
+              <a:ext cx="4128933" cy="1836567"/>
+            </a:xfrm>
+            <a:custGeom>
+              <a:avLst/>
+              <a:gdLst>
+                <a:gd name="connsiteX0" fmla="*/ 0 w 1611756"/>
+                <a:gd name="connsiteY0" fmla="*/ 0 h 1253728"/>
+                <a:gd name="connsiteX1" fmla="*/ 1611756 w 1611756"/>
+                <a:gd name="connsiteY1" fmla="*/ 0 h 1253728"/>
+                <a:gd name="connsiteX2" fmla="*/ 1611756 w 1611756"/>
+                <a:gd name="connsiteY2" fmla="*/ 1253728 h 1253728"/>
+                <a:gd name="connsiteX3" fmla="*/ 0 w 1611756"/>
+                <a:gd name="connsiteY3" fmla="*/ 1253728 h 1253728"/>
+                <a:gd name="connsiteX4" fmla="*/ 0 w 1611756"/>
+                <a:gd name="connsiteY4" fmla="*/ 0 h 1253728"/>
+              </a:gdLst>
+              <a:ahLst/>
+              <a:cxnLst>
+                <a:cxn ang="0">
+                  <a:pos x="connsiteX0" y="connsiteY0"/>
+                </a:cxn>
+                <a:cxn ang="0">
+                  <a:pos x="connsiteX1" y="connsiteY1"/>
+                </a:cxn>
+                <a:cxn ang="0">
+                  <a:pos x="connsiteX2" y="connsiteY2"/>
+                </a:cxn>
+                <a:cxn ang="0">
+                  <a:pos x="connsiteX3" y="connsiteY3"/>
+                </a:cxn>
+                <a:cxn ang="0">
+                  <a:pos x="connsiteX4" y="connsiteY4"/>
+                </a:cxn>
+              </a:cxnLst>
+              <a:rect l="l" t="t" r="r" b="b"/>
+              <a:pathLst>
+                <a:path w="1611756" h="1253728">
+                  <a:moveTo>
+                    <a:pt x="0" y="0"/>
+                  </a:moveTo>
+                  <a:lnTo>
+                    <a:pt x="1611756" y="0"/>
+                  </a:lnTo>
+                  <a:lnTo>
+                    <a:pt x="1611756" y="1253728"/>
+                  </a:lnTo>
+                  <a:lnTo>
+                    <a:pt x="0" y="1253728"/>
+                  </a:lnTo>
+                  <a:lnTo>
+                    <a:pt x="0" y="0"/>
+                  </a:lnTo>
+                  <a:close/>
+                </a:path>
+              </a:pathLst>
+            </a:custGeom>
+          </p:spPr>
+          <p:style>
+            <a:lnRef idx="0">
+              <a:schemeClr val="dk1">
+                <a:alpha val="0"/>
+                <a:hueOff val="0"/>
+                <a:satOff val="0"/>
+                <a:lumOff val="0"/>
+                <a:alphaOff val="0"/>
+              </a:schemeClr>
+            </a:lnRef>
+            <a:fillRef idx="0">
+              <a:schemeClr val="lt1">
+                <a:alpha val="0"/>
+                <a:hueOff val="0"/>
+                <a:satOff val="0"/>
+                <a:lumOff val="0"/>
+                <a:alphaOff val="0"/>
+              </a:schemeClr>
+            </a:fillRef>
+            <a:effectRef idx="0">
+              <a:schemeClr val="lt1">
+                <a:alpha val="0"/>
+                <a:hueOff val="0"/>
+                <a:satOff val="0"/>
+                <a:lumOff val="0"/>
+                <a:alphaOff val="0"/>
+              </a:schemeClr>
+            </a:effectRef>
+            <a:fontRef idx="minor">
+              <a:schemeClr val="tx1">
+                <a:hueOff val="0"/>
+                <a:satOff val="0"/>
+                <a:lumOff val="0"/>
+                <a:alphaOff val="0"/>
+              </a:schemeClr>
+            </a:fontRef>
+          </p:style>
+          <p:txBody>
+            <a:bodyPr spcFirstLastPara="0" vert="horz" wrap="square" lIns="38100" tIns="38100" rIns="38100" bIns="38100" numCol="1" spcCol="1270" anchor="ctr" anchorCtr="0">
+              <a:noAutofit/>
+            </a:bodyPr>
+            <a:lstStyle/>
+            <a:p>
+              <a:pPr marL="228600" lvl="1" indent="-228600" algn="l" defTabSz="355600">
+                <a:lnSpc>
+                  <a:spcPct val="90000"/>
+                </a:lnSpc>
+                <a:spcBef>
+                  <a:spcPct val="0"/>
+                </a:spcBef>
+                <a:spcAft>
+                  <a:spcPct val="15000"/>
+                </a:spcAft>
+                <a:buAutoNum type="arabicPeriod"/>
+              </a:pPr>
+              <a:r>
+                <a:rPr lang="en-GB" sz="1600" b="0" i="0" u="none" kern="1200" dirty="0" err="1"/>
+                <a:t>Koncepcja</a:t>
+              </a:r>
+              <a:r>
+                <a:rPr lang="en-GB" sz="1600" b="0" i="0" u="none" kern="1200" dirty="0"/>
+                <a:t> </a:t>
+              </a:r>
+              <a:r>
+                <a:rPr lang="en-GB" sz="1600" b="0" i="0" u="none" kern="1200" dirty="0" err="1"/>
+                <a:t>zastosowania</a:t>
+              </a:r>
+              <a:r>
+                <a:rPr lang="en-GB" sz="1600" b="0" i="0" u="none" kern="1200" dirty="0"/>
+                <a:t> </a:t>
+              </a:r>
+              <a:r>
+                <a:rPr lang="en-GB" sz="1600" b="0" i="0" u="none" kern="1200" dirty="0" err="1"/>
+                <a:t>mechanizmów</a:t>
+              </a:r>
+              <a:r>
+                <a:rPr lang="en-GB" sz="1600" b="0" i="0" u="none" kern="1200" dirty="0"/>
+                <a:t> </a:t>
+              </a:r>
+              <a:r>
+                <a:rPr lang="en-GB" sz="1600" b="0" i="0" u="none" kern="1200" dirty="0" err="1"/>
+                <a:t>znanych</a:t>
+              </a:r>
+              <a:r>
+                <a:rPr lang="en-GB" sz="1600" b="0" i="0" u="none" kern="1200" dirty="0"/>
+                <a:t> z </a:t>
+              </a:r>
+              <a:r>
+                <a:rPr lang="en-GB" sz="1600" b="0" i="0" u="none" kern="1200" dirty="0" err="1"/>
+                <a:t>gier</a:t>
+              </a:r>
+              <a:r>
+                <a:rPr lang="en-GB" sz="1600" b="0" i="0" u="none" kern="1200" dirty="0"/>
+                <a:t> aby </a:t>
+              </a:r>
+              <a:r>
+                <a:rPr lang="en-GB" sz="1600" b="0" i="0" u="none" kern="1200" dirty="0" err="1"/>
+                <a:t>motywować</a:t>
+              </a:r>
+              <a:r>
+                <a:rPr lang="en-GB" sz="1600" b="0" i="0" u="none" kern="1200" dirty="0"/>
+                <a:t> </a:t>
+              </a:r>
+              <a:r>
+                <a:rPr lang="en-GB" sz="1600" b="0" i="0" u="none" kern="1200" dirty="0" err="1"/>
+                <a:t>ludzi</a:t>
+              </a:r>
+              <a:r>
+                <a:rPr lang="en-GB" sz="1600" b="0" i="0" u="none" kern="1200" dirty="0"/>
+                <a:t> w </a:t>
+              </a:r>
+              <a:r>
+                <a:rPr lang="en-GB" sz="1600" b="0" i="0" u="none" kern="1200" dirty="0" err="1"/>
+                <a:t>kierunku</a:t>
+              </a:r>
+              <a:r>
+                <a:rPr lang="en-GB" sz="1600" b="0" i="0" u="none" kern="1200" dirty="0"/>
+                <a:t> </a:t>
+              </a:r>
+              <a:r>
+                <a:rPr lang="en-GB" sz="1600" b="0" i="0" u="none" kern="1200" dirty="0" err="1"/>
+                <a:t>realizowania</a:t>
+              </a:r>
+              <a:r>
+                <a:rPr lang="en-GB" sz="1600" b="0" i="0" u="none" kern="1200" dirty="0"/>
+                <a:t> </a:t>
+              </a:r>
+              <a:r>
+                <a:rPr lang="en-GB" sz="1600" b="0" i="0" u="none" kern="1200" dirty="0" err="1"/>
+                <a:t>określonych</a:t>
+              </a:r>
+              <a:r>
+                <a:rPr lang="en-GB" sz="1600" b="0" i="0" u="none" kern="1200" dirty="0"/>
+                <a:t> </a:t>
+              </a:r>
+              <a:r>
+                <a:rPr lang="en-GB" sz="1600" b="0" i="0" u="none" kern="1200" dirty="0" err="1"/>
+                <a:t>celów</a:t>
+              </a:r>
+              <a:endParaRPr lang="pl-PL" sz="1600" dirty="0"/>
+            </a:p>
+            <a:p>
+              <a:pPr marL="228600" lvl="1" indent="-228600" algn="l" defTabSz="355600">
+                <a:lnSpc>
+                  <a:spcPct val="90000"/>
+                </a:lnSpc>
+                <a:spcBef>
+                  <a:spcPct val="0"/>
+                </a:spcBef>
+                <a:spcAft>
+                  <a:spcPct val="15000"/>
+                </a:spcAft>
+                <a:buAutoNum type="arabicPeriod"/>
+              </a:pPr>
+              <a:r>
+                <a:rPr lang="en-GB" sz="1600" b="0" i="0" u="none" kern="1200" dirty="0" err="1"/>
+                <a:t>Wykorzystywanie</a:t>
+              </a:r>
+              <a:r>
+                <a:rPr lang="en-GB" sz="1600" b="0" i="0" u="none" kern="1200" dirty="0"/>
+                <a:t> </a:t>
+              </a:r>
+              <a:r>
+                <a:rPr lang="en-GB" sz="1600" b="0" i="0" u="none" kern="1200" dirty="0" err="1"/>
+                <a:t>wiedzy</a:t>
+              </a:r>
+              <a:r>
+                <a:rPr lang="en-GB" sz="1600" b="0" i="0" u="none" kern="1200" dirty="0"/>
+                <a:t> </a:t>
+              </a:r>
+              <a:r>
+                <a:rPr lang="en-GB" sz="1600" b="0" i="0" u="none" kern="1200" dirty="0" err="1"/>
+                <a:t>psychologicznej</a:t>
+              </a:r>
+              <a:r>
+                <a:rPr lang="en-GB" sz="1600" b="0" i="0" u="none" kern="1200" dirty="0"/>
+                <a:t> </a:t>
+              </a:r>
+              <a:r>
+                <a:rPr lang="en-GB" sz="1600" b="0" i="0" u="none" kern="1200" dirty="0" err="1"/>
+                <a:t>na</a:t>
+              </a:r>
+              <a:r>
+                <a:rPr lang="en-GB" sz="1600" b="0" i="0" u="none" kern="1200" dirty="0"/>
+                <a:t> </a:t>
+              </a:r>
+              <a:r>
+                <a:rPr lang="en-GB" sz="1600" b="0" i="0" u="none" kern="1200" dirty="0" err="1"/>
+                <a:t>temat</a:t>
+              </a:r>
+              <a:r>
+                <a:rPr lang="en-GB" sz="1600" b="0" i="0" u="none" kern="1200" dirty="0"/>
+                <a:t> </a:t>
+              </a:r>
+              <a:r>
+                <a:rPr lang="en-GB" sz="1600" b="0" i="0" u="none" kern="1200" dirty="0" err="1"/>
+                <a:t>motywacji</a:t>
+              </a:r>
+              <a:r>
+                <a:rPr lang="en-GB" sz="1600" b="0" i="0" u="none" kern="1200" dirty="0"/>
+                <a:t>.</a:t>
+              </a:r>
+              <a:endParaRPr lang="en-GB" sz="1600" dirty="0"/>
+            </a:p>
+            <a:p>
+              <a:pPr marL="228600" lvl="1" indent="-228600" algn="l" defTabSz="355600">
+                <a:lnSpc>
+                  <a:spcPct val="90000"/>
+                </a:lnSpc>
+                <a:spcBef>
+                  <a:spcPct val="0"/>
+                </a:spcBef>
+                <a:spcAft>
+                  <a:spcPct val="15000"/>
+                </a:spcAft>
+                <a:buAutoNum type="arabicPeriod"/>
+              </a:pPr>
+              <a:r>
+                <a:rPr lang="en-GB" sz="1600" b="0" i="0" u="none" kern="1200" dirty="0" err="1"/>
+                <a:t>Projektanci</a:t>
+              </a:r>
+              <a:r>
+                <a:rPr lang="en-GB" sz="1600" b="0" i="0" u="none" kern="1200" dirty="0"/>
+                <a:t> </a:t>
+              </a:r>
+              <a:r>
+                <a:rPr lang="en-GB" sz="1600" b="0" i="0" u="none" kern="1200" dirty="0" err="1"/>
+                <a:t>gier</a:t>
+              </a:r>
+              <a:r>
+                <a:rPr lang="en-GB" sz="1600" b="0" i="0" u="none" kern="1200" dirty="0"/>
+                <a:t> </a:t>
+              </a:r>
+              <a:r>
+                <a:rPr lang="en-GB" sz="1600" b="0" i="0" u="none" kern="1200" dirty="0" err="1"/>
+                <a:t>komputerowych</a:t>
+              </a:r>
+              <a:r>
+                <a:rPr lang="en-GB" sz="1600" b="0" i="0" u="none" kern="1200" dirty="0"/>
+                <a:t> </a:t>
+              </a:r>
+              <a:r>
+                <a:rPr lang="en-GB" sz="1600" b="0" i="0" u="none" kern="1200" dirty="0" err="1"/>
+                <a:t>wykorzystywali</a:t>
+              </a:r>
+              <a:r>
+                <a:rPr lang="en-GB" sz="1600" b="0" i="0" u="none" kern="1200" dirty="0"/>
+                <a:t> </a:t>
+              </a:r>
+              <a:r>
+                <a:rPr lang="en-GB" sz="1600" b="0" i="0" u="none" kern="1200" dirty="0" err="1"/>
+                <a:t>tą</a:t>
+              </a:r>
+              <a:r>
+                <a:rPr lang="en-GB" sz="1600" b="0" i="0" u="none" kern="1200" dirty="0"/>
+                <a:t> </a:t>
+              </a:r>
+              <a:r>
+                <a:rPr lang="en-GB" sz="1600" b="0" i="0" u="none" kern="1200" dirty="0" err="1"/>
+                <a:t>wiedzę</a:t>
+              </a:r>
+              <a:r>
+                <a:rPr lang="en-GB" sz="1600" b="0" i="0" u="none" kern="1200" dirty="0"/>
+                <a:t> </a:t>
+              </a:r>
+              <a:r>
+                <a:rPr lang="en-GB" sz="1600" b="0" i="0" u="none" kern="1200" dirty="0" err="1"/>
+                <a:t>wcześniej</a:t>
+              </a:r>
+              <a:r>
+                <a:rPr lang="en-GB" sz="1600" b="0" i="0" u="none" kern="1200" dirty="0"/>
+                <a:t> </a:t>
+              </a:r>
+              <a:r>
+                <a:rPr lang="en-GB" sz="1600" b="0" i="0" u="none" kern="1200" dirty="0" err="1"/>
+                <a:t>niż</a:t>
+              </a:r>
+              <a:r>
+                <a:rPr lang="en-GB" sz="1600" b="0" i="0" u="none" kern="1200" dirty="0"/>
+                <a:t> </a:t>
+              </a:r>
+              <a:r>
+                <a:rPr lang="en-GB" sz="1600" b="0" i="0" u="none" kern="1200" dirty="0" err="1"/>
+                <a:t>inni</a:t>
+              </a:r>
+              <a:endParaRPr lang="en-GB" sz="1600" b="0" i="0" u="none" kern="1200" dirty="0"/>
+            </a:p>
+          </p:txBody>
+        </p:sp>
+        <p:sp>
+          <p:nvSpPr>
+            <p:cNvPr id="14" name="Freeform 13">
+              <a:extLst>
+                <a:ext uri="{FF2B5EF4-FFF2-40B4-BE49-F238E27FC236}">
+                  <a16:creationId xmlns:a16="http://schemas.microsoft.com/office/drawing/2014/main" id="{D6FD4374-9F1D-344D-9516-063D3B7AF28B}"/>
+                </a:ext>
+              </a:extLst>
+            </p:cNvPr>
+            <p:cNvSpPr/>
+            <p:nvPr/>
+          </p:nvSpPr>
+          <p:spPr>
+            <a:xfrm>
+              <a:off x="6938120" y="5267134"/>
+              <a:ext cx="2216067" cy="1551175"/>
+            </a:xfrm>
+            <a:custGeom>
+              <a:avLst/>
+              <a:gdLst>
+                <a:gd name="connsiteX0" fmla="*/ 0 w 2216067"/>
+                <a:gd name="connsiteY0" fmla="*/ 258581 h 1551175"/>
+                <a:gd name="connsiteX1" fmla="*/ 258581 w 2216067"/>
+                <a:gd name="connsiteY1" fmla="*/ 0 h 1551175"/>
+                <a:gd name="connsiteX2" fmla="*/ 1957486 w 2216067"/>
+                <a:gd name="connsiteY2" fmla="*/ 0 h 1551175"/>
+                <a:gd name="connsiteX3" fmla="*/ 2216067 w 2216067"/>
+                <a:gd name="connsiteY3" fmla="*/ 258581 h 1551175"/>
+                <a:gd name="connsiteX4" fmla="*/ 2216067 w 2216067"/>
+                <a:gd name="connsiteY4" fmla="*/ 1292594 h 1551175"/>
+                <a:gd name="connsiteX5" fmla="*/ 1957486 w 2216067"/>
+                <a:gd name="connsiteY5" fmla="*/ 1551175 h 1551175"/>
+                <a:gd name="connsiteX6" fmla="*/ 258581 w 2216067"/>
+                <a:gd name="connsiteY6" fmla="*/ 1551175 h 1551175"/>
+                <a:gd name="connsiteX7" fmla="*/ 0 w 2216067"/>
+                <a:gd name="connsiteY7" fmla="*/ 1292594 h 1551175"/>
+                <a:gd name="connsiteX8" fmla="*/ 0 w 2216067"/>
+                <a:gd name="connsiteY8" fmla="*/ 258581 h 1551175"/>
+              </a:gdLst>
+              <a:ahLst/>
+              <a:cxnLst>
+                <a:cxn ang="0">
+                  <a:pos x="connsiteX0" y="connsiteY0"/>
+                </a:cxn>
+                <a:cxn ang="0">
+                  <a:pos x="connsiteX1" y="connsiteY1"/>
+                </a:cxn>
+                <a:cxn ang="0">
+                  <a:pos x="connsiteX2" y="connsiteY2"/>
+                </a:cxn>
+                <a:cxn ang="0">
+                  <a:pos x="connsiteX3" y="connsiteY3"/>
+                </a:cxn>
+                <a:cxn ang="0">
+                  <a:pos x="connsiteX4" y="connsiteY4"/>
+                </a:cxn>
+                <a:cxn ang="0">
+                  <a:pos x="connsiteX5" y="connsiteY5"/>
+                </a:cxn>
+                <a:cxn ang="0">
+                  <a:pos x="connsiteX6" y="connsiteY6"/>
+                </a:cxn>
+                <a:cxn ang="0">
+                  <a:pos x="connsiteX7" y="connsiteY7"/>
+                </a:cxn>
+                <a:cxn ang="0">
+                  <a:pos x="connsiteX8" y="connsiteY8"/>
+                </a:cxn>
+              </a:cxnLst>
+              <a:rect l="l" t="t" r="r" b="b"/>
+              <a:pathLst>
+                <a:path w="2216067" h="1551175">
+                  <a:moveTo>
+                    <a:pt x="0" y="258581"/>
+                  </a:moveTo>
+                  <a:cubicBezTo>
+                    <a:pt x="0" y="115771"/>
+                    <a:pt x="115771" y="0"/>
+                    <a:pt x="258581" y="0"/>
+                  </a:cubicBezTo>
+                  <a:lnTo>
+                    <a:pt x="1957486" y="0"/>
+                  </a:lnTo>
+                  <a:cubicBezTo>
+                    <a:pt x="2100296" y="0"/>
+                    <a:pt x="2216067" y="115771"/>
+                    <a:pt x="2216067" y="258581"/>
+                  </a:cubicBezTo>
+                  <a:lnTo>
+                    <a:pt x="2216067" y="1292594"/>
+                  </a:lnTo>
+                  <a:cubicBezTo>
+                    <a:pt x="2216067" y="1435404"/>
+                    <a:pt x="2100296" y="1551175"/>
+                    <a:pt x="1957486" y="1551175"/>
+                  </a:cubicBezTo>
+                  <a:lnTo>
+                    <a:pt x="258581" y="1551175"/>
+                  </a:lnTo>
+                  <a:cubicBezTo>
+                    <a:pt x="115771" y="1551175"/>
+                    <a:pt x="0" y="1435404"/>
+                    <a:pt x="0" y="1292594"/>
+                  </a:cubicBezTo>
+                  <a:lnTo>
+                    <a:pt x="0" y="258581"/>
+                  </a:lnTo>
+                  <a:close/>
+                </a:path>
+              </a:pathLst>
+            </a:custGeom>
+          </p:spPr>
+          <p:style>
+            <a:lnRef idx="2">
+              <a:schemeClr val="lt1">
+                <a:hueOff val="0"/>
+                <a:satOff val="0"/>
+                <a:lumOff val="0"/>
+                <a:alphaOff val="0"/>
+              </a:schemeClr>
+            </a:lnRef>
+            <a:fillRef idx="1">
+              <a:schemeClr val="accent1">
+                <a:hueOff val="0"/>
+                <a:satOff val="0"/>
+                <a:lumOff val="0"/>
+                <a:alphaOff val="0"/>
+              </a:schemeClr>
+            </a:fillRef>
+            <a:effectRef idx="0">
+              <a:schemeClr val="accent1">
+                <a:hueOff val="0"/>
+                <a:satOff val="0"/>
+                <a:lumOff val="0"/>
+                <a:alphaOff val="0"/>
+              </a:schemeClr>
+            </a:effectRef>
+            <a:fontRef idx="minor">
+              <a:schemeClr val="lt1"/>
+            </a:fontRef>
+          </p:style>
+          <p:txBody>
+            <a:bodyPr spcFirstLastPara="0" vert="horz" wrap="square" lIns="163366" tIns="163366" rIns="163366" bIns="163366" numCol="1" spcCol="1270" anchor="ctr" anchorCtr="0">
+              <a:noAutofit/>
+            </a:bodyPr>
+            <a:lstStyle/>
+            <a:p>
+              <a:pPr marL="0" lvl="0" indent="0" algn="ctr" defTabSz="1022350" rtl="0">
+                <a:lnSpc>
+                  <a:spcPct val="90000"/>
+                </a:lnSpc>
+                <a:spcBef>
+                  <a:spcPct val="0"/>
+                </a:spcBef>
+                <a:spcAft>
+                  <a:spcPct val="35000"/>
+                </a:spcAft>
+                <a:buNone/>
+              </a:pPr>
+              <a:r>
+                <a:rPr lang="pl-PL" sz="2300" kern="1200" dirty="0"/>
+                <a:t>Human </a:t>
+              </a:r>
+              <a:r>
+                <a:rPr lang="pl-PL" sz="2300" kern="1200" dirty="0" err="1"/>
+                <a:t>focused</a:t>
+              </a:r>
+              <a:r>
+                <a:rPr lang="pl-PL" sz="2300" kern="1200" dirty="0"/>
+                <a:t> design + UX</a:t>
+              </a:r>
+            </a:p>
+          </p:txBody>
+        </p:sp>
+        <p:sp>
+          <p:nvSpPr>
+            <p:cNvPr id="15" name="Freeform 14">
+              <a:extLst>
+                <a:ext uri="{FF2B5EF4-FFF2-40B4-BE49-F238E27FC236}">
+                  <a16:creationId xmlns:a16="http://schemas.microsoft.com/office/drawing/2014/main" id="{0F8782B0-4D71-A640-84ED-6F37CD6FF47D}"/>
+                </a:ext>
+              </a:extLst>
+            </p:cNvPr>
+            <p:cNvSpPr/>
+            <p:nvPr/>
+          </p:nvSpPr>
+          <p:spPr>
+            <a:xfrm>
+              <a:off x="9154187" y="5415074"/>
+              <a:ext cx="1611756" cy="1253728"/>
+            </a:xfrm>
+            <a:custGeom>
+              <a:avLst/>
+              <a:gdLst>
+                <a:gd name="connsiteX0" fmla="*/ 0 w 1611756"/>
+                <a:gd name="connsiteY0" fmla="*/ 0 h 1253728"/>
+                <a:gd name="connsiteX1" fmla="*/ 1611756 w 1611756"/>
+                <a:gd name="connsiteY1" fmla="*/ 0 h 1253728"/>
+                <a:gd name="connsiteX2" fmla="*/ 1611756 w 1611756"/>
+                <a:gd name="connsiteY2" fmla="*/ 1253728 h 1253728"/>
+                <a:gd name="connsiteX3" fmla="*/ 0 w 1611756"/>
+                <a:gd name="connsiteY3" fmla="*/ 1253728 h 1253728"/>
+                <a:gd name="connsiteX4" fmla="*/ 0 w 1611756"/>
+                <a:gd name="connsiteY4" fmla="*/ 0 h 1253728"/>
+              </a:gdLst>
+              <a:ahLst/>
+              <a:cxnLst>
+                <a:cxn ang="0">
+                  <a:pos x="connsiteX0" y="connsiteY0"/>
+                </a:cxn>
+                <a:cxn ang="0">
+                  <a:pos x="connsiteX1" y="connsiteY1"/>
+                </a:cxn>
+                <a:cxn ang="0">
+                  <a:pos x="connsiteX2" y="connsiteY2"/>
+                </a:cxn>
+                <a:cxn ang="0">
+                  <a:pos x="connsiteX3" y="connsiteY3"/>
+                </a:cxn>
+                <a:cxn ang="0">
+                  <a:pos x="connsiteX4" y="connsiteY4"/>
+                </a:cxn>
+              </a:cxnLst>
+              <a:rect l="l" t="t" r="r" b="b"/>
+              <a:pathLst>
+                <a:path w="1611756" h="1253728">
+                  <a:moveTo>
+                    <a:pt x="0" y="0"/>
+                  </a:moveTo>
+                  <a:lnTo>
+                    <a:pt x="1611756" y="0"/>
+                  </a:lnTo>
+                  <a:lnTo>
+                    <a:pt x="1611756" y="1253728"/>
+                  </a:lnTo>
+                  <a:lnTo>
+                    <a:pt x="0" y="1253728"/>
+                  </a:lnTo>
+                  <a:lnTo>
+                    <a:pt x="0" y="0"/>
+                  </a:lnTo>
+                  <a:close/>
+                </a:path>
+              </a:pathLst>
+            </a:custGeom>
+          </p:spPr>
+          <p:style>
+            <a:lnRef idx="0">
+              <a:schemeClr val="dk1">
+                <a:alpha val="0"/>
+                <a:hueOff val="0"/>
+                <a:satOff val="0"/>
+                <a:lumOff val="0"/>
+                <a:alphaOff val="0"/>
+              </a:schemeClr>
+            </a:lnRef>
+            <a:fillRef idx="0">
+              <a:schemeClr val="lt1">
+                <a:alpha val="0"/>
+                <a:hueOff val="0"/>
+                <a:satOff val="0"/>
+                <a:lumOff val="0"/>
+                <a:alphaOff val="0"/>
+              </a:schemeClr>
+            </a:fillRef>
+            <a:effectRef idx="0">
+              <a:schemeClr val="lt1">
+                <a:alpha val="0"/>
+                <a:hueOff val="0"/>
+                <a:satOff val="0"/>
+                <a:lumOff val="0"/>
+                <a:alphaOff val="0"/>
+              </a:schemeClr>
+            </a:effectRef>
+            <a:fontRef idx="minor">
+              <a:schemeClr val="tx1">
+                <a:hueOff val="0"/>
+                <a:satOff val="0"/>
+                <a:lumOff val="0"/>
+                <a:alphaOff val="0"/>
+              </a:schemeClr>
+            </a:fontRef>
+          </p:style>
+          <p:txBody>
+            <a:bodyPr spcFirstLastPara="0" vert="horz" wrap="square" lIns="137160" tIns="137160" rIns="137160" bIns="137160" numCol="1" spcCol="1270" anchor="ctr" anchorCtr="0">
+              <a:noAutofit/>
+            </a:bodyPr>
+            <a:lstStyle/>
+            <a:p>
+              <a:pPr marL="285750" lvl="1" indent="-285750" algn="l" defTabSz="1244600">
+                <a:lnSpc>
+                  <a:spcPct val="90000"/>
+                </a:lnSpc>
+                <a:spcBef>
+                  <a:spcPct val="0"/>
+                </a:spcBef>
+                <a:spcAft>
+                  <a:spcPct val="15000"/>
+                </a:spcAft>
+                <a:buChar char="•"/>
+              </a:pPr>
+              <a:endParaRPr lang="pl-PL" sz="2800" kern="1200"/>
+            </a:p>
+          </p:txBody>
+        </p:sp>
+      </p:grpSp>
+      <p:sp>
+        <p:nvSpPr>
+          <p:cNvPr id="2" name="Pentagon 1">
+            <a:extLst>
+              <a:ext uri="{FF2B5EF4-FFF2-40B4-BE49-F238E27FC236}">
+                <a16:creationId xmlns:a16="http://schemas.microsoft.com/office/drawing/2014/main" id="{140415A6-97D9-B445-9BF5-F08FA115FF68}"/>
+              </a:ext>
+            </a:extLst>
+          </p:cNvPr>
+          <p:cNvSpPr/>
+          <p:nvPr/>
+        </p:nvSpPr>
+        <p:spPr>
+          <a:xfrm flipH="1">
+            <a:off x="8019393" y="273269"/>
+            <a:ext cx="3426372" cy="1051035"/>
+          </a:xfrm>
+          <a:prstGeom prst="homePlate">
+            <a:avLst/>
+          </a:prstGeom>
+        </p:spPr>
+        <p:style>
+          <a:lnRef idx="2">
+            <a:schemeClr val="accent1">
+              <a:shade val="50000"/>
+            </a:schemeClr>
+          </a:lnRef>
+          <a:fillRef idx="1">
+            <a:schemeClr val="accent1"/>
+          </a:fillRef>
+          <a:effectRef idx="0">
+            <a:schemeClr val="accent1"/>
+          </a:effectRef>
+          <a:fontRef idx="minor">
+            <a:schemeClr val="lt1"/>
+          </a:fontRef>
+        </p:style>
+        <p:txBody>
+          <a:bodyPr rtlCol="0" anchor="ctr"/>
+          <a:lstStyle/>
+          <a:p>
+            <a:pPr algn="ctr"/>
+            <a:r>
+              <a:rPr lang="en-PL" dirty="0"/>
+              <a:t>Storytelling</a:t>
+            </a:r>
+          </a:p>
+        </p:txBody>
+      </p:sp>
+    </p:spTree>
+    <p:extLst>
+      <p:ext uri="{BB962C8B-B14F-4D97-AF65-F5344CB8AC3E}">
+        <p14:creationId xmlns:p14="http://schemas.microsoft.com/office/powerpoint/2010/main" val="346009597"/>
+      </p:ext>
+    </p:extLst>
+  </p:cSld>
+  <p:clrMapOvr>
+    <a:masterClrMapping/>
+  </p:clrMapOvr>
+</p:sld>
+</file>
+
+<file path=ppt/slides/slide4.xml><?xml version="1.0" encoding="utf-8"?>
+<p:sld xmlns:a="http://schemas.openxmlformats.org/drawingml/2006/main" xmlns:r="http://schemas.openxmlformats.org/officeDocument/2006/relationships" xmlns:p="http://schemas.openxmlformats.org/presentationml/2006/main">
+  <p:cSld>
+    <p:spTree>
+      <p:nvGrpSpPr>
+        <p:cNvPr id="1" name=""/>
+        <p:cNvGrpSpPr/>
+        <p:nvPr/>
+      </p:nvGrpSpPr>
+      <p:grpSpPr>
+        <a:xfrm>
+          <a:off x="0" y="0"/>
+          <a:ext cx="0" cy="0"/>
+          <a:chOff x="0" y="0"/>
+          <a:chExt cx="0" cy="0"/>
+        </a:xfrm>
+      </p:grpSpPr>
+      <p:sp>
+        <p:nvSpPr>
+          <p:cNvPr id="2" name="Title 1">
+            <a:extLst>
+              <a:ext uri="{FF2B5EF4-FFF2-40B4-BE49-F238E27FC236}">
+                <a16:creationId xmlns:a16="http://schemas.microsoft.com/office/drawing/2014/main" id="{A92328DC-5E76-F947-8721-57CAD239AE13}"/>
+              </a:ext>
+            </a:extLst>
+          </p:cNvPr>
+          <p:cNvSpPr>
+            <a:spLocks noGrp="1"/>
+          </p:cNvSpPr>
+          <p:nvPr>
+            <p:ph type="title"/>
+          </p:nvPr>
+        </p:nvSpPr>
+        <p:spPr/>
+        <p:txBody>
+          <a:bodyPr/>
+          <a:lstStyle/>
+          <a:p>
+            <a:r>
+              <a:rPr lang="en-PL" dirty="0"/>
+              <a:t>Human Focused Design + UX</a:t>
+            </a:r>
+          </a:p>
+        </p:txBody>
+      </p:sp>
+      <p:sp>
+        <p:nvSpPr>
+          <p:cNvPr id="3" name="Content Placeholder 2">
+            <a:extLst>
+              <a:ext uri="{FF2B5EF4-FFF2-40B4-BE49-F238E27FC236}">
+                <a16:creationId xmlns:a16="http://schemas.microsoft.com/office/drawing/2014/main" id="{4E0207BD-2082-C24E-8AF0-1267382C8D12}"/>
+              </a:ext>
+            </a:extLst>
+          </p:cNvPr>
+          <p:cNvSpPr>
+            <a:spLocks noGrp="1"/>
+          </p:cNvSpPr>
+          <p:nvPr>
+            <p:ph idx="1"/>
+          </p:nvPr>
+        </p:nvSpPr>
+        <p:spPr/>
+        <p:txBody>
+          <a:bodyPr>
+            <a:normAutofit fontScale="85000" lnSpcReduction="20000"/>
+          </a:bodyPr>
+          <a:lstStyle/>
+          <a:p>
+            <a:r>
+              <a:rPr lang="en-GB" dirty="0" err="1"/>
+              <a:t>Równolegle</a:t>
+            </a:r>
+            <a:r>
+              <a:rPr lang="en-GB" dirty="0"/>
+              <a:t> z </a:t>
+            </a:r>
+            <a:r>
+              <a:rPr lang="en-GB" dirty="0" err="1"/>
+              <a:t>konstruowaniem</a:t>
+            </a:r>
+            <a:r>
+              <a:rPr lang="en-GB" dirty="0"/>
+              <a:t> </a:t>
+            </a:r>
+            <a:r>
+              <a:rPr lang="en-GB" dirty="0" err="1"/>
+              <a:t>kolejnych</a:t>
+            </a:r>
+            <a:r>
+              <a:rPr lang="en-GB" dirty="0"/>
+              <a:t> </a:t>
+            </a:r>
+            <a:r>
+              <a:rPr lang="en-GB" dirty="0" err="1"/>
+              <a:t>teorii</a:t>
+            </a:r>
+            <a:r>
+              <a:rPr lang="en-GB" dirty="0"/>
+              <a:t> </a:t>
+            </a:r>
+            <a:r>
+              <a:rPr lang="en-GB" dirty="0" err="1"/>
+              <a:t>i</a:t>
+            </a:r>
+            <a:r>
+              <a:rPr lang="en-GB" dirty="0"/>
+              <a:t> </a:t>
+            </a:r>
+            <a:r>
+              <a:rPr lang="en-GB" dirty="0" err="1"/>
+              <a:t>frameworków</a:t>
+            </a:r>
+            <a:r>
+              <a:rPr lang="en-GB" dirty="0"/>
+              <a:t> </a:t>
+            </a:r>
+            <a:r>
+              <a:rPr lang="en-GB" dirty="0" err="1"/>
+              <a:t>gamifikacyjnych</a:t>
+            </a:r>
+            <a:r>
+              <a:rPr lang="en-GB" dirty="0"/>
+              <a:t>, </a:t>
+            </a:r>
+            <a:r>
+              <a:rPr lang="en-GB" dirty="0" err="1"/>
+              <a:t>wykorzstujących</a:t>
+            </a:r>
+            <a:r>
+              <a:rPr lang="en-GB" dirty="0"/>
+              <a:t> </a:t>
+            </a:r>
+            <a:r>
+              <a:rPr lang="en-GB" dirty="0" err="1"/>
+              <a:t>coraz</a:t>
+            </a:r>
+            <a:r>
+              <a:rPr lang="en-GB" dirty="0"/>
+              <a:t> </a:t>
+            </a:r>
+            <a:r>
+              <a:rPr lang="en-GB" dirty="0" err="1"/>
+              <a:t>większy</a:t>
+            </a:r>
+            <a:r>
+              <a:rPr lang="en-GB" dirty="0"/>
+              <a:t> </a:t>
+            </a:r>
+            <a:r>
+              <a:rPr lang="en-GB" dirty="0" err="1"/>
+              <a:t>obszar</a:t>
+            </a:r>
+            <a:r>
+              <a:rPr lang="en-GB" dirty="0"/>
+              <a:t> </a:t>
+            </a:r>
+            <a:r>
+              <a:rPr lang="en-GB" dirty="0" err="1"/>
+              <a:t>badań</a:t>
+            </a:r>
+            <a:r>
+              <a:rPr lang="en-GB" dirty="0"/>
+              <a:t> </a:t>
+            </a:r>
+            <a:r>
+              <a:rPr lang="en-GB" dirty="0" err="1"/>
+              <a:t>nad</a:t>
+            </a:r>
+            <a:r>
+              <a:rPr lang="en-GB" dirty="0"/>
+              <a:t> </a:t>
+            </a:r>
+            <a:r>
+              <a:rPr lang="en-GB" dirty="0" err="1"/>
+              <a:t>ludzką</a:t>
+            </a:r>
+            <a:r>
+              <a:rPr lang="en-GB" dirty="0"/>
+              <a:t> </a:t>
+            </a:r>
+            <a:r>
+              <a:rPr lang="en-GB" dirty="0" err="1"/>
+              <a:t>psychologią</a:t>
+            </a:r>
+            <a:r>
+              <a:rPr lang="en-GB" dirty="0"/>
+              <a:t> </a:t>
+            </a:r>
+            <a:r>
+              <a:rPr lang="en-GB" dirty="0" err="1"/>
+              <a:t>rozwijał</a:t>
+            </a:r>
+            <a:r>
+              <a:rPr lang="en-GB" dirty="0"/>
+              <a:t> </a:t>
+            </a:r>
+            <a:r>
+              <a:rPr lang="en-GB" dirty="0" err="1"/>
+              <a:t>się</a:t>
+            </a:r>
+            <a:r>
+              <a:rPr lang="en-GB" dirty="0"/>
+              <a:t> UX — </a:t>
+            </a:r>
+            <a:r>
+              <a:rPr lang="en-GB" dirty="0" err="1"/>
+              <a:t>dziedzyna</a:t>
+            </a:r>
+            <a:r>
+              <a:rPr lang="en-GB" dirty="0"/>
+              <a:t> </a:t>
+            </a:r>
+            <a:r>
+              <a:rPr lang="en-GB" dirty="0" err="1"/>
+              <a:t>designu</a:t>
+            </a:r>
+            <a:r>
+              <a:rPr lang="en-GB" dirty="0"/>
+              <a:t> (</a:t>
+            </a:r>
+            <a:r>
+              <a:rPr lang="en-GB" dirty="0" err="1"/>
+              <a:t>wzornictwa</a:t>
+            </a:r>
+            <a:r>
+              <a:rPr lang="en-GB" dirty="0"/>
+              <a:t> </a:t>
+            </a:r>
+            <a:r>
+              <a:rPr lang="en-GB" dirty="0" err="1"/>
+              <a:t>przemysłowego</a:t>
+            </a:r>
+            <a:r>
+              <a:rPr lang="en-GB" dirty="0"/>
+              <a:t>), </a:t>
+            </a:r>
+            <a:r>
+              <a:rPr lang="en-GB" dirty="0" err="1"/>
+              <a:t>która</a:t>
+            </a:r>
+            <a:r>
+              <a:rPr lang="en-GB" dirty="0"/>
+              <a:t> </a:t>
+            </a:r>
+            <a:r>
+              <a:rPr lang="en-GB" dirty="0" err="1"/>
+              <a:t>skupia</a:t>
+            </a:r>
+            <a:r>
+              <a:rPr lang="en-GB" dirty="0"/>
+              <a:t> </a:t>
+            </a:r>
+            <a:r>
+              <a:rPr lang="en-GB" dirty="0" err="1"/>
+              <a:t>się</a:t>
+            </a:r>
+            <a:r>
+              <a:rPr lang="en-GB" dirty="0"/>
+              <a:t> </a:t>
+            </a:r>
+            <a:r>
+              <a:rPr lang="en-GB" dirty="0" err="1"/>
+              <a:t>na</a:t>
+            </a:r>
+            <a:r>
+              <a:rPr lang="en-GB" dirty="0"/>
+              <a:t> </a:t>
+            </a:r>
+            <a:r>
+              <a:rPr lang="en-GB" dirty="0" err="1"/>
+              <a:t>projektowaniu</a:t>
+            </a:r>
+            <a:r>
+              <a:rPr lang="en-GB" dirty="0"/>
+              <a:t> </a:t>
+            </a:r>
+            <a:r>
+              <a:rPr lang="en-GB" dirty="0" err="1"/>
+              <a:t>doświadczenia</a:t>
+            </a:r>
+            <a:r>
+              <a:rPr lang="en-GB" dirty="0"/>
+              <a:t> </a:t>
+            </a:r>
+            <a:r>
+              <a:rPr lang="en-GB" dirty="0" err="1"/>
+              <a:t>użytkownika</a:t>
+            </a:r>
+            <a:r>
+              <a:rPr lang="en-GB" dirty="0"/>
+              <a:t>. </a:t>
+            </a:r>
+          </a:p>
+          <a:p>
+            <a:r>
+              <a:rPr lang="en-GB" dirty="0" err="1"/>
+              <a:t>Projektanci</a:t>
+            </a:r>
+            <a:r>
+              <a:rPr lang="en-GB" dirty="0"/>
+              <a:t> UX </a:t>
+            </a:r>
+            <a:r>
+              <a:rPr lang="en-GB" dirty="0" err="1"/>
+              <a:t>skupiają</a:t>
+            </a:r>
+            <a:r>
+              <a:rPr lang="en-GB" dirty="0"/>
+              <a:t> </a:t>
+            </a:r>
+            <a:r>
+              <a:rPr lang="en-GB" dirty="0" err="1"/>
+              <a:t>się</a:t>
+            </a:r>
+            <a:r>
+              <a:rPr lang="en-GB" dirty="0"/>
+              <a:t> </a:t>
+            </a:r>
+            <a:r>
+              <a:rPr lang="en-GB" dirty="0" err="1"/>
+              <a:t>na</a:t>
+            </a:r>
+            <a:r>
+              <a:rPr lang="en-GB" dirty="0"/>
+              <a:t> </a:t>
+            </a:r>
+            <a:r>
+              <a:rPr lang="en-GB" dirty="0" err="1"/>
+              <a:t>użytkowniku</a:t>
+            </a:r>
+            <a:r>
+              <a:rPr lang="en-GB" dirty="0"/>
+              <a:t>. </a:t>
+            </a:r>
+            <a:r>
+              <a:rPr lang="en-GB" dirty="0" err="1"/>
+              <a:t>Starają</a:t>
+            </a:r>
+            <a:r>
+              <a:rPr lang="en-GB" dirty="0"/>
+              <a:t> </a:t>
+            </a:r>
+            <a:r>
+              <a:rPr lang="en-GB" dirty="0" err="1"/>
+              <a:t>się</a:t>
+            </a:r>
+            <a:r>
+              <a:rPr lang="en-GB" dirty="0"/>
+              <a:t> go </a:t>
+            </a:r>
+            <a:r>
+              <a:rPr lang="en-GB" dirty="0" err="1"/>
+              <a:t>zrozumieć</a:t>
+            </a:r>
+            <a:r>
+              <a:rPr lang="en-GB" dirty="0"/>
+              <a:t>, </a:t>
+            </a:r>
+            <a:r>
+              <a:rPr lang="en-GB" dirty="0" err="1"/>
+              <a:t>wczuć</a:t>
+            </a:r>
+            <a:r>
+              <a:rPr lang="en-GB" dirty="0"/>
+              <a:t> </a:t>
+            </a:r>
+            <a:r>
+              <a:rPr lang="en-GB" dirty="0" err="1"/>
+              <a:t>się</a:t>
+            </a:r>
+            <a:r>
+              <a:rPr lang="en-GB" dirty="0"/>
+              <a:t> w </a:t>
+            </a:r>
+            <a:r>
+              <a:rPr lang="en-GB" dirty="0" err="1"/>
+              <a:t>niego</a:t>
+            </a:r>
+            <a:r>
+              <a:rPr lang="en-GB" dirty="0"/>
+              <a:t> (w </a:t>
+            </a:r>
+            <a:r>
+              <a:rPr lang="en-GB" dirty="0" err="1"/>
+              <a:t>pokrewym</a:t>
+            </a:r>
+            <a:r>
+              <a:rPr lang="en-GB" dirty="0"/>
+              <a:t> design thinking jest to </a:t>
+            </a:r>
+            <a:r>
+              <a:rPr lang="en-GB" dirty="0" err="1"/>
+              <a:t>nazywane</a:t>
+            </a:r>
+            <a:r>
+              <a:rPr lang="en-GB" dirty="0"/>
+              <a:t> </a:t>
+            </a:r>
+            <a:r>
+              <a:rPr lang="en-GB" dirty="0" err="1"/>
+              <a:t>Empatyzacją</a:t>
+            </a:r>
+            <a:r>
+              <a:rPr lang="en-GB" dirty="0"/>
+              <a:t>). </a:t>
+            </a:r>
+            <a:r>
+              <a:rPr lang="en-GB" dirty="0" err="1"/>
+              <a:t>Użytkownik</a:t>
+            </a:r>
+            <a:r>
+              <a:rPr lang="en-GB" dirty="0"/>
+              <a:t> jest </a:t>
+            </a:r>
+            <a:r>
+              <a:rPr lang="en-GB" dirty="0" err="1"/>
+              <a:t>stawiany</a:t>
+            </a:r>
+            <a:r>
+              <a:rPr lang="en-GB" dirty="0"/>
+              <a:t> </a:t>
+            </a:r>
+            <a:r>
+              <a:rPr lang="en-GB" dirty="0" err="1"/>
+              <a:t>na</a:t>
+            </a:r>
+            <a:r>
+              <a:rPr lang="en-GB" dirty="0"/>
+              <a:t> </a:t>
+            </a:r>
+            <a:r>
+              <a:rPr lang="en-GB" dirty="0" err="1"/>
+              <a:t>piedestale</a:t>
+            </a:r>
+            <a:r>
+              <a:rPr lang="en-GB" dirty="0"/>
+              <a:t> a </a:t>
+            </a:r>
+            <a:r>
+              <a:rPr lang="en-GB" dirty="0" err="1"/>
+              <a:t>projektowany</a:t>
+            </a:r>
+            <a:r>
+              <a:rPr lang="en-GB" dirty="0"/>
+              <a:t> </a:t>
+            </a:r>
+            <a:r>
+              <a:rPr lang="en-GB" dirty="0" err="1"/>
+              <a:t>produkt</a:t>
+            </a:r>
+            <a:r>
+              <a:rPr lang="en-GB" dirty="0"/>
+              <a:t> ma </a:t>
+            </a:r>
+            <a:r>
+              <a:rPr lang="en-GB" dirty="0" err="1"/>
+              <a:t>jak</a:t>
+            </a:r>
+            <a:r>
+              <a:rPr lang="en-GB" dirty="0"/>
+              <a:t> </a:t>
+            </a:r>
+            <a:r>
+              <a:rPr lang="en-GB" dirty="0" err="1"/>
+              <a:t>najlepiej</a:t>
+            </a:r>
+            <a:r>
+              <a:rPr lang="en-GB" dirty="0"/>
+              <a:t> mu </a:t>
+            </a:r>
+            <a:r>
+              <a:rPr lang="en-GB" dirty="0" err="1"/>
+              <a:t>służyć</a:t>
+            </a:r>
+            <a:r>
+              <a:rPr lang="en-GB" dirty="0"/>
+              <a:t>. </a:t>
+            </a:r>
+            <a:r>
+              <a:rPr lang="en-GB" dirty="0" err="1"/>
+              <a:t>Kwestie</a:t>
+            </a:r>
+            <a:r>
+              <a:rPr lang="en-GB" dirty="0"/>
+              <a:t> </a:t>
+            </a:r>
+            <a:r>
+              <a:rPr lang="en-GB" dirty="0" err="1"/>
+              <a:t>estetyczne</a:t>
+            </a:r>
+            <a:r>
+              <a:rPr lang="en-GB" dirty="0"/>
+              <a:t> </a:t>
+            </a:r>
+            <a:r>
+              <a:rPr lang="en-GB" dirty="0" err="1"/>
+              <a:t>są</a:t>
+            </a:r>
+            <a:r>
+              <a:rPr lang="en-GB" dirty="0"/>
+              <a:t> </a:t>
+            </a:r>
+            <a:r>
+              <a:rPr lang="en-GB" dirty="0" err="1"/>
+              <a:t>podporządkowane</a:t>
+            </a:r>
+            <a:r>
+              <a:rPr lang="en-GB" dirty="0"/>
+              <a:t> </a:t>
+            </a:r>
+            <a:r>
+              <a:rPr lang="en-GB" dirty="0" err="1"/>
+              <a:t>projektowi</a:t>
+            </a:r>
+            <a:r>
+              <a:rPr lang="en-GB" dirty="0"/>
+              <a:t> </a:t>
+            </a:r>
+            <a:r>
+              <a:rPr lang="en-GB" dirty="0" err="1"/>
+              <a:t>doświadczenia</a:t>
+            </a:r>
+            <a:r>
+              <a:rPr lang="en-GB" dirty="0"/>
+              <a:t>.</a:t>
+            </a:r>
+          </a:p>
+          <a:p>
+            <a:r>
+              <a:rPr lang="en-GB" dirty="0"/>
+              <a:t>W </a:t>
+            </a:r>
+            <a:r>
+              <a:rPr lang="en-GB" dirty="0" err="1"/>
+              <a:t>miarę</a:t>
+            </a:r>
+            <a:r>
+              <a:rPr lang="en-GB" dirty="0"/>
+              <a:t> </a:t>
+            </a:r>
+            <a:r>
+              <a:rPr lang="en-GB" dirty="0" err="1"/>
+              <a:t>rozwoju</a:t>
+            </a:r>
+            <a:r>
+              <a:rPr lang="en-GB" dirty="0"/>
+              <a:t> </a:t>
+            </a:r>
+            <a:r>
+              <a:rPr lang="en-GB" dirty="0" err="1"/>
+              <a:t>gamifikacji</a:t>
+            </a:r>
+            <a:r>
+              <a:rPr lang="en-GB" dirty="0"/>
+              <a:t> </a:t>
+            </a:r>
+            <a:r>
+              <a:rPr lang="en-GB" dirty="0" err="1"/>
+              <a:t>zrozumiano</a:t>
+            </a:r>
+            <a:r>
+              <a:rPr lang="en-GB" dirty="0"/>
+              <a:t>, </a:t>
+            </a:r>
+            <a:r>
+              <a:rPr lang="en-GB" dirty="0" err="1"/>
+              <a:t>że</a:t>
+            </a:r>
+            <a:r>
+              <a:rPr lang="en-GB" dirty="0"/>
+              <a:t> ta </a:t>
+            </a:r>
+            <a:r>
+              <a:rPr lang="en-GB" dirty="0" err="1"/>
+              <a:t>dziedzina</a:t>
+            </a:r>
+            <a:r>
+              <a:rPr lang="en-GB" dirty="0"/>
+              <a:t> </a:t>
+            </a:r>
+            <a:r>
+              <a:rPr lang="en-GB" dirty="0" err="1"/>
+              <a:t>nauki</a:t>
+            </a:r>
+            <a:r>
+              <a:rPr lang="en-GB" dirty="0"/>
+              <a:t> ma o </a:t>
+            </a:r>
+            <a:r>
+              <a:rPr lang="en-GB" dirty="0" err="1"/>
+              <a:t>wiele</a:t>
+            </a:r>
+            <a:r>
+              <a:rPr lang="en-GB" dirty="0"/>
+              <a:t> </a:t>
+            </a:r>
+            <a:r>
+              <a:rPr lang="en-GB" dirty="0" err="1"/>
+              <a:t>więcej</a:t>
+            </a:r>
+            <a:r>
+              <a:rPr lang="en-GB" dirty="0"/>
+              <a:t> </a:t>
+            </a:r>
+            <a:r>
+              <a:rPr lang="en-GB" dirty="0" err="1"/>
+              <a:t>wspólnego</a:t>
+            </a:r>
+            <a:r>
+              <a:rPr lang="en-GB" dirty="0"/>
+              <a:t> z </a:t>
+            </a:r>
+            <a:r>
+              <a:rPr lang="en-GB" dirty="0" err="1"/>
+              <a:t>psychologią</a:t>
+            </a:r>
+            <a:r>
+              <a:rPr lang="en-GB" dirty="0"/>
+              <a:t> </a:t>
+            </a:r>
+            <a:r>
+              <a:rPr lang="en-GB" dirty="0" err="1"/>
+              <a:t>i</a:t>
+            </a:r>
+            <a:r>
+              <a:rPr lang="en-GB" dirty="0"/>
+              <a:t> </a:t>
+            </a:r>
+            <a:r>
+              <a:rPr lang="en-GB" dirty="0" err="1"/>
+              <a:t>designem</a:t>
+            </a:r>
+            <a:r>
+              <a:rPr lang="en-GB" dirty="0"/>
+              <a:t> </a:t>
+            </a:r>
+            <a:r>
+              <a:rPr lang="en-GB" dirty="0" err="1"/>
+              <a:t>niż</a:t>
+            </a:r>
+            <a:r>
+              <a:rPr lang="en-GB" dirty="0"/>
+              <a:t> z </a:t>
+            </a:r>
+            <a:r>
+              <a:rPr lang="en-GB" dirty="0" err="1"/>
+              <a:t>samymi</a:t>
+            </a:r>
+            <a:r>
+              <a:rPr lang="en-GB" dirty="0"/>
+              <a:t> </a:t>
+            </a:r>
+            <a:r>
+              <a:rPr lang="en-GB" dirty="0" err="1"/>
+              <a:t>grami</a:t>
+            </a:r>
+            <a:r>
+              <a:rPr lang="en-GB" dirty="0"/>
+              <a:t>. </a:t>
+            </a:r>
+            <a:r>
+              <a:rPr lang="en-GB" dirty="0" err="1"/>
+              <a:t>Zaproponowano</a:t>
+            </a:r>
+            <a:r>
+              <a:rPr lang="en-GB" dirty="0"/>
+              <a:t> </a:t>
+            </a:r>
+            <a:r>
+              <a:rPr lang="en-GB" dirty="0" err="1"/>
+              <a:t>więc</a:t>
+            </a:r>
+            <a:r>
+              <a:rPr lang="en-GB" dirty="0"/>
+              <a:t> </a:t>
+            </a:r>
+            <a:r>
+              <a:rPr lang="en-GB" dirty="0" err="1"/>
+              <a:t>nazwę</a:t>
+            </a:r>
+            <a:r>
+              <a:rPr lang="en-GB" dirty="0"/>
+              <a:t> Human-focused-design (You-Kai Chou). </a:t>
+            </a:r>
+            <a:r>
+              <a:rPr lang="en-GB" dirty="0" err="1"/>
+              <a:t>Widzimy</a:t>
+            </a:r>
+            <a:r>
+              <a:rPr lang="en-GB" dirty="0"/>
+              <a:t> </a:t>
+            </a:r>
+            <a:r>
+              <a:rPr lang="en-GB" dirty="0" err="1"/>
+              <a:t>zbieżność</a:t>
+            </a:r>
+            <a:r>
+              <a:rPr lang="en-GB" dirty="0"/>
+              <a:t> z UX. </a:t>
+            </a:r>
+            <a:r>
+              <a:rPr lang="en-GB" dirty="0" err="1"/>
+              <a:t>Termin</a:t>
+            </a:r>
+            <a:r>
+              <a:rPr lang="en-GB" dirty="0"/>
+              <a:t> jest </a:t>
+            </a:r>
+            <a:r>
+              <a:rPr lang="en-GB" dirty="0" err="1"/>
+              <a:t>też</a:t>
+            </a:r>
+            <a:r>
+              <a:rPr lang="en-GB" dirty="0"/>
+              <a:t> </a:t>
+            </a:r>
+            <a:r>
+              <a:rPr lang="en-GB" dirty="0" err="1"/>
+              <a:t>przeciwwagą</a:t>
+            </a:r>
+            <a:r>
+              <a:rPr lang="en-GB" dirty="0"/>
+              <a:t> </a:t>
+            </a:r>
+            <a:r>
+              <a:rPr lang="en-GB" dirty="0" err="1"/>
+              <a:t>dla</a:t>
+            </a:r>
+            <a:r>
+              <a:rPr lang="en-GB" dirty="0"/>
+              <a:t> function-focused design.</a:t>
+            </a:r>
+          </a:p>
+          <a:p>
+            <a:r>
+              <a:rPr lang="en-GB" dirty="0" err="1"/>
+              <a:t>Projektowanie</a:t>
+            </a:r>
+            <a:r>
+              <a:rPr lang="en-GB" dirty="0"/>
+              <a:t> </a:t>
+            </a:r>
+            <a:r>
+              <a:rPr lang="en-GB" dirty="0" err="1"/>
+              <a:t>produktów</a:t>
+            </a:r>
+            <a:r>
+              <a:rPr lang="en-GB" dirty="0"/>
+              <a:t> </a:t>
+            </a:r>
+            <a:r>
+              <a:rPr lang="en-GB" dirty="0" err="1"/>
+              <a:t>wykorzystujacych</a:t>
+            </a:r>
+            <a:r>
+              <a:rPr lang="en-GB" dirty="0"/>
+              <a:t> </a:t>
+            </a:r>
+            <a:r>
+              <a:rPr lang="en-GB" dirty="0" err="1"/>
+              <a:t>gamifikację</a:t>
+            </a:r>
+            <a:r>
+              <a:rPr lang="en-GB" dirty="0"/>
+              <a:t> </a:t>
+            </a:r>
+            <a:r>
+              <a:rPr lang="en-GB" dirty="0" err="1"/>
+              <a:t>musi</a:t>
+            </a:r>
+            <a:r>
+              <a:rPr lang="en-GB" dirty="0"/>
+              <a:t> </a:t>
+            </a:r>
+            <a:r>
+              <a:rPr lang="en-GB" dirty="0" err="1"/>
+              <a:t>skupiać</a:t>
+            </a:r>
+            <a:r>
+              <a:rPr lang="en-GB" dirty="0"/>
+              <a:t> </a:t>
+            </a:r>
+            <a:r>
+              <a:rPr lang="en-GB" dirty="0" err="1"/>
+              <a:t>się</a:t>
+            </a:r>
+            <a:r>
+              <a:rPr lang="en-GB" dirty="0"/>
+              <a:t> </a:t>
+            </a:r>
+            <a:r>
+              <a:rPr lang="en-GB" dirty="0" err="1"/>
+              <a:t>na</a:t>
+            </a:r>
+            <a:r>
+              <a:rPr lang="en-GB" dirty="0"/>
+              <a:t> </a:t>
+            </a:r>
+            <a:r>
+              <a:rPr lang="en-GB" dirty="0" err="1"/>
+              <a:t>projektowaniu</a:t>
+            </a:r>
+            <a:r>
+              <a:rPr lang="en-GB" dirty="0"/>
+              <a:t> </a:t>
+            </a:r>
+            <a:r>
+              <a:rPr lang="en-GB" dirty="0" err="1"/>
+              <a:t>doświadczenia</a:t>
+            </a:r>
+            <a:r>
+              <a:rPr lang="en-GB" dirty="0"/>
+              <a:t> </a:t>
+            </a:r>
+            <a:r>
+              <a:rPr lang="en-GB" dirty="0" err="1"/>
+              <a:t>użytkownika</a:t>
+            </a:r>
+            <a:r>
+              <a:rPr lang="en-GB" dirty="0"/>
+              <a:t>. </a:t>
+            </a:r>
+            <a:r>
+              <a:rPr lang="en-GB" dirty="0" err="1"/>
+              <a:t>Dlatego</a:t>
+            </a:r>
+            <a:r>
+              <a:rPr lang="en-GB" dirty="0"/>
+              <a:t> </a:t>
+            </a:r>
+            <a:r>
+              <a:rPr lang="en-GB" dirty="0" err="1"/>
+              <a:t>bardzo</a:t>
+            </a:r>
+            <a:r>
+              <a:rPr lang="en-GB" dirty="0"/>
+              <a:t> </a:t>
+            </a:r>
+            <a:r>
+              <a:rPr lang="en-GB" dirty="0" err="1"/>
+              <a:t>wygodne</a:t>
+            </a:r>
+            <a:r>
+              <a:rPr lang="en-GB" dirty="0"/>
+              <a:t> jest </a:t>
+            </a:r>
+            <a:r>
+              <a:rPr lang="en-GB" dirty="0" err="1"/>
+              <a:t>posługiwanie</a:t>
+            </a:r>
+            <a:r>
+              <a:rPr lang="en-GB" dirty="0"/>
+              <a:t> </a:t>
+            </a:r>
+            <a:r>
+              <a:rPr lang="en-GB" dirty="0" err="1"/>
+              <a:t>się</a:t>
+            </a:r>
+            <a:r>
+              <a:rPr lang="en-GB" dirty="0"/>
+              <a:t> </a:t>
+            </a:r>
+            <a:r>
+              <a:rPr lang="en-GB" dirty="0" err="1"/>
+              <a:t>narzędziami</a:t>
+            </a:r>
+            <a:r>
+              <a:rPr lang="en-GB" dirty="0"/>
+              <a:t> </a:t>
+            </a:r>
+            <a:r>
+              <a:rPr lang="en-GB" dirty="0" err="1"/>
+              <a:t>i</a:t>
+            </a:r>
+            <a:r>
+              <a:rPr lang="en-GB" dirty="0"/>
+              <a:t> </a:t>
+            </a:r>
+            <a:r>
+              <a:rPr lang="en-GB" dirty="0" err="1"/>
+              <a:t>procesami</a:t>
+            </a:r>
+            <a:r>
+              <a:rPr lang="en-GB" dirty="0"/>
+              <a:t> UX.</a:t>
+            </a:r>
+          </a:p>
+          <a:p>
+            <a:endParaRPr lang="en-PL" dirty="0"/>
+          </a:p>
+        </p:txBody>
+      </p:sp>
+    </p:spTree>
+    <p:extLst>
+      <p:ext uri="{BB962C8B-B14F-4D97-AF65-F5344CB8AC3E}">
+        <p14:creationId xmlns:p14="http://schemas.microsoft.com/office/powerpoint/2010/main" val="2094312820"/>
+      </p:ext>
+    </p:extLst>
+  </p:cSld>
+  <p:clrMapOvr>
+    <a:masterClrMapping/>
+  </p:clrMapOvr>
+</p:sld>
+</file>
+
+<file path=ppt/slides/slide5.xml><?xml version="1.0" encoding="utf-8"?>
+<p:sld xmlns:a="http://schemas.openxmlformats.org/drawingml/2006/main" xmlns:r="http://schemas.openxmlformats.org/officeDocument/2006/relationships" xmlns:p="http://schemas.openxmlformats.org/presentationml/2006/main">
+  <p:cSld>
+    <p:spTree>
+      <p:nvGrpSpPr>
+        <p:cNvPr id="1" name=""/>
+        <p:cNvGrpSpPr/>
+        <p:nvPr/>
+      </p:nvGrpSpPr>
+      <p:grpSpPr>
+        <a:xfrm>
+          <a:off x="0" y="0"/>
+          <a:ext cx="0" cy="0"/>
+          <a:chOff x="0" y="0"/>
+          <a:chExt cx="0" cy="0"/>
+        </a:xfrm>
+      </p:grpSpPr>
+      <p:sp>
+        <p:nvSpPr>
+          <p:cNvPr id="2" name="Title 1">
+            <a:extLst>
+              <a:ext uri="{FF2B5EF4-FFF2-40B4-BE49-F238E27FC236}">
+                <a16:creationId xmlns:a16="http://schemas.microsoft.com/office/drawing/2014/main" id="{94271F11-50F2-FC41-8045-066248192EC8}"/>
+              </a:ext>
+            </a:extLst>
+          </p:cNvPr>
+          <p:cNvSpPr>
+            <a:spLocks noGrp="1"/>
+          </p:cNvSpPr>
+          <p:nvPr>
+            <p:ph type="title"/>
+          </p:nvPr>
+        </p:nvSpPr>
+        <p:spPr/>
+        <p:txBody>
+          <a:bodyPr/>
+          <a:lstStyle/>
+          <a:p>
+            <a:r>
+              <a:rPr lang="en-PL" dirty="0"/>
+              <a:t>Gamifikacja a manipulacja</a:t>
+            </a:r>
+          </a:p>
+        </p:txBody>
+      </p:sp>
+      <p:sp>
+        <p:nvSpPr>
+          <p:cNvPr id="3" name="Content Placeholder 2">
+            <a:extLst>
+              <a:ext uri="{FF2B5EF4-FFF2-40B4-BE49-F238E27FC236}">
+                <a16:creationId xmlns:a16="http://schemas.microsoft.com/office/drawing/2014/main" id="{247FE8AA-8FA0-C34E-8645-954D7E260214}"/>
+              </a:ext>
+            </a:extLst>
+          </p:cNvPr>
+          <p:cNvSpPr>
+            <a:spLocks noGrp="1"/>
+          </p:cNvSpPr>
+          <p:nvPr>
+            <p:ph idx="1"/>
+          </p:nvPr>
+        </p:nvSpPr>
+        <p:spPr>
+          <a:xfrm>
+            <a:off x="838200" y="1825625"/>
+            <a:ext cx="10515600" cy="1453603"/>
+          </a:xfrm>
+        </p:spPr>
+        <p:txBody>
+          <a:bodyPr/>
+          <a:lstStyle/>
+          <a:p>
+            <a:r>
+              <a:rPr lang="en-GB" b="1" dirty="0" err="1"/>
+              <a:t>Manipulacja</a:t>
+            </a:r>
+            <a:r>
+              <a:rPr lang="en-GB" dirty="0"/>
+              <a:t> — forma </a:t>
+            </a:r>
+            <a:r>
+              <a:rPr lang="en-GB" dirty="0" err="1"/>
+              <a:t>wywierania</a:t>
+            </a:r>
+            <a:r>
+              <a:rPr lang="en-GB" dirty="0"/>
+              <a:t> </a:t>
+            </a:r>
+            <a:r>
+              <a:rPr lang="en-GB" dirty="0" err="1"/>
+              <a:t>wpływu</a:t>
+            </a:r>
+            <a:r>
+              <a:rPr lang="en-GB" dirty="0"/>
+              <a:t> </a:t>
+            </a:r>
+            <a:r>
+              <a:rPr lang="en-GB" dirty="0" err="1"/>
+              <a:t>na</a:t>
+            </a:r>
+            <a:r>
+              <a:rPr lang="en-GB" dirty="0"/>
+              <a:t> </a:t>
+            </a:r>
+            <a:r>
+              <a:rPr lang="en-GB" dirty="0" err="1"/>
+              <a:t>osobę</a:t>
+            </a:r>
+            <a:r>
+              <a:rPr lang="en-GB" dirty="0"/>
+              <a:t> </a:t>
+            </a:r>
+            <a:r>
+              <a:rPr lang="en-GB" dirty="0" err="1"/>
+              <a:t>lub</a:t>
+            </a:r>
+            <a:r>
+              <a:rPr lang="en-GB" dirty="0"/>
+              <a:t> </a:t>
+            </a:r>
+            <a:r>
+              <a:rPr lang="en-GB" dirty="0" err="1"/>
+              <a:t>grupę</a:t>
+            </a:r>
+            <a:r>
+              <a:rPr lang="en-GB" dirty="0"/>
+              <a:t> w </a:t>
+            </a:r>
+            <a:r>
+              <a:rPr lang="en-GB" dirty="0" err="1"/>
+              <a:t>taki</a:t>
+            </a:r>
+            <a:r>
+              <a:rPr lang="en-GB" dirty="0"/>
+              <a:t> </a:t>
+            </a:r>
+            <a:r>
+              <a:rPr lang="en-GB" dirty="0" err="1"/>
+              <a:t>sposób</a:t>
+            </a:r>
+            <a:r>
+              <a:rPr lang="en-GB" dirty="0"/>
+              <a:t>, by </a:t>
+            </a:r>
+            <a:r>
+              <a:rPr lang="en-GB" dirty="0" err="1"/>
+              <a:t>nieświadomie</a:t>
+            </a:r>
+            <a:r>
+              <a:rPr lang="en-GB" dirty="0"/>
+              <a:t> </a:t>
+            </a:r>
+            <a:r>
+              <a:rPr lang="en-GB" dirty="0" err="1"/>
+              <a:t>i</a:t>
+            </a:r>
+            <a:r>
+              <a:rPr lang="en-GB" dirty="0"/>
+              <a:t> z </a:t>
+            </a:r>
+            <a:r>
+              <a:rPr lang="en-GB" dirty="0" err="1"/>
+              <a:t>własnej</a:t>
+            </a:r>
+            <a:r>
+              <a:rPr lang="en-GB" dirty="0"/>
+              <a:t> </a:t>
+            </a:r>
+            <a:r>
+              <a:rPr lang="en-GB" dirty="0" err="1"/>
+              <a:t>woli</a:t>
+            </a:r>
+            <a:r>
+              <a:rPr lang="en-GB" dirty="0"/>
+              <a:t> </a:t>
+            </a:r>
+            <a:r>
+              <a:rPr lang="en-GB" dirty="0" err="1"/>
+              <a:t>realizowała</a:t>
+            </a:r>
+            <a:r>
+              <a:rPr lang="en-GB" dirty="0"/>
+              <a:t> </a:t>
+            </a:r>
+            <a:r>
+              <a:rPr lang="en-GB" dirty="0" err="1"/>
+              <a:t>cele</a:t>
+            </a:r>
+            <a:r>
+              <a:rPr lang="en-GB" dirty="0"/>
+              <a:t> </a:t>
+            </a:r>
+            <a:r>
+              <a:rPr lang="en-GB" dirty="0" err="1"/>
+              <a:t>manipulatora</a:t>
+            </a:r>
+            <a:r>
+              <a:rPr lang="en-GB" dirty="0"/>
+              <a:t> (za Wikipedia)</a:t>
+            </a:r>
+            <a:endParaRPr lang="en-PL" dirty="0"/>
+          </a:p>
+        </p:txBody>
+      </p:sp>
+      <p:graphicFrame>
+        <p:nvGraphicFramePr>
+          <p:cNvPr id="4" name="Diagram 3">
+            <a:extLst>
+              <a:ext uri="{FF2B5EF4-FFF2-40B4-BE49-F238E27FC236}">
+                <a16:creationId xmlns:a16="http://schemas.microsoft.com/office/drawing/2014/main" id="{B6AB2794-5B2C-E24C-95DD-4D5D81FF6BCD}"/>
+              </a:ext>
+            </a:extLst>
+          </p:cNvPr>
+          <p:cNvGraphicFramePr/>
+          <p:nvPr>
+            <p:extLst>
+              <p:ext uri="{D42A27DB-BD31-4B8C-83A1-F6EECF244321}">
+                <p14:modId xmlns:p14="http://schemas.microsoft.com/office/powerpoint/2010/main" val="3766754311"/>
+              </p:ext>
+            </p:extLst>
+          </p:nvPr>
+        </p:nvGraphicFramePr>
+        <p:xfrm>
+          <a:off x="838201" y="3414165"/>
+          <a:ext cx="10319950" cy="3078710"/>
+        </p:xfrm>
+        <a:graphic>
+          <a:graphicData uri="http://schemas.openxmlformats.org/drawingml/2006/diagram">
+            <dgm:relIds xmlns:dgm="http://schemas.openxmlformats.org/drawingml/2006/diagram" xmlns:r="http://schemas.openxmlformats.org/officeDocument/2006/relationships" r:dm="rId2" r:lo="rId3" r:qs="rId4" r:cs="rId5"/>
+          </a:graphicData>
+        </a:graphic>
+      </p:graphicFrame>
+    </p:spTree>
+    <p:extLst>
+      <p:ext uri="{BB962C8B-B14F-4D97-AF65-F5344CB8AC3E}">
+        <p14:creationId xmlns:p14="http://schemas.microsoft.com/office/powerpoint/2010/main" val="3369259149"/>
+      </p:ext>
+    </p:extLst>
+  </p:cSld>
+  <p:clrMapOvr>
+    <a:masterClrMapping/>
+  </p:clrMapOvr>
+</p:sld>
+</file>
+
+<file path=ppt/slides/slide6.xml><?xml version="1.0" encoding="utf-8"?>
+<p:sld xmlns:a="http://schemas.openxmlformats.org/drawingml/2006/main" xmlns:r="http://schemas.openxmlformats.org/officeDocument/2006/relationships" xmlns:p="http://schemas.openxmlformats.org/presentationml/2006/main">
+  <p:cSld>
+    <p:spTree>
+      <p:nvGrpSpPr>
+        <p:cNvPr id="1" name=""/>
+        <p:cNvGrpSpPr/>
+        <p:nvPr/>
+      </p:nvGrpSpPr>
+      <p:grpSpPr>
+        <a:xfrm>
+          <a:off x="0" y="0"/>
+          <a:ext cx="0" cy="0"/>
+          <a:chOff x="0" y="0"/>
+          <a:chExt cx="0" cy="0"/>
+        </a:xfrm>
+      </p:grpSpPr>
+      <p:sp>
+        <p:nvSpPr>
+          <p:cNvPr id="2" name="Title 1">
+            <a:extLst>
+              <a:ext uri="{FF2B5EF4-FFF2-40B4-BE49-F238E27FC236}">
+                <a16:creationId xmlns:a16="http://schemas.microsoft.com/office/drawing/2014/main" id="{199AB2B3-206C-CD41-B198-C5DAB68765BA}"/>
+              </a:ext>
+            </a:extLst>
+          </p:cNvPr>
+          <p:cNvSpPr>
+            <a:spLocks noGrp="1"/>
+          </p:cNvSpPr>
+          <p:nvPr>
+            <p:ph type="title"/>
+          </p:nvPr>
+        </p:nvSpPr>
+        <p:spPr/>
+        <p:txBody>
+          <a:bodyPr/>
+          <a:lstStyle/>
+          <a:p>
+            <a:r>
+              <a:rPr lang="en-PL" dirty="0"/>
+              <a:t>PBL — nudna maska gamifikacji</a:t>
+            </a:r>
+          </a:p>
+        </p:txBody>
+      </p:sp>
+      <p:sp>
+        <p:nvSpPr>
+          <p:cNvPr id="3" name="Content Placeholder 2">
+            <a:extLst>
+              <a:ext uri="{FF2B5EF4-FFF2-40B4-BE49-F238E27FC236}">
+                <a16:creationId xmlns:a16="http://schemas.microsoft.com/office/drawing/2014/main" id="{9C2951DB-EE26-E24E-80A4-09A2C45AB50E}"/>
+              </a:ext>
+            </a:extLst>
+          </p:cNvPr>
+          <p:cNvSpPr>
+            <a:spLocks noGrp="1"/>
+          </p:cNvSpPr>
+          <p:nvPr>
+            <p:ph idx="1"/>
+          </p:nvPr>
+        </p:nvSpPr>
+        <p:spPr>
+          <a:xfrm>
+            <a:off x="838200" y="1825625"/>
+            <a:ext cx="10515600" cy="1603375"/>
+          </a:xfrm>
+        </p:spPr>
+        <p:txBody>
+          <a:bodyPr/>
+          <a:lstStyle/>
+          <a:p>
+            <a:r>
+              <a:rPr lang="en-GB" b="1" dirty="0"/>
+              <a:t>[P]</a:t>
+            </a:r>
+            <a:r>
+              <a:rPr lang="en-GB" dirty="0"/>
+              <a:t> </a:t>
+            </a:r>
+            <a:r>
+              <a:rPr lang="en-GB" dirty="0" err="1"/>
+              <a:t>oints</a:t>
+            </a:r>
+            <a:endParaRPr lang="en-GB" dirty="0"/>
+          </a:p>
+          <a:p>
+            <a:r>
+              <a:rPr lang="en-GB" b="1" dirty="0"/>
+              <a:t>[B]</a:t>
+            </a:r>
+            <a:r>
+              <a:rPr lang="en-GB" dirty="0"/>
+              <a:t> </a:t>
+            </a:r>
+            <a:r>
+              <a:rPr lang="en-GB" dirty="0" err="1"/>
+              <a:t>adges</a:t>
+            </a:r>
+            <a:endParaRPr lang="en-GB" dirty="0"/>
+          </a:p>
+          <a:p>
+            <a:r>
+              <a:rPr lang="en-GB" b="1" dirty="0"/>
+              <a:t>[L]</a:t>
+            </a:r>
+            <a:r>
+              <a:rPr lang="en-GB" dirty="0"/>
+              <a:t> </a:t>
+            </a:r>
+            <a:r>
+              <a:rPr lang="en-GB" dirty="0" err="1"/>
+              <a:t>eaderbords</a:t>
+            </a:r>
+            <a:endParaRPr lang="en-GB" dirty="0"/>
+          </a:p>
+        </p:txBody>
+      </p:sp>
+      <p:sp>
+        <p:nvSpPr>
+          <p:cNvPr id="4" name="Content Placeholder 2">
+            <a:extLst>
+              <a:ext uri="{FF2B5EF4-FFF2-40B4-BE49-F238E27FC236}">
+                <a16:creationId xmlns:a16="http://schemas.microsoft.com/office/drawing/2014/main" id="{76C32F7B-B091-7744-80A6-986384474EC7}"/>
+              </a:ext>
+            </a:extLst>
+          </p:cNvPr>
+          <p:cNvSpPr txBox="1">
+            <a:spLocks/>
+          </p:cNvSpPr>
+          <p:nvPr/>
+        </p:nvSpPr>
+        <p:spPr>
+          <a:xfrm>
+            <a:off x="838200" y="4634728"/>
+            <a:ext cx="10515600" cy="1603375"/>
+          </a:xfrm>
+          <a:prstGeom prst="rect">
+            <a:avLst/>
+          </a:prstGeom>
+        </p:spPr>
+        <p:txBody>
+          <a:bodyPr vert="horz" lIns="91440" tIns="45720" rIns="91440" bIns="45720" rtlCol="0">
+            <a:normAutofit/>
+          </a:bodyPr>
+          <a:lstStyle>
+            <a:lvl1pPr marL="228600" indent="-228600" algn="l" defTabSz="914400" rtl="0" eaLnBrk="1" latinLnBrk="0" hangingPunct="1">
+              <a:lnSpc>
+                <a:spcPct val="90000"/>
+              </a:lnSpc>
+              <a:spcBef>
+                <a:spcPts val="1000"/>
+              </a:spcBef>
+              <a:buFont typeface="Arial" panose="020B0604020202020204" pitchFamily="34" charset="0"/>
+              <a:buChar char="•"/>
+              <a:defRPr sz="2800" kern="1200">
+                <a:solidFill>
+                  <a:schemeClr val="tx1"/>
+                </a:solidFill>
+                <a:latin typeface="+mn-lt"/>
+                <a:ea typeface="+mn-ea"/>
+                <a:cs typeface="+mn-cs"/>
+              </a:defRPr>
+            </a:lvl1pPr>
+            <a:lvl2pPr marL="685800" indent="-228600" algn="l" defTabSz="914400" rtl="0" eaLnBrk="1" latinLnBrk="0" hangingPunct="1">
+              <a:lnSpc>
+                <a:spcPct val="90000"/>
+              </a:lnSpc>
+              <a:spcBef>
+                <a:spcPts val="500"/>
+              </a:spcBef>
+              <a:buFont typeface="Arial" panose="020B0604020202020204" pitchFamily="34" charset="0"/>
+              <a:buChar char="•"/>
+              <a:defRPr sz="2400" kern="1200">
+                <a:solidFill>
+                  <a:schemeClr val="tx1"/>
+                </a:solidFill>
+                <a:latin typeface="+mn-lt"/>
+                <a:ea typeface="+mn-ea"/>
+                <a:cs typeface="+mn-cs"/>
+              </a:defRPr>
+            </a:lvl2pPr>
+            <a:lvl3pPr marL="1143000" indent="-228600" algn="l" defTabSz="914400" rtl="0" eaLnBrk="1" latinLnBrk="0" hangingPunct="1">
+              <a:lnSpc>
+                <a:spcPct val="90000"/>
+              </a:lnSpc>
+              <a:spcBef>
+                <a:spcPts val="500"/>
+              </a:spcBef>
+              <a:buFont typeface="Arial" panose="020B0604020202020204" pitchFamily="34" charset="0"/>
+              <a:buChar char="•"/>
+              <a:defRPr sz="2000" kern="1200">
+                <a:solidFill>
+                  <a:schemeClr val="tx1"/>
+                </a:solidFill>
+                <a:latin typeface="+mn-lt"/>
+                <a:ea typeface="+mn-ea"/>
+                <a:cs typeface="+mn-cs"/>
+              </a:defRPr>
+            </a:lvl3pPr>
+            <a:lvl4pPr marL="1600200" indent="-228600" algn="l" defTabSz="914400" rtl="0" eaLnBrk="1" latinLnBrk="0" hangingPunct="1">
+              <a:lnSpc>
+                <a:spcPct val="90000"/>
+              </a:lnSpc>
+              <a:spcBef>
+                <a:spcPts val="500"/>
+              </a:spcBef>
+              <a:buFont typeface="Arial" panose="020B0604020202020204" pitchFamily="34" charset="0"/>
+              <a:buChar char="•"/>
+              <a:defRPr sz="1800" kern="1200">
+                <a:solidFill>
+                  <a:schemeClr val="tx1"/>
+                </a:solidFill>
+                <a:latin typeface="+mn-lt"/>
+                <a:ea typeface="+mn-ea"/>
+                <a:cs typeface="+mn-cs"/>
+              </a:defRPr>
+            </a:lvl4pPr>
+            <a:lvl5pPr marL="2057400" indent="-228600" algn="l" defTabSz="914400" rtl="0" eaLnBrk="1" latinLnBrk="0" hangingPunct="1">
+              <a:lnSpc>
+                <a:spcPct val="90000"/>
+              </a:lnSpc>
+              <a:spcBef>
+                <a:spcPts val="500"/>
+              </a:spcBef>
+              <a:buFont typeface="Arial" panose="020B0604020202020204" pitchFamily="34" charset="0"/>
+              <a:buChar char="•"/>
+              <a:defRPr sz="1800" kern="1200">
+                <a:solidFill>
+                  <a:schemeClr val="tx1"/>
+                </a:solidFill>
+                <a:latin typeface="+mn-lt"/>
+                <a:ea typeface="+mn-ea"/>
+                <a:cs typeface="+mn-cs"/>
+              </a:defRPr>
+            </a:lvl5pPr>
+            <a:lvl6pPr marL="2514600" indent="-228600" algn="l" defTabSz="914400" rtl="0" eaLnBrk="1" latinLnBrk="0" hangingPunct="1">
+              <a:lnSpc>
+                <a:spcPct val="90000"/>
+              </a:lnSpc>
+              <a:spcBef>
+                <a:spcPts val="500"/>
+              </a:spcBef>
+              <a:buFont typeface="Arial" panose="020B0604020202020204" pitchFamily="34" charset="0"/>
+              <a:buChar char="•"/>
+              <a:defRPr sz="1800" kern="1200">
+                <a:solidFill>
+                  <a:schemeClr val="tx1"/>
+                </a:solidFill>
+                <a:latin typeface="+mn-lt"/>
+                <a:ea typeface="+mn-ea"/>
+                <a:cs typeface="+mn-cs"/>
+              </a:defRPr>
+            </a:lvl6pPr>
+            <a:lvl7pPr marL="2971800" indent="-228600" algn="l" defTabSz="914400" rtl="0" eaLnBrk="1" latinLnBrk="0" hangingPunct="1">
+              <a:lnSpc>
+                <a:spcPct val="90000"/>
+              </a:lnSpc>
+              <a:spcBef>
+                <a:spcPts val="500"/>
+              </a:spcBef>
+              <a:buFont typeface="Arial" panose="020B0604020202020204" pitchFamily="34" charset="0"/>
+              <a:buChar char="•"/>
+              <a:defRPr sz="1800" kern="1200">
+                <a:solidFill>
+                  <a:schemeClr val="tx1"/>
+                </a:solidFill>
+                <a:latin typeface="+mn-lt"/>
+                <a:ea typeface="+mn-ea"/>
+                <a:cs typeface="+mn-cs"/>
+              </a:defRPr>
+            </a:lvl7pPr>
+            <a:lvl8pPr marL="3429000" indent="-228600" algn="l" defTabSz="914400" rtl="0" eaLnBrk="1" latinLnBrk="0" hangingPunct="1">
+              <a:lnSpc>
+                <a:spcPct val="90000"/>
+              </a:lnSpc>
+              <a:spcBef>
+                <a:spcPts val="500"/>
+              </a:spcBef>
+              <a:buFont typeface="Arial" panose="020B0604020202020204" pitchFamily="34" charset="0"/>
+              <a:buChar char="•"/>
+              <a:defRPr sz="1800" kern="1200">
+                <a:solidFill>
+                  <a:schemeClr val="tx1"/>
+                </a:solidFill>
+                <a:latin typeface="+mn-lt"/>
+                <a:ea typeface="+mn-ea"/>
+                <a:cs typeface="+mn-cs"/>
+              </a:defRPr>
+            </a:lvl8pPr>
+            <a:lvl9pPr marL="3886200" indent="-228600" algn="l" defTabSz="914400" rtl="0" eaLnBrk="1" latinLnBrk="0" hangingPunct="1">
+              <a:lnSpc>
+                <a:spcPct val="90000"/>
+              </a:lnSpc>
+              <a:spcBef>
+                <a:spcPts val="500"/>
+              </a:spcBef>
+              <a:buFont typeface="Arial" panose="020B0604020202020204" pitchFamily="34" charset="0"/>
+              <a:buChar char="•"/>
+              <a:defRPr sz="1800" kern="1200">
+                <a:solidFill>
+                  <a:schemeClr val="tx1"/>
+                </a:solidFill>
+                <a:latin typeface="+mn-lt"/>
+                <a:ea typeface="+mn-ea"/>
+                <a:cs typeface="+mn-cs"/>
+              </a:defRPr>
+            </a:lvl9pPr>
+          </a:lstStyle>
+          <a:p>
+            <a:r>
+              <a:rPr lang="en-GB" b="1" dirty="0" err="1"/>
+              <a:t>Są</a:t>
+            </a:r>
+            <a:r>
+              <a:rPr lang="en-GB" b="1" dirty="0"/>
+              <a:t> </a:t>
+            </a:r>
+            <a:r>
+              <a:rPr lang="en-GB" b="1" dirty="0" err="1"/>
+              <a:t>skuteczne</a:t>
+            </a:r>
+            <a:r>
+              <a:rPr lang="en-GB" b="1" dirty="0"/>
+              <a:t>, ale </a:t>
+            </a:r>
+            <a:r>
+              <a:rPr lang="en-GB" b="1" dirty="0" err="1"/>
+              <a:t>czy</a:t>
+            </a:r>
+            <a:r>
+              <a:rPr lang="en-GB" b="1" dirty="0"/>
+              <a:t> </a:t>
+            </a:r>
+            <a:r>
+              <a:rPr lang="en-GB" b="1" dirty="0" err="1"/>
+              <a:t>tylko</a:t>
+            </a:r>
+            <a:r>
+              <a:rPr lang="en-GB" b="1" dirty="0"/>
+              <a:t> </a:t>
+            </a:r>
+            <a:r>
+              <a:rPr lang="en-GB" b="1" dirty="0" err="1"/>
+              <a:t>na</a:t>
+            </a:r>
+            <a:r>
+              <a:rPr lang="en-GB" b="1" dirty="0"/>
+              <a:t> </a:t>
+            </a:r>
+            <a:r>
+              <a:rPr lang="en-GB" b="1" dirty="0" err="1"/>
+              <a:t>tyle</a:t>
+            </a:r>
+            <a:r>
+              <a:rPr lang="en-GB" b="1" dirty="0"/>
+              <a:t> </a:t>
+            </a:r>
+            <a:r>
+              <a:rPr lang="en-GB" b="1" dirty="0" err="1"/>
+              <a:t>nas</a:t>
+            </a:r>
+            <a:r>
+              <a:rPr lang="en-GB" b="1" dirty="0"/>
+              <a:t> </a:t>
+            </a:r>
+            <a:r>
+              <a:rPr lang="en-GB" b="1" dirty="0" err="1"/>
+              <a:t>stać</a:t>
+            </a:r>
+            <a:r>
+              <a:rPr lang="en-GB" b="1" dirty="0"/>
+              <a:t>?</a:t>
+            </a:r>
+          </a:p>
+          <a:p>
+            <a:r>
+              <a:rPr lang="en-GB" dirty="0"/>
+              <a:t>Co </a:t>
+            </a:r>
+            <a:r>
+              <a:rPr lang="en-GB" dirty="0" err="1"/>
+              <a:t>zatem</a:t>
+            </a:r>
+            <a:r>
+              <a:rPr lang="en-GB" dirty="0"/>
+              <a:t> z </a:t>
+            </a:r>
+            <a:r>
+              <a:rPr lang="en-GB" dirty="0" err="1"/>
+              <a:t>wewnętrzną</a:t>
+            </a:r>
+            <a:r>
+              <a:rPr lang="en-GB" dirty="0"/>
+              <a:t> </a:t>
+            </a:r>
+            <a:r>
+              <a:rPr lang="en-GB" dirty="0" err="1"/>
+              <a:t>motywacją</a:t>
+            </a:r>
+            <a:r>
+              <a:rPr lang="en-GB" dirty="0"/>
+              <a:t>?</a:t>
+            </a:r>
+          </a:p>
+        </p:txBody>
+      </p:sp>
+    </p:spTree>
+    <p:extLst>
+      <p:ext uri="{BB962C8B-B14F-4D97-AF65-F5344CB8AC3E}">
+        <p14:creationId xmlns:p14="http://schemas.microsoft.com/office/powerpoint/2010/main" val="2624612608"/>
+      </p:ext>
+    </p:extLst>
+  </p:cSld>
+  <p:clrMapOvr>
+    <a:masterClrMapping/>
+  </p:clrMapOvr>
+</p:sld>
+</file>
+
+<file path=ppt/slides/slide7.xml><?xml version="1.0" encoding="utf-8"?>
+<p:sld xmlns:a="http://schemas.openxmlformats.org/drawingml/2006/main" xmlns:r="http://schemas.openxmlformats.org/officeDocument/2006/relationships" xmlns:p="http://schemas.openxmlformats.org/presentationml/2006/main">
+  <p:cSld>
+    <p:spTree>
+      <p:nvGrpSpPr>
+        <p:cNvPr id="1" name=""/>
+        <p:cNvGrpSpPr/>
+        <p:nvPr/>
+      </p:nvGrpSpPr>
+      <p:grpSpPr>
+        <a:xfrm>
+          <a:off x="0" y="0"/>
+          <a:ext cx="0" cy="0"/>
+          <a:chOff x="0" y="0"/>
+          <a:chExt cx="0" cy="0"/>
+        </a:xfrm>
+      </p:grpSpPr>
+      <p:sp>
+        <p:nvSpPr>
+          <p:cNvPr id="2" name="Title 1">
+            <a:extLst>
+              <a:ext uri="{FF2B5EF4-FFF2-40B4-BE49-F238E27FC236}">
+                <a16:creationId xmlns:a16="http://schemas.microsoft.com/office/drawing/2014/main" id="{289CDFF9-7FD1-5243-A930-1BE6EF54AE15}"/>
+              </a:ext>
+            </a:extLst>
+          </p:cNvPr>
+          <p:cNvSpPr>
+            <a:spLocks noGrp="1"/>
+          </p:cNvSpPr>
+          <p:nvPr>
+            <p:ph type="title"/>
+          </p:nvPr>
+        </p:nvSpPr>
+        <p:spPr/>
+        <p:txBody>
+          <a:bodyPr/>
+          <a:lstStyle/>
+          <a:p>
+            <a:pPr algn="ctr"/>
+            <a:r>
+              <a:rPr lang="en-PL" dirty="0"/>
+              <a:t>Zynga — Data Driven Design</a:t>
+            </a:r>
+          </a:p>
+        </p:txBody>
+      </p:sp>
+      <p:sp>
+        <p:nvSpPr>
+          <p:cNvPr id="3" name="Content Placeholder 2">
+            <a:extLst>
+              <a:ext uri="{FF2B5EF4-FFF2-40B4-BE49-F238E27FC236}">
+                <a16:creationId xmlns:a16="http://schemas.microsoft.com/office/drawing/2014/main" id="{8C975306-9F4C-C844-A0F2-DAC5DFCD3202}"/>
+              </a:ext>
+            </a:extLst>
+          </p:cNvPr>
+          <p:cNvSpPr>
+            <a:spLocks noGrp="1"/>
+          </p:cNvSpPr>
+          <p:nvPr>
+            <p:ph idx="1"/>
+          </p:nvPr>
+        </p:nvSpPr>
+        <p:spPr/>
+        <p:txBody>
+          <a:bodyPr/>
+          <a:lstStyle/>
+          <a:p>
+            <a:pPr marL="514350" indent="-514350">
+              <a:buFont typeface="+mj-lt"/>
+              <a:buAutoNum type="arabicPeriod"/>
+            </a:pPr>
+            <a:r>
+              <a:rPr lang="en-PL" dirty="0"/>
+              <a:t>Zastosowanie metody naukowej</a:t>
+            </a:r>
+          </a:p>
+          <a:p>
+            <a:pPr marL="514350" indent="-514350">
+              <a:buFont typeface="+mj-lt"/>
+              <a:buAutoNum type="arabicPeriod"/>
+            </a:pPr>
+            <a:r>
+              <a:rPr lang="en-PL" dirty="0"/>
+              <a:t>Olbrzymi zbiór danych</a:t>
+            </a:r>
+          </a:p>
+          <a:p>
+            <a:pPr marL="514350" indent="-514350">
+              <a:buFont typeface="+mj-lt"/>
+              <a:buAutoNum type="arabicPeriod"/>
+            </a:pPr>
+            <a:r>
+              <a:rPr lang="en-PL" dirty="0"/>
+              <a:t>Testy A/B (badanie prospektywne!)</a:t>
+            </a:r>
+          </a:p>
+          <a:p>
+            <a:pPr marL="514350" indent="-514350">
+              <a:buFont typeface="+mj-lt"/>
+              <a:buAutoNum type="arabicPeriod"/>
+            </a:pPr>
+            <a:r>
+              <a:rPr lang="en-PL" dirty="0"/>
+              <a:t>Prawidłowa metoda naukowa</a:t>
+            </a:r>
+          </a:p>
+          <a:p>
+            <a:pPr marL="514350" indent="-514350">
+              <a:buFont typeface="+mj-lt"/>
+              <a:buAutoNum type="arabicPeriod"/>
+            </a:pPr>
+            <a:r>
+              <a:rPr lang="en-PL" dirty="0"/>
+              <a:t>Szybki efekt</a:t>
+            </a:r>
+          </a:p>
+          <a:p>
+            <a:pPr marL="514350" indent="-514350">
+              <a:buFont typeface="+mj-lt"/>
+              <a:buAutoNum type="arabicPeriod"/>
+            </a:pPr>
+            <a:r>
+              <a:rPr lang="en-PL" dirty="0"/>
+              <a:t>Strata milionów dolarów</a:t>
+            </a:r>
+          </a:p>
+        </p:txBody>
+      </p:sp>
+    </p:spTree>
+    <p:extLst>
+      <p:ext uri="{BB962C8B-B14F-4D97-AF65-F5344CB8AC3E}">
+        <p14:creationId xmlns:p14="http://schemas.microsoft.com/office/powerpoint/2010/main" val="152486801"/>
+      </p:ext>
+    </p:extLst>
+  </p:cSld>
+  <p:clrMapOvr>
+    <a:masterClrMapping/>
+  </p:clrMapOvr>
+</p:sld>
+</file>
+
+<file path=ppt/slides/slide8.xml><?xml version="1.0" encoding="utf-8"?>
+<p:sld xmlns:a="http://schemas.openxmlformats.org/drawingml/2006/main" xmlns:r="http://schemas.openxmlformats.org/officeDocument/2006/relationships" xmlns:p="http://schemas.openxmlformats.org/presentationml/2006/main">
+  <p:cSld>
+    <p:spTree>
+      <p:nvGrpSpPr>
+        <p:cNvPr id="1" name=""/>
+        <p:cNvGrpSpPr/>
+        <p:nvPr/>
+      </p:nvGrpSpPr>
+      <p:grpSpPr>
+        <a:xfrm>
+          <a:off x="0" y="0"/>
+          <a:ext cx="0" cy="0"/>
+          <a:chOff x="0" y="0"/>
+          <a:chExt cx="0" cy="0"/>
+        </a:xfrm>
+      </p:grpSpPr>
+      <p:sp>
+        <p:nvSpPr>
+          <p:cNvPr id="2" name="Title 1">
+            <a:extLst>
+              <a:ext uri="{FF2B5EF4-FFF2-40B4-BE49-F238E27FC236}">
+                <a16:creationId xmlns:a16="http://schemas.microsoft.com/office/drawing/2014/main" id="{289CDFF9-7FD1-5243-A930-1BE6EF54AE15}"/>
+              </a:ext>
+            </a:extLst>
+          </p:cNvPr>
+          <p:cNvSpPr>
+            <a:spLocks noGrp="1"/>
+          </p:cNvSpPr>
+          <p:nvPr>
+            <p:ph type="title"/>
+          </p:nvPr>
+        </p:nvSpPr>
+        <p:spPr/>
+        <p:txBody>
+          <a:bodyPr/>
+          <a:lstStyle/>
+          <a:p>
+            <a:pPr algn="ctr"/>
+            <a:r>
+              <a:rPr lang="en-PL" dirty="0"/>
+              <a:t>Zynga — Data Driven Design</a:t>
+            </a:r>
+          </a:p>
+        </p:txBody>
+      </p:sp>
+      <p:sp>
+        <p:nvSpPr>
+          <p:cNvPr id="3" name="Content Placeholder 2">
+            <a:extLst>
+              <a:ext uri="{FF2B5EF4-FFF2-40B4-BE49-F238E27FC236}">
+                <a16:creationId xmlns:a16="http://schemas.microsoft.com/office/drawing/2014/main" id="{8C975306-9F4C-C844-A0F2-DAC5DFCD3202}"/>
+              </a:ext>
+            </a:extLst>
+          </p:cNvPr>
+          <p:cNvSpPr>
+            <a:spLocks noGrp="1"/>
+          </p:cNvSpPr>
+          <p:nvPr>
+            <p:ph idx="1"/>
+          </p:nvPr>
+        </p:nvSpPr>
+        <p:spPr>
+          <a:xfrm>
+            <a:off x="838200" y="1825625"/>
+            <a:ext cx="10515600" cy="1603375"/>
+          </a:xfrm>
+        </p:spPr>
+        <p:txBody>
+          <a:bodyPr/>
+          <a:lstStyle/>
+          <a:p>
+            <a:pPr marL="514350" indent="-514350">
+              <a:buFont typeface="+mj-lt"/>
+              <a:buAutoNum type="arabicPeriod"/>
+            </a:pPr>
+            <a:r>
+              <a:rPr lang="en-PL" dirty="0"/>
+              <a:t>Zastosowanie metody naukowej</a:t>
+            </a:r>
+          </a:p>
+          <a:p>
+            <a:pPr marL="514350" indent="-514350">
+              <a:buFont typeface="+mj-lt"/>
+              <a:buAutoNum type="arabicPeriod"/>
+            </a:pPr>
+            <a:r>
+              <a:rPr lang="en-PL" dirty="0"/>
+              <a:t>Olbrzymi zbiór danych</a:t>
+            </a:r>
+          </a:p>
+          <a:p>
+            <a:pPr marL="514350" indent="-514350">
+              <a:buFont typeface="+mj-lt"/>
+              <a:buAutoNum type="arabicPeriod"/>
+            </a:pPr>
+            <a:r>
+              <a:rPr lang="en-PL" dirty="0"/>
+              <a:t>Testy A/B (badanie prospektywne!)</a:t>
+            </a:r>
+          </a:p>
+        </p:txBody>
+      </p:sp>
+    </p:spTree>
+    <p:extLst>
+      <p:ext uri="{BB962C8B-B14F-4D97-AF65-F5344CB8AC3E}">
+        <p14:creationId xmlns:p14="http://schemas.microsoft.com/office/powerpoint/2010/main" val="4175321337"/>
+      </p:ext>
+    </p:extLst>
+  </p:cSld>
+  <p:clrMapOvr>
+    <a:masterClrMapping/>
+  </p:clrMapOvr>
+</p:sld>
+</file>
+
+<file path=ppt/slides/slide9.xml><?xml version="1.0" encoding="utf-8"?>
+<p:sld xmlns:a="http://schemas.openxmlformats.org/drawingml/2006/main" xmlns:r="http://schemas.openxmlformats.org/officeDocument/2006/relationships" xmlns:p="http://schemas.openxmlformats.org/presentationml/2006/main">
+  <p:cSld>
+    <p:spTree>
+      <p:nvGrpSpPr>
+        <p:cNvPr id="1" name=""/>
+        <p:cNvGrpSpPr/>
+        <p:nvPr/>
+      </p:nvGrpSpPr>
+      <p:grpSpPr>
+        <a:xfrm>
+          <a:off x="0" y="0"/>
+          <a:ext cx="0" cy="0"/>
+          <a:chOff x="0" y="0"/>
+          <a:chExt cx="0" cy="0"/>
+        </a:xfrm>
+      </p:grpSpPr>
+      <p:sp>
+        <p:nvSpPr>
+          <p:cNvPr id="3" name="Content Placeholder 2">
+            <a:extLst>
+              <a:ext uri="{FF2B5EF4-FFF2-40B4-BE49-F238E27FC236}">
+                <a16:creationId xmlns:a16="http://schemas.microsoft.com/office/drawing/2014/main" id="{3DA2728B-A943-504F-BC19-B43398B90670}"/>
+              </a:ext>
+            </a:extLst>
+          </p:cNvPr>
+          <p:cNvSpPr>
+            <a:spLocks noGrp="1"/>
+          </p:cNvSpPr>
+          <p:nvPr>
+            <p:ph idx="1"/>
+          </p:nvPr>
+        </p:nvSpPr>
+        <p:spPr/>
+        <p:txBody>
+          <a:bodyPr>
+            <a:normAutofit/>
+          </a:bodyPr>
+          <a:lstStyle/>
+          <a:p>
+            <a:r>
+              <a:rPr lang="en-GB" dirty="0" err="1"/>
+              <a:t>Pierwsza</a:t>
+            </a:r>
+            <a:r>
+              <a:rPr lang="en-GB" dirty="0"/>
+              <a:t> </a:t>
+            </a:r>
+            <a:r>
+              <a:rPr lang="en-GB" dirty="0" err="1"/>
+              <a:t>gra</a:t>
+            </a:r>
+            <a:r>
+              <a:rPr lang="en-GB" dirty="0"/>
+              <a:t>: Texas </a:t>
+            </a:r>
+            <a:r>
+              <a:rPr lang="en-GB" dirty="0" err="1"/>
+              <a:t>Hold'em</a:t>
+            </a:r>
+            <a:r>
+              <a:rPr lang="en-GB" dirty="0"/>
+              <a:t> Poker </a:t>
+            </a:r>
+            <a:r>
+              <a:rPr lang="en-GB" dirty="0" err="1"/>
+              <a:t>na</a:t>
+            </a:r>
+            <a:r>
+              <a:rPr lang="en-GB" dirty="0"/>
+              <a:t> </a:t>
+            </a:r>
+            <a:r>
+              <a:rPr lang="en-GB" dirty="0" err="1"/>
+              <a:t>Facebooku</a:t>
+            </a:r>
+            <a:r>
+              <a:rPr lang="en-GB" dirty="0"/>
+              <a:t> — 40 </a:t>
+            </a:r>
+            <a:r>
+              <a:rPr lang="en-GB" dirty="0" err="1"/>
+              <a:t>mln</a:t>
+            </a:r>
+            <a:r>
+              <a:rPr lang="en-GB" dirty="0"/>
+              <a:t> </a:t>
+            </a:r>
+            <a:r>
+              <a:rPr lang="en-GB" dirty="0" err="1"/>
+              <a:t>aktywnych</a:t>
+            </a:r>
+            <a:r>
+              <a:rPr lang="en-GB" dirty="0"/>
+              <a:t> </a:t>
+            </a:r>
+            <a:r>
+              <a:rPr lang="en-GB" dirty="0" err="1"/>
+              <a:t>użytkowników</a:t>
+            </a:r>
+            <a:r>
+              <a:rPr lang="en-GB" dirty="0"/>
+              <a:t> w </a:t>
+            </a:r>
+            <a:r>
+              <a:rPr lang="en-GB" dirty="0" err="1"/>
+              <a:t>kwietniu</a:t>
+            </a:r>
+            <a:r>
+              <a:rPr lang="en-GB" dirty="0"/>
+              <a:t> 2009. </a:t>
+            </a:r>
+            <a:r>
+              <a:rPr lang="en-GB" dirty="0" err="1"/>
+              <a:t>Była</a:t>
+            </a:r>
+            <a:r>
+              <a:rPr lang="en-GB" dirty="0"/>
+              <a:t> to </a:t>
+            </a:r>
+            <a:r>
+              <a:rPr lang="en-GB" dirty="0" err="1"/>
+              <a:t>pierwsza</a:t>
+            </a:r>
+            <a:r>
+              <a:rPr lang="en-GB" dirty="0"/>
+              <a:t> </a:t>
+            </a:r>
+            <a:r>
+              <a:rPr lang="en-GB" dirty="0" err="1"/>
+              <a:t>gra</a:t>
+            </a:r>
+            <a:r>
+              <a:rPr lang="en-GB" dirty="0"/>
+              <a:t> </a:t>
+            </a:r>
+            <a:r>
+              <a:rPr lang="en-GB" dirty="0" err="1"/>
+              <a:t>na</a:t>
+            </a:r>
+            <a:r>
+              <a:rPr lang="en-GB" dirty="0"/>
+              <a:t> </a:t>
+            </a:r>
+            <a:r>
+              <a:rPr lang="en-GB" dirty="0" err="1"/>
+              <a:t>platformie</a:t>
+            </a:r>
+            <a:r>
+              <a:rPr lang="en-GB" dirty="0"/>
+              <a:t> Facebook</a:t>
+            </a:r>
+          </a:p>
+          <a:p>
+            <a:r>
+              <a:rPr lang="en-GB" dirty="0"/>
+              <a:t>Farmville — 80 </a:t>
+            </a:r>
+            <a:r>
+              <a:rPr lang="en-GB" dirty="0" err="1"/>
+              <a:t>mln</a:t>
+            </a:r>
+            <a:r>
+              <a:rPr lang="en-GB" dirty="0"/>
+              <a:t> </a:t>
+            </a:r>
+            <a:r>
+              <a:rPr lang="en-GB" dirty="0" err="1"/>
+              <a:t>użytkowników</a:t>
+            </a:r>
+            <a:r>
+              <a:rPr lang="en-GB" dirty="0"/>
+              <a:t> w </a:t>
+            </a:r>
+            <a:r>
+              <a:rPr lang="en-GB" dirty="0" err="1"/>
+              <a:t>ciąg</a:t>
+            </a:r>
+            <a:r>
+              <a:rPr lang="en-GB" dirty="0"/>
+              <a:t> 6 </a:t>
+            </a:r>
+            <a:r>
+              <a:rPr lang="en-GB" dirty="0" err="1"/>
+              <a:t>miesięcy</a:t>
+            </a:r>
+            <a:r>
+              <a:rPr lang="en-GB" dirty="0"/>
+              <a:t> (</a:t>
+            </a:r>
+            <a:r>
+              <a:rPr lang="en-GB" dirty="0" err="1"/>
+              <a:t>Czerwiec</a:t>
+            </a:r>
+            <a:r>
+              <a:rPr lang="en-GB" dirty="0"/>
+              <a:t> 2009 - </a:t>
+            </a:r>
+            <a:r>
+              <a:rPr lang="en-GB" dirty="0" err="1"/>
+              <a:t>Luty</a:t>
+            </a:r>
+            <a:r>
+              <a:rPr lang="en-GB" dirty="0"/>
+              <a:t> 2010)</a:t>
+            </a:r>
+          </a:p>
+          <a:p>
+            <a:r>
+              <a:rPr lang="en-GB" dirty="0" err="1"/>
+              <a:t>Cityville</a:t>
+            </a:r>
+            <a:r>
+              <a:rPr lang="en-GB" dirty="0"/>
+              <a:t> — 2010, 61 </a:t>
+            </a:r>
+            <a:r>
+              <a:rPr lang="en-GB" dirty="0" err="1"/>
+              <a:t>mln</a:t>
+            </a:r>
+            <a:r>
+              <a:rPr lang="en-GB" dirty="0"/>
+              <a:t> </a:t>
+            </a:r>
+            <a:r>
+              <a:rPr lang="en-GB" dirty="0" err="1"/>
+              <a:t>użytkowników</a:t>
+            </a:r>
+            <a:r>
+              <a:rPr lang="en-GB" dirty="0"/>
+              <a:t> </a:t>
+            </a:r>
+            <a:r>
+              <a:rPr lang="en-GB" dirty="0" err="1"/>
+              <a:t>miesięcznie</a:t>
+            </a:r>
+            <a:r>
+              <a:rPr lang="en-GB" dirty="0"/>
+              <a:t>, 16 </a:t>
+            </a:r>
+            <a:r>
+              <a:rPr lang="en-GB" dirty="0" err="1"/>
+              <a:t>mln</a:t>
+            </a:r>
+            <a:r>
+              <a:rPr lang="en-GB" dirty="0"/>
+              <a:t> </a:t>
+            </a:r>
+            <a:r>
+              <a:rPr lang="en-GB" dirty="0" err="1"/>
+              <a:t>dziennie</a:t>
+            </a:r>
+            <a:endParaRPr lang="en-GB" dirty="0"/>
+          </a:p>
+          <a:p>
+            <a:r>
+              <a:rPr lang="en-GB" dirty="0"/>
+              <a:t>2011, 2012 — IPO, </a:t>
+            </a:r>
+            <a:r>
+              <a:rPr lang="en-GB" dirty="0" err="1"/>
+              <a:t>ekspansja</a:t>
+            </a:r>
+            <a:br>
+              <a:rPr lang="en-GB" dirty="0"/>
+            </a:br>
+            <a:endParaRPr lang="en-PL" dirty="0"/>
+          </a:p>
+        </p:txBody>
+      </p:sp>
+    </p:spTree>
+    <p:extLst>
+      <p:ext uri="{BB962C8B-B14F-4D97-AF65-F5344CB8AC3E}">
+        <p14:creationId xmlns:p14="http://schemas.microsoft.com/office/powerpoint/2010/main" val="348596062"/>
       </p:ext>
     </p:extLst>
   </p:cSld>
